--- a/eos/02.설계/TEOSPI-스케줄화면정의서_v0.7.pptx
+++ b/eos/02.설계/TEOSPI-스케줄화면정의서_v0.7.pptx
@@ -10626,35 +10626,35 @@
           <p:nvPr>
             <p:extLst>
               <p:ext uri="{D42A27DB-BD31-4B8C-83A1-F6EECF244321}">
-                <p14:modId xmlns:p14="http://schemas.microsoft.com/office/powerpoint/2010/main" val="2558554130"/>
+                <p14:modId xmlns:p14="http://schemas.microsoft.com/office/powerpoint/2010/main" val="3645194754"/>
               </p:ext>
             </p:extLst>
           </p:nvPr>
         </p:nvGraphicFramePr>
         <p:xfrm>
-          <a:off x="2863230" y="1679119"/>
-          <a:ext cx="3503249" cy="1207284"/>
+          <a:off x="2863230" y="1864915"/>
+          <a:ext cx="3673943" cy="1207284"/>
         </p:xfrm>
         <a:graphic>
           <a:graphicData uri="http://schemas.openxmlformats.org/drawingml/2006/table">
             <a:tbl>
               <a:tblPr firstRow="1" bandRow="1"/>
               <a:tblGrid>
-                <a:gridCol w="1199008">
+                <a:gridCol w="1257429">
                   <a:extLst>
                     <a:ext uri="{9D8B030D-6E8A-4147-A177-3AD203B41FA5}">
                       <a16:colId xmlns:a16="http://schemas.microsoft.com/office/drawing/2014/main" val="20000"/>
                     </a:ext>
                   </a:extLst>
                 </a:gridCol>
-                <a:gridCol w="907904">
+                <a:gridCol w="952141">
                   <a:extLst>
                     <a:ext uri="{9D8B030D-6E8A-4147-A177-3AD203B41FA5}">
                       <a16:colId xmlns:a16="http://schemas.microsoft.com/office/drawing/2014/main" val="3440055658"/>
                     </a:ext>
                   </a:extLst>
                 </a:gridCol>
-                <a:gridCol w="1396337">
+                <a:gridCol w="1464373">
                   <a:extLst>
                     <a:ext uri="{9D8B030D-6E8A-4147-A177-3AD203B41FA5}">
                       <a16:colId xmlns:a16="http://schemas.microsoft.com/office/drawing/2014/main" val="2218973148"/>
@@ -10771,22 +10771,13 @@
                         <a:defRPr/>
                       </a:pPr>
                       <a:r>
-                        <a:rPr lang="en-US" altLang="ko-KR" sz="800">
-                          <a:solidFill>
-                            <a:prstClr val="black"/>
-                          </a:solidFill>
-                          <a:cs typeface="Times New Roman" panose="02020603050405020304" pitchFamily="18" charset="0"/>
-                        </a:rPr>
-                        <a:t>RU</a:t>
-                      </a:r>
-                      <a:r>
                         <a:rPr lang="ko-KR" altLang="en-US" sz="800">
                           <a:solidFill>
                             <a:prstClr val="black"/>
                           </a:solidFill>
                           <a:cs typeface="Times New Roman" panose="02020603050405020304" pitchFamily="18" charset="0"/>
                         </a:rPr>
-                        <a:t>갯수 가중치</a:t>
+                        <a:t>잡 가중치</a:t>
                       </a:r>
                       <a:endParaRPr lang="ko-KR" altLang="en-US" sz="800" b="0" kern="1200" dirty="0">
                         <a:solidFill>
@@ -10987,22 +10978,13 @@
                         <a:defRPr/>
                       </a:pPr>
                       <a:r>
-                        <a:rPr lang="en-US" altLang="ko-KR" sz="800">
-                          <a:solidFill>
-                            <a:prstClr val="black"/>
-                          </a:solidFill>
-                          <a:cs typeface="Times New Roman" panose="02020603050405020304" pitchFamily="18" charset="0"/>
-                        </a:rPr>
-                        <a:t>RU</a:t>
-                      </a:r>
-                      <a:r>
                         <a:rPr lang="ko-KR" altLang="en-US" sz="800">
                           <a:solidFill>
                             <a:prstClr val="black"/>
                           </a:solidFill>
                           <a:cs typeface="Times New Roman" panose="02020603050405020304" pitchFamily="18" charset="0"/>
                         </a:rPr>
-                        <a:t>갯수가중치</a:t>
+                        <a:t>가중치</a:t>
                       </a:r>
                       <a:r>
                         <a:rPr lang="en-US" altLang="ko-KR" sz="800">
@@ -11335,22 +11317,13 @@
                         <a:defRPr/>
                       </a:pPr>
                       <a:r>
-                        <a:rPr lang="en-US" altLang="ko-KR" sz="800">
-                          <a:solidFill>
-                            <a:prstClr val="black"/>
-                          </a:solidFill>
-                          <a:cs typeface="Times New Roman" panose="02020603050405020304" pitchFamily="18" charset="0"/>
-                        </a:rPr>
-                        <a:t>RU</a:t>
-                      </a:r>
-                      <a:r>
                         <a:rPr lang="ko-KR" altLang="en-US" sz="800">
                           <a:solidFill>
                             <a:prstClr val="black"/>
                           </a:solidFill>
                           <a:cs typeface="Times New Roman" panose="02020603050405020304" pitchFamily="18" charset="0"/>
                         </a:rPr>
-                        <a:t>갯수가중치</a:t>
+                        <a:t>가중치</a:t>
                       </a:r>
                       <a:r>
                         <a:rPr lang="en-US" altLang="ko-KR" sz="800">
@@ -11672,22 +11645,13 @@
                         <a:defRPr/>
                       </a:pPr>
                       <a:r>
-                        <a:rPr lang="en-US" altLang="ko-KR" sz="800">
-                          <a:solidFill>
-                            <a:prstClr val="black"/>
-                          </a:solidFill>
-                          <a:cs typeface="Times New Roman" panose="02020603050405020304" pitchFamily="18" charset="0"/>
-                        </a:rPr>
-                        <a:t>RU</a:t>
-                      </a:r>
-                      <a:r>
                         <a:rPr lang="ko-KR" altLang="en-US" sz="800">
                           <a:solidFill>
                             <a:prstClr val="black"/>
                           </a:solidFill>
                           <a:cs typeface="Times New Roman" panose="02020603050405020304" pitchFamily="18" charset="0"/>
                         </a:rPr>
-                        <a:t>갯수가중치</a:t>
+                        <a:t>가중치</a:t>
                       </a:r>
                       <a:r>
                         <a:rPr lang="en-US" altLang="ko-KR" sz="800">
@@ -12009,22 +11973,13 @@
                         <a:defRPr/>
                       </a:pPr>
                       <a:r>
-                        <a:rPr lang="en-US" altLang="ko-KR" sz="800">
-                          <a:solidFill>
-                            <a:prstClr val="black"/>
-                          </a:solidFill>
-                          <a:cs typeface="Times New Roman" panose="02020603050405020304" pitchFamily="18" charset="0"/>
-                        </a:rPr>
-                        <a:t>RU</a:t>
-                      </a:r>
-                      <a:r>
                         <a:rPr lang="ko-KR" altLang="en-US" sz="800">
                           <a:solidFill>
                             <a:prstClr val="black"/>
                           </a:solidFill>
                           <a:cs typeface="Times New Roman" panose="02020603050405020304" pitchFamily="18" charset="0"/>
                         </a:rPr>
-                        <a:t>갯수가중치</a:t>
+                        <a:t>가중치</a:t>
                       </a:r>
                       <a:r>
                         <a:rPr lang="en-US" altLang="ko-KR" sz="800">
@@ -12346,22 +12301,13 @@
                         <a:defRPr/>
                       </a:pPr>
                       <a:r>
-                        <a:rPr lang="en-US" altLang="ko-KR" sz="800">
-                          <a:solidFill>
-                            <a:prstClr val="black"/>
-                          </a:solidFill>
-                          <a:cs typeface="Times New Roman" panose="02020603050405020304" pitchFamily="18" charset="0"/>
-                        </a:rPr>
-                        <a:t>RU</a:t>
-                      </a:r>
-                      <a:r>
                         <a:rPr lang="ko-KR" altLang="en-US" sz="800">
                           <a:solidFill>
                             <a:prstClr val="black"/>
                           </a:solidFill>
                           <a:cs typeface="Times New Roman" panose="02020603050405020304" pitchFamily="18" charset="0"/>
                         </a:rPr>
-                        <a:t>갯수가중치</a:t>
+                        <a:t>가중치</a:t>
                       </a:r>
                       <a:r>
                         <a:rPr lang="en-US" altLang="ko-KR" sz="800">
@@ -12676,2135 +12622,6 @@
       </p:graphicFrame>
       <p:graphicFrame>
         <p:nvGraphicFramePr>
-          <p:cNvPr id="69" name="표 68">
-            <a:extLst>
-              <a:ext uri="{FF2B5EF4-FFF2-40B4-BE49-F238E27FC236}">
-                <a16:creationId xmlns:a16="http://schemas.microsoft.com/office/drawing/2014/main" id="{4B79A0C6-F0B4-407B-A0CC-46670090471B}"/>
-              </a:ext>
-            </a:extLst>
-          </p:cNvPr>
-          <p:cNvGraphicFramePr>
-            <a:graphicFrameLocks noGrp="1"/>
-          </p:cNvGraphicFramePr>
-          <p:nvPr>
-            <p:extLst>
-              <p:ext uri="{D42A27DB-BD31-4B8C-83A1-F6EECF244321}">
-                <p14:modId xmlns:p14="http://schemas.microsoft.com/office/powerpoint/2010/main" val="2828750993"/>
-              </p:ext>
-            </p:extLst>
-          </p:nvPr>
-        </p:nvGraphicFramePr>
-        <p:xfrm>
-          <a:off x="2863231" y="2948545"/>
-          <a:ext cx="3503244" cy="1207284"/>
-        </p:xfrm>
-        <a:graphic>
-          <a:graphicData uri="http://schemas.openxmlformats.org/drawingml/2006/table">
-            <a:tbl>
-              <a:tblPr firstRow="1" bandRow="1"/>
-              <a:tblGrid>
-                <a:gridCol w="1199007">
-                  <a:extLst>
-                    <a:ext uri="{9D8B030D-6E8A-4147-A177-3AD203B41FA5}">
-                      <a16:colId xmlns:a16="http://schemas.microsoft.com/office/drawing/2014/main" val="20000"/>
-                    </a:ext>
-                  </a:extLst>
-                </a:gridCol>
-                <a:gridCol w="936104">
-                  <a:extLst>
-                    <a:ext uri="{9D8B030D-6E8A-4147-A177-3AD203B41FA5}">
-                      <a16:colId xmlns:a16="http://schemas.microsoft.com/office/drawing/2014/main" val="3440055658"/>
-                    </a:ext>
-                  </a:extLst>
-                </a:gridCol>
-                <a:gridCol w="1368133">
-                  <a:extLst>
-                    <a:ext uri="{9D8B030D-6E8A-4147-A177-3AD203B41FA5}">
-                      <a16:colId xmlns:a16="http://schemas.microsoft.com/office/drawing/2014/main" val="2779958194"/>
-                    </a:ext>
-                  </a:extLst>
-                </a:gridCol>
-              </a:tblGrid>
-              <a:tr h="163347">
-                <a:tc gridSpan="3">
-                  <a:txBody>
-                    <a:bodyPr/>
-                    <a:lstStyle>
-                      <a:defPPr>
-                        <a:defRPr lang="ko-KR"/>
-                      </a:defPPr>
-                      <a:lvl1pPr marL="0" algn="l" defTabSz="914400" rtl="0" eaLnBrk="1" latinLnBrk="1" hangingPunct="1">
-                        <a:defRPr sz="1800" b="1" kern="1200">
-                          <a:solidFill>
-                            <a:schemeClr val="lt1"/>
-                          </a:solidFill>
-                          <a:latin typeface="Arial"/>
-                          <a:ea typeface="맑은 고딕"/>
-                        </a:defRPr>
-                      </a:lvl1pPr>
-                      <a:lvl2pPr marL="457200" algn="l" defTabSz="914400" rtl="0" eaLnBrk="1" latinLnBrk="1" hangingPunct="1">
-                        <a:defRPr sz="1800" b="1" kern="1200">
-                          <a:solidFill>
-                            <a:schemeClr val="lt1"/>
-                          </a:solidFill>
-                          <a:latin typeface="Arial"/>
-                          <a:ea typeface="맑은 고딕"/>
-                        </a:defRPr>
-                      </a:lvl2pPr>
-                      <a:lvl3pPr marL="914400" algn="l" defTabSz="914400" rtl="0" eaLnBrk="1" latinLnBrk="1" hangingPunct="1">
-                        <a:defRPr sz="1800" b="1" kern="1200">
-                          <a:solidFill>
-                            <a:schemeClr val="lt1"/>
-                          </a:solidFill>
-                          <a:latin typeface="Arial"/>
-                          <a:ea typeface="맑은 고딕"/>
-                        </a:defRPr>
-                      </a:lvl3pPr>
-                      <a:lvl4pPr marL="1371600" algn="l" defTabSz="914400" rtl="0" eaLnBrk="1" latinLnBrk="1" hangingPunct="1">
-                        <a:defRPr sz="1800" b="1" kern="1200">
-                          <a:solidFill>
-                            <a:schemeClr val="lt1"/>
-                          </a:solidFill>
-                          <a:latin typeface="Arial"/>
-                          <a:ea typeface="맑은 고딕"/>
-                        </a:defRPr>
-                      </a:lvl4pPr>
-                      <a:lvl5pPr marL="1828800" algn="l" defTabSz="914400" rtl="0" eaLnBrk="1" latinLnBrk="1" hangingPunct="1">
-                        <a:defRPr sz="1800" b="1" kern="1200">
-                          <a:solidFill>
-                            <a:schemeClr val="lt1"/>
-                          </a:solidFill>
-                          <a:latin typeface="Arial"/>
-                          <a:ea typeface="맑은 고딕"/>
-                        </a:defRPr>
-                      </a:lvl5pPr>
-                      <a:lvl6pPr marL="2286000" algn="l" defTabSz="914400" rtl="0" eaLnBrk="1" latinLnBrk="1" hangingPunct="1">
-                        <a:defRPr sz="1800" b="1" kern="1200">
-                          <a:solidFill>
-                            <a:schemeClr val="lt1"/>
-                          </a:solidFill>
-                          <a:latin typeface="Arial"/>
-                          <a:ea typeface="맑은 고딕"/>
-                        </a:defRPr>
-                      </a:lvl6pPr>
-                      <a:lvl7pPr marL="2743200" algn="l" defTabSz="914400" rtl="0" eaLnBrk="1" latinLnBrk="1" hangingPunct="1">
-                        <a:defRPr sz="1800" b="1" kern="1200">
-                          <a:solidFill>
-                            <a:schemeClr val="lt1"/>
-                          </a:solidFill>
-                          <a:latin typeface="Arial"/>
-                          <a:ea typeface="맑은 고딕"/>
-                        </a:defRPr>
-                      </a:lvl7pPr>
-                      <a:lvl8pPr marL="3200400" algn="l" defTabSz="914400" rtl="0" eaLnBrk="1" latinLnBrk="1" hangingPunct="1">
-                        <a:defRPr sz="1800" b="1" kern="1200">
-                          <a:solidFill>
-                            <a:schemeClr val="lt1"/>
-                          </a:solidFill>
-                          <a:latin typeface="Arial"/>
-                          <a:ea typeface="맑은 고딕"/>
-                        </a:defRPr>
-                      </a:lvl8pPr>
-                      <a:lvl9pPr marL="3657600" algn="l" defTabSz="914400" rtl="0" eaLnBrk="1" latinLnBrk="1" hangingPunct="1">
-                        <a:defRPr sz="1800" b="1" kern="1200">
-                          <a:solidFill>
-                            <a:schemeClr val="lt1"/>
-                          </a:solidFill>
-                          <a:latin typeface="Arial"/>
-                          <a:ea typeface="맑은 고딕"/>
-                        </a:defRPr>
-                      </a:lvl9pPr>
-                    </a:lstStyle>
-                    <a:p>
-                      <a:pPr marL="0" marR="0" indent="0" algn="ctr" defTabSz="1388882" rtl="0" eaLnBrk="1" fontAlgn="auto" latinLnBrk="1" hangingPunct="1">
-                        <a:lnSpc>
-                          <a:spcPct val="90000"/>
-                        </a:lnSpc>
-                        <a:spcBef>
-                          <a:spcPts val="0"/>
-                        </a:spcBef>
-                        <a:spcAft>
-                          <a:spcPts val="0"/>
-                        </a:spcAft>
-                        <a:buClrTx/>
-                        <a:buSzTx/>
-                        <a:buFontTx/>
-                        <a:buNone/>
-                        <a:tabLst/>
-                        <a:defRPr/>
-                      </a:pPr>
-                      <a:r>
-                        <a:rPr lang="ko-KR" altLang="en-US" sz="800">
-                          <a:solidFill>
-                            <a:prstClr val="black"/>
-                          </a:solidFill>
-                          <a:cs typeface="Times New Roman" panose="02020603050405020304" pitchFamily="18" charset="0"/>
-                        </a:rPr>
-                        <a:t>면적 가중치</a:t>
-                      </a:r>
-                      <a:endParaRPr lang="ko-KR" altLang="en-US" sz="800" b="0" kern="1200" dirty="0">
-                        <a:solidFill>
-                          <a:schemeClr val="tx1"/>
-                        </a:solidFill>
-                        <a:latin typeface="맑은 고딕" pitchFamily="50" charset="-127"/>
-                        <a:ea typeface="맑은 고딕" pitchFamily="50" charset="-127"/>
-                        <a:cs typeface="+mn-cs"/>
-                      </a:endParaRPr>
-                    </a:p>
-                  </a:txBody>
-                  <a:tcPr marL="91474" marR="91474" marT="45743" marB="45743">
-                    <a:lnL w="9525" cap="flat" cmpd="sng" algn="ctr">
-                      <a:solidFill>
-                        <a:srgbClr val="FFFFFF">
-                          <a:lumMod val="65000"/>
-                        </a:srgbClr>
-                      </a:solidFill>
-                      <a:prstDash val="solid"/>
-                      <a:round/>
-                      <a:headEnd type="none" w="med" len="med"/>
-                      <a:tailEnd type="none" w="med" len="med"/>
-                    </a:lnL>
-                    <a:lnR w="9525" cap="flat" cmpd="sng" algn="ctr">
-                      <a:solidFill>
-                        <a:srgbClr val="FFFFFF">
-                          <a:lumMod val="65000"/>
-                        </a:srgbClr>
-                      </a:solidFill>
-                      <a:prstDash val="solid"/>
-                      <a:round/>
-                      <a:headEnd type="none" w="med" len="med"/>
-                      <a:tailEnd type="none" w="med" len="med"/>
-                    </a:lnR>
-                    <a:lnT w="9525" cap="flat" cmpd="sng" algn="ctr">
-                      <a:solidFill>
-                        <a:srgbClr val="FFFFFF">
-                          <a:lumMod val="65000"/>
-                        </a:srgbClr>
-                      </a:solidFill>
-                      <a:prstDash val="solid"/>
-                      <a:round/>
-                      <a:headEnd type="none" w="med" len="med"/>
-                      <a:tailEnd type="none" w="med" len="med"/>
-                    </a:lnT>
-                    <a:lnB w="9525" cap="flat" cmpd="sng" algn="ctr">
-                      <a:solidFill>
-                        <a:srgbClr val="FFFFFF">
-                          <a:lumMod val="65000"/>
-                        </a:srgbClr>
-                      </a:solidFill>
-                      <a:prstDash val="solid"/>
-                      <a:round/>
-                      <a:headEnd type="none" w="med" len="med"/>
-                      <a:tailEnd type="none" w="med" len="med"/>
-                    </a:lnB>
-                    <a:lnTlToBr w="12700" cmpd="sng">
-                      <a:noFill/>
-                      <a:prstDash val="solid"/>
-                    </a:lnTlToBr>
-                    <a:lnBlToTr w="12700" cmpd="sng">
-                      <a:noFill/>
-                      <a:prstDash val="solid"/>
-                    </a:lnBlToTr>
-                    <a:solidFill>
-                      <a:srgbClr val="FFC000"/>
-                    </a:solidFill>
-                  </a:tcPr>
-                </a:tc>
-                <a:tc hMerge="1">
-                  <a:txBody>
-                    <a:bodyPr/>
-                    <a:lstStyle/>
-                    <a:p>
-                      <a:pPr marL="0" marR="0" indent="0" algn="ctr" defTabSz="1388882" rtl="0" eaLnBrk="1" fontAlgn="auto" latinLnBrk="1" hangingPunct="1">
-                        <a:lnSpc>
-                          <a:spcPct val="90000"/>
-                        </a:lnSpc>
-                        <a:spcBef>
-                          <a:spcPts val="0"/>
-                        </a:spcBef>
-                        <a:spcAft>
-                          <a:spcPts val="0"/>
-                        </a:spcAft>
-                        <a:buClrTx/>
-                        <a:buSzTx/>
-                        <a:buFontTx/>
-                        <a:buNone/>
-                        <a:tabLst/>
-                        <a:defRPr/>
-                      </a:pPr>
-                      <a:endParaRPr lang="ko-KR" altLang="en-US" sz="800" b="0" kern="1200" dirty="0">
-                        <a:solidFill>
-                          <a:schemeClr val="tx1"/>
-                        </a:solidFill>
-                        <a:latin typeface="맑은 고딕" pitchFamily="50" charset="-127"/>
-                        <a:ea typeface="맑은 고딕" pitchFamily="50" charset="-127"/>
-                        <a:cs typeface="+mn-cs"/>
-                      </a:endParaRPr>
-                    </a:p>
-                  </a:txBody>
-                  <a:tcPr marL="91474" marR="91474" marT="45743" marB="45743">
-                    <a:lnL w="9525" cap="flat" cmpd="sng" algn="ctr">
-                      <a:solidFill>
-                        <a:srgbClr val="FFFFFF">
-                          <a:lumMod val="65000"/>
-                        </a:srgbClr>
-                      </a:solidFill>
-                      <a:prstDash val="solid"/>
-                      <a:round/>
-                      <a:headEnd type="none" w="med" len="med"/>
-                      <a:tailEnd type="none" w="med" len="med"/>
-                    </a:lnL>
-                    <a:lnR w="9525" cap="flat" cmpd="sng" algn="ctr">
-                      <a:solidFill>
-                        <a:srgbClr val="FFFFFF">
-                          <a:lumMod val="65000"/>
-                        </a:srgbClr>
-                      </a:solidFill>
-                      <a:prstDash val="solid"/>
-                      <a:round/>
-                      <a:headEnd type="none" w="med" len="med"/>
-                      <a:tailEnd type="none" w="med" len="med"/>
-                    </a:lnR>
-                    <a:lnT w="9525" cap="flat" cmpd="sng" algn="ctr">
-                      <a:solidFill>
-                        <a:srgbClr val="FFFFFF">
-                          <a:lumMod val="65000"/>
-                        </a:srgbClr>
-                      </a:solidFill>
-                      <a:prstDash val="solid"/>
-                      <a:round/>
-                      <a:headEnd type="none" w="med" len="med"/>
-                      <a:tailEnd type="none" w="med" len="med"/>
-                    </a:lnT>
-                    <a:lnB w="9525" cap="flat" cmpd="sng" algn="ctr">
-                      <a:solidFill>
-                        <a:srgbClr val="FFFFFF">
-                          <a:lumMod val="65000"/>
-                        </a:srgbClr>
-                      </a:solidFill>
-                      <a:prstDash val="solid"/>
-                      <a:round/>
-                      <a:headEnd type="none" w="med" len="med"/>
-                      <a:tailEnd type="none" w="med" len="med"/>
-                    </a:lnB>
-                    <a:lnTlToBr w="12700" cmpd="sng">
-                      <a:noFill/>
-                      <a:prstDash val="solid"/>
-                    </a:lnTlToBr>
-                    <a:lnBlToTr w="12700" cmpd="sng">
-                      <a:noFill/>
-                      <a:prstDash val="solid"/>
-                    </a:lnBlToTr>
-                    <a:solidFill>
-                      <a:srgbClr val="FFC000"/>
-                    </a:solidFill>
-                  </a:tcPr>
-                </a:tc>
-                <a:tc hMerge="1">
-                  <a:txBody>
-                    <a:bodyPr/>
-                    <a:lstStyle/>
-                    <a:p>
-                      <a:pPr latinLnBrk="1"/>
-                      <a:endParaRPr lang="ko-KR" altLang="en-US"/>
-                    </a:p>
-                  </a:txBody>
-                  <a:tcPr/>
-                </a:tc>
-                <a:extLst>
-                  <a:ext uri="{0D108BD9-81ED-4DB2-BD59-A6C34878D82A}">
-                    <a16:rowId xmlns:a16="http://schemas.microsoft.com/office/drawing/2014/main" val="10001"/>
-                  </a:ext>
-                </a:extLst>
-              </a:tr>
-              <a:tr h="163347">
-                <a:tc>
-                  <a:txBody>
-                    <a:bodyPr/>
-                    <a:lstStyle/>
-                    <a:p>
-                      <a:pPr marL="0" marR="0" lvl="0" indent="0" algn="ctr" defTabSz="1388882" rtl="0" eaLnBrk="1" fontAlgn="auto" latinLnBrk="1" hangingPunct="1">
-                        <a:lnSpc>
-                          <a:spcPct val="90000"/>
-                        </a:lnSpc>
-                        <a:spcBef>
-                          <a:spcPts val="0"/>
-                        </a:spcBef>
-                        <a:spcAft>
-                          <a:spcPts val="0"/>
-                        </a:spcAft>
-                        <a:buClrTx/>
-                        <a:buSzTx/>
-                        <a:buFontTx/>
-                        <a:buNone/>
-                        <a:tabLst/>
-                        <a:defRPr/>
-                      </a:pPr>
-                      <a:r>
-                        <a:rPr lang="ko-KR" altLang="en-US" sz="800">
-                          <a:solidFill>
-                            <a:prstClr val="black"/>
-                          </a:solidFill>
-                          <a:cs typeface="Times New Roman" panose="02020603050405020304" pitchFamily="18" charset="0"/>
-                        </a:rPr>
-                        <a:t>면적가중치</a:t>
-                      </a:r>
-                      <a:r>
-                        <a:rPr lang="en-US" altLang="ko-KR" sz="800">
-                          <a:solidFill>
-                            <a:prstClr val="black"/>
-                          </a:solidFill>
-                          <a:cs typeface="Times New Roman" panose="02020603050405020304" pitchFamily="18" charset="0"/>
-                        </a:rPr>
-                        <a:t>5</a:t>
-                      </a:r>
-                      <a:r>
-                        <a:rPr lang="ko-KR" altLang="en-US" sz="800">
-                          <a:solidFill>
-                            <a:prstClr val="black"/>
-                          </a:solidFill>
-                          <a:cs typeface="Times New Roman" panose="02020603050405020304" pitchFamily="18" charset="0"/>
-                        </a:rPr>
-                        <a:t>값</a:t>
-                      </a:r>
-                      <a:endParaRPr lang="ko-KR" altLang="en-US" sz="800" b="0" kern="1200" dirty="0">
-                        <a:solidFill>
-                          <a:schemeClr val="tx1"/>
-                        </a:solidFill>
-                        <a:latin typeface="맑은 고딕" pitchFamily="50" charset="-127"/>
-                        <a:ea typeface="맑은 고딕" pitchFamily="50" charset="-127"/>
-                        <a:cs typeface="+mn-cs"/>
-                      </a:endParaRPr>
-                    </a:p>
-                  </a:txBody>
-                  <a:tcPr marL="91474" marR="91474" marT="45743" marB="45743">
-                    <a:lnL w="9525" cap="flat" cmpd="sng" algn="ctr">
-                      <a:solidFill>
-                        <a:srgbClr val="FFFFFF">
-                          <a:lumMod val="65000"/>
-                        </a:srgbClr>
-                      </a:solidFill>
-                      <a:prstDash val="solid"/>
-                      <a:round/>
-                      <a:headEnd type="none" w="med" len="med"/>
-                      <a:tailEnd type="none" w="med" len="med"/>
-                    </a:lnL>
-                    <a:lnR w="9525" cap="flat" cmpd="sng" algn="ctr">
-                      <a:solidFill>
-                        <a:srgbClr val="FFFFFF">
-                          <a:lumMod val="65000"/>
-                        </a:srgbClr>
-                      </a:solidFill>
-                      <a:prstDash val="solid"/>
-                      <a:round/>
-                      <a:headEnd type="none" w="med" len="med"/>
-                      <a:tailEnd type="none" w="med" len="med"/>
-                    </a:lnR>
-                    <a:lnT w="9525" cap="flat" cmpd="sng" algn="ctr">
-                      <a:solidFill>
-                        <a:srgbClr val="FFFFFF">
-                          <a:lumMod val="65000"/>
-                        </a:srgbClr>
-                      </a:solidFill>
-                      <a:prstDash val="solid"/>
-                      <a:round/>
-                      <a:headEnd type="none" w="med" len="med"/>
-                      <a:tailEnd type="none" w="med" len="med"/>
-                    </a:lnT>
-                    <a:lnB w="9525" cap="flat" cmpd="sng" algn="ctr">
-                      <a:solidFill>
-                        <a:srgbClr val="FFFFFF">
-                          <a:lumMod val="65000"/>
-                        </a:srgbClr>
-                      </a:solidFill>
-                      <a:prstDash val="solid"/>
-                      <a:round/>
-                      <a:headEnd type="none" w="med" len="med"/>
-                      <a:tailEnd type="none" w="med" len="med"/>
-                    </a:lnB>
-                    <a:lnTlToBr w="12700" cmpd="sng">
-                      <a:noFill/>
-                      <a:prstDash val="solid"/>
-                    </a:lnTlToBr>
-                    <a:lnBlToTr w="12700" cmpd="sng">
-                      <a:noFill/>
-                      <a:prstDash val="solid"/>
-                    </a:lnBlToTr>
-                    <a:solidFill>
-                      <a:schemeClr val="bg1">
-                        <a:lumMod val="85000"/>
-                      </a:schemeClr>
-                    </a:solidFill>
-                  </a:tcPr>
-                </a:tc>
-                <a:tc>
-                  <a:txBody>
-                    <a:bodyPr/>
-                    <a:lstStyle/>
-                    <a:p>
-                      <a:pPr marL="0" marR="0" indent="0" algn="r" defTabSz="1388882" rtl="0" eaLnBrk="1" fontAlgn="auto" latinLnBrk="1" hangingPunct="1">
-                        <a:lnSpc>
-                          <a:spcPct val="90000"/>
-                        </a:lnSpc>
-                        <a:spcBef>
-                          <a:spcPts val="0"/>
-                        </a:spcBef>
-                        <a:spcAft>
-                          <a:spcPts val="0"/>
-                        </a:spcAft>
-                        <a:buClrTx/>
-                        <a:buSzTx/>
-                        <a:buFontTx/>
-                        <a:buNone/>
-                        <a:tabLst/>
-                        <a:defRPr/>
-                      </a:pPr>
-                      <a:r>
-                        <a:rPr lang="en-US" altLang="ko-KR" sz="800" b="0" kern="1200">
-                          <a:solidFill>
-                            <a:schemeClr val="tx1"/>
-                          </a:solidFill>
-                          <a:latin typeface="맑은 고딕" pitchFamily="50" charset="-127"/>
-                          <a:ea typeface="맑은 고딕" pitchFamily="50" charset="-127"/>
-                          <a:cs typeface="+mn-cs"/>
-                        </a:rPr>
-                        <a:t>10,000,000</a:t>
-                      </a:r>
-                      <a:endParaRPr lang="ko-KR" altLang="en-US" sz="800" b="0" kern="1200" dirty="0">
-                        <a:solidFill>
-                          <a:schemeClr val="tx1"/>
-                        </a:solidFill>
-                        <a:latin typeface="맑은 고딕" pitchFamily="50" charset="-127"/>
-                        <a:ea typeface="맑은 고딕" pitchFamily="50" charset="-127"/>
-                        <a:cs typeface="+mn-cs"/>
-                      </a:endParaRPr>
-                    </a:p>
-                  </a:txBody>
-                  <a:tcPr marL="91474" marR="91474" marT="45743" marB="45743">
-                    <a:lnL w="9525" cap="flat" cmpd="sng" algn="ctr">
-                      <a:solidFill>
-                        <a:srgbClr val="FFFFFF">
-                          <a:lumMod val="65000"/>
-                        </a:srgbClr>
-                      </a:solidFill>
-                      <a:prstDash val="solid"/>
-                      <a:round/>
-                      <a:headEnd type="none" w="med" len="med"/>
-                      <a:tailEnd type="none" w="med" len="med"/>
-                    </a:lnL>
-                    <a:lnR w="9525" cap="flat" cmpd="sng" algn="ctr">
-                      <a:solidFill>
-                        <a:srgbClr val="FFFFFF">
-                          <a:lumMod val="65000"/>
-                        </a:srgbClr>
-                      </a:solidFill>
-                      <a:prstDash val="solid"/>
-                      <a:round/>
-                      <a:headEnd type="none" w="med" len="med"/>
-                      <a:tailEnd type="none" w="med" len="med"/>
-                    </a:lnR>
-                    <a:lnT w="9525" cap="flat" cmpd="sng" algn="ctr">
-                      <a:solidFill>
-                        <a:srgbClr val="FFFFFF">
-                          <a:lumMod val="65000"/>
-                        </a:srgbClr>
-                      </a:solidFill>
-                      <a:prstDash val="solid"/>
-                      <a:round/>
-                      <a:headEnd type="none" w="med" len="med"/>
-                      <a:tailEnd type="none" w="med" len="med"/>
-                    </a:lnT>
-                    <a:lnB w="9525" cap="flat" cmpd="sng" algn="ctr">
-                      <a:solidFill>
-                        <a:srgbClr val="FFFFFF">
-                          <a:lumMod val="65000"/>
-                        </a:srgbClr>
-                      </a:solidFill>
-                      <a:prstDash val="solid"/>
-                      <a:round/>
-                      <a:headEnd type="none" w="med" len="med"/>
-                      <a:tailEnd type="none" w="med" len="med"/>
-                    </a:lnB>
-                    <a:lnTlToBr w="12700" cmpd="sng">
-                      <a:noFill/>
-                      <a:prstDash val="solid"/>
-                    </a:lnTlToBr>
-                    <a:lnBlToTr w="12700" cmpd="sng">
-                      <a:noFill/>
-                      <a:prstDash val="solid"/>
-                    </a:lnBlToTr>
-                    <a:noFill/>
-                  </a:tcPr>
-                </a:tc>
-                <a:tc>
-                  <a:txBody>
-                    <a:bodyPr/>
-                    <a:lstStyle/>
-                    <a:p>
-                      <a:pPr marL="0" marR="0" indent="0" algn="r" defTabSz="1388882" rtl="0" eaLnBrk="1" fontAlgn="auto" latinLnBrk="1" hangingPunct="1">
-                        <a:lnSpc>
-                          <a:spcPct val="90000"/>
-                        </a:lnSpc>
-                        <a:spcBef>
-                          <a:spcPts val="0"/>
-                        </a:spcBef>
-                        <a:spcAft>
-                          <a:spcPts val="0"/>
-                        </a:spcAft>
-                        <a:buClrTx/>
-                        <a:buSzTx/>
-                        <a:buFontTx/>
-                        <a:buNone/>
-                        <a:tabLst/>
-                        <a:defRPr/>
-                      </a:pPr>
-                      <a:r>
-                        <a:rPr lang="en-US" altLang="ko-KR" sz="800" b="0" kern="1200">
-                          <a:solidFill>
-                            <a:schemeClr val="tx1"/>
-                          </a:solidFill>
-                          <a:latin typeface="맑은 고딕" pitchFamily="50" charset="-127"/>
-                          <a:ea typeface="맑은 고딕" pitchFamily="50" charset="-127"/>
-                          <a:cs typeface="+mn-cs"/>
-                        </a:rPr>
-                        <a:t>10,000,000 </a:t>
-                      </a:r>
-                      <a:r>
-                        <a:rPr lang="ko-KR" altLang="en-US" sz="800" b="0" kern="1200">
-                          <a:solidFill>
-                            <a:schemeClr val="tx1"/>
-                          </a:solidFill>
-                          <a:latin typeface="맑은 고딕" pitchFamily="50" charset="-127"/>
-                          <a:ea typeface="맑은 고딕" pitchFamily="50" charset="-127"/>
-                          <a:cs typeface="+mn-cs"/>
-                        </a:rPr>
-                        <a:t>이상</a:t>
-                      </a:r>
-                      <a:endParaRPr lang="ko-KR" altLang="en-US" sz="800" b="0" kern="1200" dirty="0">
-                        <a:solidFill>
-                          <a:schemeClr val="tx1"/>
-                        </a:solidFill>
-                        <a:latin typeface="맑은 고딕" pitchFamily="50" charset="-127"/>
-                        <a:ea typeface="맑은 고딕" pitchFamily="50" charset="-127"/>
-                        <a:cs typeface="+mn-cs"/>
-                      </a:endParaRPr>
-                    </a:p>
-                  </a:txBody>
-                  <a:tcPr marL="91474" marR="91474" marT="45743" marB="45743">
-                    <a:lnL w="9525" cap="flat" cmpd="sng" algn="ctr">
-                      <a:solidFill>
-                        <a:srgbClr val="FFFFFF">
-                          <a:lumMod val="65000"/>
-                        </a:srgbClr>
-                      </a:solidFill>
-                      <a:prstDash val="solid"/>
-                      <a:round/>
-                      <a:headEnd type="none" w="med" len="med"/>
-                      <a:tailEnd type="none" w="med" len="med"/>
-                    </a:lnL>
-                    <a:lnR w="9525" cap="flat" cmpd="sng" algn="ctr">
-                      <a:solidFill>
-                        <a:srgbClr val="FFFFFF">
-                          <a:lumMod val="65000"/>
-                        </a:srgbClr>
-                      </a:solidFill>
-                      <a:prstDash val="solid"/>
-                      <a:round/>
-                      <a:headEnd type="none" w="med" len="med"/>
-                      <a:tailEnd type="none" w="med" len="med"/>
-                    </a:lnR>
-                    <a:lnT w="9525" cap="flat" cmpd="sng" algn="ctr">
-                      <a:solidFill>
-                        <a:srgbClr val="FFFFFF">
-                          <a:lumMod val="65000"/>
-                        </a:srgbClr>
-                      </a:solidFill>
-                      <a:prstDash val="solid"/>
-                      <a:round/>
-                      <a:headEnd type="none" w="med" len="med"/>
-                      <a:tailEnd type="none" w="med" len="med"/>
-                    </a:lnT>
-                    <a:lnB w="9525" cap="flat" cmpd="sng" algn="ctr">
-                      <a:solidFill>
-                        <a:srgbClr val="FFFFFF">
-                          <a:lumMod val="65000"/>
-                        </a:srgbClr>
-                      </a:solidFill>
-                      <a:prstDash val="solid"/>
-                      <a:round/>
-                      <a:headEnd type="none" w="med" len="med"/>
-                      <a:tailEnd type="none" w="med" len="med"/>
-                    </a:lnB>
-                    <a:lnTlToBr w="12700" cmpd="sng">
-                      <a:noFill/>
-                      <a:prstDash val="solid"/>
-                    </a:lnTlToBr>
-                    <a:lnBlToTr w="12700" cmpd="sng">
-                      <a:noFill/>
-                      <a:prstDash val="solid"/>
-                    </a:lnBlToTr>
-                    <a:solidFill>
-                      <a:schemeClr val="bg1">
-                        <a:lumMod val="85000"/>
-                      </a:schemeClr>
-                    </a:solidFill>
-                  </a:tcPr>
-                </a:tc>
-                <a:extLst>
-                  <a:ext uri="{0D108BD9-81ED-4DB2-BD59-A6C34878D82A}">
-                    <a16:rowId xmlns:a16="http://schemas.microsoft.com/office/drawing/2014/main" val="10005"/>
-                  </a:ext>
-                </a:extLst>
-              </a:tr>
-              <a:tr h="163347">
-                <a:tc>
-                  <a:txBody>
-                    <a:bodyPr/>
-                    <a:lstStyle/>
-                    <a:p>
-                      <a:pPr marL="0" marR="0" lvl="0" indent="0" algn="ctr" defTabSz="1388882" rtl="0" eaLnBrk="1" fontAlgn="auto" latinLnBrk="1" hangingPunct="1">
-                        <a:lnSpc>
-                          <a:spcPct val="90000"/>
-                        </a:lnSpc>
-                        <a:spcBef>
-                          <a:spcPts val="0"/>
-                        </a:spcBef>
-                        <a:spcAft>
-                          <a:spcPts val="0"/>
-                        </a:spcAft>
-                        <a:buClrTx/>
-                        <a:buSzTx/>
-                        <a:buFontTx/>
-                        <a:buNone/>
-                        <a:tabLst/>
-                        <a:defRPr/>
-                      </a:pPr>
-                      <a:r>
-                        <a:rPr kumimoji="0" lang="ko-KR" altLang="en-US" sz="800" b="0" i="0" u="none" strike="noStrike" kern="1200" cap="none" spc="0" normalizeH="0" baseline="0" noProof="0">
-                          <a:ln>
-                            <a:noFill/>
-                          </a:ln>
-                          <a:solidFill>
-                            <a:prstClr val="black"/>
-                          </a:solidFill>
-                          <a:effectLst/>
-                          <a:uLnTx/>
-                          <a:uFillTx/>
-                          <a:latin typeface="맑은 고딕"/>
-                          <a:ea typeface="맑은 고딕" panose="020B0503020000020004" pitchFamily="50" charset="-127"/>
-                          <a:cs typeface="Times New Roman" panose="02020603050405020304" pitchFamily="18" charset="0"/>
-                        </a:rPr>
-                        <a:t>면적가중치</a:t>
-                      </a:r>
-                      <a:r>
-                        <a:rPr kumimoji="0" lang="en-US" altLang="ko-KR" sz="800" b="0" i="0" u="none" strike="noStrike" kern="1200" cap="none" spc="0" normalizeH="0" baseline="0" noProof="0">
-                          <a:ln>
-                            <a:noFill/>
-                          </a:ln>
-                          <a:solidFill>
-                            <a:prstClr val="black"/>
-                          </a:solidFill>
-                          <a:effectLst/>
-                          <a:uLnTx/>
-                          <a:uFillTx/>
-                          <a:latin typeface="맑은 고딕"/>
-                          <a:ea typeface="맑은 고딕" panose="020B0503020000020004" pitchFamily="50" charset="-127"/>
-                          <a:cs typeface="Times New Roman" panose="02020603050405020304" pitchFamily="18" charset="0"/>
-                        </a:rPr>
-                        <a:t>4</a:t>
-                      </a:r>
-                      <a:r>
-                        <a:rPr kumimoji="0" lang="ko-KR" altLang="en-US" sz="800" b="0" i="0" u="none" strike="noStrike" kern="1200" cap="none" spc="0" normalizeH="0" baseline="0" noProof="0">
-                          <a:ln>
-                            <a:noFill/>
-                          </a:ln>
-                          <a:solidFill>
-                            <a:prstClr val="black"/>
-                          </a:solidFill>
-                          <a:effectLst/>
-                          <a:uLnTx/>
-                          <a:uFillTx/>
-                          <a:latin typeface="맑은 고딕"/>
-                          <a:ea typeface="맑은 고딕" panose="020B0503020000020004" pitchFamily="50" charset="-127"/>
-                          <a:cs typeface="Times New Roman" panose="02020603050405020304" pitchFamily="18" charset="0"/>
-                        </a:rPr>
-                        <a:t>값</a:t>
-                      </a:r>
-                      <a:endParaRPr kumimoji="0" lang="ko-KR" altLang="en-US" sz="800" b="0" i="0" u="none" strike="noStrike" kern="1200" cap="none" spc="0" normalizeH="0" baseline="0" noProof="0" dirty="0">
-                        <a:ln>
-                          <a:noFill/>
-                        </a:ln>
-                        <a:solidFill>
-                          <a:prstClr val="black"/>
-                        </a:solidFill>
-                        <a:effectLst/>
-                        <a:uLnTx/>
-                        <a:uFillTx/>
-                        <a:latin typeface="맑은 고딕" pitchFamily="50" charset="-127"/>
-                        <a:ea typeface="맑은 고딕" pitchFamily="50" charset="-127"/>
-                        <a:cs typeface="+mn-cs"/>
-                      </a:endParaRPr>
-                    </a:p>
-                  </a:txBody>
-                  <a:tcPr marL="91474" marR="91474" marT="45743" marB="45743">
-                    <a:lnL w="9525" cap="flat" cmpd="sng" algn="ctr">
-                      <a:solidFill>
-                        <a:srgbClr val="FFFFFF">
-                          <a:lumMod val="65000"/>
-                        </a:srgbClr>
-                      </a:solidFill>
-                      <a:prstDash val="solid"/>
-                      <a:round/>
-                      <a:headEnd type="none" w="med" len="med"/>
-                      <a:tailEnd type="none" w="med" len="med"/>
-                    </a:lnL>
-                    <a:lnR w="9525" cap="flat" cmpd="sng" algn="ctr">
-                      <a:solidFill>
-                        <a:srgbClr val="FFFFFF">
-                          <a:lumMod val="65000"/>
-                        </a:srgbClr>
-                      </a:solidFill>
-                      <a:prstDash val="solid"/>
-                      <a:round/>
-                      <a:headEnd type="none" w="med" len="med"/>
-                      <a:tailEnd type="none" w="med" len="med"/>
-                    </a:lnR>
-                    <a:lnT w="9525" cap="flat" cmpd="sng" algn="ctr">
-                      <a:solidFill>
-                        <a:srgbClr val="FFFFFF">
-                          <a:lumMod val="65000"/>
-                        </a:srgbClr>
-                      </a:solidFill>
-                      <a:prstDash val="solid"/>
-                      <a:round/>
-                      <a:headEnd type="none" w="med" len="med"/>
-                      <a:tailEnd type="none" w="med" len="med"/>
-                    </a:lnT>
-                    <a:lnB w="9525" cap="flat" cmpd="sng" algn="ctr">
-                      <a:solidFill>
-                        <a:srgbClr val="FFFFFF">
-                          <a:lumMod val="65000"/>
-                        </a:srgbClr>
-                      </a:solidFill>
-                      <a:prstDash val="solid"/>
-                      <a:round/>
-                      <a:headEnd type="none" w="med" len="med"/>
-                      <a:tailEnd type="none" w="med" len="med"/>
-                    </a:lnB>
-                    <a:lnTlToBr w="12700" cmpd="sng">
-                      <a:noFill/>
-                      <a:prstDash val="solid"/>
-                    </a:lnTlToBr>
-                    <a:lnBlToTr w="12700" cmpd="sng">
-                      <a:noFill/>
-                      <a:prstDash val="solid"/>
-                    </a:lnBlToTr>
-                    <a:solidFill>
-                      <a:schemeClr val="bg1">
-                        <a:lumMod val="85000"/>
-                      </a:schemeClr>
-                    </a:solidFill>
-                  </a:tcPr>
-                </a:tc>
-                <a:tc>
-                  <a:txBody>
-                    <a:bodyPr/>
-                    <a:lstStyle/>
-                    <a:p>
-                      <a:pPr marL="0" marR="0" indent="0" algn="r" defTabSz="1388882" rtl="0" eaLnBrk="1" fontAlgn="auto" latinLnBrk="1" hangingPunct="1">
-                        <a:lnSpc>
-                          <a:spcPct val="90000"/>
-                        </a:lnSpc>
-                        <a:spcBef>
-                          <a:spcPts val="0"/>
-                        </a:spcBef>
-                        <a:spcAft>
-                          <a:spcPts val="0"/>
-                        </a:spcAft>
-                        <a:buClrTx/>
-                        <a:buSzTx/>
-                        <a:buFontTx/>
-                        <a:buNone/>
-                        <a:tabLst/>
-                        <a:defRPr/>
-                      </a:pPr>
-                      <a:r>
-                        <a:rPr lang="en-US" altLang="ko-KR" sz="800" b="0" kern="1200">
-                          <a:solidFill>
-                            <a:schemeClr val="tx1"/>
-                          </a:solidFill>
-                          <a:latin typeface="맑은 고딕" pitchFamily="50" charset="-127"/>
-                          <a:ea typeface="맑은 고딕" pitchFamily="50" charset="-127"/>
-                          <a:cs typeface="+mn-cs"/>
-                        </a:rPr>
-                        <a:t>5,000,000</a:t>
-                      </a:r>
-                      <a:endParaRPr lang="ko-KR" altLang="en-US" sz="800" b="0" kern="1200" dirty="0">
-                        <a:solidFill>
-                          <a:schemeClr val="tx1"/>
-                        </a:solidFill>
-                        <a:latin typeface="맑은 고딕" pitchFamily="50" charset="-127"/>
-                        <a:ea typeface="맑은 고딕" pitchFamily="50" charset="-127"/>
-                        <a:cs typeface="+mn-cs"/>
-                      </a:endParaRPr>
-                    </a:p>
-                  </a:txBody>
-                  <a:tcPr marL="91474" marR="91474" marT="45743" marB="45743">
-                    <a:lnL w="9525" cap="flat" cmpd="sng" algn="ctr">
-                      <a:solidFill>
-                        <a:srgbClr val="FFFFFF">
-                          <a:lumMod val="65000"/>
-                        </a:srgbClr>
-                      </a:solidFill>
-                      <a:prstDash val="solid"/>
-                      <a:round/>
-                      <a:headEnd type="none" w="med" len="med"/>
-                      <a:tailEnd type="none" w="med" len="med"/>
-                    </a:lnL>
-                    <a:lnR w="9525" cap="flat" cmpd="sng" algn="ctr">
-                      <a:solidFill>
-                        <a:srgbClr val="FFFFFF">
-                          <a:lumMod val="65000"/>
-                        </a:srgbClr>
-                      </a:solidFill>
-                      <a:prstDash val="solid"/>
-                      <a:round/>
-                      <a:headEnd type="none" w="med" len="med"/>
-                      <a:tailEnd type="none" w="med" len="med"/>
-                    </a:lnR>
-                    <a:lnT w="9525" cap="flat" cmpd="sng" algn="ctr">
-                      <a:solidFill>
-                        <a:srgbClr val="FFFFFF">
-                          <a:lumMod val="65000"/>
-                        </a:srgbClr>
-                      </a:solidFill>
-                      <a:prstDash val="solid"/>
-                      <a:round/>
-                      <a:headEnd type="none" w="med" len="med"/>
-                      <a:tailEnd type="none" w="med" len="med"/>
-                    </a:lnT>
-                    <a:lnB w="9525" cap="flat" cmpd="sng" algn="ctr">
-                      <a:solidFill>
-                        <a:srgbClr val="FFFFFF">
-                          <a:lumMod val="65000"/>
-                        </a:srgbClr>
-                      </a:solidFill>
-                      <a:prstDash val="solid"/>
-                      <a:round/>
-                      <a:headEnd type="none" w="med" len="med"/>
-                      <a:tailEnd type="none" w="med" len="med"/>
-                    </a:lnB>
-                    <a:lnTlToBr w="12700" cmpd="sng">
-                      <a:noFill/>
-                      <a:prstDash val="solid"/>
-                    </a:lnTlToBr>
-                    <a:lnBlToTr w="12700" cmpd="sng">
-                      <a:noFill/>
-                      <a:prstDash val="solid"/>
-                    </a:lnBlToTr>
-                    <a:noFill/>
-                  </a:tcPr>
-                </a:tc>
-                <a:tc>
-                  <a:txBody>
-                    <a:bodyPr/>
-                    <a:lstStyle/>
-                    <a:p>
-                      <a:pPr marL="0" marR="0" indent="0" algn="r" defTabSz="1388882" rtl="0" eaLnBrk="1" fontAlgn="auto" latinLnBrk="1" hangingPunct="1">
-                        <a:lnSpc>
-                          <a:spcPct val="90000"/>
-                        </a:lnSpc>
-                        <a:spcBef>
-                          <a:spcPts val="0"/>
-                        </a:spcBef>
-                        <a:spcAft>
-                          <a:spcPts val="0"/>
-                        </a:spcAft>
-                        <a:buClrTx/>
-                        <a:buSzTx/>
-                        <a:buFontTx/>
-                        <a:buNone/>
-                        <a:tabLst/>
-                        <a:defRPr/>
-                      </a:pPr>
-                      <a:r>
-                        <a:rPr lang="en-US" altLang="ko-KR" sz="800" b="0" kern="1200">
-                          <a:solidFill>
-                            <a:schemeClr val="tx1"/>
-                          </a:solidFill>
-                          <a:latin typeface="맑은 고딕" pitchFamily="50" charset="-127"/>
-                          <a:ea typeface="맑은 고딕" pitchFamily="50" charset="-127"/>
-                          <a:cs typeface="+mn-cs"/>
-                        </a:rPr>
-                        <a:t>5,000,000~9,999,999</a:t>
-                      </a:r>
-                      <a:endParaRPr lang="ko-KR" altLang="en-US" sz="800" b="0" kern="1200" dirty="0">
-                        <a:solidFill>
-                          <a:schemeClr val="tx1"/>
-                        </a:solidFill>
-                        <a:latin typeface="맑은 고딕" pitchFamily="50" charset="-127"/>
-                        <a:ea typeface="맑은 고딕" pitchFamily="50" charset="-127"/>
-                        <a:cs typeface="+mn-cs"/>
-                      </a:endParaRPr>
-                    </a:p>
-                  </a:txBody>
-                  <a:tcPr marL="91474" marR="91474" marT="45743" marB="45743">
-                    <a:lnL w="9525" cap="flat" cmpd="sng" algn="ctr">
-                      <a:solidFill>
-                        <a:srgbClr val="FFFFFF">
-                          <a:lumMod val="65000"/>
-                        </a:srgbClr>
-                      </a:solidFill>
-                      <a:prstDash val="solid"/>
-                      <a:round/>
-                      <a:headEnd type="none" w="med" len="med"/>
-                      <a:tailEnd type="none" w="med" len="med"/>
-                    </a:lnL>
-                    <a:lnR w="9525" cap="flat" cmpd="sng" algn="ctr">
-                      <a:solidFill>
-                        <a:srgbClr val="FFFFFF">
-                          <a:lumMod val="65000"/>
-                        </a:srgbClr>
-                      </a:solidFill>
-                      <a:prstDash val="solid"/>
-                      <a:round/>
-                      <a:headEnd type="none" w="med" len="med"/>
-                      <a:tailEnd type="none" w="med" len="med"/>
-                    </a:lnR>
-                    <a:lnT w="9525" cap="flat" cmpd="sng" algn="ctr">
-                      <a:solidFill>
-                        <a:srgbClr val="FFFFFF">
-                          <a:lumMod val="65000"/>
-                        </a:srgbClr>
-                      </a:solidFill>
-                      <a:prstDash val="solid"/>
-                      <a:round/>
-                      <a:headEnd type="none" w="med" len="med"/>
-                      <a:tailEnd type="none" w="med" len="med"/>
-                    </a:lnT>
-                    <a:lnB w="9525" cap="flat" cmpd="sng" algn="ctr">
-                      <a:solidFill>
-                        <a:srgbClr val="FFFFFF">
-                          <a:lumMod val="65000"/>
-                        </a:srgbClr>
-                      </a:solidFill>
-                      <a:prstDash val="solid"/>
-                      <a:round/>
-                      <a:headEnd type="none" w="med" len="med"/>
-                      <a:tailEnd type="none" w="med" len="med"/>
-                    </a:lnB>
-                    <a:lnTlToBr w="12700" cmpd="sng">
-                      <a:noFill/>
-                      <a:prstDash val="solid"/>
-                    </a:lnTlToBr>
-                    <a:lnBlToTr w="12700" cmpd="sng">
-                      <a:noFill/>
-                      <a:prstDash val="solid"/>
-                    </a:lnBlToTr>
-                    <a:solidFill>
-                      <a:schemeClr val="bg1">
-                        <a:lumMod val="85000"/>
-                      </a:schemeClr>
-                    </a:solidFill>
-                  </a:tcPr>
-                </a:tc>
-                <a:extLst>
-                  <a:ext uri="{0D108BD9-81ED-4DB2-BD59-A6C34878D82A}">
-                    <a16:rowId xmlns:a16="http://schemas.microsoft.com/office/drawing/2014/main" val="10003"/>
-                  </a:ext>
-                </a:extLst>
-              </a:tr>
-              <a:tr h="163347">
-                <a:tc>
-                  <a:txBody>
-                    <a:bodyPr/>
-                    <a:lstStyle/>
-                    <a:p>
-                      <a:pPr marL="0" marR="0" lvl="0" indent="0" algn="ctr" defTabSz="1388882" rtl="0" eaLnBrk="1" fontAlgn="auto" latinLnBrk="1" hangingPunct="1">
-                        <a:lnSpc>
-                          <a:spcPct val="90000"/>
-                        </a:lnSpc>
-                        <a:spcBef>
-                          <a:spcPts val="0"/>
-                        </a:spcBef>
-                        <a:spcAft>
-                          <a:spcPts val="0"/>
-                        </a:spcAft>
-                        <a:buClrTx/>
-                        <a:buSzTx/>
-                        <a:buFontTx/>
-                        <a:buNone/>
-                        <a:tabLst/>
-                        <a:defRPr/>
-                      </a:pPr>
-                      <a:r>
-                        <a:rPr kumimoji="0" lang="ko-KR" altLang="en-US" sz="800" b="0" i="0" u="none" strike="noStrike" kern="1200" cap="none" spc="0" normalizeH="0" baseline="0" noProof="0">
-                          <a:ln>
-                            <a:noFill/>
-                          </a:ln>
-                          <a:solidFill>
-                            <a:prstClr val="black"/>
-                          </a:solidFill>
-                          <a:effectLst/>
-                          <a:uLnTx/>
-                          <a:uFillTx/>
-                          <a:latin typeface="맑은 고딕"/>
-                          <a:ea typeface="맑은 고딕" panose="020B0503020000020004" pitchFamily="50" charset="-127"/>
-                          <a:cs typeface="Times New Roman" panose="02020603050405020304" pitchFamily="18" charset="0"/>
-                        </a:rPr>
-                        <a:t>면적가중치</a:t>
-                      </a:r>
-                      <a:r>
-                        <a:rPr kumimoji="0" lang="en-US" altLang="ko-KR" sz="800" b="0" i="0" u="none" strike="noStrike" kern="1200" cap="none" spc="0" normalizeH="0" baseline="0" noProof="0">
-                          <a:ln>
-                            <a:noFill/>
-                          </a:ln>
-                          <a:solidFill>
-                            <a:prstClr val="black"/>
-                          </a:solidFill>
-                          <a:effectLst/>
-                          <a:uLnTx/>
-                          <a:uFillTx/>
-                          <a:latin typeface="맑은 고딕"/>
-                          <a:ea typeface="맑은 고딕" panose="020B0503020000020004" pitchFamily="50" charset="-127"/>
-                          <a:cs typeface="Times New Roman" panose="02020603050405020304" pitchFamily="18" charset="0"/>
-                        </a:rPr>
-                        <a:t>3</a:t>
-                      </a:r>
-                      <a:r>
-                        <a:rPr kumimoji="0" lang="ko-KR" altLang="en-US" sz="800" b="0" i="0" u="none" strike="noStrike" kern="1200" cap="none" spc="0" normalizeH="0" baseline="0" noProof="0">
-                          <a:ln>
-                            <a:noFill/>
-                          </a:ln>
-                          <a:solidFill>
-                            <a:prstClr val="black"/>
-                          </a:solidFill>
-                          <a:effectLst/>
-                          <a:uLnTx/>
-                          <a:uFillTx/>
-                          <a:latin typeface="맑은 고딕"/>
-                          <a:ea typeface="맑은 고딕" panose="020B0503020000020004" pitchFamily="50" charset="-127"/>
-                          <a:cs typeface="Times New Roman" panose="02020603050405020304" pitchFamily="18" charset="0"/>
-                        </a:rPr>
-                        <a:t>값</a:t>
-                      </a:r>
-                      <a:endParaRPr kumimoji="0" lang="ko-KR" altLang="en-US" sz="800" b="0" i="0" u="none" strike="noStrike" kern="1200" cap="none" spc="0" normalizeH="0" baseline="0" noProof="0" dirty="0">
-                        <a:ln>
-                          <a:noFill/>
-                        </a:ln>
-                        <a:solidFill>
-                          <a:prstClr val="black"/>
-                        </a:solidFill>
-                        <a:effectLst/>
-                        <a:uLnTx/>
-                        <a:uFillTx/>
-                        <a:latin typeface="맑은 고딕" pitchFamily="50" charset="-127"/>
-                        <a:ea typeface="맑은 고딕" pitchFamily="50" charset="-127"/>
-                        <a:cs typeface="+mn-cs"/>
-                      </a:endParaRPr>
-                    </a:p>
-                  </a:txBody>
-                  <a:tcPr marL="91474" marR="91474" marT="45743" marB="45743">
-                    <a:lnL w="9525" cap="flat" cmpd="sng" algn="ctr">
-                      <a:solidFill>
-                        <a:srgbClr val="FFFFFF">
-                          <a:lumMod val="65000"/>
-                        </a:srgbClr>
-                      </a:solidFill>
-                      <a:prstDash val="solid"/>
-                      <a:round/>
-                      <a:headEnd type="none" w="med" len="med"/>
-                      <a:tailEnd type="none" w="med" len="med"/>
-                    </a:lnL>
-                    <a:lnR w="9525" cap="flat" cmpd="sng" algn="ctr">
-                      <a:solidFill>
-                        <a:srgbClr val="FFFFFF">
-                          <a:lumMod val="65000"/>
-                        </a:srgbClr>
-                      </a:solidFill>
-                      <a:prstDash val="solid"/>
-                      <a:round/>
-                      <a:headEnd type="none" w="med" len="med"/>
-                      <a:tailEnd type="none" w="med" len="med"/>
-                    </a:lnR>
-                    <a:lnT w="9525" cap="flat" cmpd="sng" algn="ctr">
-                      <a:solidFill>
-                        <a:srgbClr val="FFFFFF">
-                          <a:lumMod val="65000"/>
-                        </a:srgbClr>
-                      </a:solidFill>
-                      <a:prstDash val="solid"/>
-                      <a:round/>
-                      <a:headEnd type="none" w="med" len="med"/>
-                      <a:tailEnd type="none" w="med" len="med"/>
-                    </a:lnT>
-                    <a:lnB w="9525" cap="flat" cmpd="sng" algn="ctr">
-                      <a:solidFill>
-                        <a:srgbClr val="FFFFFF">
-                          <a:lumMod val="65000"/>
-                        </a:srgbClr>
-                      </a:solidFill>
-                      <a:prstDash val="solid"/>
-                      <a:round/>
-                      <a:headEnd type="none" w="med" len="med"/>
-                      <a:tailEnd type="none" w="med" len="med"/>
-                    </a:lnB>
-                    <a:lnTlToBr w="12700" cmpd="sng">
-                      <a:noFill/>
-                      <a:prstDash val="solid"/>
-                    </a:lnTlToBr>
-                    <a:lnBlToTr w="12700" cmpd="sng">
-                      <a:noFill/>
-                      <a:prstDash val="solid"/>
-                    </a:lnBlToTr>
-                    <a:solidFill>
-                      <a:schemeClr val="bg1">
-                        <a:lumMod val="85000"/>
-                      </a:schemeClr>
-                    </a:solidFill>
-                  </a:tcPr>
-                </a:tc>
-                <a:tc>
-                  <a:txBody>
-                    <a:bodyPr/>
-                    <a:lstStyle/>
-                    <a:p>
-                      <a:pPr marL="0" marR="0" indent="0" algn="r" defTabSz="1388882" rtl="0" eaLnBrk="1" fontAlgn="auto" latinLnBrk="1" hangingPunct="1">
-                        <a:lnSpc>
-                          <a:spcPct val="90000"/>
-                        </a:lnSpc>
-                        <a:spcBef>
-                          <a:spcPts val="0"/>
-                        </a:spcBef>
-                        <a:spcAft>
-                          <a:spcPts val="0"/>
-                        </a:spcAft>
-                        <a:buClrTx/>
-                        <a:buSzTx/>
-                        <a:buFontTx/>
-                        <a:buNone/>
-                        <a:tabLst/>
-                        <a:defRPr/>
-                      </a:pPr>
-                      <a:r>
-                        <a:rPr lang="en-US" altLang="ko-KR" sz="800" b="0" kern="1200">
-                          <a:solidFill>
-                            <a:schemeClr val="tx1"/>
-                          </a:solidFill>
-                          <a:latin typeface="맑은 고딕" pitchFamily="50" charset="-127"/>
-                          <a:ea typeface="맑은 고딕" pitchFamily="50" charset="-127"/>
-                          <a:cs typeface="+mn-cs"/>
-                        </a:rPr>
-                        <a:t>1,000,000</a:t>
-                      </a:r>
-                      <a:endParaRPr lang="ko-KR" altLang="en-US" sz="800" b="0" kern="1200" dirty="0">
-                        <a:solidFill>
-                          <a:schemeClr val="tx1"/>
-                        </a:solidFill>
-                        <a:latin typeface="맑은 고딕" pitchFamily="50" charset="-127"/>
-                        <a:ea typeface="맑은 고딕" pitchFamily="50" charset="-127"/>
-                        <a:cs typeface="+mn-cs"/>
-                      </a:endParaRPr>
-                    </a:p>
-                  </a:txBody>
-                  <a:tcPr marL="91474" marR="91474" marT="45743" marB="45743">
-                    <a:lnL w="9525" cap="flat" cmpd="sng" algn="ctr">
-                      <a:solidFill>
-                        <a:srgbClr val="FFFFFF">
-                          <a:lumMod val="65000"/>
-                        </a:srgbClr>
-                      </a:solidFill>
-                      <a:prstDash val="solid"/>
-                      <a:round/>
-                      <a:headEnd type="none" w="med" len="med"/>
-                      <a:tailEnd type="none" w="med" len="med"/>
-                    </a:lnL>
-                    <a:lnR w="9525" cap="flat" cmpd="sng" algn="ctr">
-                      <a:solidFill>
-                        <a:srgbClr val="FFFFFF">
-                          <a:lumMod val="65000"/>
-                        </a:srgbClr>
-                      </a:solidFill>
-                      <a:prstDash val="solid"/>
-                      <a:round/>
-                      <a:headEnd type="none" w="med" len="med"/>
-                      <a:tailEnd type="none" w="med" len="med"/>
-                    </a:lnR>
-                    <a:lnT w="9525" cap="flat" cmpd="sng" algn="ctr">
-                      <a:solidFill>
-                        <a:srgbClr val="FFFFFF">
-                          <a:lumMod val="65000"/>
-                        </a:srgbClr>
-                      </a:solidFill>
-                      <a:prstDash val="solid"/>
-                      <a:round/>
-                      <a:headEnd type="none" w="med" len="med"/>
-                      <a:tailEnd type="none" w="med" len="med"/>
-                    </a:lnT>
-                    <a:lnB w="9525" cap="flat" cmpd="sng" algn="ctr">
-                      <a:solidFill>
-                        <a:srgbClr val="FFFFFF">
-                          <a:lumMod val="65000"/>
-                        </a:srgbClr>
-                      </a:solidFill>
-                      <a:prstDash val="solid"/>
-                      <a:round/>
-                      <a:headEnd type="none" w="med" len="med"/>
-                      <a:tailEnd type="none" w="med" len="med"/>
-                    </a:lnB>
-                    <a:lnTlToBr w="12700" cmpd="sng">
-                      <a:noFill/>
-                      <a:prstDash val="solid"/>
-                    </a:lnTlToBr>
-                    <a:lnBlToTr w="12700" cmpd="sng">
-                      <a:noFill/>
-                      <a:prstDash val="solid"/>
-                    </a:lnBlToTr>
-                    <a:noFill/>
-                  </a:tcPr>
-                </a:tc>
-                <a:tc>
-                  <a:txBody>
-                    <a:bodyPr/>
-                    <a:lstStyle/>
-                    <a:p>
-                      <a:pPr marL="0" marR="0" indent="0" algn="r" defTabSz="1388882" rtl="0" eaLnBrk="1" fontAlgn="auto" latinLnBrk="1" hangingPunct="1">
-                        <a:lnSpc>
-                          <a:spcPct val="90000"/>
-                        </a:lnSpc>
-                        <a:spcBef>
-                          <a:spcPts val="0"/>
-                        </a:spcBef>
-                        <a:spcAft>
-                          <a:spcPts val="0"/>
-                        </a:spcAft>
-                        <a:buClrTx/>
-                        <a:buSzTx/>
-                        <a:buFontTx/>
-                        <a:buNone/>
-                        <a:tabLst/>
-                        <a:defRPr/>
-                      </a:pPr>
-                      <a:r>
-                        <a:rPr lang="en-US" altLang="ko-KR" sz="800" b="0" kern="1200">
-                          <a:solidFill>
-                            <a:schemeClr val="tx1"/>
-                          </a:solidFill>
-                          <a:latin typeface="맑은 고딕" pitchFamily="50" charset="-127"/>
-                          <a:ea typeface="맑은 고딕" pitchFamily="50" charset="-127"/>
-                          <a:cs typeface="+mn-cs"/>
-                        </a:rPr>
-                        <a:t>1,000,000~4,999,999</a:t>
-                      </a:r>
-                      <a:endParaRPr lang="ko-KR" altLang="en-US" sz="800" b="0" kern="1200" dirty="0">
-                        <a:solidFill>
-                          <a:schemeClr val="tx1"/>
-                        </a:solidFill>
-                        <a:latin typeface="맑은 고딕" pitchFamily="50" charset="-127"/>
-                        <a:ea typeface="맑은 고딕" pitchFamily="50" charset="-127"/>
-                        <a:cs typeface="+mn-cs"/>
-                      </a:endParaRPr>
-                    </a:p>
-                  </a:txBody>
-                  <a:tcPr marL="91474" marR="91474" marT="45743" marB="45743">
-                    <a:lnL w="9525" cap="flat" cmpd="sng" algn="ctr">
-                      <a:solidFill>
-                        <a:srgbClr val="FFFFFF">
-                          <a:lumMod val="65000"/>
-                        </a:srgbClr>
-                      </a:solidFill>
-                      <a:prstDash val="solid"/>
-                      <a:round/>
-                      <a:headEnd type="none" w="med" len="med"/>
-                      <a:tailEnd type="none" w="med" len="med"/>
-                    </a:lnL>
-                    <a:lnR w="9525" cap="flat" cmpd="sng" algn="ctr">
-                      <a:solidFill>
-                        <a:srgbClr val="FFFFFF">
-                          <a:lumMod val="65000"/>
-                        </a:srgbClr>
-                      </a:solidFill>
-                      <a:prstDash val="solid"/>
-                      <a:round/>
-                      <a:headEnd type="none" w="med" len="med"/>
-                      <a:tailEnd type="none" w="med" len="med"/>
-                    </a:lnR>
-                    <a:lnT w="9525" cap="flat" cmpd="sng" algn="ctr">
-                      <a:solidFill>
-                        <a:srgbClr val="FFFFFF">
-                          <a:lumMod val="65000"/>
-                        </a:srgbClr>
-                      </a:solidFill>
-                      <a:prstDash val="solid"/>
-                      <a:round/>
-                      <a:headEnd type="none" w="med" len="med"/>
-                      <a:tailEnd type="none" w="med" len="med"/>
-                    </a:lnT>
-                    <a:lnB w="9525" cap="flat" cmpd="sng" algn="ctr">
-                      <a:solidFill>
-                        <a:srgbClr val="FFFFFF">
-                          <a:lumMod val="65000"/>
-                        </a:srgbClr>
-                      </a:solidFill>
-                      <a:prstDash val="solid"/>
-                      <a:round/>
-                      <a:headEnd type="none" w="med" len="med"/>
-                      <a:tailEnd type="none" w="med" len="med"/>
-                    </a:lnB>
-                    <a:lnTlToBr w="12700" cmpd="sng">
-                      <a:noFill/>
-                      <a:prstDash val="solid"/>
-                    </a:lnTlToBr>
-                    <a:lnBlToTr w="12700" cmpd="sng">
-                      <a:noFill/>
-                      <a:prstDash val="solid"/>
-                    </a:lnBlToTr>
-                    <a:solidFill>
-                      <a:schemeClr val="bg1">
-                        <a:lumMod val="85000"/>
-                      </a:schemeClr>
-                    </a:solidFill>
-                  </a:tcPr>
-                </a:tc>
-                <a:extLst>
-                  <a:ext uri="{0D108BD9-81ED-4DB2-BD59-A6C34878D82A}">
-                    <a16:rowId xmlns:a16="http://schemas.microsoft.com/office/drawing/2014/main" val="10004"/>
-                  </a:ext>
-                </a:extLst>
-              </a:tr>
-              <a:tr h="163347">
-                <a:tc>
-                  <a:txBody>
-                    <a:bodyPr/>
-                    <a:lstStyle/>
-                    <a:p>
-                      <a:pPr marL="0" marR="0" lvl="0" indent="0" algn="ctr" defTabSz="1388882" rtl="0" eaLnBrk="1" fontAlgn="auto" latinLnBrk="1" hangingPunct="1">
-                        <a:lnSpc>
-                          <a:spcPct val="90000"/>
-                        </a:lnSpc>
-                        <a:spcBef>
-                          <a:spcPts val="0"/>
-                        </a:spcBef>
-                        <a:spcAft>
-                          <a:spcPts val="0"/>
-                        </a:spcAft>
-                        <a:buClrTx/>
-                        <a:buSzTx/>
-                        <a:buFontTx/>
-                        <a:buNone/>
-                        <a:tabLst/>
-                        <a:defRPr/>
-                      </a:pPr>
-                      <a:r>
-                        <a:rPr kumimoji="0" lang="ko-KR" altLang="en-US" sz="800" b="0" i="0" u="none" strike="noStrike" kern="1200" cap="none" spc="0" normalizeH="0" baseline="0" noProof="0">
-                          <a:ln>
-                            <a:noFill/>
-                          </a:ln>
-                          <a:solidFill>
-                            <a:prstClr val="black"/>
-                          </a:solidFill>
-                          <a:effectLst/>
-                          <a:uLnTx/>
-                          <a:uFillTx/>
-                          <a:latin typeface="맑은 고딕"/>
-                          <a:ea typeface="맑은 고딕" panose="020B0503020000020004" pitchFamily="50" charset="-127"/>
-                          <a:cs typeface="Times New Roman" panose="02020603050405020304" pitchFamily="18" charset="0"/>
-                        </a:rPr>
-                        <a:t>면적가중치</a:t>
-                      </a:r>
-                      <a:r>
-                        <a:rPr kumimoji="0" lang="en-US" altLang="ko-KR" sz="800" b="0" i="0" u="none" strike="noStrike" kern="1200" cap="none" spc="0" normalizeH="0" baseline="0" noProof="0">
-                          <a:ln>
-                            <a:noFill/>
-                          </a:ln>
-                          <a:solidFill>
-                            <a:prstClr val="black"/>
-                          </a:solidFill>
-                          <a:effectLst/>
-                          <a:uLnTx/>
-                          <a:uFillTx/>
-                          <a:latin typeface="맑은 고딕"/>
-                          <a:ea typeface="맑은 고딕" panose="020B0503020000020004" pitchFamily="50" charset="-127"/>
-                          <a:cs typeface="Times New Roman" panose="02020603050405020304" pitchFamily="18" charset="0"/>
-                        </a:rPr>
-                        <a:t>2</a:t>
-                      </a:r>
-                      <a:r>
-                        <a:rPr kumimoji="0" lang="ko-KR" altLang="en-US" sz="800" b="0" i="0" u="none" strike="noStrike" kern="1200" cap="none" spc="0" normalizeH="0" baseline="0" noProof="0">
-                          <a:ln>
-                            <a:noFill/>
-                          </a:ln>
-                          <a:solidFill>
-                            <a:prstClr val="black"/>
-                          </a:solidFill>
-                          <a:effectLst/>
-                          <a:uLnTx/>
-                          <a:uFillTx/>
-                          <a:latin typeface="맑은 고딕"/>
-                          <a:ea typeface="맑은 고딕" panose="020B0503020000020004" pitchFamily="50" charset="-127"/>
-                          <a:cs typeface="Times New Roman" panose="02020603050405020304" pitchFamily="18" charset="0"/>
-                        </a:rPr>
-                        <a:t>값</a:t>
-                      </a:r>
-                      <a:endParaRPr kumimoji="0" lang="ko-KR" altLang="en-US" sz="800" b="0" i="0" u="none" strike="noStrike" kern="1200" cap="none" spc="0" normalizeH="0" baseline="0" noProof="0" dirty="0">
-                        <a:ln>
-                          <a:noFill/>
-                        </a:ln>
-                        <a:solidFill>
-                          <a:prstClr val="black"/>
-                        </a:solidFill>
-                        <a:effectLst/>
-                        <a:uLnTx/>
-                        <a:uFillTx/>
-                        <a:latin typeface="맑은 고딕" pitchFamily="50" charset="-127"/>
-                        <a:ea typeface="맑은 고딕" pitchFamily="50" charset="-127"/>
-                        <a:cs typeface="+mn-cs"/>
-                      </a:endParaRPr>
-                    </a:p>
-                  </a:txBody>
-                  <a:tcPr marL="91474" marR="91474" marT="45743" marB="45743">
-                    <a:lnL w="9525" cap="flat" cmpd="sng" algn="ctr">
-                      <a:solidFill>
-                        <a:srgbClr val="FFFFFF">
-                          <a:lumMod val="65000"/>
-                        </a:srgbClr>
-                      </a:solidFill>
-                      <a:prstDash val="solid"/>
-                      <a:round/>
-                      <a:headEnd type="none" w="med" len="med"/>
-                      <a:tailEnd type="none" w="med" len="med"/>
-                    </a:lnL>
-                    <a:lnR w="9525" cap="flat" cmpd="sng" algn="ctr">
-                      <a:solidFill>
-                        <a:srgbClr val="FFFFFF">
-                          <a:lumMod val="65000"/>
-                        </a:srgbClr>
-                      </a:solidFill>
-                      <a:prstDash val="solid"/>
-                      <a:round/>
-                      <a:headEnd type="none" w="med" len="med"/>
-                      <a:tailEnd type="none" w="med" len="med"/>
-                    </a:lnR>
-                    <a:lnT w="9525" cap="flat" cmpd="sng" algn="ctr">
-                      <a:solidFill>
-                        <a:srgbClr val="FFFFFF">
-                          <a:lumMod val="65000"/>
-                        </a:srgbClr>
-                      </a:solidFill>
-                      <a:prstDash val="solid"/>
-                      <a:round/>
-                      <a:headEnd type="none" w="med" len="med"/>
-                      <a:tailEnd type="none" w="med" len="med"/>
-                    </a:lnT>
-                    <a:lnB w="9525" cap="flat" cmpd="sng" algn="ctr">
-                      <a:solidFill>
-                        <a:srgbClr val="FFFFFF">
-                          <a:lumMod val="65000"/>
-                        </a:srgbClr>
-                      </a:solidFill>
-                      <a:prstDash val="solid"/>
-                      <a:round/>
-                      <a:headEnd type="none" w="med" len="med"/>
-                      <a:tailEnd type="none" w="med" len="med"/>
-                    </a:lnB>
-                    <a:lnTlToBr w="12700" cmpd="sng">
-                      <a:noFill/>
-                      <a:prstDash val="solid"/>
-                    </a:lnTlToBr>
-                    <a:lnBlToTr w="12700" cmpd="sng">
-                      <a:noFill/>
-                      <a:prstDash val="solid"/>
-                    </a:lnBlToTr>
-                    <a:solidFill>
-                      <a:schemeClr val="bg1">
-                        <a:lumMod val="85000"/>
-                      </a:schemeClr>
-                    </a:solidFill>
-                  </a:tcPr>
-                </a:tc>
-                <a:tc>
-                  <a:txBody>
-                    <a:bodyPr/>
-                    <a:lstStyle/>
-                    <a:p>
-                      <a:pPr marL="0" marR="0" indent="0" algn="r" defTabSz="1388882" rtl="0" eaLnBrk="1" fontAlgn="auto" latinLnBrk="1" hangingPunct="1">
-                        <a:lnSpc>
-                          <a:spcPct val="90000"/>
-                        </a:lnSpc>
-                        <a:spcBef>
-                          <a:spcPts val="0"/>
-                        </a:spcBef>
-                        <a:spcAft>
-                          <a:spcPts val="0"/>
-                        </a:spcAft>
-                        <a:buClrTx/>
-                        <a:buSzTx/>
-                        <a:buFontTx/>
-                        <a:buNone/>
-                        <a:tabLst/>
-                        <a:defRPr/>
-                      </a:pPr>
-                      <a:r>
-                        <a:rPr lang="en-US" altLang="ko-KR" sz="800" b="0" kern="1200">
-                          <a:solidFill>
-                            <a:schemeClr val="tx1"/>
-                          </a:solidFill>
-                          <a:latin typeface="맑은 고딕" pitchFamily="50" charset="-127"/>
-                          <a:ea typeface="맑은 고딕" pitchFamily="50" charset="-127"/>
-                          <a:cs typeface="+mn-cs"/>
-                        </a:rPr>
-                        <a:t>100,000</a:t>
-                      </a:r>
-                      <a:endParaRPr lang="ko-KR" altLang="en-US" sz="800" b="0" kern="1200" dirty="0">
-                        <a:solidFill>
-                          <a:schemeClr val="tx1"/>
-                        </a:solidFill>
-                        <a:latin typeface="맑은 고딕" pitchFamily="50" charset="-127"/>
-                        <a:ea typeface="맑은 고딕" pitchFamily="50" charset="-127"/>
-                        <a:cs typeface="+mn-cs"/>
-                      </a:endParaRPr>
-                    </a:p>
-                  </a:txBody>
-                  <a:tcPr marL="91474" marR="91474" marT="45743" marB="45743">
-                    <a:lnL w="9525" cap="flat" cmpd="sng" algn="ctr">
-                      <a:solidFill>
-                        <a:srgbClr val="FFFFFF">
-                          <a:lumMod val="65000"/>
-                        </a:srgbClr>
-                      </a:solidFill>
-                      <a:prstDash val="solid"/>
-                      <a:round/>
-                      <a:headEnd type="none" w="med" len="med"/>
-                      <a:tailEnd type="none" w="med" len="med"/>
-                    </a:lnL>
-                    <a:lnR w="9525" cap="flat" cmpd="sng" algn="ctr">
-                      <a:solidFill>
-                        <a:srgbClr val="FFFFFF">
-                          <a:lumMod val="65000"/>
-                        </a:srgbClr>
-                      </a:solidFill>
-                      <a:prstDash val="solid"/>
-                      <a:round/>
-                      <a:headEnd type="none" w="med" len="med"/>
-                      <a:tailEnd type="none" w="med" len="med"/>
-                    </a:lnR>
-                    <a:lnT w="9525" cap="flat" cmpd="sng" algn="ctr">
-                      <a:solidFill>
-                        <a:srgbClr val="FFFFFF">
-                          <a:lumMod val="65000"/>
-                        </a:srgbClr>
-                      </a:solidFill>
-                      <a:prstDash val="solid"/>
-                      <a:round/>
-                      <a:headEnd type="none" w="med" len="med"/>
-                      <a:tailEnd type="none" w="med" len="med"/>
-                    </a:lnT>
-                    <a:lnB w="9525" cap="flat" cmpd="sng" algn="ctr">
-                      <a:solidFill>
-                        <a:srgbClr val="FFFFFF">
-                          <a:lumMod val="65000"/>
-                        </a:srgbClr>
-                      </a:solidFill>
-                      <a:prstDash val="solid"/>
-                      <a:round/>
-                      <a:headEnd type="none" w="med" len="med"/>
-                      <a:tailEnd type="none" w="med" len="med"/>
-                    </a:lnB>
-                    <a:lnTlToBr w="12700" cmpd="sng">
-                      <a:noFill/>
-                      <a:prstDash val="solid"/>
-                    </a:lnTlToBr>
-                    <a:lnBlToTr w="12700" cmpd="sng">
-                      <a:noFill/>
-                      <a:prstDash val="solid"/>
-                    </a:lnBlToTr>
-                    <a:noFill/>
-                  </a:tcPr>
-                </a:tc>
-                <a:tc>
-                  <a:txBody>
-                    <a:bodyPr/>
-                    <a:lstStyle/>
-                    <a:p>
-                      <a:pPr marL="0" marR="0" indent="0" algn="r" defTabSz="1388882" rtl="0" eaLnBrk="1" fontAlgn="auto" latinLnBrk="1" hangingPunct="1">
-                        <a:lnSpc>
-                          <a:spcPct val="90000"/>
-                        </a:lnSpc>
-                        <a:spcBef>
-                          <a:spcPts val="0"/>
-                        </a:spcBef>
-                        <a:spcAft>
-                          <a:spcPts val="0"/>
-                        </a:spcAft>
-                        <a:buClrTx/>
-                        <a:buSzTx/>
-                        <a:buFontTx/>
-                        <a:buNone/>
-                        <a:tabLst/>
-                        <a:defRPr/>
-                      </a:pPr>
-                      <a:r>
-                        <a:rPr lang="en-US" altLang="ko-KR" sz="800" b="0" kern="1200">
-                          <a:solidFill>
-                            <a:schemeClr val="tx1"/>
-                          </a:solidFill>
-                          <a:latin typeface="맑은 고딕" pitchFamily="50" charset="-127"/>
-                          <a:ea typeface="맑은 고딕" pitchFamily="50" charset="-127"/>
-                          <a:cs typeface="+mn-cs"/>
-                        </a:rPr>
-                        <a:t>100,000~999,999</a:t>
-                      </a:r>
-                      <a:endParaRPr lang="ko-KR" altLang="en-US" sz="800" b="0" kern="1200" dirty="0">
-                        <a:solidFill>
-                          <a:schemeClr val="tx1"/>
-                        </a:solidFill>
-                        <a:latin typeface="맑은 고딕" pitchFamily="50" charset="-127"/>
-                        <a:ea typeface="맑은 고딕" pitchFamily="50" charset="-127"/>
-                        <a:cs typeface="+mn-cs"/>
-                      </a:endParaRPr>
-                    </a:p>
-                  </a:txBody>
-                  <a:tcPr marL="91474" marR="91474" marT="45743" marB="45743">
-                    <a:lnL w="9525" cap="flat" cmpd="sng" algn="ctr">
-                      <a:solidFill>
-                        <a:srgbClr val="FFFFFF">
-                          <a:lumMod val="65000"/>
-                        </a:srgbClr>
-                      </a:solidFill>
-                      <a:prstDash val="solid"/>
-                      <a:round/>
-                      <a:headEnd type="none" w="med" len="med"/>
-                      <a:tailEnd type="none" w="med" len="med"/>
-                    </a:lnL>
-                    <a:lnR w="9525" cap="flat" cmpd="sng" algn="ctr">
-                      <a:solidFill>
-                        <a:srgbClr val="FFFFFF">
-                          <a:lumMod val="65000"/>
-                        </a:srgbClr>
-                      </a:solidFill>
-                      <a:prstDash val="solid"/>
-                      <a:round/>
-                      <a:headEnd type="none" w="med" len="med"/>
-                      <a:tailEnd type="none" w="med" len="med"/>
-                    </a:lnR>
-                    <a:lnT w="9525" cap="flat" cmpd="sng" algn="ctr">
-                      <a:solidFill>
-                        <a:srgbClr val="FFFFFF">
-                          <a:lumMod val="65000"/>
-                        </a:srgbClr>
-                      </a:solidFill>
-                      <a:prstDash val="solid"/>
-                      <a:round/>
-                      <a:headEnd type="none" w="med" len="med"/>
-                      <a:tailEnd type="none" w="med" len="med"/>
-                    </a:lnT>
-                    <a:lnB w="9525" cap="flat" cmpd="sng" algn="ctr">
-                      <a:solidFill>
-                        <a:srgbClr val="FFFFFF">
-                          <a:lumMod val="65000"/>
-                        </a:srgbClr>
-                      </a:solidFill>
-                      <a:prstDash val="solid"/>
-                      <a:round/>
-                      <a:headEnd type="none" w="med" len="med"/>
-                      <a:tailEnd type="none" w="med" len="med"/>
-                    </a:lnB>
-                    <a:lnTlToBr w="12700" cmpd="sng">
-                      <a:noFill/>
-                      <a:prstDash val="solid"/>
-                    </a:lnTlToBr>
-                    <a:lnBlToTr w="12700" cmpd="sng">
-                      <a:noFill/>
-                      <a:prstDash val="solid"/>
-                    </a:lnBlToTr>
-                    <a:solidFill>
-                      <a:schemeClr val="bg1">
-                        <a:lumMod val="85000"/>
-                      </a:schemeClr>
-                    </a:solidFill>
-                  </a:tcPr>
-                </a:tc>
-                <a:extLst>
-                  <a:ext uri="{0D108BD9-81ED-4DB2-BD59-A6C34878D82A}">
-                    <a16:rowId xmlns:a16="http://schemas.microsoft.com/office/drawing/2014/main" val="2069925297"/>
-                  </a:ext>
-                </a:extLst>
-              </a:tr>
-              <a:tr h="163347">
-                <a:tc>
-                  <a:txBody>
-                    <a:bodyPr/>
-                    <a:lstStyle/>
-                    <a:p>
-                      <a:pPr marL="0" marR="0" lvl="0" indent="0" algn="ctr" defTabSz="1388882" rtl="0" eaLnBrk="1" fontAlgn="auto" latinLnBrk="1" hangingPunct="1">
-                        <a:lnSpc>
-                          <a:spcPct val="90000"/>
-                        </a:lnSpc>
-                        <a:spcBef>
-                          <a:spcPts val="0"/>
-                        </a:spcBef>
-                        <a:spcAft>
-                          <a:spcPts val="0"/>
-                        </a:spcAft>
-                        <a:buClrTx/>
-                        <a:buSzTx/>
-                        <a:buFontTx/>
-                        <a:buNone/>
-                        <a:tabLst/>
-                        <a:defRPr/>
-                      </a:pPr>
-                      <a:r>
-                        <a:rPr kumimoji="0" lang="ko-KR" altLang="en-US" sz="800" b="0" i="0" u="none" strike="noStrike" kern="1200" cap="none" spc="0" normalizeH="0" baseline="0" noProof="0">
-                          <a:ln>
-                            <a:noFill/>
-                          </a:ln>
-                          <a:solidFill>
-                            <a:prstClr val="black"/>
-                          </a:solidFill>
-                          <a:effectLst/>
-                          <a:uLnTx/>
-                          <a:uFillTx/>
-                          <a:latin typeface="맑은 고딕"/>
-                          <a:ea typeface="맑은 고딕" panose="020B0503020000020004" pitchFamily="50" charset="-127"/>
-                          <a:cs typeface="Times New Roman" panose="02020603050405020304" pitchFamily="18" charset="0"/>
-                        </a:rPr>
-                        <a:t>면적가중치</a:t>
-                      </a:r>
-                      <a:r>
-                        <a:rPr kumimoji="0" lang="en-US" altLang="ko-KR" sz="800" b="0" i="0" u="none" strike="noStrike" kern="1200" cap="none" spc="0" normalizeH="0" baseline="0" noProof="0">
-                          <a:ln>
-                            <a:noFill/>
-                          </a:ln>
-                          <a:solidFill>
-                            <a:prstClr val="black"/>
-                          </a:solidFill>
-                          <a:effectLst/>
-                          <a:uLnTx/>
-                          <a:uFillTx/>
-                          <a:latin typeface="맑은 고딕"/>
-                          <a:ea typeface="맑은 고딕" panose="020B0503020000020004" pitchFamily="50" charset="-127"/>
-                          <a:cs typeface="Times New Roman" panose="02020603050405020304" pitchFamily="18" charset="0"/>
-                        </a:rPr>
-                        <a:t>1</a:t>
-                      </a:r>
-                      <a:r>
-                        <a:rPr kumimoji="0" lang="ko-KR" altLang="en-US" sz="800" b="0" i="0" u="none" strike="noStrike" kern="1200" cap="none" spc="0" normalizeH="0" baseline="0" noProof="0">
-                          <a:ln>
-                            <a:noFill/>
-                          </a:ln>
-                          <a:solidFill>
-                            <a:prstClr val="black"/>
-                          </a:solidFill>
-                          <a:effectLst/>
-                          <a:uLnTx/>
-                          <a:uFillTx/>
-                          <a:latin typeface="맑은 고딕"/>
-                          <a:ea typeface="맑은 고딕" panose="020B0503020000020004" pitchFamily="50" charset="-127"/>
-                          <a:cs typeface="Times New Roman" panose="02020603050405020304" pitchFamily="18" charset="0"/>
-                        </a:rPr>
-                        <a:t>값</a:t>
-                      </a:r>
-                      <a:endParaRPr kumimoji="0" lang="ko-KR" altLang="en-US" sz="800" b="0" i="0" u="none" strike="noStrike" kern="1200" cap="none" spc="0" normalizeH="0" baseline="0" noProof="0" dirty="0">
-                        <a:ln>
-                          <a:noFill/>
-                        </a:ln>
-                        <a:solidFill>
-                          <a:prstClr val="black"/>
-                        </a:solidFill>
-                        <a:effectLst/>
-                        <a:uLnTx/>
-                        <a:uFillTx/>
-                        <a:latin typeface="맑은 고딕" pitchFamily="50" charset="-127"/>
-                        <a:ea typeface="맑은 고딕" pitchFamily="50" charset="-127"/>
-                        <a:cs typeface="+mn-cs"/>
-                      </a:endParaRPr>
-                    </a:p>
-                  </a:txBody>
-                  <a:tcPr marL="91474" marR="91474" marT="45743" marB="45743">
-                    <a:lnL w="9525" cap="flat" cmpd="sng" algn="ctr">
-                      <a:solidFill>
-                        <a:srgbClr val="FFFFFF">
-                          <a:lumMod val="65000"/>
-                        </a:srgbClr>
-                      </a:solidFill>
-                      <a:prstDash val="solid"/>
-                      <a:round/>
-                      <a:headEnd type="none" w="med" len="med"/>
-                      <a:tailEnd type="none" w="med" len="med"/>
-                    </a:lnL>
-                    <a:lnR w="9525" cap="flat" cmpd="sng" algn="ctr">
-                      <a:solidFill>
-                        <a:srgbClr val="FFFFFF">
-                          <a:lumMod val="65000"/>
-                        </a:srgbClr>
-                      </a:solidFill>
-                      <a:prstDash val="solid"/>
-                      <a:round/>
-                      <a:headEnd type="none" w="med" len="med"/>
-                      <a:tailEnd type="none" w="med" len="med"/>
-                    </a:lnR>
-                    <a:lnT w="9525" cap="flat" cmpd="sng" algn="ctr">
-                      <a:solidFill>
-                        <a:srgbClr val="FFFFFF">
-                          <a:lumMod val="65000"/>
-                        </a:srgbClr>
-                      </a:solidFill>
-                      <a:prstDash val="solid"/>
-                      <a:round/>
-                      <a:headEnd type="none" w="med" len="med"/>
-                      <a:tailEnd type="none" w="med" len="med"/>
-                    </a:lnT>
-                    <a:lnB w="9525" cap="flat" cmpd="sng" algn="ctr">
-                      <a:solidFill>
-                        <a:srgbClr val="FFFFFF">
-                          <a:lumMod val="65000"/>
-                        </a:srgbClr>
-                      </a:solidFill>
-                      <a:prstDash val="solid"/>
-                      <a:round/>
-                      <a:headEnd type="none" w="med" len="med"/>
-                      <a:tailEnd type="none" w="med" len="med"/>
-                    </a:lnB>
-                    <a:lnTlToBr w="12700" cmpd="sng">
-                      <a:noFill/>
-                      <a:prstDash val="solid"/>
-                    </a:lnTlToBr>
-                    <a:lnBlToTr w="12700" cmpd="sng">
-                      <a:noFill/>
-                      <a:prstDash val="solid"/>
-                    </a:lnBlToTr>
-                    <a:solidFill>
-                      <a:schemeClr val="bg1">
-                        <a:lumMod val="85000"/>
-                      </a:schemeClr>
-                    </a:solidFill>
-                  </a:tcPr>
-                </a:tc>
-                <a:tc>
-                  <a:txBody>
-                    <a:bodyPr/>
-                    <a:lstStyle/>
-                    <a:p>
-                      <a:pPr marL="0" marR="0" indent="0" algn="r" defTabSz="1388882" rtl="0" eaLnBrk="1" fontAlgn="auto" latinLnBrk="1" hangingPunct="1">
-                        <a:lnSpc>
-                          <a:spcPct val="90000"/>
-                        </a:lnSpc>
-                        <a:spcBef>
-                          <a:spcPts val="0"/>
-                        </a:spcBef>
-                        <a:spcAft>
-                          <a:spcPts val="0"/>
-                        </a:spcAft>
-                        <a:buClrTx/>
-                        <a:buSzTx/>
-                        <a:buFontTx/>
-                        <a:buNone/>
-                        <a:tabLst/>
-                        <a:defRPr/>
-                      </a:pPr>
-                      <a:r>
-                        <a:rPr lang="en-US" altLang="ko-KR" sz="800" b="0" kern="1200">
-                          <a:solidFill>
-                            <a:schemeClr val="tx1"/>
-                          </a:solidFill>
-                          <a:latin typeface="맑은 고딕" pitchFamily="50" charset="-127"/>
-                          <a:ea typeface="맑은 고딕" pitchFamily="50" charset="-127"/>
-                          <a:cs typeface="+mn-cs"/>
-                        </a:rPr>
-                        <a:t>1</a:t>
-                      </a:r>
-                      <a:endParaRPr lang="ko-KR" altLang="en-US" sz="800" b="0" kern="1200" dirty="0">
-                        <a:solidFill>
-                          <a:schemeClr val="tx1"/>
-                        </a:solidFill>
-                        <a:latin typeface="맑은 고딕" pitchFamily="50" charset="-127"/>
-                        <a:ea typeface="맑은 고딕" pitchFamily="50" charset="-127"/>
-                        <a:cs typeface="+mn-cs"/>
-                      </a:endParaRPr>
-                    </a:p>
-                  </a:txBody>
-                  <a:tcPr marL="91474" marR="91474" marT="45743" marB="45743">
-                    <a:lnL w="9525" cap="flat" cmpd="sng" algn="ctr">
-                      <a:solidFill>
-                        <a:srgbClr val="FFFFFF">
-                          <a:lumMod val="65000"/>
-                        </a:srgbClr>
-                      </a:solidFill>
-                      <a:prstDash val="solid"/>
-                      <a:round/>
-                      <a:headEnd type="none" w="med" len="med"/>
-                      <a:tailEnd type="none" w="med" len="med"/>
-                    </a:lnL>
-                    <a:lnR w="9525" cap="flat" cmpd="sng" algn="ctr">
-                      <a:solidFill>
-                        <a:srgbClr val="FFFFFF">
-                          <a:lumMod val="65000"/>
-                        </a:srgbClr>
-                      </a:solidFill>
-                      <a:prstDash val="solid"/>
-                      <a:round/>
-                      <a:headEnd type="none" w="med" len="med"/>
-                      <a:tailEnd type="none" w="med" len="med"/>
-                    </a:lnR>
-                    <a:lnT w="9525" cap="flat" cmpd="sng" algn="ctr">
-                      <a:solidFill>
-                        <a:srgbClr val="FFFFFF">
-                          <a:lumMod val="65000"/>
-                        </a:srgbClr>
-                      </a:solidFill>
-                      <a:prstDash val="solid"/>
-                      <a:round/>
-                      <a:headEnd type="none" w="med" len="med"/>
-                      <a:tailEnd type="none" w="med" len="med"/>
-                    </a:lnT>
-                    <a:lnB w="9525" cap="flat" cmpd="sng" algn="ctr">
-                      <a:solidFill>
-                        <a:srgbClr val="FFFFFF">
-                          <a:lumMod val="65000"/>
-                        </a:srgbClr>
-                      </a:solidFill>
-                      <a:prstDash val="solid"/>
-                      <a:round/>
-                      <a:headEnd type="none" w="med" len="med"/>
-                      <a:tailEnd type="none" w="med" len="med"/>
-                    </a:lnB>
-                    <a:lnTlToBr w="12700" cmpd="sng">
-                      <a:noFill/>
-                      <a:prstDash val="solid"/>
-                    </a:lnTlToBr>
-                    <a:lnBlToTr w="12700" cmpd="sng">
-                      <a:noFill/>
-                      <a:prstDash val="solid"/>
-                    </a:lnBlToTr>
-                    <a:noFill/>
-                  </a:tcPr>
-                </a:tc>
-                <a:tc>
-                  <a:txBody>
-                    <a:bodyPr/>
-                    <a:lstStyle/>
-                    <a:p>
-                      <a:pPr marL="0" marR="0" indent="0" algn="r" defTabSz="1388882" rtl="0" eaLnBrk="1" fontAlgn="auto" latinLnBrk="1" hangingPunct="1">
-                        <a:lnSpc>
-                          <a:spcPct val="90000"/>
-                        </a:lnSpc>
-                        <a:spcBef>
-                          <a:spcPts val="0"/>
-                        </a:spcBef>
-                        <a:spcAft>
-                          <a:spcPts val="0"/>
-                        </a:spcAft>
-                        <a:buClrTx/>
-                        <a:buSzTx/>
-                        <a:buFontTx/>
-                        <a:buNone/>
-                        <a:tabLst/>
-                        <a:defRPr/>
-                      </a:pPr>
-                      <a:r>
-                        <a:rPr lang="en-US" altLang="ko-KR" sz="800" b="0" kern="1200">
-                          <a:solidFill>
-                            <a:schemeClr val="tx1"/>
-                          </a:solidFill>
-                          <a:latin typeface="맑은 고딕" pitchFamily="50" charset="-127"/>
-                          <a:ea typeface="맑은 고딕" pitchFamily="50" charset="-127"/>
-                          <a:cs typeface="+mn-cs"/>
-                        </a:rPr>
-                        <a:t>99,999 </a:t>
-                      </a:r>
-                      <a:r>
-                        <a:rPr lang="ko-KR" altLang="en-US" sz="800" b="0" kern="1200">
-                          <a:solidFill>
-                            <a:schemeClr val="tx1"/>
-                          </a:solidFill>
-                          <a:latin typeface="맑은 고딕" pitchFamily="50" charset="-127"/>
-                          <a:ea typeface="맑은 고딕" pitchFamily="50" charset="-127"/>
-                          <a:cs typeface="+mn-cs"/>
-                        </a:rPr>
-                        <a:t>이하</a:t>
-                      </a:r>
-                      <a:endParaRPr lang="ko-KR" altLang="en-US" sz="800" b="0" kern="1200" dirty="0">
-                        <a:solidFill>
-                          <a:schemeClr val="tx1"/>
-                        </a:solidFill>
-                        <a:latin typeface="맑은 고딕" pitchFamily="50" charset="-127"/>
-                        <a:ea typeface="맑은 고딕" pitchFamily="50" charset="-127"/>
-                        <a:cs typeface="+mn-cs"/>
-                      </a:endParaRPr>
-                    </a:p>
-                  </a:txBody>
-                  <a:tcPr marL="91474" marR="91474" marT="45743" marB="45743">
-                    <a:lnL w="9525" cap="flat" cmpd="sng" algn="ctr">
-                      <a:solidFill>
-                        <a:srgbClr val="FFFFFF">
-                          <a:lumMod val="65000"/>
-                        </a:srgbClr>
-                      </a:solidFill>
-                      <a:prstDash val="solid"/>
-                      <a:round/>
-                      <a:headEnd type="none" w="med" len="med"/>
-                      <a:tailEnd type="none" w="med" len="med"/>
-                    </a:lnL>
-                    <a:lnR w="9525" cap="flat" cmpd="sng" algn="ctr">
-                      <a:solidFill>
-                        <a:srgbClr val="FFFFFF">
-                          <a:lumMod val="65000"/>
-                        </a:srgbClr>
-                      </a:solidFill>
-                      <a:prstDash val="solid"/>
-                      <a:round/>
-                      <a:headEnd type="none" w="med" len="med"/>
-                      <a:tailEnd type="none" w="med" len="med"/>
-                    </a:lnR>
-                    <a:lnT w="9525" cap="flat" cmpd="sng" algn="ctr">
-                      <a:solidFill>
-                        <a:srgbClr val="FFFFFF">
-                          <a:lumMod val="65000"/>
-                        </a:srgbClr>
-                      </a:solidFill>
-                      <a:prstDash val="solid"/>
-                      <a:round/>
-                      <a:headEnd type="none" w="med" len="med"/>
-                      <a:tailEnd type="none" w="med" len="med"/>
-                    </a:lnT>
-                    <a:lnB w="9525" cap="flat" cmpd="sng" algn="ctr">
-                      <a:solidFill>
-                        <a:srgbClr val="FFFFFF">
-                          <a:lumMod val="65000"/>
-                        </a:srgbClr>
-                      </a:solidFill>
-                      <a:prstDash val="solid"/>
-                      <a:round/>
-                      <a:headEnd type="none" w="med" len="med"/>
-                      <a:tailEnd type="none" w="med" len="med"/>
-                    </a:lnB>
-                    <a:lnTlToBr w="12700" cmpd="sng">
-                      <a:noFill/>
-                      <a:prstDash val="solid"/>
-                    </a:lnTlToBr>
-                    <a:lnBlToTr w="12700" cmpd="sng">
-                      <a:noFill/>
-                      <a:prstDash val="solid"/>
-                    </a:lnBlToTr>
-                    <a:solidFill>
-                      <a:schemeClr val="bg1">
-                        <a:lumMod val="85000"/>
-                      </a:schemeClr>
-                    </a:solidFill>
-                  </a:tcPr>
-                </a:tc>
-                <a:extLst>
-                  <a:ext uri="{0D108BD9-81ED-4DB2-BD59-A6C34878D82A}">
-                    <a16:rowId xmlns:a16="http://schemas.microsoft.com/office/drawing/2014/main" val="2747645245"/>
-                  </a:ext>
-                </a:extLst>
-              </a:tr>
-            </a:tbl>
-          </a:graphicData>
-        </a:graphic>
-      </p:graphicFrame>
-      <p:graphicFrame>
-        <p:nvGraphicFramePr>
           <p:cNvPr id="71" name="표 70">
             <a:extLst>
               <a:ext uri="{FF2B5EF4-FFF2-40B4-BE49-F238E27FC236}">
@@ -14818,35 +12635,35 @@
           <p:nvPr>
             <p:extLst>
               <p:ext uri="{D42A27DB-BD31-4B8C-83A1-F6EECF244321}">
-                <p14:modId xmlns:p14="http://schemas.microsoft.com/office/powerpoint/2010/main" val="692545787"/>
+                <p14:modId xmlns:p14="http://schemas.microsoft.com/office/powerpoint/2010/main" val="2114050017"/>
               </p:ext>
             </p:extLst>
           </p:nvPr>
         </p:nvGraphicFramePr>
         <p:xfrm>
-          <a:off x="2863231" y="5023254"/>
-          <a:ext cx="2055480" cy="813096"/>
+          <a:off x="2863231" y="4456817"/>
+          <a:ext cx="1873740" cy="813096"/>
         </p:xfrm>
         <a:graphic>
           <a:graphicData uri="http://schemas.openxmlformats.org/drawingml/2006/table">
             <a:tbl>
               <a:tblPr firstRow="1" bandRow="1"/>
               <a:tblGrid>
-                <a:gridCol w="1054882">
+                <a:gridCol w="961612">
                   <a:extLst>
                     <a:ext uri="{9D8B030D-6E8A-4147-A177-3AD203B41FA5}">
                       <a16:colId xmlns:a16="http://schemas.microsoft.com/office/drawing/2014/main" val="20000"/>
                     </a:ext>
                   </a:extLst>
                 </a:gridCol>
-                <a:gridCol w="360149">
+                <a:gridCol w="328306">
                   <a:extLst>
                     <a:ext uri="{9D8B030D-6E8A-4147-A177-3AD203B41FA5}">
                       <a16:colId xmlns:a16="http://schemas.microsoft.com/office/drawing/2014/main" val="3440055658"/>
                     </a:ext>
                   </a:extLst>
                 </a:gridCol>
-                <a:gridCol w="640449">
+                <a:gridCol w="583822">
                   <a:extLst>
                     <a:ext uri="{9D8B030D-6E8A-4147-A177-3AD203B41FA5}">
                       <a16:colId xmlns:a16="http://schemas.microsoft.com/office/drawing/2014/main" val="808354863"/>
@@ -16101,28 +13918,28 @@
           <p:nvPr>
             <p:extLst>
               <p:ext uri="{D42A27DB-BD31-4B8C-83A1-F6EECF244321}">
-                <p14:modId xmlns:p14="http://schemas.microsoft.com/office/powerpoint/2010/main" val="1058075162"/>
+                <p14:modId xmlns:p14="http://schemas.microsoft.com/office/powerpoint/2010/main" val="1275983255"/>
               </p:ext>
             </p:extLst>
           </p:nvPr>
         </p:nvGraphicFramePr>
         <p:xfrm>
-          <a:off x="4998342" y="5023254"/>
-          <a:ext cx="1775070" cy="813096"/>
+          <a:off x="4808984" y="4456817"/>
+          <a:ext cx="1728192" cy="813096"/>
         </p:xfrm>
         <a:graphic>
           <a:graphicData uri="http://schemas.openxmlformats.org/drawingml/2006/table">
             <a:tbl>
               <a:tblPr firstRow="1" bandRow="1"/>
               <a:tblGrid>
-                <a:gridCol w="1126998">
+                <a:gridCol w="1187415">
                   <a:extLst>
                     <a:ext uri="{9D8B030D-6E8A-4147-A177-3AD203B41FA5}">
                       <a16:colId xmlns:a16="http://schemas.microsoft.com/office/drawing/2014/main" val="20000"/>
                     </a:ext>
                   </a:extLst>
                 </a:gridCol>
-                <a:gridCol w="648072">
+                <a:gridCol w="540777">
                   <a:extLst>
                     <a:ext uri="{9D8B030D-6E8A-4147-A177-3AD203B41FA5}">
                       <a16:colId xmlns:a16="http://schemas.microsoft.com/office/drawing/2014/main" val="3440055658"/>
@@ -17064,531 +14881,6 @@
           </a:graphicData>
         </a:graphic>
       </p:graphicFrame>
-      <p:graphicFrame>
-        <p:nvGraphicFramePr>
-          <p:cNvPr id="75" name="표 74">
-            <a:extLst>
-              <a:ext uri="{FF2B5EF4-FFF2-40B4-BE49-F238E27FC236}">
-                <a16:creationId xmlns:a16="http://schemas.microsoft.com/office/drawing/2014/main" id="{863F0F6E-0AD6-4779-9A8A-628A336DA517}"/>
-              </a:ext>
-            </a:extLst>
-          </p:cNvPr>
-          <p:cNvGraphicFramePr>
-            <a:graphicFrameLocks noGrp="1"/>
-          </p:cNvGraphicFramePr>
-          <p:nvPr>
-            <p:extLst>
-              <p:ext uri="{D42A27DB-BD31-4B8C-83A1-F6EECF244321}">
-                <p14:modId xmlns:p14="http://schemas.microsoft.com/office/powerpoint/2010/main" val="3081881194"/>
-              </p:ext>
-            </p:extLst>
-          </p:nvPr>
-        </p:nvGraphicFramePr>
-        <p:xfrm>
-          <a:off x="2863232" y="4243759"/>
-          <a:ext cx="1775070" cy="203274"/>
-        </p:xfrm>
-        <a:graphic>
-          <a:graphicData uri="http://schemas.openxmlformats.org/drawingml/2006/table">
-            <a:tbl>
-              <a:tblPr firstRow="1" bandRow="1"/>
-              <a:tblGrid>
-                <a:gridCol w="1126998">
-                  <a:extLst>
-                    <a:ext uri="{9D8B030D-6E8A-4147-A177-3AD203B41FA5}">
-                      <a16:colId xmlns:a16="http://schemas.microsoft.com/office/drawing/2014/main" val="20000"/>
-                    </a:ext>
-                  </a:extLst>
-                </a:gridCol>
-                <a:gridCol w="648072">
-                  <a:extLst>
-                    <a:ext uri="{9D8B030D-6E8A-4147-A177-3AD203B41FA5}">
-                      <a16:colId xmlns:a16="http://schemas.microsoft.com/office/drawing/2014/main" val="3440055658"/>
-                    </a:ext>
-                  </a:extLst>
-                </a:gridCol>
-              </a:tblGrid>
-              <a:tr h="203274">
-                <a:tc>
-                  <a:txBody>
-                    <a:bodyPr/>
-                    <a:lstStyle/>
-                    <a:p>
-                      <a:pPr marL="0" marR="0" lvl="0" indent="0" algn="ctr" defTabSz="1388882" rtl="0" eaLnBrk="1" fontAlgn="auto" latinLnBrk="1" hangingPunct="1">
-                        <a:lnSpc>
-                          <a:spcPct val="90000"/>
-                        </a:lnSpc>
-                        <a:spcBef>
-                          <a:spcPts val="0"/>
-                        </a:spcBef>
-                        <a:spcAft>
-                          <a:spcPts val="0"/>
-                        </a:spcAft>
-                        <a:buClrTx/>
-                        <a:buSzTx/>
-                        <a:buFontTx/>
-                        <a:buNone/>
-                        <a:tabLst/>
-                        <a:defRPr/>
-                      </a:pPr>
-                      <a:r>
-                        <a:rPr lang="en-US" altLang="ko-KR" sz="800" b="0" kern="1200">
-                          <a:solidFill>
-                            <a:schemeClr val="tx1"/>
-                          </a:solidFill>
-                          <a:latin typeface="맑은 고딕" pitchFamily="50" charset="-127"/>
-                          <a:ea typeface="+mn-ea"/>
-                          <a:cs typeface="+mn-cs"/>
-                        </a:rPr>
-                        <a:t>RU </a:t>
-                      </a:r>
-                      <a:r>
-                        <a:rPr lang="ko-KR" altLang="en-US" sz="800" b="0" kern="1200">
-                          <a:solidFill>
-                            <a:schemeClr val="tx1"/>
-                          </a:solidFill>
-                          <a:latin typeface="맑은 고딕" pitchFamily="50" charset="-127"/>
-                          <a:ea typeface="+mn-ea"/>
-                          <a:cs typeface="+mn-cs"/>
-                        </a:rPr>
-                        <a:t>가중치</a:t>
-                      </a:r>
-                      <a:endParaRPr lang="ko-KR" altLang="en-US" sz="800" b="0" kern="1200" dirty="0">
-                        <a:solidFill>
-                          <a:schemeClr val="tx1"/>
-                        </a:solidFill>
-                        <a:latin typeface="맑은 고딕" pitchFamily="50" charset="-127"/>
-                        <a:ea typeface="맑은 고딕" pitchFamily="50" charset="-127"/>
-                        <a:cs typeface="+mn-cs"/>
-                      </a:endParaRPr>
-                    </a:p>
-                  </a:txBody>
-                  <a:tcPr marL="91474" marR="91474" marT="45743" marB="45743">
-                    <a:lnL w="9525" cap="flat" cmpd="sng" algn="ctr">
-                      <a:solidFill>
-                        <a:srgbClr val="FFFFFF">
-                          <a:lumMod val="65000"/>
-                        </a:srgbClr>
-                      </a:solidFill>
-                      <a:prstDash val="solid"/>
-                      <a:round/>
-                      <a:headEnd type="none" w="med" len="med"/>
-                      <a:tailEnd type="none" w="med" len="med"/>
-                    </a:lnL>
-                    <a:lnR w="9525" cap="flat" cmpd="sng" algn="ctr">
-                      <a:solidFill>
-                        <a:srgbClr val="FFFFFF">
-                          <a:lumMod val="65000"/>
-                        </a:srgbClr>
-                      </a:solidFill>
-                      <a:prstDash val="solid"/>
-                      <a:round/>
-                      <a:headEnd type="none" w="med" len="med"/>
-                      <a:tailEnd type="none" w="med" len="med"/>
-                    </a:lnR>
-                    <a:lnT w="9525" cap="flat" cmpd="sng" algn="ctr">
-                      <a:solidFill>
-                        <a:srgbClr val="FFFFFF">
-                          <a:lumMod val="65000"/>
-                        </a:srgbClr>
-                      </a:solidFill>
-                      <a:prstDash val="solid"/>
-                      <a:round/>
-                      <a:headEnd type="none" w="med" len="med"/>
-                      <a:tailEnd type="none" w="med" len="med"/>
-                    </a:lnT>
-                    <a:lnB w="9525" cap="flat" cmpd="sng" algn="ctr">
-                      <a:solidFill>
-                        <a:srgbClr val="FFFFFF">
-                          <a:lumMod val="65000"/>
-                        </a:srgbClr>
-                      </a:solidFill>
-                      <a:prstDash val="solid"/>
-                      <a:round/>
-                      <a:headEnd type="none" w="med" len="med"/>
-                      <a:tailEnd type="none" w="med" len="med"/>
-                    </a:lnB>
-                    <a:lnTlToBr w="12700" cmpd="sng">
-                      <a:noFill/>
-                      <a:prstDash val="solid"/>
-                    </a:lnTlToBr>
-                    <a:lnBlToTr w="12700" cmpd="sng">
-                      <a:noFill/>
-                      <a:prstDash val="solid"/>
-                    </a:lnBlToTr>
-                    <a:solidFill>
-                      <a:schemeClr val="bg1">
-                        <a:lumMod val="85000"/>
-                      </a:schemeClr>
-                    </a:solidFill>
-                  </a:tcPr>
-                </a:tc>
-                <a:tc>
-                  <a:txBody>
-                    <a:bodyPr/>
-                    <a:lstStyle/>
-                    <a:p>
-                      <a:pPr marL="0" marR="0" indent="0" algn="ctr" defTabSz="1388882" rtl="0" eaLnBrk="1" fontAlgn="auto" latinLnBrk="1" hangingPunct="1">
-                        <a:lnSpc>
-                          <a:spcPct val="90000"/>
-                        </a:lnSpc>
-                        <a:spcBef>
-                          <a:spcPts val="0"/>
-                        </a:spcBef>
-                        <a:spcAft>
-                          <a:spcPts val="0"/>
-                        </a:spcAft>
-                        <a:buClrTx/>
-                        <a:buSzTx/>
-                        <a:buFontTx/>
-                        <a:buNone/>
-                        <a:tabLst/>
-                        <a:defRPr/>
-                      </a:pPr>
-                      <a:r>
-                        <a:rPr lang="en-US" altLang="ko-KR" sz="800" b="0" kern="1200">
-                          <a:solidFill>
-                            <a:schemeClr val="tx1"/>
-                          </a:solidFill>
-                          <a:latin typeface="맑은 고딕" pitchFamily="50" charset="-127"/>
-                          <a:ea typeface="맑은 고딕" pitchFamily="50" charset="-127"/>
-                          <a:cs typeface="+mn-cs"/>
-                        </a:rPr>
-                        <a:t>0.8</a:t>
-                      </a:r>
-                      <a:endParaRPr lang="ko-KR" altLang="en-US" sz="800" b="0" kern="1200" dirty="0">
-                        <a:solidFill>
-                          <a:schemeClr val="tx1"/>
-                        </a:solidFill>
-                        <a:latin typeface="맑은 고딕" pitchFamily="50" charset="-127"/>
-                        <a:ea typeface="맑은 고딕" pitchFamily="50" charset="-127"/>
-                        <a:cs typeface="+mn-cs"/>
-                      </a:endParaRPr>
-                    </a:p>
-                  </a:txBody>
-                  <a:tcPr marL="91474" marR="91474" marT="45743" marB="45743">
-                    <a:lnL w="9525" cap="flat" cmpd="sng" algn="ctr">
-                      <a:solidFill>
-                        <a:srgbClr val="FFFFFF">
-                          <a:lumMod val="65000"/>
-                        </a:srgbClr>
-                      </a:solidFill>
-                      <a:prstDash val="solid"/>
-                      <a:round/>
-                      <a:headEnd type="none" w="med" len="med"/>
-                      <a:tailEnd type="none" w="med" len="med"/>
-                    </a:lnL>
-                    <a:lnR w="9525" cap="flat" cmpd="sng" algn="ctr">
-                      <a:solidFill>
-                        <a:srgbClr val="FFFFFF">
-                          <a:lumMod val="65000"/>
-                        </a:srgbClr>
-                      </a:solidFill>
-                      <a:prstDash val="solid"/>
-                      <a:round/>
-                      <a:headEnd type="none" w="med" len="med"/>
-                      <a:tailEnd type="none" w="med" len="med"/>
-                    </a:lnR>
-                    <a:lnT w="9525" cap="flat" cmpd="sng" algn="ctr">
-                      <a:solidFill>
-                        <a:srgbClr val="FFFFFF">
-                          <a:lumMod val="65000"/>
-                        </a:srgbClr>
-                      </a:solidFill>
-                      <a:prstDash val="solid"/>
-                      <a:round/>
-                      <a:headEnd type="none" w="med" len="med"/>
-                      <a:tailEnd type="none" w="med" len="med"/>
-                    </a:lnT>
-                    <a:lnB w="9525" cap="flat" cmpd="sng" algn="ctr">
-                      <a:solidFill>
-                        <a:srgbClr val="FFFFFF">
-                          <a:lumMod val="65000"/>
-                        </a:srgbClr>
-                      </a:solidFill>
-                      <a:prstDash val="solid"/>
-                      <a:round/>
-                      <a:headEnd type="none" w="med" len="med"/>
-                      <a:tailEnd type="none" w="med" len="med"/>
-                    </a:lnB>
-                    <a:lnTlToBr w="12700" cmpd="sng">
-                      <a:noFill/>
-                      <a:prstDash val="solid"/>
-                    </a:lnTlToBr>
-                    <a:lnBlToTr w="12700" cmpd="sng">
-                      <a:noFill/>
-                      <a:prstDash val="solid"/>
-                    </a:lnBlToTr>
-                    <a:noFill/>
-                  </a:tcPr>
-                </a:tc>
-                <a:extLst>
-                  <a:ext uri="{0D108BD9-81ED-4DB2-BD59-A6C34878D82A}">
-                    <a16:rowId xmlns:a16="http://schemas.microsoft.com/office/drawing/2014/main" val="10004"/>
-                  </a:ext>
-                </a:extLst>
-              </a:tr>
-            </a:tbl>
-          </a:graphicData>
-        </a:graphic>
-      </p:graphicFrame>
-      <p:graphicFrame>
-        <p:nvGraphicFramePr>
-          <p:cNvPr id="76" name="표 75">
-            <a:extLst>
-              <a:ext uri="{FF2B5EF4-FFF2-40B4-BE49-F238E27FC236}">
-                <a16:creationId xmlns:a16="http://schemas.microsoft.com/office/drawing/2014/main" id="{E56667A9-12EB-4169-AB78-FBD3BE815B29}"/>
-              </a:ext>
-            </a:extLst>
-          </p:cNvPr>
-          <p:cNvGraphicFramePr>
-            <a:graphicFrameLocks noGrp="1"/>
-          </p:cNvGraphicFramePr>
-          <p:nvPr>
-            <p:extLst>
-              <p:ext uri="{D42A27DB-BD31-4B8C-83A1-F6EECF244321}">
-                <p14:modId xmlns:p14="http://schemas.microsoft.com/office/powerpoint/2010/main" val="288826806"/>
-              </p:ext>
-            </p:extLst>
-          </p:nvPr>
-        </p:nvGraphicFramePr>
-        <p:xfrm>
-          <a:off x="4784170" y="4243759"/>
-          <a:ext cx="1862345" cy="203274"/>
-        </p:xfrm>
-        <a:graphic>
-          <a:graphicData uri="http://schemas.openxmlformats.org/drawingml/2006/table">
-            <a:tbl>
-              <a:tblPr firstRow="1" bandRow="1"/>
-              <a:tblGrid>
-                <a:gridCol w="1078268">
-                  <a:extLst>
-                    <a:ext uri="{9D8B030D-6E8A-4147-A177-3AD203B41FA5}">
-                      <a16:colId xmlns:a16="http://schemas.microsoft.com/office/drawing/2014/main" val="20000"/>
-                    </a:ext>
-                  </a:extLst>
-                </a:gridCol>
-                <a:gridCol w="784077">
-                  <a:extLst>
-                    <a:ext uri="{9D8B030D-6E8A-4147-A177-3AD203B41FA5}">
-                      <a16:colId xmlns:a16="http://schemas.microsoft.com/office/drawing/2014/main" val="3440055658"/>
-                    </a:ext>
-                  </a:extLst>
-                </a:gridCol>
-              </a:tblGrid>
-              <a:tr h="203274">
-                <a:tc>
-                  <a:txBody>
-                    <a:bodyPr/>
-                    <a:lstStyle/>
-                    <a:p>
-                      <a:pPr marL="0" marR="0" lvl="0" indent="0" algn="ctr" defTabSz="1388882" rtl="0" eaLnBrk="1" fontAlgn="auto" latinLnBrk="1" hangingPunct="1">
-                        <a:lnSpc>
-                          <a:spcPct val="90000"/>
-                        </a:lnSpc>
-                        <a:spcBef>
-                          <a:spcPts val="0"/>
-                        </a:spcBef>
-                        <a:spcAft>
-                          <a:spcPts val="0"/>
-                        </a:spcAft>
-                        <a:buClrTx/>
-                        <a:buSzTx/>
-                        <a:buFontTx/>
-                        <a:buNone/>
-                        <a:tabLst/>
-                        <a:defRPr/>
-                      </a:pPr>
-                      <a:r>
-                        <a:rPr lang="ko-KR" altLang="en-US" sz="800" b="0" kern="1200">
-                          <a:solidFill>
-                            <a:schemeClr val="tx1"/>
-                          </a:solidFill>
-                          <a:latin typeface="맑은 고딕" pitchFamily="50" charset="-127"/>
-                          <a:ea typeface="+mn-ea"/>
-                          <a:cs typeface="+mn-cs"/>
-                        </a:rPr>
-                        <a:t>면적 가중치</a:t>
-                      </a:r>
-                      <a:endParaRPr lang="ko-KR" altLang="en-US" sz="800" b="0" kern="1200" dirty="0">
-                        <a:solidFill>
-                          <a:schemeClr val="tx1"/>
-                        </a:solidFill>
-                        <a:latin typeface="맑은 고딕" pitchFamily="50" charset="-127"/>
-                        <a:ea typeface="맑은 고딕" pitchFamily="50" charset="-127"/>
-                        <a:cs typeface="+mn-cs"/>
-                      </a:endParaRPr>
-                    </a:p>
-                  </a:txBody>
-                  <a:tcPr marL="91474" marR="91474" marT="45743" marB="45743">
-                    <a:lnL w="9525" cap="flat" cmpd="sng" algn="ctr">
-                      <a:solidFill>
-                        <a:srgbClr val="FFFFFF">
-                          <a:lumMod val="65000"/>
-                        </a:srgbClr>
-                      </a:solidFill>
-                      <a:prstDash val="solid"/>
-                      <a:round/>
-                      <a:headEnd type="none" w="med" len="med"/>
-                      <a:tailEnd type="none" w="med" len="med"/>
-                    </a:lnL>
-                    <a:lnR w="9525" cap="flat" cmpd="sng" algn="ctr">
-                      <a:solidFill>
-                        <a:srgbClr val="FFFFFF">
-                          <a:lumMod val="65000"/>
-                        </a:srgbClr>
-                      </a:solidFill>
-                      <a:prstDash val="solid"/>
-                      <a:round/>
-                      <a:headEnd type="none" w="med" len="med"/>
-                      <a:tailEnd type="none" w="med" len="med"/>
-                    </a:lnR>
-                    <a:lnT w="9525" cap="flat" cmpd="sng" algn="ctr">
-                      <a:solidFill>
-                        <a:srgbClr val="FFFFFF">
-                          <a:lumMod val="65000"/>
-                        </a:srgbClr>
-                      </a:solidFill>
-                      <a:prstDash val="solid"/>
-                      <a:round/>
-                      <a:headEnd type="none" w="med" len="med"/>
-                      <a:tailEnd type="none" w="med" len="med"/>
-                    </a:lnT>
-                    <a:lnB w="9525" cap="flat" cmpd="sng" algn="ctr">
-                      <a:solidFill>
-                        <a:srgbClr val="FFFFFF">
-                          <a:lumMod val="65000"/>
-                        </a:srgbClr>
-                      </a:solidFill>
-                      <a:prstDash val="solid"/>
-                      <a:round/>
-                      <a:headEnd type="none" w="med" len="med"/>
-                      <a:tailEnd type="none" w="med" len="med"/>
-                    </a:lnB>
-                    <a:lnTlToBr w="12700" cmpd="sng">
-                      <a:noFill/>
-                      <a:prstDash val="solid"/>
-                    </a:lnTlToBr>
-                    <a:lnBlToTr w="12700" cmpd="sng">
-                      <a:noFill/>
-                      <a:prstDash val="solid"/>
-                    </a:lnBlToTr>
-                    <a:solidFill>
-                      <a:schemeClr val="bg1">
-                        <a:lumMod val="85000"/>
-                      </a:schemeClr>
-                    </a:solidFill>
-                  </a:tcPr>
-                </a:tc>
-                <a:tc>
-                  <a:txBody>
-                    <a:bodyPr/>
-                    <a:lstStyle/>
-                    <a:p>
-                      <a:pPr marL="0" marR="0" indent="0" algn="ctr" defTabSz="1388882" rtl="0" eaLnBrk="1" fontAlgn="auto" latinLnBrk="1" hangingPunct="1">
-                        <a:lnSpc>
-                          <a:spcPct val="90000"/>
-                        </a:lnSpc>
-                        <a:spcBef>
-                          <a:spcPts val="0"/>
-                        </a:spcBef>
-                        <a:spcAft>
-                          <a:spcPts val="0"/>
-                        </a:spcAft>
-                        <a:buClrTx/>
-                        <a:buSzTx/>
-                        <a:buFontTx/>
-                        <a:buNone/>
-                        <a:tabLst/>
-                        <a:defRPr/>
-                      </a:pPr>
-                      <a:r>
-                        <a:rPr lang="en-US" altLang="ko-KR" sz="800" b="0" kern="1200">
-                          <a:solidFill>
-                            <a:schemeClr val="tx1"/>
-                          </a:solidFill>
-                          <a:latin typeface="맑은 고딕" pitchFamily="50" charset="-127"/>
-                          <a:ea typeface="맑은 고딕" pitchFamily="50" charset="-127"/>
-                          <a:cs typeface="+mn-cs"/>
-                        </a:rPr>
-                        <a:t>0.2</a:t>
-                      </a:r>
-                      <a:endParaRPr lang="ko-KR" altLang="en-US" sz="800" b="0" kern="1200" dirty="0">
-                        <a:solidFill>
-                          <a:schemeClr val="tx1"/>
-                        </a:solidFill>
-                        <a:latin typeface="맑은 고딕" pitchFamily="50" charset="-127"/>
-                        <a:ea typeface="맑은 고딕" pitchFamily="50" charset="-127"/>
-                        <a:cs typeface="+mn-cs"/>
-                      </a:endParaRPr>
-                    </a:p>
-                  </a:txBody>
-                  <a:tcPr marL="91474" marR="91474" marT="45743" marB="45743">
-                    <a:lnL w="9525" cap="flat" cmpd="sng" algn="ctr">
-                      <a:solidFill>
-                        <a:srgbClr val="FFFFFF">
-                          <a:lumMod val="65000"/>
-                        </a:srgbClr>
-                      </a:solidFill>
-                      <a:prstDash val="solid"/>
-                      <a:round/>
-                      <a:headEnd type="none" w="med" len="med"/>
-                      <a:tailEnd type="none" w="med" len="med"/>
-                    </a:lnL>
-                    <a:lnR w="9525" cap="flat" cmpd="sng" algn="ctr">
-                      <a:solidFill>
-                        <a:srgbClr val="FFFFFF">
-                          <a:lumMod val="65000"/>
-                        </a:srgbClr>
-                      </a:solidFill>
-                      <a:prstDash val="solid"/>
-                      <a:round/>
-                      <a:headEnd type="none" w="med" len="med"/>
-                      <a:tailEnd type="none" w="med" len="med"/>
-                    </a:lnR>
-                    <a:lnT w="9525" cap="flat" cmpd="sng" algn="ctr">
-                      <a:solidFill>
-                        <a:srgbClr val="FFFFFF">
-                          <a:lumMod val="65000"/>
-                        </a:srgbClr>
-                      </a:solidFill>
-                      <a:prstDash val="solid"/>
-                      <a:round/>
-                      <a:headEnd type="none" w="med" len="med"/>
-                      <a:tailEnd type="none" w="med" len="med"/>
-                    </a:lnT>
-                    <a:lnB w="9525" cap="flat" cmpd="sng" algn="ctr">
-                      <a:solidFill>
-                        <a:srgbClr val="FFFFFF">
-                          <a:lumMod val="65000"/>
-                        </a:srgbClr>
-                      </a:solidFill>
-                      <a:prstDash val="solid"/>
-                      <a:round/>
-                      <a:headEnd type="none" w="med" len="med"/>
-                      <a:tailEnd type="none" w="med" len="med"/>
-                    </a:lnB>
-                    <a:lnTlToBr w="12700" cmpd="sng">
-                      <a:noFill/>
-                      <a:prstDash val="solid"/>
-                    </a:lnTlToBr>
-                    <a:lnBlToTr w="12700" cmpd="sng">
-                      <a:noFill/>
-                      <a:prstDash val="solid"/>
-                    </a:lnBlToTr>
-                    <a:noFill/>
-                  </a:tcPr>
-                </a:tc>
-                <a:extLst>
-                  <a:ext uri="{0D108BD9-81ED-4DB2-BD59-A6C34878D82A}">
-                    <a16:rowId xmlns:a16="http://schemas.microsoft.com/office/drawing/2014/main" val="10004"/>
-                  </a:ext>
-                </a:extLst>
-              </a:tr>
-            </a:tbl>
-          </a:graphicData>
-        </a:graphic>
-      </p:graphicFrame>
       <p:sp>
         <p:nvSpPr>
           <p:cNvPr id="5" name="직사각형 4">
@@ -17603,12 +14895,18 @@
         </p:nvSpPr>
         <p:spPr>
           <a:xfrm>
-            <a:off x="2850838" y="4504991"/>
-            <a:ext cx="3793826" cy="203133"/>
+            <a:off x="2850838" y="3450126"/>
+            <a:ext cx="3686329" cy="203133"/>
           </a:xfrm>
           <a:prstGeom prst="rect">
             <a:avLst/>
           </a:prstGeom>
+          <a:solidFill>
+            <a:schemeClr val="accent6">
+              <a:lumMod val="60000"/>
+              <a:lumOff val="40000"/>
+            </a:schemeClr>
+          </a:solidFill>
         </p:spPr>
         <p:txBody>
           <a:bodyPr wrap="square">
@@ -17616,7 +14914,7 @@
           </a:bodyPr>
           <a:lstStyle/>
           <a:p>
-            <a:pPr algn="ctr" defTabSz="1388882">
+            <a:pPr defTabSz="1388882">
               <a:lnSpc>
                 <a:spcPct val="90000"/>
               </a:lnSpc>
@@ -17626,43 +14924,25 @@
               <a:rPr lang="en-US" altLang="ko-KR" sz="800" b="1">
                 <a:latin typeface="맑은 고딕" pitchFamily="50" charset="-127"/>
               </a:rPr>
-              <a:t>(RU</a:t>
+              <a:t>2D : RU</a:t>
             </a:r>
             <a:r>
               <a:rPr lang="ko-KR" altLang="en-US" sz="800" b="1">
                 <a:latin typeface="맑은 고딕" pitchFamily="50" charset="-127"/>
               </a:rPr>
-              <a:t>가중치 </a:t>
+              <a:t>갯수 </a:t>
             </a:r>
             <a:r>
               <a:rPr lang="en-US" altLang="ko-KR" sz="800" b="1">
                 <a:latin typeface="맑은 고딕" pitchFamily="50" charset="-127"/>
               </a:rPr>
-              <a:t>+ </a:t>
+              <a:t>* BIN</a:t>
             </a:r>
             <a:r>
               <a:rPr lang="ko-KR" altLang="en-US" sz="800" b="1">
                 <a:latin typeface="맑은 고딕" pitchFamily="50" charset="-127"/>
               </a:rPr>
-              <a:t>면적가중치의 합은 </a:t>
-            </a:r>
-            <a:r>
-              <a:rPr lang="en-US" altLang="ko-KR" sz="800" b="1">
-                <a:latin typeface="맑은 고딕" pitchFamily="50" charset="-127"/>
-              </a:rPr>
-              <a:t>1</a:t>
-            </a:r>
-            <a:r>
-              <a:rPr lang="ko-KR" altLang="en-US" sz="800" b="1">
-                <a:latin typeface="맑은 고딕" pitchFamily="50" charset="-127"/>
-              </a:rPr>
-              <a:t>이 되어야 합니다</a:t>
-            </a:r>
-            <a:r>
-              <a:rPr lang="en-US" altLang="ko-KR" sz="800" b="1">
-                <a:latin typeface="맑은 고딕" pitchFamily="50" charset="-127"/>
-              </a:rPr>
-              <a:t>)</a:t>
+              <a:t>갯수</a:t>
             </a:r>
             <a:endParaRPr lang="ko-KR" altLang="en-US" sz="800" b="1" dirty="0">
               <a:latin typeface="맑은 고딕" pitchFamily="50" charset="-127"/>
@@ -17684,7 +14964,7 @@
         </p:nvSpPr>
         <p:spPr>
           <a:xfrm>
-            <a:off x="2766094" y="1443004"/>
+            <a:off x="2766094" y="1628800"/>
             <a:ext cx="1366080" cy="215444"/>
           </a:xfrm>
           <a:prstGeom prst="rect">
@@ -17727,7 +15007,7 @@
         </p:nvSpPr>
         <p:spPr>
           <a:xfrm>
-            <a:off x="2766094" y="4756810"/>
+            <a:off x="2766094" y="4190373"/>
             <a:ext cx="1813317" cy="215444"/>
           </a:xfrm>
           <a:prstGeom prst="rect">
@@ -17813,7 +15093,7 @@
         </p:nvSpPr>
         <p:spPr>
           <a:xfrm>
-            <a:off x="4381828" y="5884829"/>
+            <a:off x="4381828" y="5422553"/>
             <a:ext cx="760530" cy="198840"/>
           </a:xfrm>
           <a:prstGeom prst="rect">
@@ -17943,7 +15223,7 @@
           <a:p>
             <a:r>
               <a:rPr lang="ko-KR" altLang="en-US" sz="1200"/>
-              <a:t>시나리오의 면적과 </a:t>
+              <a:t>시나리오의 </a:t>
             </a:r>
             <a:r>
               <a:rPr lang="en-US" altLang="ko-KR" sz="1200"/>
@@ -17951,7 +15231,15 @@
             </a:r>
             <a:r>
               <a:rPr lang="ko-KR" altLang="en-US" sz="1200"/>
-              <a:t>갯수로 해당 시나리오의 수행시간이 높은 잡인지 낮은 잡인지 판단하기 위한 가중치 및 임계치 정보를 세팅합니다</a:t>
+              <a:t>갯수와 </a:t>
+            </a:r>
+            <a:r>
+              <a:rPr lang="en-US" altLang="ko-KR" sz="1200"/>
+              <a:t>BIN</a:t>
+            </a:r>
+            <a:r>
+              <a:rPr lang="ko-KR" altLang="en-US" sz="1200"/>
+              <a:t>갯수와 빌딩면적으로 해당 시나리오의 수행시간이 높은 잡인지 낮은 잡인지 판단하기 위한 가중치 및 임계치 정보를 세팅합니다</a:t>
             </a:r>
             <a:r>
               <a:rPr lang="en-US" altLang="ko-KR" sz="1200"/>
@@ -18132,20 +15420,6 @@
           <a:p>
             <a:r>
               <a:rPr lang="en-US" altLang="ko-KR" sz="800"/>
-              <a:t> - </a:t>
-            </a:r>
-            <a:r>
-              <a:rPr lang="ko-KR" altLang="en-US" sz="800"/>
-              <a:t>면적 </a:t>
-            </a:r>
-            <a:r>
-              <a:rPr lang="en-US" altLang="ko-KR" sz="800"/>
-              <a:t>: 880,000</a:t>
-            </a:r>
-          </a:p>
-          <a:p>
-            <a:r>
-              <a:rPr lang="en-US" altLang="ko-KR" sz="800"/>
               <a:t> - ru</a:t>
             </a:r>
             <a:r>
@@ -18169,150 +15443,37 @@
               <a:rPr lang="en-US" altLang="ko-KR" sz="800">
                 <a:sym typeface="Wingdings" panose="05000000000000000000" pitchFamily="2" charset="2"/>
               </a:rPr>
-              <a:t> ru</a:t>
+              <a:t> </a:t>
             </a:r>
             <a:r>
-              <a:rPr lang="ko-KR" altLang="en-US" sz="800">
-                <a:sym typeface="Wingdings" panose="05000000000000000000" pitchFamily="2" charset="2"/>
-              </a:rPr>
-              <a:t>갯수가중치 </a:t>
+              <a:rPr lang="en-US" altLang="ko-KR" sz="800"/>
+              <a:t>ru</a:t>
+            </a:r>
+            <a:r>
+              <a:rPr lang="ko-KR" altLang="en-US" sz="800"/>
+              <a:t>갯수 </a:t>
+            </a:r>
+            <a:r>
+              <a:rPr lang="en-US" altLang="ko-KR" sz="800"/>
+              <a:t>: 60</a:t>
             </a:r>
             <a:r>
               <a:rPr lang="en-US" altLang="ko-KR" sz="800">
                 <a:sym typeface="Wingdings" panose="05000000000000000000" pitchFamily="2" charset="2"/>
               </a:rPr>
-              <a:t>1 *  ru</a:t>
+              <a:t> * </a:t>
             </a:r>
             <a:r>
-              <a:rPr lang="ko-KR" altLang="en-US" sz="800">
-                <a:sym typeface="Wingdings" panose="05000000000000000000" pitchFamily="2" charset="2"/>
-              </a:rPr>
-              <a:t>가중치 </a:t>
+              <a:rPr lang="en-US" altLang="ko-KR" sz="800"/>
+              <a:t>bin</a:t>
             </a:r>
             <a:r>
-              <a:rPr lang="en-US" altLang="ko-KR" sz="800">
-                <a:sym typeface="Wingdings" panose="05000000000000000000" pitchFamily="2" charset="2"/>
-              </a:rPr>
-              <a:t>0.8 = 0.8</a:t>
+              <a:rPr lang="ko-KR" altLang="en-US" sz="800"/>
+              <a:t>갯수 </a:t>
             </a:r>
-          </a:p>
-          <a:p>
             <a:r>
               <a:rPr lang="en-US" altLang="ko-KR" sz="800"/>
-              <a:t> </a:t>
-            </a:r>
-            <a:r>
-              <a:rPr lang="en-US" altLang="ko-KR" sz="800">
-                <a:sym typeface="Wingdings" panose="05000000000000000000" pitchFamily="2" charset="2"/>
-              </a:rPr>
-              <a:t> </a:t>
-            </a:r>
-            <a:r>
-              <a:rPr lang="ko-KR" altLang="en-US" sz="800">
-                <a:sym typeface="Wingdings" panose="05000000000000000000" pitchFamily="2" charset="2"/>
-              </a:rPr>
-              <a:t>면적가중치 </a:t>
-            </a:r>
-            <a:r>
-              <a:rPr lang="en-US" altLang="ko-KR" sz="800">
-                <a:sym typeface="Wingdings" panose="05000000000000000000" pitchFamily="2" charset="2"/>
-              </a:rPr>
-              <a:t>2 *  </a:t>
-            </a:r>
-            <a:r>
-              <a:rPr lang="ko-KR" altLang="en-US" sz="800">
-                <a:sym typeface="Wingdings" panose="05000000000000000000" pitchFamily="2" charset="2"/>
-              </a:rPr>
-              <a:t>면적가중치 </a:t>
-            </a:r>
-            <a:r>
-              <a:rPr lang="en-US" altLang="ko-KR" sz="800">
-                <a:sym typeface="Wingdings" panose="05000000000000000000" pitchFamily="2" charset="2"/>
-              </a:rPr>
-              <a:t>0.2 = 0.4</a:t>
-            </a:r>
-          </a:p>
-          <a:p>
-            <a:r>
-              <a:rPr lang="en-US" altLang="ko-KR" sz="800">
-                <a:sym typeface="Wingdings" panose="05000000000000000000" pitchFamily="2" charset="2"/>
-              </a:rPr>
-              <a:t>  </a:t>
-            </a:r>
-            <a:r>
-              <a:rPr lang="ko-KR" altLang="en-US" sz="800">
-                <a:sym typeface="Wingdings" panose="05000000000000000000" pitchFamily="2" charset="2"/>
-              </a:rPr>
-              <a:t>로우잡</a:t>
-            </a:r>
-            <a:r>
-              <a:rPr lang="en-US" altLang="ko-KR" sz="800">
-                <a:sym typeface="Wingdings" panose="05000000000000000000" pitchFamily="2" charset="2"/>
-              </a:rPr>
-              <a:t>ru</a:t>
-            </a:r>
-            <a:r>
-              <a:rPr lang="ko-KR" altLang="en-US" sz="800">
-                <a:sym typeface="Wingdings" panose="05000000000000000000" pitchFamily="2" charset="2"/>
-              </a:rPr>
-              <a:t>산출값 </a:t>
-            </a:r>
-            <a:r>
-              <a:rPr lang="en-US" altLang="ko-KR" sz="800">
-                <a:sym typeface="Wingdings" panose="05000000000000000000" pitchFamily="2" charset="2"/>
-              </a:rPr>
-              <a:t>0.8 + </a:t>
-            </a:r>
-            <a:r>
-              <a:rPr lang="ko-KR" altLang="en-US" sz="800">
-                <a:sym typeface="Wingdings" panose="05000000000000000000" pitchFamily="2" charset="2"/>
-              </a:rPr>
-              <a:t>면적산출값 </a:t>
-            </a:r>
-            <a:r>
-              <a:rPr lang="en-US" altLang="ko-KR" sz="800">
-                <a:sym typeface="Wingdings" panose="05000000000000000000" pitchFamily="2" charset="2"/>
-              </a:rPr>
-              <a:t>0.4 = 1.2</a:t>
-            </a:r>
-          </a:p>
-          <a:p>
-            <a:r>
-              <a:rPr lang="en-US" altLang="ko-KR" sz="800"/>
-              <a:t> </a:t>
-            </a:r>
-            <a:r>
-              <a:rPr lang="en-US" altLang="ko-KR" sz="800">
-                <a:sym typeface="Wingdings" panose="05000000000000000000" pitchFamily="2" charset="2"/>
-              </a:rPr>
-              <a:t> </a:t>
-            </a:r>
-            <a:r>
-              <a:rPr lang="ko-KR" altLang="en-US" sz="800" b="1">
-                <a:solidFill>
-                  <a:srgbClr val="E31936"/>
-                </a:solidFill>
-                <a:sym typeface="Wingdings" panose="05000000000000000000" pitchFamily="2" charset="2"/>
-              </a:rPr>
-              <a:t>로우잡</a:t>
-            </a:r>
-            <a:r>
-              <a:rPr lang="ko-KR" altLang="en-US" sz="800">
-                <a:sym typeface="Wingdings" panose="05000000000000000000" pitchFamily="2" charset="2"/>
-              </a:rPr>
-              <a:t>에 해당되며 현재 수행되고 있는 로우잡이 </a:t>
-            </a:r>
-            <a:r>
-              <a:rPr lang="en-US" altLang="ko-KR" sz="800">
-                <a:sym typeface="Wingdings" panose="05000000000000000000" pitchFamily="2" charset="2"/>
-              </a:rPr>
-              <a:t>5</a:t>
-            </a:r>
-            <a:r>
-              <a:rPr lang="ko-KR" altLang="en-US" sz="800">
-                <a:sym typeface="Wingdings" panose="05000000000000000000" pitchFamily="2" charset="2"/>
-              </a:rPr>
-              <a:t>미만이면 실행</a:t>
+              <a:t>: 8,800</a:t>
             </a:r>
             <a:endParaRPr lang="en-US" altLang="ko-KR" sz="800">
               <a:sym typeface="Wingdings" panose="05000000000000000000" pitchFamily="2" charset="2"/>
@@ -18324,222 +15485,6 @@
             </a:endParaRPr>
           </a:p>
           <a:p>
-            <a:endParaRPr lang="en-US" altLang="ko-KR" sz="800">
-              <a:sym typeface="Wingdings" panose="05000000000000000000" pitchFamily="2" charset="2"/>
-            </a:endParaRPr>
-          </a:p>
-          <a:p>
-            <a:endParaRPr lang="en-US" altLang="ko-KR" sz="800">
-              <a:sym typeface="Wingdings" panose="05000000000000000000" pitchFamily="2" charset="2"/>
-            </a:endParaRPr>
-          </a:p>
-          <a:p>
-            <a:r>
-              <a:rPr lang="en-US" altLang="ko-KR" sz="800"/>
-              <a:t>&lt;</a:t>
-            </a:r>
-            <a:r>
-              <a:rPr lang="ko-KR" altLang="en-US" sz="800"/>
-              <a:t>예시</a:t>
-            </a:r>
-            <a:r>
-              <a:rPr lang="en-US" altLang="ko-KR" sz="800"/>
-              <a:t>2&gt; </a:t>
-            </a:r>
-          </a:p>
-          <a:p>
-            <a:r>
-              <a:rPr lang="en-US" altLang="ko-KR" sz="800"/>
-              <a:t> - resolution : 10</a:t>
-            </a:r>
-          </a:p>
-          <a:p>
-            <a:r>
-              <a:rPr lang="en-US" altLang="ko-KR" sz="800"/>
-              <a:t> - bin</a:t>
-            </a:r>
-            <a:r>
-              <a:rPr lang="ko-KR" altLang="en-US" sz="800"/>
-              <a:t>갯수 </a:t>
-            </a:r>
-            <a:r>
-              <a:rPr lang="en-US" altLang="ko-KR" sz="800"/>
-              <a:t>: 40,401</a:t>
-            </a:r>
-          </a:p>
-          <a:p>
-            <a:r>
-              <a:rPr lang="en-US" altLang="ko-KR" sz="800"/>
-              <a:t> - </a:t>
-            </a:r>
-            <a:r>
-              <a:rPr lang="ko-KR" altLang="en-US" sz="800"/>
-              <a:t>면적 </a:t>
-            </a:r>
-            <a:r>
-              <a:rPr lang="en-US" altLang="ko-KR" sz="800"/>
-              <a:t>: 4,040,100</a:t>
-            </a:r>
-          </a:p>
-          <a:p>
-            <a:r>
-              <a:rPr lang="en-US" altLang="ko-KR" sz="800"/>
-              <a:t> - ru</a:t>
-            </a:r>
-            <a:r>
-              <a:rPr lang="ko-KR" altLang="en-US" sz="800"/>
-              <a:t>갯수 </a:t>
-            </a:r>
-            <a:r>
-              <a:rPr lang="en-US" altLang="ko-KR" sz="800"/>
-              <a:t>: 270</a:t>
-            </a:r>
-          </a:p>
-          <a:p>
-            <a:endParaRPr lang="en-US" altLang="ko-KR" sz="800"/>
-          </a:p>
-          <a:p>
-            <a:r>
-              <a:rPr lang="en-US" altLang="ko-KR" sz="800"/>
-              <a:t> </a:t>
-            </a:r>
-            <a:r>
-              <a:rPr lang="en-US" altLang="ko-KR" sz="800">
-                <a:sym typeface="Wingdings" panose="05000000000000000000" pitchFamily="2" charset="2"/>
-              </a:rPr>
-              <a:t> ru</a:t>
-            </a:r>
-            <a:r>
-              <a:rPr lang="ko-KR" altLang="en-US" sz="800">
-                <a:sym typeface="Wingdings" panose="05000000000000000000" pitchFamily="2" charset="2"/>
-              </a:rPr>
-              <a:t>갯수가중치 </a:t>
-            </a:r>
-            <a:r>
-              <a:rPr lang="en-US" altLang="ko-KR" sz="800">
-                <a:sym typeface="Wingdings" panose="05000000000000000000" pitchFamily="2" charset="2"/>
-              </a:rPr>
-              <a:t>2 *  ru</a:t>
-            </a:r>
-            <a:r>
-              <a:rPr lang="ko-KR" altLang="en-US" sz="800">
-                <a:sym typeface="Wingdings" panose="05000000000000000000" pitchFamily="2" charset="2"/>
-              </a:rPr>
-              <a:t>가중치 </a:t>
-            </a:r>
-            <a:r>
-              <a:rPr lang="en-US" altLang="ko-KR" sz="800">
-                <a:sym typeface="Wingdings" panose="05000000000000000000" pitchFamily="2" charset="2"/>
-              </a:rPr>
-              <a:t>0.8 = 1.6</a:t>
-            </a:r>
-          </a:p>
-          <a:p>
-            <a:r>
-              <a:rPr lang="en-US" altLang="ko-KR" sz="800"/>
-              <a:t> </a:t>
-            </a:r>
-            <a:r>
-              <a:rPr lang="en-US" altLang="ko-KR" sz="800">
-                <a:sym typeface="Wingdings" panose="05000000000000000000" pitchFamily="2" charset="2"/>
-              </a:rPr>
-              <a:t> </a:t>
-            </a:r>
-            <a:r>
-              <a:rPr lang="ko-KR" altLang="en-US" sz="800">
-                <a:sym typeface="Wingdings" panose="05000000000000000000" pitchFamily="2" charset="2"/>
-              </a:rPr>
-              <a:t>면적가중치 </a:t>
-            </a:r>
-            <a:r>
-              <a:rPr lang="en-US" altLang="ko-KR" sz="800">
-                <a:sym typeface="Wingdings" panose="05000000000000000000" pitchFamily="2" charset="2"/>
-              </a:rPr>
-              <a:t>3 *  </a:t>
-            </a:r>
-            <a:r>
-              <a:rPr lang="ko-KR" altLang="en-US" sz="800">
-                <a:sym typeface="Wingdings" panose="05000000000000000000" pitchFamily="2" charset="2"/>
-              </a:rPr>
-              <a:t>면적가중치 </a:t>
-            </a:r>
-            <a:r>
-              <a:rPr lang="en-US" altLang="ko-KR" sz="800">
-                <a:sym typeface="Wingdings" panose="05000000000000000000" pitchFamily="2" charset="2"/>
-              </a:rPr>
-              <a:t>0.2 = 0.6</a:t>
-            </a:r>
-          </a:p>
-          <a:p>
-            <a:r>
-              <a:rPr lang="en-US" altLang="ko-KR" sz="800"/>
-              <a:t> </a:t>
-            </a:r>
-            <a:r>
-              <a:rPr lang="en-US" altLang="ko-KR" sz="800">
-                <a:sym typeface="Wingdings" panose="05000000000000000000" pitchFamily="2" charset="2"/>
-              </a:rPr>
-              <a:t> ru</a:t>
-            </a:r>
-            <a:r>
-              <a:rPr lang="ko-KR" altLang="en-US" sz="800">
-                <a:sym typeface="Wingdings" panose="05000000000000000000" pitchFamily="2" charset="2"/>
-              </a:rPr>
-              <a:t>산출값 </a:t>
-            </a:r>
-            <a:r>
-              <a:rPr lang="en-US" altLang="ko-KR" sz="800">
-                <a:sym typeface="Wingdings" panose="05000000000000000000" pitchFamily="2" charset="2"/>
-              </a:rPr>
-              <a:t>1.6 + </a:t>
-            </a:r>
-            <a:r>
-              <a:rPr lang="ko-KR" altLang="en-US" sz="800">
-                <a:sym typeface="Wingdings" panose="05000000000000000000" pitchFamily="2" charset="2"/>
-              </a:rPr>
-              <a:t>면적산출값 </a:t>
-            </a:r>
-            <a:r>
-              <a:rPr lang="en-US" altLang="ko-KR" sz="800">
-                <a:sym typeface="Wingdings" panose="05000000000000000000" pitchFamily="2" charset="2"/>
-              </a:rPr>
-              <a:t>0.6 = 2.2</a:t>
-            </a:r>
-          </a:p>
-          <a:p>
-            <a:r>
-              <a:rPr lang="en-US" altLang="ko-KR" sz="800">
-                <a:sym typeface="Wingdings" panose="05000000000000000000" pitchFamily="2" charset="2"/>
-              </a:rPr>
-              <a:t>  </a:t>
-            </a:r>
-            <a:r>
-              <a:rPr lang="ko-KR" altLang="en-US" sz="800" b="1">
-                <a:solidFill>
-                  <a:srgbClr val="E31936"/>
-                </a:solidFill>
-                <a:sym typeface="Wingdings" panose="05000000000000000000" pitchFamily="2" charset="2"/>
-              </a:rPr>
-              <a:t>로우잡</a:t>
-            </a:r>
-            <a:r>
-              <a:rPr lang="ko-KR" altLang="en-US" sz="800">
-                <a:sym typeface="Wingdings" panose="05000000000000000000" pitchFamily="2" charset="2"/>
-              </a:rPr>
-              <a:t>에 해당되며 현재 수행되고 있는 로우잡이 </a:t>
-            </a:r>
-            <a:r>
-              <a:rPr lang="en-US" altLang="ko-KR" sz="800">
-                <a:sym typeface="Wingdings" panose="05000000000000000000" pitchFamily="2" charset="2"/>
-              </a:rPr>
-              <a:t>5</a:t>
-            </a:r>
-            <a:r>
-              <a:rPr lang="ko-KR" altLang="en-US" sz="800">
-                <a:sym typeface="Wingdings" panose="05000000000000000000" pitchFamily="2" charset="2"/>
-              </a:rPr>
-              <a:t>미만이면 실행</a:t>
-            </a:r>
             <a:endParaRPr lang="en-US" altLang="ko-KR" sz="800">
               <a:sym typeface="Wingdings" panose="05000000000000000000" pitchFamily="2" charset="2"/>
             </a:endParaRPr>
@@ -18625,6 +15570,172 @@
               </a:solidFill>
               <a:cs typeface="Times New Roman" panose="02020603050405020304" pitchFamily="18" charset="0"/>
             </a:endParaRPr>
+          </a:p>
+        </p:txBody>
+      </p:sp>
+      <p:sp>
+        <p:nvSpPr>
+          <p:cNvPr id="23" name="직사각형 22">
+            <a:extLst>
+              <a:ext uri="{FF2B5EF4-FFF2-40B4-BE49-F238E27FC236}">
+                <a16:creationId xmlns:a16="http://schemas.microsoft.com/office/drawing/2014/main" id="{F06CAA50-7AEC-42F5-87DF-131B39373A40}"/>
+              </a:ext>
+            </a:extLst>
+          </p:cNvPr>
+          <p:cNvSpPr/>
+          <p:nvPr/>
+        </p:nvSpPr>
+        <p:spPr>
+          <a:xfrm>
+            <a:off x="2849654" y="3738158"/>
+            <a:ext cx="3686329" cy="203133"/>
+          </a:xfrm>
+          <a:prstGeom prst="rect">
+            <a:avLst/>
+          </a:prstGeom>
+          <a:solidFill>
+            <a:schemeClr val="accent6">
+              <a:lumMod val="60000"/>
+              <a:lumOff val="40000"/>
+            </a:schemeClr>
+          </a:solidFill>
+        </p:spPr>
+        <p:txBody>
+          <a:bodyPr wrap="square">
+            <a:spAutoFit/>
+          </a:bodyPr>
+          <a:lstStyle/>
+          <a:p>
+            <a:pPr defTabSz="1388882">
+              <a:lnSpc>
+                <a:spcPct val="90000"/>
+              </a:lnSpc>
+              <a:defRPr/>
+            </a:pPr>
+            <a:r>
+              <a:rPr lang="en-US" altLang="ko-KR" sz="800" b="1">
+                <a:latin typeface="맑은 고딕" pitchFamily="50" charset="-127"/>
+              </a:rPr>
+              <a:t>3D : RU</a:t>
+            </a:r>
+            <a:r>
+              <a:rPr lang="ko-KR" altLang="en-US" sz="800" b="1">
+                <a:latin typeface="맑은 고딕" pitchFamily="50" charset="-127"/>
+              </a:rPr>
+              <a:t>갯수 </a:t>
+            </a:r>
+            <a:r>
+              <a:rPr lang="en-US" altLang="ko-KR" sz="800" b="1">
+                <a:latin typeface="맑은 고딕" pitchFamily="50" charset="-127"/>
+              </a:rPr>
+              <a:t>* (BIN</a:t>
+            </a:r>
+            <a:r>
+              <a:rPr lang="ko-KR" altLang="en-US" sz="800" b="1">
+                <a:latin typeface="맑은 고딕" pitchFamily="50" charset="-127"/>
+              </a:rPr>
+              <a:t>갯수</a:t>
+            </a:r>
+            <a:r>
+              <a:rPr lang="en-US" altLang="ko-KR" sz="800" b="1">
+                <a:latin typeface="맑은 고딕" pitchFamily="50" charset="-127"/>
+              </a:rPr>
+              <a:t> + </a:t>
+            </a:r>
+            <a:r>
+              <a:rPr lang="ko-KR" altLang="en-US" sz="800" b="1">
+                <a:latin typeface="맑은 고딕" pitchFamily="50" charset="-127"/>
+              </a:rPr>
+              <a:t>빌딩</a:t>
+            </a:r>
+            <a:r>
+              <a:rPr lang="en-US" altLang="ko-KR" sz="800" b="1">
+                <a:latin typeface="맑은 고딕" pitchFamily="50" charset="-127"/>
+              </a:rPr>
+              <a:t>(</a:t>
+            </a:r>
+            <a:r>
+              <a:rPr lang="ko-KR" altLang="en-US" sz="800" b="1">
+                <a:latin typeface="맑은 고딕" pitchFamily="50" charset="-127"/>
+              </a:rPr>
+              <a:t>면적</a:t>
+            </a:r>
+            <a:r>
+              <a:rPr lang="en-US" altLang="ko-KR" sz="800" b="1">
+                <a:latin typeface="맑은 고딕" pitchFamily="50" charset="-127"/>
+              </a:rPr>
+              <a:t>*</a:t>
+            </a:r>
+            <a:r>
+              <a:rPr lang="ko-KR" altLang="en-US" sz="800" b="1">
+                <a:latin typeface="맑은 고딕" pitchFamily="50" charset="-127"/>
+              </a:rPr>
+              <a:t>층수</a:t>
+            </a:r>
+            <a:r>
+              <a:rPr lang="en-US" altLang="ko-KR" sz="800" b="1">
+                <a:latin typeface="맑은 고딕" pitchFamily="50" charset="-127"/>
+              </a:rPr>
+              <a:t>)/3D </a:t>
+            </a:r>
+            <a:r>
+              <a:rPr lang="ko-KR" altLang="en-US" sz="800" b="1">
+                <a:latin typeface="맑은 고딕" pitchFamily="50" charset="-127"/>
+              </a:rPr>
+              <a:t>분석 </a:t>
+            </a:r>
+            <a:r>
+              <a:rPr lang="en-US" altLang="ko-KR" sz="800" b="1">
+                <a:latin typeface="맑은 고딕" pitchFamily="50" charset="-127"/>
+              </a:rPr>
+              <a:t>Resolution ^2)</a:t>
+            </a:r>
+            <a:endParaRPr lang="ko-KR" altLang="en-US" sz="800" b="1" dirty="0">
+              <a:latin typeface="맑은 고딕" pitchFamily="50" charset="-127"/>
+            </a:endParaRPr>
+          </a:p>
+        </p:txBody>
+      </p:sp>
+      <p:sp>
+        <p:nvSpPr>
+          <p:cNvPr id="24" name="직사각형 23">
+            <a:extLst>
+              <a:ext uri="{FF2B5EF4-FFF2-40B4-BE49-F238E27FC236}">
+                <a16:creationId xmlns:a16="http://schemas.microsoft.com/office/drawing/2014/main" id="{4D51A51B-C5AB-4282-ABA3-B77F6CD6329A}"/>
+              </a:ext>
+            </a:extLst>
+          </p:cNvPr>
+          <p:cNvSpPr/>
+          <p:nvPr/>
+        </p:nvSpPr>
+        <p:spPr>
+          <a:xfrm>
+            <a:off x="2766094" y="3212976"/>
+            <a:ext cx="1571264" cy="215444"/>
+          </a:xfrm>
+          <a:prstGeom prst="rect">
+            <a:avLst/>
+          </a:prstGeom>
+        </p:spPr>
+        <p:txBody>
+          <a:bodyPr wrap="none">
+            <a:spAutoFit/>
+          </a:bodyPr>
+          <a:lstStyle/>
+          <a:p>
+            <a:r>
+              <a:rPr lang="en-US" altLang="ko-KR" sz="800" b="1">
+                <a:latin typeface="맑은 고딕" pitchFamily="50" charset="-127"/>
+              </a:rPr>
+              <a:t>&gt;&gt; </a:t>
+            </a:r>
+            <a:r>
+              <a:rPr lang="ko-KR" altLang="en-US" sz="800" b="1">
+                <a:latin typeface="맑은 고딕" pitchFamily="50" charset="-127"/>
+              </a:rPr>
+              <a:t>시나리오 가중치 산출로직</a:t>
+            </a:r>
+            <a:endParaRPr lang="ko-KR" altLang="en-US" sz="800"/>
           </a:p>
         </p:txBody>
       </p:sp>

--- a/eos/02.설계/TEOSPI-스케줄화면정의서_v0.7.pptx
+++ b/eos/02.설계/TEOSPI-스케줄화면정의서_v0.7.pptx
@@ -10613,2015 +10613,6 @@
       </p:sp>
       <p:graphicFrame>
         <p:nvGraphicFramePr>
-          <p:cNvPr id="68" name="표 67">
-            <a:extLst>
-              <a:ext uri="{FF2B5EF4-FFF2-40B4-BE49-F238E27FC236}">
-                <a16:creationId xmlns:a16="http://schemas.microsoft.com/office/drawing/2014/main" id="{619A9C8A-B195-4EEE-9E2A-6582E7A00E2C}"/>
-              </a:ext>
-            </a:extLst>
-          </p:cNvPr>
-          <p:cNvGraphicFramePr>
-            <a:graphicFrameLocks noGrp="1"/>
-          </p:cNvGraphicFramePr>
-          <p:nvPr>
-            <p:extLst>
-              <p:ext uri="{D42A27DB-BD31-4B8C-83A1-F6EECF244321}">
-                <p14:modId xmlns:p14="http://schemas.microsoft.com/office/powerpoint/2010/main" val="3645194754"/>
-              </p:ext>
-            </p:extLst>
-          </p:nvPr>
-        </p:nvGraphicFramePr>
-        <p:xfrm>
-          <a:off x="2863230" y="1864915"/>
-          <a:ext cx="3673943" cy="1207284"/>
-        </p:xfrm>
-        <a:graphic>
-          <a:graphicData uri="http://schemas.openxmlformats.org/drawingml/2006/table">
-            <a:tbl>
-              <a:tblPr firstRow="1" bandRow="1"/>
-              <a:tblGrid>
-                <a:gridCol w="1257429">
-                  <a:extLst>
-                    <a:ext uri="{9D8B030D-6E8A-4147-A177-3AD203B41FA5}">
-                      <a16:colId xmlns:a16="http://schemas.microsoft.com/office/drawing/2014/main" val="20000"/>
-                    </a:ext>
-                  </a:extLst>
-                </a:gridCol>
-                <a:gridCol w="952141">
-                  <a:extLst>
-                    <a:ext uri="{9D8B030D-6E8A-4147-A177-3AD203B41FA5}">
-                      <a16:colId xmlns:a16="http://schemas.microsoft.com/office/drawing/2014/main" val="3440055658"/>
-                    </a:ext>
-                  </a:extLst>
-                </a:gridCol>
-                <a:gridCol w="1464373">
-                  <a:extLst>
-                    <a:ext uri="{9D8B030D-6E8A-4147-A177-3AD203B41FA5}">
-                      <a16:colId xmlns:a16="http://schemas.microsoft.com/office/drawing/2014/main" val="2218973148"/>
-                    </a:ext>
-                  </a:extLst>
-                </a:gridCol>
-              </a:tblGrid>
-              <a:tr h="176672">
-                <a:tc gridSpan="3">
-                  <a:txBody>
-                    <a:bodyPr/>
-                    <a:lstStyle>
-                      <a:defPPr>
-                        <a:defRPr lang="ko-KR"/>
-                      </a:defPPr>
-                      <a:lvl1pPr marL="0" algn="l" defTabSz="914400" rtl="0" eaLnBrk="1" latinLnBrk="1" hangingPunct="1">
-                        <a:defRPr sz="1800" b="1" kern="1200">
-                          <a:solidFill>
-                            <a:schemeClr val="lt1"/>
-                          </a:solidFill>
-                          <a:latin typeface="Arial"/>
-                          <a:ea typeface="맑은 고딕"/>
-                        </a:defRPr>
-                      </a:lvl1pPr>
-                      <a:lvl2pPr marL="457200" algn="l" defTabSz="914400" rtl="0" eaLnBrk="1" latinLnBrk="1" hangingPunct="1">
-                        <a:defRPr sz="1800" b="1" kern="1200">
-                          <a:solidFill>
-                            <a:schemeClr val="lt1"/>
-                          </a:solidFill>
-                          <a:latin typeface="Arial"/>
-                          <a:ea typeface="맑은 고딕"/>
-                        </a:defRPr>
-                      </a:lvl2pPr>
-                      <a:lvl3pPr marL="914400" algn="l" defTabSz="914400" rtl="0" eaLnBrk="1" latinLnBrk="1" hangingPunct="1">
-                        <a:defRPr sz="1800" b="1" kern="1200">
-                          <a:solidFill>
-                            <a:schemeClr val="lt1"/>
-                          </a:solidFill>
-                          <a:latin typeface="Arial"/>
-                          <a:ea typeface="맑은 고딕"/>
-                        </a:defRPr>
-                      </a:lvl3pPr>
-                      <a:lvl4pPr marL="1371600" algn="l" defTabSz="914400" rtl="0" eaLnBrk="1" latinLnBrk="1" hangingPunct="1">
-                        <a:defRPr sz="1800" b="1" kern="1200">
-                          <a:solidFill>
-                            <a:schemeClr val="lt1"/>
-                          </a:solidFill>
-                          <a:latin typeface="Arial"/>
-                          <a:ea typeface="맑은 고딕"/>
-                        </a:defRPr>
-                      </a:lvl4pPr>
-                      <a:lvl5pPr marL="1828800" algn="l" defTabSz="914400" rtl="0" eaLnBrk="1" latinLnBrk="1" hangingPunct="1">
-                        <a:defRPr sz="1800" b="1" kern="1200">
-                          <a:solidFill>
-                            <a:schemeClr val="lt1"/>
-                          </a:solidFill>
-                          <a:latin typeface="Arial"/>
-                          <a:ea typeface="맑은 고딕"/>
-                        </a:defRPr>
-                      </a:lvl5pPr>
-                      <a:lvl6pPr marL="2286000" algn="l" defTabSz="914400" rtl="0" eaLnBrk="1" latinLnBrk="1" hangingPunct="1">
-                        <a:defRPr sz="1800" b="1" kern="1200">
-                          <a:solidFill>
-                            <a:schemeClr val="lt1"/>
-                          </a:solidFill>
-                          <a:latin typeface="Arial"/>
-                          <a:ea typeface="맑은 고딕"/>
-                        </a:defRPr>
-                      </a:lvl6pPr>
-                      <a:lvl7pPr marL="2743200" algn="l" defTabSz="914400" rtl="0" eaLnBrk="1" latinLnBrk="1" hangingPunct="1">
-                        <a:defRPr sz="1800" b="1" kern="1200">
-                          <a:solidFill>
-                            <a:schemeClr val="lt1"/>
-                          </a:solidFill>
-                          <a:latin typeface="Arial"/>
-                          <a:ea typeface="맑은 고딕"/>
-                        </a:defRPr>
-                      </a:lvl7pPr>
-                      <a:lvl8pPr marL="3200400" algn="l" defTabSz="914400" rtl="0" eaLnBrk="1" latinLnBrk="1" hangingPunct="1">
-                        <a:defRPr sz="1800" b="1" kern="1200">
-                          <a:solidFill>
-                            <a:schemeClr val="lt1"/>
-                          </a:solidFill>
-                          <a:latin typeface="Arial"/>
-                          <a:ea typeface="맑은 고딕"/>
-                        </a:defRPr>
-                      </a:lvl8pPr>
-                      <a:lvl9pPr marL="3657600" algn="l" defTabSz="914400" rtl="0" eaLnBrk="1" latinLnBrk="1" hangingPunct="1">
-                        <a:defRPr sz="1800" b="1" kern="1200">
-                          <a:solidFill>
-                            <a:schemeClr val="lt1"/>
-                          </a:solidFill>
-                          <a:latin typeface="Arial"/>
-                          <a:ea typeface="맑은 고딕"/>
-                        </a:defRPr>
-                      </a:lvl9pPr>
-                    </a:lstStyle>
-                    <a:p>
-                      <a:pPr marL="0" marR="0" indent="0" algn="ctr" defTabSz="1388882" rtl="0" eaLnBrk="1" fontAlgn="auto" latinLnBrk="1" hangingPunct="1">
-                        <a:lnSpc>
-                          <a:spcPct val="90000"/>
-                        </a:lnSpc>
-                        <a:spcBef>
-                          <a:spcPts val="0"/>
-                        </a:spcBef>
-                        <a:spcAft>
-                          <a:spcPts val="0"/>
-                        </a:spcAft>
-                        <a:buClrTx/>
-                        <a:buSzTx/>
-                        <a:buFontTx/>
-                        <a:buNone/>
-                        <a:tabLst/>
-                        <a:defRPr/>
-                      </a:pPr>
-                      <a:r>
-                        <a:rPr lang="ko-KR" altLang="en-US" sz="800">
-                          <a:solidFill>
-                            <a:prstClr val="black"/>
-                          </a:solidFill>
-                          <a:cs typeface="Times New Roman" panose="02020603050405020304" pitchFamily="18" charset="0"/>
-                        </a:rPr>
-                        <a:t>잡 가중치</a:t>
-                      </a:r>
-                      <a:endParaRPr lang="ko-KR" altLang="en-US" sz="800" b="0" kern="1200" dirty="0">
-                        <a:solidFill>
-                          <a:schemeClr val="tx1"/>
-                        </a:solidFill>
-                        <a:latin typeface="맑은 고딕" pitchFamily="50" charset="-127"/>
-                        <a:ea typeface="맑은 고딕" pitchFamily="50" charset="-127"/>
-                        <a:cs typeface="+mn-cs"/>
-                      </a:endParaRPr>
-                    </a:p>
-                  </a:txBody>
-                  <a:tcPr marL="91474" marR="91474" marT="45743" marB="45743">
-                    <a:lnL w="9525" cap="flat" cmpd="sng" algn="ctr">
-                      <a:solidFill>
-                        <a:srgbClr val="FFFFFF">
-                          <a:lumMod val="65000"/>
-                        </a:srgbClr>
-                      </a:solidFill>
-                      <a:prstDash val="solid"/>
-                      <a:round/>
-                      <a:headEnd type="none" w="med" len="med"/>
-                      <a:tailEnd type="none" w="med" len="med"/>
-                    </a:lnL>
-                    <a:lnR w="9525" cap="flat" cmpd="sng" algn="ctr">
-                      <a:solidFill>
-                        <a:srgbClr val="FFFFFF">
-                          <a:lumMod val="65000"/>
-                        </a:srgbClr>
-                      </a:solidFill>
-                      <a:prstDash val="solid"/>
-                      <a:round/>
-                      <a:headEnd type="none" w="med" len="med"/>
-                      <a:tailEnd type="none" w="med" len="med"/>
-                    </a:lnR>
-                    <a:lnT w="9525" cap="flat" cmpd="sng" algn="ctr">
-                      <a:solidFill>
-                        <a:srgbClr val="FFFFFF">
-                          <a:lumMod val="65000"/>
-                        </a:srgbClr>
-                      </a:solidFill>
-                      <a:prstDash val="solid"/>
-                      <a:round/>
-                      <a:headEnd type="none" w="med" len="med"/>
-                      <a:tailEnd type="none" w="med" len="med"/>
-                    </a:lnT>
-                    <a:lnB w="9525" cap="flat" cmpd="sng" algn="ctr">
-                      <a:solidFill>
-                        <a:srgbClr val="FFFFFF">
-                          <a:lumMod val="65000"/>
-                        </a:srgbClr>
-                      </a:solidFill>
-                      <a:prstDash val="solid"/>
-                      <a:round/>
-                      <a:headEnd type="none" w="med" len="med"/>
-                      <a:tailEnd type="none" w="med" len="med"/>
-                    </a:lnB>
-                    <a:lnTlToBr w="12700" cmpd="sng">
-                      <a:noFill/>
-                      <a:prstDash val="solid"/>
-                    </a:lnTlToBr>
-                    <a:lnBlToTr w="12700" cmpd="sng">
-                      <a:noFill/>
-                      <a:prstDash val="solid"/>
-                    </a:lnBlToTr>
-                    <a:solidFill>
-                      <a:srgbClr val="FFC000"/>
-                    </a:solidFill>
-                  </a:tcPr>
-                </a:tc>
-                <a:tc hMerge="1">
-                  <a:txBody>
-                    <a:bodyPr/>
-                    <a:lstStyle/>
-                    <a:p>
-                      <a:pPr marL="0" marR="0" indent="0" algn="ctr" defTabSz="1388882" rtl="0" eaLnBrk="1" fontAlgn="auto" latinLnBrk="1" hangingPunct="1">
-                        <a:lnSpc>
-                          <a:spcPct val="90000"/>
-                        </a:lnSpc>
-                        <a:spcBef>
-                          <a:spcPts val="0"/>
-                        </a:spcBef>
-                        <a:spcAft>
-                          <a:spcPts val="0"/>
-                        </a:spcAft>
-                        <a:buClrTx/>
-                        <a:buSzTx/>
-                        <a:buFontTx/>
-                        <a:buNone/>
-                        <a:tabLst/>
-                        <a:defRPr/>
-                      </a:pPr>
-                      <a:endParaRPr lang="ko-KR" altLang="en-US" sz="800" b="0" kern="1200" dirty="0">
-                        <a:solidFill>
-                          <a:schemeClr val="tx1"/>
-                        </a:solidFill>
-                        <a:latin typeface="맑은 고딕" pitchFamily="50" charset="-127"/>
-                        <a:ea typeface="맑은 고딕" pitchFamily="50" charset="-127"/>
-                        <a:cs typeface="+mn-cs"/>
-                      </a:endParaRPr>
-                    </a:p>
-                  </a:txBody>
-                  <a:tcPr marL="91474" marR="91474" marT="45743" marB="45743">
-                    <a:lnL w="9525" cap="flat" cmpd="sng" algn="ctr">
-                      <a:solidFill>
-                        <a:srgbClr val="FFFFFF">
-                          <a:lumMod val="65000"/>
-                        </a:srgbClr>
-                      </a:solidFill>
-                      <a:prstDash val="solid"/>
-                      <a:round/>
-                      <a:headEnd type="none" w="med" len="med"/>
-                      <a:tailEnd type="none" w="med" len="med"/>
-                    </a:lnL>
-                    <a:lnR w="9525" cap="flat" cmpd="sng" algn="ctr">
-                      <a:solidFill>
-                        <a:srgbClr val="FFFFFF">
-                          <a:lumMod val="65000"/>
-                        </a:srgbClr>
-                      </a:solidFill>
-                      <a:prstDash val="solid"/>
-                      <a:round/>
-                      <a:headEnd type="none" w="med" len="med"/>
-                      <a:tailEnd type="none" w="med" len="med"/>
-                    </a:lnR>
-                    <a:lnT w="9525" cap="flat" cmpd="sng" algn="ctr">
-                      <a:solidFill>
-                        <a:srgbClr val="FFFFFF">
-                          <a:lumMod val="65000"/>
-                        </a:srgbClr>
-                      </a:solidFill>
-                      <a:prstDash val="solid"/>
-                      <a:round/>
-                      <a:headEnd type="none" w="med" len="med"/>
-                      <a:tailEnd type="none" w="med" len="med"/>
-                    </a:lnT>
-                    <a:lnB w="9525" cap="flat" cmpd="sng" algn="ctr">
-                      <a:solidFill>
-                        <a:srgbClr val="FFFFFF">
-                          <a:lumMod val="65000"/>
-                        </a:srgbClr>
-                      </a:solidFill>
-                      <a:prstDash val="solid"/>
-                      <a:round/>
-                      <a:headEnd type="none" w="med" len="med"/>
-                      <a:tailEnd type="none" w="med" len="med"/>
-                    </a:lnB>
-                    <a:lnTlToBr w="12700" cmpd="sng">
-                      <a:noFill/>
-                      <a:prstDash val="solid"/>
-                    </a:lnTlToBr>
-                    <a:lnBlToTr w="12700" cmpd="sng">
-                      <a:noFill/>
-                      <a:prstDash val="solid"/>
-                    </a:lnBlToTr>
-                    <a:solidFill>
-                      <a:srgbClr val="FFC000"/>
-                    </a:solidFill>
-                  </a:tcPr>
-                </a:tc>
-                <a:tc hMerge="1">
-                  <a:txBody>
-                    <a:bodyPr/>
-                    <a:lstStyle/>
-                    <a:p>
-                      <a:pPr latinLnBrk="1"/>
-                      <a:endParaRPr lang="ko-KR" altLang="en-US"/>
-                    </a:p>
-                  </a:txBody>
-                  <a:tcPr/>
-                </a:tc>
-                <a:extLst>
-                  <a:ext uri="{0D108BD9-81ED-4DB2-BD59-A6C34878D82A}">
-                    <a16:rowId xmlns:a16="http://schemas.microsoft.com/office/drawing/2014/main" val="10001"/>
-                  </a:ext>
-                </a:extLst>
-              </a:tr>
-              <a:tr h="176672">
-                <a:tc>
-                  <a:txBody>
-                    <a:bodyPr/>
-                    <a:lstStyle/>
-                    <a:p>
-                      <a:pPr marL="0" marR="0" lvl="0" indent="0" algn="ctr" defTabSz="1388882" rtl="0" eaLnBrk="1" fontAlgn="auto" latinLnBrk="1" hangingPunct="1">
-                        <a:lnSpc>
-                          <a:spcPct val="90000"/>
-                        </a:lnSpc>
-                        <a:spcBef>
-                          <a:spcPts val="0"/>
-                        </a:spcBef>
-                        <a:spcAft>
-                          <a:spcPts val="0"/>
-                        </a:spcAft>
-                        <a:buClrTx/>
-                        <a:buSzTx/>
-                        <a:buFontTx/>
-                        <a:buNone/>
-                        <a:tabLst/>
-                        <a:defRPr/>
-                      </a:pPr>
-                      <a:r>
-                        <a:rPr lang="ko-KR" altLang="en-US" sz="800">
-                          <a:solidFill>
-                            <a:prstClr val="black"/>
-                          </a:solidFill>
-                          <a:cs typeface="Times New Roman" panose="02020603050405020304" pitchFamily="18" charset="0"/>
-                        </a:rPr>
-                        <a:t>가중치</a:t>
-                      </a:r>
-                      <a:r>
-                        <a:rPr lang="en-US" altLang="ko-KR" sz="800">
-                          <a:solidFill>
-                            <a:prstClr val="black"/>
-                          </a:solidFill>
-                          <a:cs typeface="Times New Roman" panose="02020603050405020304" pitchFamily="18" charset="0"/>
-                        </a:rPr>
-                        <a:t>5</a:t>
-                      </a:r>
-                      <a:r>
-                        <a:rPr lang="ko-KR" altLang="en-US" sz="800">
-                          <a:solidFill>
-                            <a:prstClr val="black"/>
-                          </a:solidFill>
-                          <a:cs typeface="Times New Roman" panose="02020603050405020304" pitchFamily="18" charset="0"/>
-                        </a:rPr>
-                        <a:t>값</a:t>
-                      </a:r>
-                      <a:endParaRPr lang="ko-KR" altLang="en-US" sz="800" b="0" kern="1200" dirty="0">
-                        <a:solidFill>
-                          <a:schemeClr val="tx1"/>
-                        </a:solidFill>
-                        <a:latin typeface="맑은 고딕" pitchFamily="50" charset="-127"/>
-                        <a:ea typeface="맑은 고딕" pitchFamily="50" charset="-127"/>
-                        <a:cs typeface="+mn-cs"/>
-                      </a:endParaRPr>
-                    </a:p>
-                  </a:txBody>
-                  <a:tcPr marL="91474" marR="91474" marT="45743" marB="45743">
-                    <a:lnL w="9525" cap="flat" cmpd="sng" algn="ctr">
-                      <a:solidFill>
-                        <a:srgbClr val="FFFFFF">
-                          <a:lumMod val="65000"/>
-                        </a:srgbClr>
-                      </a:solidFill>
-                      <a:prstDash val="solid"/>
-                      <a:round/>
-                      <a:headEnd type="none" w="med" len="med"/>
-                      <a:tailEnd type="none" w="med" len="med"/>
-                    </a:lnL>
-                    <a:lnR w="9525" cap="flat" cmpd="sng" algn="ctr">
-                      <a:solidFill>
-                        <a:srgbClr val="FFFFFF">
-                          <a:lumMod val="65000"/>
-                        </a:srgbClr>
-                      </a:solidFill>
-                      <a:prstDash val="solid"/>
-                      <a:round/>
-                      <a:headEnd type="none" w="med" len="med"/>
-                      <a:tailEnd type="none" w="med" len="med"/>
-                    </a:lnR>
-                    <a:lnT w="9525" cap="flat" cmpd="sng" algn="ctr">
-                      <a:solidFill>
-                        <a:srgbClr val="FFFFFF">
-                          <a:lumMod val="65000"/>
-                        </a:srgbClr>
-                      </a:solidFill>
-                      <a:prstDash val="solid"/>
-                      <a:round/>
-                      <a:headEnd type="none" w="med" len="med"/>
-                      <a:tailEnd type="none" w="med" len="med"/>
-                    </a:lnT>
-                    <a:lnB w="9525" cap="flat" cmpd="sng" algn="ctr">
-                      <a:solidFill>
-                        <a:srgbClr val="FFFFFF">
-                          <a:lumMod val="65000"/>
-                        </a:srgbClr>
-                      </a:solidFill>
-                      <a:prstDash val="solid"/>
-                      <a:round/>
-                      <a:headEnd type="none" w="med" len="med"/>
-                      <a:tailEnd type="none" w="med" len="med"/>
-                    </a:lnB>
-                    <a:lnTlToBr w="12700" cmpd="sng">
-                      <a:noFill/>
-                      <a:prstDash val="solid"/>
-                    </a:lnTlToBr>
-                    <a:lnBlToTr w="12700" cmpd="sng">
-                      <a:noFill/>
-                      <a:prstDash val="solid"/>
-                    </a:lnBlToTr>
-                    <a:solidFill>
-                      <a:schemeClr val="bg1">
-                        <a:lumMod val="85000"/>
-                      </a:schemeClr>
-                    </a:solidFill>
-                  </a:tcPr>
-                </a:tc>
-                <a:tc>
-                  <a:txBody>
-                    <a:bodyPr/>
-                    <a:lstStyle/>
-                    <a:p>
-                      <a:pPr marL="0" marR="0" indent="0" algn="r" defTabSz="1388882" rtl="0" eaLnBrk="1" fontAlgn="auto" latinLnBrk="1" hangingPunct="1">
-                        <a:lnSpc>
-                          <a:spcPct val="90000"/>
-                        </a:lnSpc>
-                        <a:spcBef>
-                          <a:spcPts val="0"/>
-                        </a:spcBef>
-                        <a:spcAft>
-                          <a:spcPts val="0"/>
-                        </a:spcAft>
-                        <a:buClrTx/>
-                        <a:buSzTx/>
-                        <a:buFontTx/>
-                        <a:buNone/>
-                        <a:tabLst/>
-                        <a:defRPr/>
-                      </a:pPr>
-                      <a:r>
-                        <a:rPr lang="en-US" altLang="ko-KR" sz="800" b="0" kern="1200">
-                          <a:solidFill>
-                            <a:schemeClr val="tx1"/>
-                          </a:solidFill>
-                          <a:latin typeface="맑은 고딕" pitchFamily="50" charset="-127"/>
-                          <a:ea typeface="맑은 고딕" pitchFamily="50" charset="-127"/>
-                          <a:cs typeface="+mn-cs"/>
-                        </a:rPr>
-                        <a:t>10,000</a:t>
-                      </a:r>
-                      <a:endParaRPr lang="ko-KR" altLang="en-US" sz="800" b="0" kern="1200" dirty="0">
-                        <a:solidFill>
-                          <a:schemeClr val="tx1"/>
-                        </a:solidFill>
-                        <a:latin typeface="맑은 고딕" pitchFamily="50" charset="-127"/>
-                        <a:ea typeface="맑은 고딕" pitchFamily="50" charset="-127"/>
-                        <a:cs typeface="+mn-cs"/>
-                      </a:endParaRPr>
-                    </a:p>
-                  </a:txBody>
-                  <a:tcPr marL="91474" marR="91474" marT="45743" marB="45743">
-                    <a:lnL w="9525" cap="flat" cmpd="sng" algn="ctr">
-                      <a:solidFill>
-                        <a:srgbClr val="FFFFFF">
-                          <a:lumMod val="65000"/>
-                        </a:srgbClr>
-                      </a:solidFill>
-                      <a:prstDash val="solid"/>
-                      <a:round/>
-                      <a:headEnd type="none" w="med" len="med"/>
-                      <a:tailEnd type="none" w="med" len="med"/>
-                    </a:lnL>
-                    <a:lnR w="9525" cap="flat" cmpd="sng" algn="ctr">
-                      <a:solidFill>
-                        <a:srgbClr val="FFFFFF">
-                          <a:lumMod val="65000"/>
-                        </a:srgbClr>
-                      </a:solidFill>
-                      <a:prstDash val="solid"/>
-                      <a:round/>
-                      <a:headEnd type="none" w="med" len="med"/>
-                      <a:tailEnd type="none" w="med" len="med"/>
-                    </a:lnR>
-                    <a:lnT w="9525" cap="flat" cmpd="sng" algn="ctr">
-                      <a:solidFill>
-                        <a:srgbClr val="FFFFFF">
-                          <a:lumMod val="65000"/>
-                        </a:srgbClr>
-                      </a:solidFill>
-                      <a:prstDash val="solid"/>
-                      <a:round/>
-                      <a:headEnd type="none" w="med" len="med"/>
-                      <a:tailEnd type="none" w="med" len="med"/>
-                    </a:lnT>
-                    <a:lnB w="9525" cap="flat" cmpd="sng" algn="ctr">
-                      <a:solidFill>
-                        <a:srgbClr val="FFFFFF">
-                          <a:lumMod val="65000"/>
-                        </a:srgbClr>
-                      </a:solidFill>
-                      <a:prstDash val="solid"/>
-                      <a:round/>
-                      <a:headEnd type="none" w="med" len="med"/>
-                      <a:tailEnd type="none" w="med" len="med"/>
-                    </a:lnB>
-                    <a:lnTlToBr w="12700" cmpd="sng">
-                      <a:noFill/>
-                      <a:prstDash val="solid"/>
-                    </a:lnTlToBr>
-                    <a:lnBlToTr w="12700" cmpd="sng">
-                      <a:noFill/>
-                      <a:prstDash val="solid"/>
-                    </a:lnBlToTr>
-                    <a:noFill/>
-                  </a:tcPr>
-                </a:tc>
-                <a:tc>
-                  <a:txBody>
-                    <a:bodyPr/>
-                    <a:lstStyle/>
-                    <a:p>
-                      <a:pPr marL="0" marR="0" indent="0" algn="r" defTabSz="1388882" rtl="0" eaLnBrk="1" fontAlgn="auto" latinLnBrk="1" hangingPunct="1">
-                        <a:lnSpc>
-                          <a:spcPct val="90000"/>
-                        </a:lnSpc>
-                        <a:spcBef>
-                          <a:spcPts val="0"/>
-                        </a:spcBef>
-                        <a:spcAft>
-                          <a:spcPts val="0"/>
-                        </a:spcAft>
-                        <a:buClrTx/>
-                        <a:buSzTx/>
-                        <a:buFontTx/>
-                        <a:buNone/>
-                        <a:tabLst/>
-                        <a:defRPr/>
-                      </a:pPr>
-                      <a:r>
-                        <a:rPr lang="en-US" altLang="ko-KR" sz="800" b="0" kern="1200">
-                          <a:solidFill>
-                            <a:schemeClr val="tx1"/>
-                          </a:solidFill>
-                          <a:latin typeface="맑은 고딕" pitchFamily="50" charset="-127"/>
-                          <a:ea typeface="맑은 고딕" pitchFamily="50" charset="-127"/>
-                          <a:cs typeface="+mn-cs"/>
-                        </a:rPr>
-                        <a:t>10,000 </a:t>
-                      </a:r>
-                      <a:r>
-                        <a:rPr lang="ko-KR" altLang="en-US" sz="800" b="0" kern="1200">
-                          <a:solidFill>
-                            <a:schemeClr val="tx1"/>
-                          </a:solidFill>
-                          <a:latin typeface="맑은 고딕" pitchFamily="50" charset="-127"/>
-                          <a:ea typeface="맑은 고딕" pitchFamily="50" charset="-127"/>
-                          <a:cs typeface="+mn-cs"/>
-                        </a:rPr>
-                        <a:t>이상</a:t>
-                      </a:r>
-                      <a:endParaRPr lang="ko-KR" altLang="en-US" sz="800" b="0" kern="1200" dirty="0">
-                        <a:solidFill>
-                          <a:schemeClr val="tx1"/>
-                        </a:solidFill>
-                        <a:latin typeface="맑은 고딕" pitchFamily="50" charset="-127"/>
-                        <a:ea typeface="맑은 고딕" pitchFamily="50" charset="-127"/>
-                        <a:cs typeface="+mn-cs"/>
-                      </a:endParaRPr>
-                    </a:p>
-                  </a:txBody>
-                  <a:tcPr marL="91474" marR="91474" marT="45743" marB="45743">
-                    <a:lnL w="9525" cap="flat" cmpd="sng" algn="ctr">
-                      <a:solidFill>
-                        <a:srgbClr val="FFFFFF">
-                          <a:lumMod val="65000"/>
-                        </a:srgbClr>
-                      </a:solidFill>
-                      <a:prstDash val="solid"/>
-                      <a:round/>
-                      <a:headEnd type="none" w="med" len="med"/>
-                      <a:tailEnd type="none" w="med" len="med"/>
-                    </a:lnL>
-                    <a:lnR w="9525" cap="flat" cmpd="sng" algn="ctr">
-                      <a:solidFill>
-                        <a:srgbClr val="FFFFFF">
-                          <a:lumMod val="65000"/>
-                        </a:srgbClr>
-                      </a:solidFill>
-                      <a:prstDash val="solid"/>
-                      <a:round/>
-                      <a:headEnd type="none" w="med" len="med"/>
-                      <a:tailEnd type="none" w="med" len="med"/>
-                    </a:lnR>
-                    <a:lnT w="9525" cap="flat" cmpd="sng" algn="ctr">
-                      <a:solidFill>
-                        <a:srgbClr val="FFFFFF">
-                          <a:lumMod val="65000"/>
-                        </a:srgbClr>
-                      </a:solidFill>
-                      <a:prstDash val="solid"/>
-                      <a:round/>
-                      <a:headEnd type="none" w="med" len="med"/>
-                      <a:tailEnd type="none" w="med" len="med"/>
-                    </a:lnT>
-                    <a:lnB w="9525" cap="flat" cmpd="sng" algn="ctr">
-                      <a:solidFill>
-                        <a:srgbClr val="FFFFFF">
-                          <a:lumMod val="65000"/>
-                        </a:srgbClr>
-                      </a:solidFill>
-                      <a:prstDash val="solid"/>
-                      <a:round/>
-                      <a:headEnd type="none" w="med" len="med"/>
-                      <a:tailEnd type="none" w="med" len="med"/>
-                    </a:lnB>
-                    <a:lnTlToBr w="12700" cmpd="sng">
-                      <a:noFill/>
-                      <a:prstDash val="solid"/>
-                    </a:lnTlToBr>
-                    <a:lnBlToTr w="12700" cmpd="sng">
-                      <a:noFill/>
-                      <a:prstDash val="solid"/>
-                    </a:lnBlToTr>
-                    <a:solidFill>
-                      <a:schemeClr val="bg1">
-                        <a:lumMod val="85000"/>
-                      </a:schemeClr>
-                    </a:solidFill>
-                  </a:tcPr>
-                </a:tc>
-                <a:extLst>
-                  <a:ext uri="{0D108BD9-81ED-4DB2-BD59-A6C34878D82A}">
-                    <a16:rowId xmlns:a16="http://schemas.microsoft.com/office/drawing/2014/main" val="10005"/>
-                  </a:ext>
-                </a:extLst>
-              </a:tr>
-              <a:tr h="176672">
-                <a:tc>
-                  <a:txBody>
-                    <a:bodyPr/>
-                    <a:lstStyle/>
-                    <a:p>
-                      <a:pPr marL="0" marR="0" lvl="0" indent="0" algn="ctr" defTabSz="1388882" rtl="0" eaLnBrk="1" fontAlgn="auto" latinLnBrk="1" hangingPunct="1">
-                        <a:lnSpc>
-                          <a:spcPct val="90000"/>
-                        </a:lnSpc>
-                        <a:spcBef>
-                          <a:spcPts val="0"/>
-                        </a:spcBef>
-                        <a:spcAft>
-                          <a:spcPts val="0"/>
-                        </a:spcAft>
-                        <a:buClrTx/>
-                        <a:buSzTx/>
-                        <a:buFontTx/>
-                        <a:buNone/>
-                        <a:tabLst/>
-                        <a:defRPr/>
-                      </a:pPr>
-                      <a:r>
-                        <a:rPr lang="ko-KR" altLang="en-US" sz="800">
-                          <a:solidFill>
-                            <a:prstClr val="black"/>
-                          </a:solidFill>
-                          <a:cs typeface="Times New Roman" panose="02020603050405020304" pitchFamily="18" charset="0"/>
-                        </a:rPr>
-                        <a:t>가중치</a:t>
-                      </a:r>
-                      <a:r>
-                        <a:rPr lang="en-US" altLang="ko-KR" sz="800">
-                          <a:solidFill>
-                            <a:prstClr val="black"/>
-                          </a:solidFill>
-                          <a:cs typeface="Times New Roman" panose="02020603050405020304" pitchFamily="18" charset="0"/>
-                        </a:rPr>
-                        <a:t>4</a:t>
-                      </a:r>
-                      <a:r>
-                        <a:rPr lang="ko-KR" altLang="en-US" sz="800">
-                          <a:solidFill>
-                            <a:prstClr val="black"/>
-                          </a:solidFill>
-                          <a:cs typeface="Times New Roman" panose="02020603050405020304" pitchFamily="18" charset="0"/>
-                        </a:rPr>
-                        <a:t>값</a:t>
-                      </a:r>
-                      <a:endParaRPr lang="ko-KR" altLang="en-US" sz="800" b="0" kern="1200" dirty="0">
-                        <a:solidFill>
-                          <a:schemeClr val="tx1"/>
-                        </a:solidFill>
-                        <a:latin typeface="맑은 고딕" pitchFamily="50" charset="-127"/>
-                        <a:ea typeface="맑은 고딕" pitchFamily="50" charset="-127"/>
-                        <a:cs typeface="+mn-cs"/>
-                      </a:endParaRPr>
-                    </a:p>
-                  </a:txBody>
-                  <a:tcPr marL="91474" marR="91474" marT="45743" marB="45743">
-                    <a:lnL w="9525" cap="flat" cmpd="sng" algn="ctr">
-                      <a:solidFill>
-                        <a:srgbClr val="FFFFFF">
-                          <a:lumMod val="65000"/>
-                        </a:srgbClr>
-                      </a:solidFill>
-                      <a:prstDash val="solid"/>
-                      <a:round/>
-                      <a:headEnd type="none" w="med" len="med"/>
-                      <a:tailEnd type="none" w="med" len="med"/>
-                    </a:lnL>
-                    <a:lnR w="9525" cap="flat" cmpd="sng" algn="ctr">
-                      <a:solidFill>
-                        <a:srgbClr val="FFFFFF">
-                          <a:lumMod val="65000"/>
-                        </a:srgbClr>
-                      </a:solidFill>
-                      <a:prstDash val="solid"/>
-                      <a:round/>
-                      <a:headEnd type="none" w="med" len="med"/>
-                      <a:tailEnd type="none" w="med" len="med"/>
-                    </a:lnR>
-                    <a:lnT w="9525" cap="flat" cmpd="sng" algn="ctr">
-                      <a:solidFill>
-                        <a:srgbClr val="FFFFFF">
-                          <a:lumMod val="65000"/>
-                        </a:srgbClr>
-                      </a:solidFill>
-                      <a:prstDash val="solid"/>
-                      <a:round/>
-                      <a:headEnd type="none" w="med" len="med"/>
-                      <a:tailEnd type="none" w="med" len="med"/>
-                    </a:lnT>
-                    <a:lnB w="9525" cap="flat" cmpd="sng" algn="ctr">
-                      <a:solidFill>
-                        <a:srgbClr val="FFFFFF">
-                          <a:lumMod val="65000"/>
-                        </a:srgbClr>
-                      </a:solidFill>
-                      <a:prstDash val="solid"/>
-                      <a:round/>
-                      <a:headEnd type="none" w="med" len="med"/>
-                      <a:tailEnd type="none" w="med" len="med"/>
-                    </a:lnB>
-                    <a:lnTlToBr w="12700" cmpd="sng">
-                      <a:noFill/>
-                      <a:prstDash val="solid"/>
-                    </a:lnTlToBr>
-                    <a:lnBlToTr w="12700" cmpd="sng">
-                      <a:noFill/>
-                      <a:prstDash val="solid"/>
-                    </a:lnBlToTr>
-                    <a:solidFill>
-                      <a:schemeClr val="bg1">
-                        <a:lumMod val="85000"/>
-                      </a:schemeClr>
-                    </a:solidFill>
-                  </a:tcPr>
-                </a:tc>
-                <a:tc>
-                  <a:txBody>
-                    <a:bodyPr/>
-                    <a:lstStyle/>
-                    <a:p>
-                      <a:pPr marL="0" marR="0" indent="0" algn="r" defTabSz="1388882" rtl="0" eaLnBrk="1" fontAlgn="auto" latinLnBrk="1" hangingPunct="1">
-                        <a:lnSpc>
-                          <a:spcPct val="90000"/>
-                        </a:lnSpc>
-                        <a:spcBef>
-                          <a:spcPts val="0"/>
-                        </a:spcBef>
-                        <a:spcAft>
-                          <a:spcPts val="0"/>
-                        </a:spcAft>
-                        <a:buClrTx/>
-                        <a:buSzTx/>
-                        <a:buFontTx/>
-                        <a:buNone/>
-                        <a:tabLst/>
-                        <a:defRPr/>
-                      </a:pPr>
-                      <a:r>
-                        <a:rPr lang="en-US" altLang="ko-KR" sz="800" b="0" kern="1200">
-                          <a:solidFill>
-                            <a:schemeClr val="tx1"/>
-                          </a:solidFill>
-                          <a:latin typeface="맑은 고딕" pitchFamily="50" charset="-127"/>
-                          <a:ea typeface="맑은 고딕" pitchFamily="50" charset="-127"/>
-                          <a:cs typeface="+mn-cs"/>
-                        </a:rPr>
-                        <a:t>5,000</a:t>
-                      </a:r>
-                      <a:endParaRPr lang="ko-KR" altLang="en-US" sz="800" b="0" kern="1200" dirty="0">
-                        <a:solidFill>
-                          <a:schemeClr val="tx1"/>
-                        </a:solidFill>
-                        <a:latin typeface="맑은 고딕" pitchFamily="50" charset="-127"/>
-                        <a:ea typeface="맑은 고딕" pitchFamily="50" charset="-127"/>
-                        <a:cs typeface="+mn-cs"/>
-                      </a:endParaRPr>
-                    </a:p>
-                  </a:txBody>
-                  <a:tcPr marL="91474" marR="91474" marT="45743" marB="45743">
-                    <a:lnL w="9525" cap="flat" cmpd="sng" algn="ctr">
-                      <a:solidFill>
-                        <a:srgbClr val="FFFFFF">
-                          <a:lumMod val="65000"/>
-                        </a:srgbClr>
-                      </a:solidFill>
-                      <a:prstDash val="solid"/>
-                      <a:round/>
-                      <a:headEnd type="none" w="med" len="med"/>
-                      <a:tailEnd type="none" w="med" len="med"/>
-                    </a:lnL>
-                    <a:lnR w="9525" cap="flat" cmpd="sng" algn="ctr">
-                      <a:solidFill>
-                        <a:srgbClr val="FFFFFF">
-                          <a:lumMod val="65000"/>
-                        </a:srgbClr>
-                      </a:solidFill>
-                      <a:prstDash val="solid"/>
-                      <a:round/>
-                      <a:headEnd type="none" w="med" len="med"/>
-                      <a:tailEnd type="none" w="med" len="med"/>
-                    </a:lnR>
-                    <a:lnT w="9525" cap="flat" cmpd="sng" algn="ctr">
-                      <a:solidFill>
-                        <a:srgbClr val="FFFFFF">
-                          <a:lumMod val="65000"/>
-                        </a:srgbClr>
-                      </a:solidFill>
-                      <a:prstDash val="solid"/>
-                      <a:round/>
-                      <a:headEnd type="none" w="med" len="med"/>
-                      <a:tailEnd type="none" w="med" len="med"/>
-                    </a:lnT>
-                    <a:lnB w="9525" cap="flat" cmpd="sng" algn="ctr">
-                      <a:solidFill>
-                        <a:srgbClr val="FFFFFF">
-                          <a:lumMod val="65000"/>
-                        </a:srgbClr>
-                      </a:solidFill>
-                      <a:prstDash val="solid"/>
-                      <a:round/>
-                      <a:headEnd type="none" w="med" len="med"/>
-                      <a:tailEnd type="none" w="med" len="med"/>
-                    </a:lnB>
-                    <a:lnTlToBr w="12700" cmpd="sng">
-                      <a:noFill/>
-                      <a:prstDash val="solid"/>
-                    </a:lnTlToBr>
-                    <a:lnBlToTr w="12700" cmpd="sng">
-                      <a:noFill/>
-                      <a:prstDash val="solid"/>
-                    </a:lnBlToTr>
-                    <a:noFill/>
-                  </a:tcPr>
-                </a:tc>
-                <a:tc>
-                  <a:txBody>
-                    <a:bodyPr/>
-                    <a:lstStyle/>
-                    <a:p>
-                      <a:pPr marL="0" marR="0" indent="0" algn="r" defTabSz="1388882" rtl="0" eaLnBrk="1" fontAlgn="auto" latinLnBrk="1" hangingPunct="1">
-                        <a:lnSpc>
-                          <a:spcPct val="90000"/>
-                        </a:lnSpc>
-                        <a:spcBef>
-                          <a:spcPts val="0"/>
-                        </a:spcBef>
-                        <a:spcAft>
-                          <a:spcPts val="0"/>
-                        </a:spcAft>
-                        <a:buClrTx/>
-                        <a:buSzTx/>
-                        <a:buFontTx/>
-                        <a:buNone/>
-                        <a:tabLst/>
-                        <a:defRPr/>
-                      </a:pPr>
-                      <a:r>
-                        <a:rPr lang="en-US" altLang="ko-KR" sz="800" b="0" kern="1200">
-                          <a:solidFill>
-                            <a:schemeClr val="tx1"/>
-                          </a:solidFill>
-                          <a:latin typeface="맑은 고딕" pitchFamily="50" charset="-127"/>
-                          <a:ea typeface="맑은 고딕" pitchFamily="50" charset="-127"/>
-                          <a:cs typeface="+mn-cs"/>
-                        </a:rPr>
-                        <a:t>5,000~9,999</a:t>
-                      </a:r>
-                      <a:endParaRPr lang="ko-KR" altLang="en-US" sz="800" b="0" kern="1200" dirty="0">
-                        <a:solidFill>
-                          <a:schemeClr val="tx1"/>
-                        </a:solidFill>
-                        <a:latin typeface="맑은 고딕" pitchFamily="50" charset="-127"/>
-                        <a:ea typeface="맑은 고딕" pitchFamily="50" charset="-127"/>
-                        <a:cs typeface="+mn-cs"/>
-                      </a:endParaRPr>
-                    </a:p>
-                  </a:txBody>
-                  <a:tcPr marL="91474" marR="91474" marT="45743" marB="45743">
-                    <a:lnL w="9525" cap="flat" cmpd="sng" algn="ctr">
-                      <a:solidFill>
-                        <a:srgbClr val="FFFFFF">
-                          <a:lumMod val="65000"/>
-                        </a:srgbClr>
-                      </a:solidFill>
-                      <a:prstDash val="solid"/>
-                      <a:round/>
-                      <a:headEnd type="none" w="med" len="med"/>
-                      <a:tailEnd type="none" w="med" len="med"/>
-                    </a:lnL>
-                    <a:lnR w="9525" cap="flat" cmpd="sng" algn="ctr">
-                      <a:solidFill>
-                        <a:srgbClr val="FFFFFF">
-                          <a:lumMod val="65000"/>
-                        </a:srgbClr>
-                      </a:solidFill>
-                      <a:prstDash val="solid"/>
-                      <a:round/>
-                      <a:headEnd type="none" w="med" len="med"/>
-                      <a:tailEnd type="none" w="med" len="med"/>
-                    </a:lnR>
-                    <a:lnT w="9525" cap="flat" cmpd="sng" algn="ctr">
-                      <a:solidFill>
-                        <a:srgbClr val="FFFFFF">
-                          <a:lumMod val="65000"/>
-                        </a:srgbClr>
-                      </a:solidFill>
-                      <a:prstDash val="solid"/>
-                      <a:round/>
-                      <a:headEnd type="none" w="med" len="med"/>
-                      <a:tailEnd type="none" w="med" len="med"/>
-                    </a:lnT>
-                    <a:lnB w="9525" cap="flat" cmpd="sng" algn="ctr">
-                      <a:solidFill>
-                        <a:srgbClr val="FFFFFF">
-                          <a:lumMod val="65000"/>
-                        </a:srgbClr>
-                      </a:solidFill>
-                      <a:prstDash val="solid"/>
-                      <a:round/>
-                      <a:headEnd type="none" w="med" len="med"/>
-                      <a:tailEnd type="none" w="med" len="med"/>
-                    </a:lnB>
-                    <a:lnTlToBr w="12700" cmpd="sng">
-                      <a:noFill/>
-                      <a:prstDash val="solid"/>
-                    </a:lnTlToBr>
-                    <a:lnBlToTr w="12700" cmpd="sng">
-                      <a:noFill/>
-                      <a:prstDash val="solid"/>
-                    </a:lnBlToTr>
-                    <a:solidFill>
-                      <a:schemeClr val="bg1">
-                        <a:lumMod val="85000"/>
-                      </a:schemeClr>
-                    </a:solidFill>
-                  </a:tcPr>
-                </a:tc>
-                <a:extLst>
-                  <a:ext uri="{0D108BD9-81ED-4DB2-BD59-A6C34878D82A}">
-                    <a16:rowId xmlns:a16="http://schemas.microsoft.com/office/drawing/2014/main" val="10003"/>
-                  </a:ext>
-                </a:extLst>
-              </a:tr>
-              <a:tr h="176672">
-                <a:tc>
-                  <a:txBody>
-                    <a:bodyPr/>
-                    <a:lstStyle/>
-                    <a:p>
-                      <a:pPr marL="0" marR="0" lvl="0" indent="0" algn="ctr" defTabSz="1388882" rtl="0" eaLnBrk="1" fontAlgn="auto" latinLnBrk="1" hangingPunct="1">
-                        <a:lnSpc>
-                          <a:spcPct val="90000"/>
-                        </a:lnSpc>
-                        <a:spcBef>
-                          <a:spcPts val="0"/>
-                        </a:spcBef>
-                        <a:spcAft>
-                          <a:spcPts val="0"/>
-                        </a:spcAft>
-                        <a:buClrTx/>
-                        <a:buSzTx/>
-                        <a:buFontTx/>
-                        <a:buNone/>
-                        <a:tabLst/>
-                        <a:defRPr/>
-                      </a:pPr>
-                      <a:r>
-                        <a:rPr lang="ko-KR" altLang="en-US" sz="800">
-                          <a:solidFill>
-                            <a:prstClr val="black"/>
-                          </a:solidFill>
-                          <a:cs typeface="Times New Roman" panose="02020603050405020304" pitchFamily="18" charset="0"/>
-                        </a:rPr>
-                        <a:t>가중치</a:t>
-                      </a:r>
-                      <a:r>
-                        <a:rPr lang="en-US" altLang="ko-KR" sz="800">
-                          <a:solidFill>
-                            <a:prstClr val="black"/>
-                          </a:solidFill>
-                          <a:cs typeface="Times New Roman" panose="02020603050405020304" pitchFamily="18" charset="0"/>
-                        </a:rPr>
-                        <a:t>3</a:t>
-                      </a:r>
-                      <a:r>
-                        <a:rPr lang="ko-KR" altLang="en-US" sz="800">
-                          <a:solidFill>
-                            <a:prstClr val="black"/>
-                          </a:solidFill>
-                          <a:cs typeface="Times New Roman" panose="02020603050405020304" pitchFamily="18" charset="0"/>
-                        </a:rPr>
-                        <a:t>값</a:t>
-                      </a:r>
-                      <a:endParaRPr lang="ko-KR" altLang="en-US" sz="800" b="0" kern="1200" dirty="0">
-                        <a:solidFill>
-                          <a:schemeClr val="tx1"/>
-                        </a:solidFill>
-                        <a:latin typeface="맑은 고딕" pitchFamily="50" charset="-127"/>
-                        <a:ea typeface="맑은 고딕" pitchFamily="50" charset="-127"/>
-                        <a:cs typeface="+mn-cs"/>
-                      </a:endParaRPr>
-                    </a:p>
-                  </a:txBody>
-                  <a:tcPr marL="91474" marR="91474" marT="45743" marB="45743">
-                    <a:lnL w="9525" cap="flat" cmpd="sng" algn="ctr">
-                      <a:solidFill>
-                        <a:srgbClr val="FFFFFF">
-                          <a:lumMod val="65000"/>
-                        </a:srgbClr>
-                      </a:solidFill>
-                      <a:prstDash val="solid"/>
-                      <a:round/>
-                      <a:headEnd type="none" w="med" len="med"/>
-                      <a:tailEnd type="none" w="med" len="med"/>
-                    </a:lnL>
-                    <a:lnR w="9525" cap="flat" cmpd="sng" algn="ctr">
-                      <a:solidFill>
-                        <a:srgbClr val="FFFFFF">
-                          <a:lumMod val="65000"/>
-                        </a:srgbClr>
-                      </a:solidFill>
-                      <a:prstDash val="solid"/>
-                      <a:round/>
-                      <a:headEnd type="none" w="med" len="med"/>
-                      <a:tailEnd type="none" w="med" len="med"/>
-                    </a:lnR>
-                    <a:lnT w="9525" cap="flat" cmpd="sng" algn="ctr">
-                      <a:solidFill>
-                        <a:srgbClr val="FFFFFF">
-                          <a:lumMod val="65000"/>
-                        </a:srgbClr>
-                      </a:solidFill>
-                      <a:prstDash val="solid"/>
-                      <a:round/>
-                      <a:headEnd type="none" w="med" len="med"/>
-                      <a:tailEnd type="none" w="med" len="med"/>
-                    </a:lnT>
-                    <a:lnB w="9525" cap="flat" cmpd="sng" algn="ctr">
-                      <a:solidFill>
-                        <a:srgbClr val="FFFFFF">
-                          <a:lumMod val="65000"/>
-                        </a:srgbClr>
-                      </a:solidFill>
-                      <a:prstDash val="solid"/>
-                      <a:round/>
-                      <a:headEnd type="none" w="med" len="med"/>
-                      <a:tailEnd type="none" w="med" len="med"/>
-                    </a:lnB>
-                    <a:lnTlToBr w="12700" cmpd="sng">
-                      <a:noFill/>
-                      <a:prstDash val="solid"/>
-                    </a:lnTlToBr>
-                    <a:lnBlToTr w="12700" cmpd="sng">
-                      <a:noFill/>
-                      <a:prstDash val="solid"/>
-                    </a:lnBlToTr>
-                    <a:solidFill>
-                      <a:schemeClr val="bg1">
-                        <a:lumMod val="85000"/>
-                      </a:schemeClr>
-                    </a:solidFill>
-                  </a:tcPr>
-                </a:tc>
-                <a:tc>
-                  <a:txBody>
-                    <a:bodyPr/>
-                    <a:lstStyle/>
-                    <a:p>
-                      <a:pPr marL="0" marR="0" indent="0" algn="r" defTabSz="1388882" rtl="0" eaLnBrk="1" fontAlgn="auto" latinLnBrk="1" hangingPunct="1">
-                        <a:lnSpc>
-                          <a:spcPct val="90000"/>
-                        </a:lnSpc>
-                        <a:spcBef>
-                          <a:spcPts val="0"/>
-                        </a:spcBef>
-                        <a:spcAft>
-                          <a:spcPts val="0"/>
-                        </a:spcAft>
-                        <a:buClrTx/>
-                        <a:buSzTx/>
-                        <a:buFontTx/>
-                        <a:buNone/>
-                        <a:tabLst/>
-                        <a:defRPr/>
-                      </a:pPr>
-                      <a:r>
-                        <a:rPr lang="en-US" altLang="ko-KR" sz="800" b="0" kern="1200">
-                          <a:solidFill>
-                            <a:schemeClr val="tx1"/>
-                          </a:solidFill>
-                          <a:latin typeface="맑은 고딕" pitchFamily="50" charset="-127"/>
-                          <a:ea typeface="맑은 고딕" pitchFamily="50" charset="-127"/>
-                          <a:cs typeface="+mn-cs"/>
-                        </a:rPr>
-                        <a:t>1,000</a:t>
-                      </a:r>
-                      <a:endParaRPr lang="ko-KR" altLang="en-US" sz="800" b="0" kern="1200" dirty="0">
-                        <a:solidFill>
-                          <a:schemeClr val="tx1"/>
-                        </a:solidFill>
-                        <a:latin typeface="맑은 고딕" pitchFamily="50" charset="-127"/>
-                        <a:ea typeface="맑은 고딕" pitchFamily="50" charset="-127"/>
-                        <a:cs typeface="+mn-cs"/>
-                      </a:endParaRPr>
-                    </a:p>
-                  </a:txBody>
-                  <a:tcPr marL="91474" marR="91474" marT="45743" marB="45743">
-                    <a:lnL w="9525" cap="flat" cmpd="sng" algn="ctr">
-                      <a:solidFill>
-                        <a:srgbClr val="FFFFFF">
-                          <a:lumMod val="65000"/>
-                        </a:srgbClr>
-                      </a:solidFill>
-                      <a:prstDash val="solid"/>
-                      <a:round/>
-                      <a:headEnd type="none" w="med" len="med"/>
-                      <a:tailEnd type="none" w="med" len="med"/>
-                    </a:lnL>
-                    <a:lnR w="9525" cap="flat" cmpd="sng" algn="ctr">
-                      <a:solidFill>
-                        <a:srgbClr val="FFFFFF">
-                          <a:lumMod val="65000"/>
-                        </a:srgbClr>
-                      </a:solidFill>
-                      <a:prstDash val="solid"/>
-                      <a:round/>
-                      <a:headEnd type="none" w="med" len="med"/>
-                      <a:tailEnd type="none" w="med" len="med"/>
-                    </a:lnR>
-                    <a:lnT w="9525" cap="flat" cmpd="sng" algn="ctr">
-                      <a:solidFill>
-                        <a:srgbClr val="FFFFFF">
-                          <a:lumMod val="65000"/>
-                        </a:srgbClr>
-                      </a:solidFill>
-                      <a:prstDash val="solid"/>
-                      <a:round/>
-                      <a:headEnd type="none" w="med" len="med"/>
-                      <a:tailEnd type="none" w="med" len="med"/>
-                    </a:lnT>
-                    <a:lnB w="9525" cap="flat" cmpd="sng" algn="ctr">
-                      <a:solidFill>
-                        <a:srgbClr val="FFFFFF">
-                          <a:lumMod val="65000"/>
-                        </a:srgbClr>
-                      </a:solidFill>
-                      <a:prstDash val="solid"/>
-                      <a:round/>
-                      <a:headEnd type="none" w="med" len="med"/>
-                      <a:tailEnd type="none" w="med" len="med"/>
-                    </a:lnB>
-                    <a:lnTlToBr w="12700" cmpd="sng">
-                      <a:noFill/>
-                      <a:prstDash val="solid"/>
-                    </a:lnTlToBr>
-                    <a:lnBlToTr w="12700" cmpd="sng">
-                      <a:noFill/>
-                      <a:prstDash val="solid"/>
-                    </a:lnBlToTr>
-                    <a:noFill/>
-                  </a:tcPr>
-                </a:tc>
-                <a:tc>
-                  <a:txBody>
-                    <a:bodyPr/>
-                    <a:lstStyle/>
-                    <a:p>
-                      <a:pPr marL="0" marR="0" indent="0" algn="r" defTabSz="1388882" rtl="0" eaLnBrk="1" fontAlgn="auto" latinLnBrk="1" hangingPunct="1">
-                        <a:lnSpc>
-                          <a:spcPct val="90000"/>
-                        </a:lnSpc>
-                        <a:spcBef>
-                          <a:spcPts val="0"/>
-                        </a:spcBef>
-                        <a:spcAft>
-                          <a:spcPts val="0"/>
-                        </a:spcAft>
-                        <a:buClrTx/>
-                        <a:buSzTx/>
-                        <a:buFontTx/>
-                        <a:buNone/>
-                        <a:tabLst/>
-                        <a:defRPr/>
-                      </a:pPr>
-                      <a:r>
-                        <a:rPr lang="en-US" altLang="ko-KR" sz="800" b="0" kern="1200">
-                          <a:solidFill>
-                            <a:schemeClr val="tx1"/>
-                          </a:solidFill>
-                          <a:latin typeface="맑은 고딕" pitchFamily="50" charset="-127"/>
-                          <a:ea typeface="맑은 고딕" pitchFamily="50" charset="-127"/>
-                          <a:cs typeface="+mn-cs"/>
-                        </a:rPr>
-                        <a:t>1,000~4,999</a:t>
-                      </a:r>
-                      <a:endParaRPr lang="ko-KR" altLang="en-US" sz="800" b="0" kern="1200" dirty="0">
-                        <a:solidFill>
-                          <a:schemeClr val="tx1"/>
-                        </a:solidFill>
-                        <a:latin typeface="맑은 고딕" pitchFamily="50" charset="-127"/>
-                        <a:ea typeface="맑은 고딕" pitchFamily="50" charset="-127"/>
-                        <a:cs typeface="+mn-cs"/>
-                      </a:endParaRPr>
-                    </a:p>
-                  </a:txBody>
-                  <a:tcPr marL="91474" marR="91474" marT="45743" marB="45743">
-                    <a:lnL w="9525" cap="flat" cmpd="sng" algn="ctr">
-                      <a:solidFill>
-                        <a:srgbClr val="FFFFFF">
-                          <a:lumMod val="65000"/>
-                        </a:srgbClr>
-                      </a:solidFill>
-                      <a:prstDash val="solid"/>
-                      <a:round/>
-                      <a:headEnd type="none" w="med" len="med"/>
-                      <a:tailEnd type="none" w="med" len="med"/>
-                    </a:lnL>
-                    <a:lnR w="9525" cap="flat" cmpd="sng" algn="ctr">
-                      <a:solidFill>
-                        <a:srgbClr val="FFFFFF">
-                          <a:lumMod val="65000"/>
-                        </a:srgbClr>
-                      </a:solidFill>
-                      <a:prstDash val="solid"/>
-                      <a:round/>
-                      <a:headEnd type="none" w="med" len="med"/>
-                      <a:tailEnd type="none" w="med" len="med"/>
-                    </a:lnR>
-                    <a:lnT w="9525" cap="flat" cmpd="sng" algn="ctr">
-                      <a:solidFill>
-                        <a:srgbClr val="FFFFFF">
-                          <a:lumMod val="65000"/>
-                        </a:srgbClr>
-                      </a:solidFill>
-                      <a:prstDash val="solid"/>
-                      <a:round/>
-                      <a:headEnd type="none" w="med" len="med"/>
-                      <a:tailEnd type="none" w="med" len="med"/>
-                    </a:lnT>
-                    <a:lnB w="9525" cap="flat" cmpd="sng" algn="ctr">
-                      <a:solidFill>
-                        <a:srgbClr val="FFFFFF">
-                          <a:lumMod val="65000"/>
-                        </a:srgbClr>
-                      </a:solidFill>
-                      <a:prstDash val="solid"/>
-                      <a:round/>
-                      <a:headEnd type="none" w="med" len="med"/>
-                      <a:tailEnd type="none" w="med" len="med"/>
-                    </a:lnB>
-                    <a:lnTlToBr w="12700" cmpd="sng">
-                      <a:noFill/>
-                      <a:prstDash val="solid"/>
-                    </a:lnTlToBr>
-                    <a:lnBlToTr w="12700" cmpd="sng">
-                      <a:noFill/>
-                      <a:prstDash val="solid"/>
-                    </a:lnBlToTr>
-                    <a:solidFill>
-                      <a:schemeClr val="bg1">
-                        <a:lumMod val="85000"/>
-                      </a:schemeClr>
-                    </a:solidFill>
-                  </a:tcPr>
-                </a:tc>
-                <a:extLst>
-                  <a:ext uri="{0D108BD9-81ED-4DB2-BD59-A6C34878D82A}">
-                    <a16:rowId xmlns:a16="http://schemas.microsoft.com/office/drawing/2014/main" val="10004"/>
-                  </a:ext>
-                </a:extLst>
-              </a:tr>
-              <a:tr h="176672">
-                <a:tc>
-                  <a:txBody>
-                    <a:bodyPr/>
-                    <a:lstStyle/>
-                    <a:p>
-                      <a:pPr marL="0" marR="0" lvl="0" indent="0" algn="ctr" defTabSz="1388882" rtl="0" eaLnBrk="1" fontAlgn="auto" latinLnBrk="1" hangingPunct="1">
-                        <a:lnSpc>
-                          <a:spcPct val="90000"/>
-                        </a:lnSpc>
-                        <a:spcBef>
-                          <a:spcPts val="0"/>
-                        </a:spcBef>
-                        <a:spcAft>
-                          <a:spcPts val="0"/>
-                        </a:spcAft>
-                        <a:buClrTx/>
-                        <a:buSzTx/>
-                        <a:buFontTx/>
-                        <a:buNone/>
-                        <a:tabLst/>
-                        <a:defRPr/>
-                      </a:pPr>
-                      <a:r>
-                        <a:rPr lang="ko-KR" altLang="en-US" sz="800">
-                          <a:solidFill>
-                            <a:prstClr val="black"/>
-                          </a:solidFill>
-                          <a:cs typeface="Times New Roman" panose="02020603050405020304" pitchFamily="18" charset="0"/>
-                        </a:rPr>
-                        <a:t>가중치</a:t>
-                      </a:r>
-                      <a:r>
-                        <a:rPr lang="en-US" altLang="ko-KR" sz="800">
-                          <a:solidFill>
-                            <a:prstClr val="black"/>
-                          </a:solidFill>
-                          <a:cs typeface="Times New Roman" panose="02020603050405020304" pitchFamily="18" charset="0"/>
-                        </a:rPr>
-                        <a:t>2</a:t>
-                      </a:r>
-                      <a:r>
-                        <a:rPr lang="ko-KR" altLang="en-US" sz="800">
-                          <a:solidFill>
-                            <a:prstClr val="black"/>
-                          </a:solidFill>
-                          <a:cs typeface="Times New Roman" panose="02020603050405020304" pitchFamily="18" charset="0"/>
-                        </a:rPr>
-                        <a:t>값</a:t>
-                      </a:r>
-                      <a:endParaRPr lang="ko-KR" altLang="en-US" sz="800" b="0" kern="1200" dirty="0">
-                        <a:solidFill>
-                          <a:schemeClr val="tx1"/>
-                        </a:solidFill>
-                        <a:latin typeface="맑은 고딕" pitchFamily="50" charset="-127"/>
-                        <a:ea typeface="맑은 고딕" pitchFamily="50" charset="-127"/>
-                        <a:cs typeface="+mn-cs"/>
-                      </a:endParaRPr>
-                    </a:p>
-                  </a:txBody>
-                  <a:tcPr marL="91474" marR="91474" marT="45743" marB="45743">
-                    <a:lnL w="9525" cap="flat" cmpd="sng" algn="ctr">
-                      <a:solidFill>
-                        <a:srgbClr val="FFFFFF">
-                          <a:lumMod val="65000"/>
-                        </a:srgbClr>
-                      </a:solidFill>
-                      <a:prstDash val="solid"/>
-                      <a:round/>
-                      <a:headEnd type="none" w="med" len="med"/>
-                      <a:tailEnd type="none" w="med" len="med"/>
-                    </a:lnL>
-                    <a:lnR w="9525" cap="flat" cmpd="sng" algn="ctr">
-                      <a:solidFill>
-                        <a:srgbClr val="FFFFFF">
-                          <a:lumMod val="65000"/>
-                        </a:srgbClr>
-                      </a:solidFill>
-                      <a:prstDash val="solid"/>
-                      <a:round/>
-                      <a:headEnd type="none" w="med" len="med"/>
-                      <a:tailEnd type="none" w="med" len="med"/>
-                    </a:lnR>
-                    <a:lnT w="9525" cap="flat" cmpd="sng" algn="ctr">
-                      <a:solidFill>
-                        <a:srgbClr val="FFFFFF">
-                          <a:lumMod val="65000"/>
-                        </a:srgbClr>
-                      </a:solidFill>
-                      <a:prstDash val="solid"/>
-                      <a:round/>
-                      <a:headEnd type="none" w="med" len="med"/>
-                      <a:tailEnd type="none" w="med" len="med"/>
-                    </a:lnT>
-                    <a:lnB w="9525" cap="flat" cmpd="sng" algn="ctr">
-                      <a:solidFill>
-                        <a:srgbClr val="FFFFFF">
-                          <a:lumMod val="65000"/>
-                        </a:srgbClr>
-                      </a:solidFill>
-                      <a:prstDash val="solid"/>
-                      <a:round/>
-                      <a:headEnd type="none" w="med" len="med"/>
-                      <a:tailEnd type="none" w="med" len="med"/>
-                    </a:lnB>
-                    <a:lnTlToBr w="12700" cmpd="sng">
-                      <a:noFill/>
-                      <a:prstDash val="solid"/>
-                    </a:lnTlToBr>
-                    <a:lnBlToTr w="12700" cmpd="sng">
-                      <a:noFill/>
-                      <a:prstDash val="solid"/>
-                    </a:lnBlToTr>
-                    <a:solidFill>
-                      <a:schemeClr val="bg1">
-                        <a:lumMod val="85000"/>
-                      </a:schemeClr>
-                    </a:solidFill>
-                  </a:tcPr>
-                </a:tc>
-                <a:tc>
-                  <a:txBody>
-                    <a:bodyPr/>
-                    <a:lstStyle/>
-                    <a:p>
-                      <a:pPr marL="0" marR="0" indent="0" algn="r" defTabSz="1388882" rtl="0" eaLnBrk="1" fontAlgn="auto" latinLnBrk="1" hangingPunct="1">
-                        <a:lnSpc>
-                          <a:spcPct val="90000"/>
-                        </a:lnSpc>
-                        <a:spcBef>
-                          <a:spcPts val="0"/>
-                        </a:spcBef>
-                        <a:spcAft>
-                          <a:spcPts val="0"/>
-                        </a:spcAft>
-                        <a:buClrTx/>
-                        <a:buSzTx/>
-                        <a:buFontTx/>
-                        <a:buNone/>
-                        <a:tabLst/>
-                        <a:defRPr/>
-                      </a:pPr>
-                      <a:r>
-                        <a:rPr lang="en-US" altLang="ko-KR" sz="800" b="0" kern="1200">
-                          <a:solidFill>
-                            <a:schemeClr val="tx1"/>
-                          </a:solidFill>
-                          <a:latin typeface="맑은 고딕" pitchFamily="50" charset="-127"/>
-                          <a:ea typeface="맑은 고딕" pitchFamily="50" charset="-127"/>
-                          <a:cs typeface="+mn-cs"/>
-                        </a:rPr>
-                        <a:t>100</a:t>
-                      </a:r>
-                      <a:endParaRPr lang="ko-KR" altLang="en-US" sz="800" b="0" kern="1200" dirty="0">
-                        <a:solidFill>
-                          <a:schemeClr val="tx1"/>
-                        </a:solidFill>
-                        <a:latin typeface="맑은 고딕" pitchFamily="50" charset="-127"/>
-                        <a:ea typeface="맑은 고딕" pitchFamily="50" charset="-127"/>
-                        <a:cs typeface="+mn-cs"/>
-                      </a:endParaRPr>
-                    </a:p>
-                  </a:txBody>
-                  <a:tcPr marL="91474" marR="91474" marT="45743" marB="45743">
-                    <a:lnL w="9525" cap="flat" cmpd="sng" algn="ctr">
-                      <a:solidFill>
-                        <a:srgbClr val="FFFFFF">
-                          <a:lumMod val="65000"/>
-                        </a:srgbClr>
-                      </a:solidFill>
-                      <a:prstDash val="solid"/>
-                      <a:round/>
-                      <a:headEnd type="none" w="med" len="med"/>
-                      <a:tailEnd type="none" w="med" len="med"/>
-                    </a:lnL>
-                    <a:lnR w="9525" cap="flat" cmpd="sng" algn="ctr">
-                      <a:solidFill>
-                        <a:srgbClr val="FFFFFF">
-                          <a:lumMod val="65000"/>
-                        </a:srgbClr>
-                      </a:solidFill>
-                      <a:prstDash val="solid"/>
-                      <a:round/>
-                      <a:headEnd type="none" w="med" len="med"/>
-                      <a:tailEnd type="none" w="med" len="med"/>
-                    </a:lnR>
-                    <a:lnT w="9525" cap="flat" cmpd="sng" algn="ctr">
-                      <a:solidFill>
-                        <a:srgbClr val="FFFFFF">
-                          <a:lumMod val="65000"/>
-                        </a:srgbClr>
-                      </a:solidFill>
-                      <a:prstDash val="solid"/>
-                      <a:round/>
-                      <a:headEnd type="none" w="med" len="med"/>
-                      <a:tailEnd type="none" w="med" len="med"/>
-                    </a:lnT>
-                    <a:lnB w="9525" cap="flat" cmpd="sng" algn="ctr">
-                      <a:solidFill>
-                        <a:srgbClr val="FFFFFF">
-                          <a:lumMod val="65000"/>
-                        </a:srgbClr>
-                      </a:solidFill>
-                      <a:prstDash val="solid"/>
-                      <a:round/>
-                      <a:headEnd type="none" w="med" len="med"/>
-                      <a:tailEnd type="none" w="med" len="med"/>
-                    </a:lnB>
-                    <a:lnTlToBr w="12700" cmpd="sng">
-                      <a:noFill/>
-                      <a:prstDash val="solid"/>
-                    </a:lnTlToBr>
-                    <a:lnBlToTr w="12700" cmpd="sng">
-                      <a:noFill/>
-                      <a:prstDash val="solid"/>
-                    </a:lnBlToTr>
-                    <a:noFill/>
-                  </a:tcPr>
-                </a:tc>
-                <a:tc>
-                  <a:txBody>
-                    <a:bodyPr/>
-                    <a:lstStyle/>
-                    <a:p>
-                      <a:pPr marL="0" marR="0" indent="0" algn="r" defTabSz="1388882" rtl="0" eaLnBrk="1" fontAlgn="auto" latinLnBrk="1" hangingPunct="1">
-                        <a:lnSpc>
-                          <a:spcPct val="90000"/>
-                        </a:lnSpc>
-                        <a:spcBef>
-                          <a:spcPts val="0"/>
-                        </a:spcBef>
-                        <a:spcAft>
-                          <a:spcPts val="0"/>
-                        </a:spcAft>
-                        <a:buClrTx/>
-                        <a:buSzTx/>
-                        <a:buFontTx/>
-                        <a:buNone/>
-                        <a:tabLst/>
-                        <a:defRPr/>
-                      </a:pPr>
-                      <a:r>
-                        <a:rPr lang="en-US" altLang="ko-KR" sz="800" b="0" kern="1200">
-                          <a:solidFill>
-                            <a:schemeClr val="tx1"/>
-                          </a:solidFill>
-                          <a:latin typeface="맑은 고딕" pitchFamily="50" charset="-127"/>
-                          <a:ea typeface="맑은 고딕" pitchFamily="50" charset="-127"/>
-                          <a:cs typeface="+mn-cs"/>
-                        </a:rPr>
-                        <a:t>100~999</a:t>
-                      </a:r>
-                      <a:endParaRPr lang="ko-KR" altLang="en-US" sz="800" b="0" kern="1200" dirty="0">
-                        <a:solidFill>
-                          <a:schemeClr val="tx1"/>
-                        </a:solidFill>
-                        <a:latin typeface="맑은 고딕" pitchFamily="50" charset="-127"/>
-                        <a:ea typeface="맑은 고딕" pitchFamily="50" charset="-127"/>
-                        <a:cs typeface="+mn-cs"/>
-                      </a:endParaRPr>
-                    </a:p>
-                  </a:txBody>
-                  <a:tcPr marL="91474" marR="91474" marT="45743" marB="45743">
-                    <a:lnL w="9525" cap="flat" cmpd="sng" algn="ctr">
-                      <a:solidFill>
-                        <a:srgbClr val="FFFFFF">
-                          <a:lumMod val="65000"/>
-                        </a:srgbClr>
-                      </a:solidFill>
-                      <a:prstDash val="solid"/>
-                      <a:round/>
-                      <a:headEnd type="none" w="med" len="med"/>
-                      <a:tailEnd type="none" w="med" len="med"/>
-                    </a:lnL>
-                    <a:lnR w="9525" cap="flat" cmpd="sng" algn="ctr">
-                      <a:solidFill>
-                        <a:srgbClr val="FFFFFF">
-                          <a:lumMod val="65000"/>
-                        </a:srgbClr>
-                      </a:solidFill>
-                      <a:prstDash val="solid"/>
-                      <a:round/>
-                      <a:headEnd type="none" w="med" len="med"/>
-                      <a:tailEnd type="none" w="med" len="med"/>
-                    </a:lnR>
-                    <a:lnT w="9525" cap="flat" cmpd="sng" algn="ctr">
-                      <a:solidFill>
-                        <a:srgbClr val="FFFFFF">
-                          <a:lumMod val="65000"/>
-                        </a:srgbClr>
-                      </a:solidFill>
-                      <a:prstDash val="solid"/>
-                      <a:round/>
-                      <a:headEnd type="none" w="med" len="med"/>
-                      <a:tailEnd type="none" w="med" len="med"/>
-                    </a:lnT>
-                    <a:lnB w="9525" cap="flat" cmpd="sng" algn="ctr">
-                      <a:solidFill>
-                        <a:srgbClr val="FFFFFF">
-                          <a:lumMod val="65000"/>
-                        </a:srgbClr>
-                      </a:solidFill>
-                      <a:prstDash val="solid"/>
-                      <a:round/>
-                      <a:headEnd type="none" w="med" len="med"/>
-                      <a:tailEnd type="none" w="med" len="med"/>
-                    </a:lnB>
-                    <a:lnTlToBr w="12700" cmpd="sng">
-                      <a:noFill/>
-                      <a:prstDash val="solid"/>
-                    </a:lnTlToBr>
-                    <a:lnBlToTr w="12700" cmpd="sng">
-                      <a:noFill/>
-                      <a:prstDash val="solid"/>
-                    </a:lnBlToTr>
-                    <a:solidFill>
-                      <a:schemeClr val="bg1">
-                        <a:lumMod val="85000"/>
-                      </a:schemeClr>
-                    </a:solidFill>
-                  </a:tcPr>
-                </a:tc>
-                <a:extLst>
-                  <a:ext uri="{0D108BD9-81ED-4DB2-BD59-A6C34878D82A}">
-                    <a16:rowId xmlns:a16="http://schemas.microsoft.com/office/drawing/2014/main" val="2069925297"/>
-                  </a:ext>
-                </a:extLst>
-              </a:tr>
-              <a:tr h="176672">
-                <a:tc>
-                  <a:txBody>
-                    <a:bodyPr/>
-                    <a:lstStyle/>
-                    <a:p>
-                      <a:pPr marL="0" marR="0" lvl="0" indent="0" algn="ctr" defTabSz="1388882" rtl="0" eaLnBrk="1" fontAlgn="auto" latinLnBrk="1" hangingPunct="1">
-                        <a:lnSpc>
-                          <a:spcPct val="90000"/>
-                        </a:lnSpc>
-                        <a:spcBef>
-                          <a:spcPts val="0"/>
-                        </a:spcBef>
-                        <a:spcAft>
-                          <a:spcPts val="0"/>
-                        </a:spcAft>
-                        <a:buClrTx/>
-                        <a:buSzTx/>
-                        <a:buFontTx/>
-                        <a:buNone/>
-                        <a:tabLst/>
-                        <a:defRPr/>
-                      </a:pPr>
-                      <a:r>
-                        <a:rPr lang="ko-KR" altLang="en-US" sz="800">
-                          <a:solidFill>
-                            <a:prstClr val="black"/>
-                          </a:solidFill>
-                          <a:cs typeface="Times New Roman" panose="02020603050405020304" pitchFamily="18" charset="0"/>
-                        </a:rPr>
-                        <a:t>가중치</a:t>
-                      </a:r>
-                      <a:r>
-                        <a:rPr lang="en-US" altLang="ko-KR" sz="800">
-                          <a:solidFill>
-                            <a:prstClr val="black"/>
-                          </a:solidFill>
-                          <a:cs typeface="Times New Roman" panose="02020603050405020304" pitchFamily="18" charset="0"/>
-                        </a:rPr>
-                        <a:t>1</a:t>
-                      </a:r>
-                      <a:r>
-                        <a:rPr lang="ko-KR" altLang="en-US" sz="800">
-                          <a:solidFill>
-                            <a:prstClr val="black"/>
-                          </a:solidFill>
-                          <a:cs typeface="Times New Roman" panose="02020603050405020304" pitchFamily="18" charset="0"/>
-                        </a:rPr>
-                        <a:t>값</a:t>
-                      </a:r>
-                      <a:endParaRPr lang="ko-KR" altLang="en-US" sz="800" b="0" kern="1200" dirty="0">
-                        <a:solidFill>
-                          <a:schemeClr val="tx1"/>
-                        </a:solidFill>
-                        <a:latin typeface="맑은 고딕" pitchFamily="50" charset="-127"/>
-                        <a:ea typeface="맑은 고딕" pitchFamily="50" charset="-127"/>
-                        <a:cs typeface="+mn-cs"/>
-                      </a:endParaRPr>
-                    </a:p>
-                  </a:txBody>
-                  <a:tcPr marL="91474" marR="91474" marT="45743" marB="45743">
-                    <a:lnL w="9525" cap="flat" cmpd="sng" algn="ctr">
-                      <a:solidFill>
-                        <a:srgbClr val="FFFFFF">
-                          <a:lumMod val="65000"/>
-                        </a:srgbClr>
-                      </a:solidFill>
-                      <a:prstDash val="solid"/>
-                      <a:round/>
-                      <a:headEnd type="none" w="med" len="med"/>
-                      <a:tailEnd type="none" w="med" len="med"/>
-                    </a:lnL>
-                    <a:lnR w="9525" cap="flat" cmpd="sng" algn="ctr">
-                      <a:solidFill>
-                        <a:srgbClr val="FFFFFF">
-                          <a:lumMod val="65000"/>
-                        </a:srgbClr>
-                      </a:solidFill>
-                      <a:prstDash val="solid"/>
-                      <a:round/>
-                      <a:headEnd type="none" w="med" len="med"/>
-                      <a:tailEnd type="none" w="med" len="med"/>
-                    </a:lnR>
-                    <a:lnT w="9525" cap="flat" cmpd="sng" algn="ctr">
-                      <a:solidFill>
-                        <a:srgbClr val="FFFFFF">
-                          <a:lumMod val="65000"/>
-                        </a:srgbClr>
-                      </a:solidFill>
-                      <a:prstDash val="solid"/>
-                      <a:round/>
-                      <a:headEnd type="none" w="med" len="med"/>
-                      <a:tailEnd type="none" w="med" len="med"/>
-                    </a:lnT>
-                    <a:lnB w="9525" cap="flat" cmpd="sng" algn="ctr">
-                      <a:solidFill>
-                        <a:srgbClr val="FFFFFF">
-                          <a:lumMod val="65000"/>
-                        </a:srgbClr>
-                      </a:solidFill>
-                      <a:prstDash val="solid"/>
-                      <a:round/>
-                      <a:headEnd type="none" w="med" len="med"/>
-                      <a:tailEnd type="none" w="med" len="med"/>
-                    </a:lnB>
-                    <a:lnTlToBr w="12700" cmpd="sng">
-                      <a:noFill/>
-                      <a:prstDash val="solid"/>
-                    </a:lnTlToBr>
-                    <a:lnBlToTr w="12700" cmpd="sng">
-                      <a:noFill/>
-                      <a:prstDash val="solid"/>
-                    </a:lnBlToTr>
-                    <a:solidFill>
-                      <a:schemeClr val="bg1">
-                        <a:lumMod val="85000"/>
-                      </a:schemeClr>
-                    </a:solidFill>
-                  </a:tcPr>
-                </a:tc>
-                <a:tc>
-                  <a:txBody>
-                    <a:bodyPr/>
-                    <a:lstStyle/>
-                    <a:p>
-                      <a:pPr marL="0" marR="0" indent="0" algn="r" defTabSz="1388882" rtl="0" eaLnBrk="1" fontAlgn="auto" latinLnBrk="1" hangingPunct="1">
-                        <a:lnSpc>
-                          <a:spcPct val="90000"/>
-                        </a:lnSpc>
-                        <a:spcBef>
-                          <a:spcPts val="0"/>
-                        </a:spcBef>
-                        <a:spcAft>
-                          <a:spcPts val="0"/>
-                        </a:spcAft>
-                        <a:buClrTx/>
-                        <a:buSzTx/>
-                        <a:buFontTx/>
-                        <a:buNone/>
-                        <a:tabLst/>
-                        <a:defRPr/>
-                      </a:pPr>
-                      <a:r>
-                        <a:rPr lang="en-US" altLang="ko-KR" sz="800" b="0" kern="1200">
-                          <a:solidFill>
-                            <a:schemeClr val="tx1"/>
-                          </a:solidFill>
-                          <a:latin typeface="맑은 고딕" pitchFamily="50" charset="-127"/>
-                          <a:ea typeface="맑은 고딕" pitchFamily="50" charset="-127"/>
-                          <a:cs typeface="+mn-cs"/>
-                        </a:rPr>
-                        <a:t>1</a:t>
-                      </a:r>
-                      <a:endParaRPr lang="ko-KR" altLang="en-US" sz="800" b="0" kern="1200" dirty="0">
-                        <a:solidFill>
-                          <a:schemeClr val="tx1"/>
-                        </a:solidFill>
-                        <a:latin typeface="맑은 고딕" pitchFamily="50" charset="-127"/>
-                        <a:ea typeface="맑은 고딕" pitchFamily="50" charset="-127"/>
-                        <a:cs typeface="+mn-cs"/>
-                      </a:endParaRPr>
-                    </a:p>
-                  </a:txBody>
-                  <a:tcPr marL="91474" marR="91474" marT="45743" marB="45743">
-                    <a:lnL w="9525" cap="flat" cmpd="sng" algn="ctr">
-                      <a:solidFill>
-                        <a:srgbClr val="FFFFFF">
-                          <a:lumMod val="65000"/>
-                        </a:srgbClr>
-                      </a:solidFill>
-                      <a:prstDash val="solid"/>
-                      <a:round/>
-                      <a:headEnd type="none" w="med" len="med"/>
-                      <a:tailEnd type="none" w="med" len="med"/>
-                    </a:lnL>
-                    <a:lnR w="9525" cap="flat" cmpd="sng" algn="ctr">
-                      <a:solidFill>
-                        <a:srgbClr val="FFFFFF">
-                          <a:lumMod val="65000"/>
-                        </a:srgbClr>
-                      </a:solidFill>
-                      <a:prstDash val="solid"/>
-                      <a:round/>
-                      <a:headEnd type="none" w="med" len="med"/>
-                      <a:tailEnd type="none" w="med" len="med"/>
-                    </a:lnR>
-                    <a:lnT w="9525" cap="flat" cmpd="sng" algn="ctr">
-                      <a:solidFill>
-                        <a:srgbClr val="FFFFFF">
-                          <a:lumMod val="65000"/>
-                        </a:srgbClr>
-                      </a:solidFill>
-                      <a:prstDash val="solid"/>
-                      <a:round/>
-                      <a:headEnd type="none" w="med" len="med"/>
-                      <a:tailEnd type="none" w="med" len="med"/>
-                    </a:lnT>
-                    <a:lnB w="9525" cap="flat" cmpd="sng" algn="ctr">
-                      <a:solidFill>
-                        <a:srgbClr val="FFFFFF">
-                          <a:lumMod val="65000"/>
-                        </a:srgbClr>
-                      </a:solidFill>
-                      <a:prstDash val="solid"/>
-                      <a:round/>
-                      <a:headEnd type="none" w="med" len="med"/>
-                      <a:tailEnd type="none" w="med" len="med"/>
-                    </a:lnB>
-                    <a:lnTlToBr w="12700" cmpd="sng">
-                      <a:noFill/>
-                      <a:prstDash val="solid"/>
-                    </a:lnTlToBr>
-                    <a:lnBlToTr w="12700" cmpd="sng">
-                      <a:noFill/>
-                      <a:prstDash val="solid"/>
-                    </a:lnBlToTr>
-                    <a:noFill/>
-                  </a:tcPr>
-                </a:tc>
-                <a:tc>
-                  <a:txBody>
-                    <a:bodyPr/>
-                    <a:lstStyle/>
-                    <a:p>
-                      <a:pPr marL="0" marR="0" indent="0" algn="r" defTabSz="1388882" rtl="0" eaLnBrk="1" fontAlgn="auto" latinLnBrk="1" hangingPunct="1">
-                        <a:lnSpc>
-                          <a:spcPct val="90000"/>
-                        </a:lnSpc>
-                        <a:spcBef>
-                          <a:spcPts val="0"/>
-                        </a:spcBef>
-                        <a:spcAft>
-                          <a:spcPts val="0"/>
-                        </a:spcAft>
-                        <a:buClrTx/>
-                        <a:buSzTx/>
-                        <a:buFontTx/>
-                        <a:buNone/>
-                        <a:tabLst/>
-                        <a:defRPr/>
-                      </a:pPr>
-                      <a:r>
-                        <a:rPr lang="en-US" altLang="ko-KR" sz="800" b="0" kern="1200">
-                          <a:solidFill>
-                            <a:schemeClr val="tx1"/>
-                          </a:solidFill>
-                          <a:latin typeface="맑은 고딕" pitchFamily="50" charset="-127"/>
-                          <a:ea typeface="맑은 고딕" pitchFamily="50" charset="-127"/>
-                          <a:cs typeface="+mn-cs"/>
-                        </a:rPr>
-                        <a:t>99 </a:t>
-                      </a:r>
-                      <a:r>
-                        <a:rPr lang="ko-KR" altLang="en-US" sz="800" b="0" kern="1200">
-                          <a:solidFill>
-                            <a:schemeClr val="tx1"/>
-                          </a:solidFill>
-                          <a:latin typeface="맑은 고딕" pitchFamily="50" charset="-127"/>
-                          <a:ea typeface="맑은 고딕" pitchFamily="50" charset="-127"/>
-                          <a:cs typeface="+mn-cs"/>
-                        </a:rPr>
-                        <a:t>이하</a:t>
-                      </a:r>
-                      <a:endParaRPr lang="ko-KR" altLang="en-US" sz="800" b="0" kern="1200" dirty="0">
-                        <a:solidFill>
-                          <a:schemeClr val="tx1"/>
-                        </a:solidFill>
-                        <a:latin typeface="맑은 고딕" pitchFamily="50" charset="-127"/>
-                        <a:ea typeface="맑은 고딕" pitchFamily="50" charset="-127"/>
-                        <a:cs typeface="+mn-cs"/>
-                      </a:endParaRPr>
-                    </a:p>
-                  </a:txBody>
-                  <a:tcPr marL="91474" marR="91474" marT="45743" marB="45743">
-                    <a:lnL w="9525" cap="flat" cmpd="sng" algn="ctr">
-                      <a:solidFill>
-                        <a:srgbClr val="FFFFFF">
-                          <a:lumMod val="65000"/>
-                        </a:srgbClr>
-                      </a:solidFill>
-                      <a:prstDash val="solid"/>
-                      <a:round/>
-                      <a:headEnd type="none" w="med" len="med"/>
-                      <a:tailEnd type="none" w="med" len="med"/>
-                    </a:lnL>
-                    <a:lnR w="9525" cap="flat" cmpd="sng" algn="ctr">
-                      <a:solidFill>
-                        <a:srgbClr val="FFFFFF">
-                          <a:lumMod val="65000"/>
-                        </a:srgbClr>
-                      </a:solidFill>
-                      <a:prstDash val="solid"/>
-                      <a:round/>
-                      <a:headEnd type="none" w="med" len="med"/>
-                      <a:tailEnd type="none" w="med" len="med"/>
-                    </a:lnR>
-                    <a:lnT w="9525" cap="flat" cmpd="sng" algn="ctr">
-                      <a:solidFill>
-                        <a:srgbClr val="FFFFFF">
-                          <a:lumMod val="65000"/>
-                        </a:srgbClr>
-                      </a:solidFill>
-                      <a:prstDash val="solid"/>
-                      <a:round/>
-                      <a:headEnd type="none" w="med" len="med"/>
-                      <a:tailEnd type="none" w="med" len="med"/>
-                    </a:lnT>
-                    <a:lnB w="9525" cap="flat" cmpd="sng" algn="ctr">
-                      <a:solidFill>
-                        <a:srgbClr val="FFFFFF">
-                          <a:lumMod val="65000"/>
-                        </a:srgbClr>
-                      </a:solidFill>
-                      <a:prstDash val="solid"/>
-                      <a:round/>
-                      <a:headEnd type="none" w="med" len="med"/>
-                      <a:tailEnd type="none" w="med" len="med"/>
-                    </a:lnB>
-                    <a:lnTlToBr w="12700" cmpd="sng">
-                      <a:noFill/>
-                      <a:prstDash val="solid"/>
-                    </a:lnTlToBr>
-                    <a:lnBlToTr w="12700" cmpd="sng">
-                      <a:noFill/>
-                      <a:prstDash val="solid"/>
-                    </a:lnBlToTr>
-                    <a:solidFill>
-                      <a:schemeClr val="bg1">
-                        <a:lumMod val="85000"/>
-                      </a:schemeClr>
-                    </a:solidFill>
-                  </a:tcPr>
-                </a:tc>
-                <a:extLst>
-                  <a:ext uri="{0D108BD9-81ED-4DB2-BD59-A6C34878D82A}">
-                    <a16:rowId xmlns:a16="http://schemas.microsoft.com/office/drawing/2014/main" val="2747645245"/>
-                  </a:ext>
-                </a:extLst>
-              </a:tr>
-            </a:tbl>
-          </a:graphicData>
-        </a:graphic>
-      </p:graphicFrame>
-      <p:graphicFrame>
-        <p:nvGraphicFramePr>
           <p:cNvPr id="71" name="표 70">
             <a:extLst>
               <a:ext uri="{FF2B5EF4-FFF2-40B4-BE49-F238E27FC236}">
@@ -12635,35 +10626,35 @@
           <p:nvPr>
             <p:extLst>
               <p:ext uri="{D42A27DB-BD31-4B8C-83A1-F6EECF244321}">
-                <p14:modId xmlns:p14="http://schemas.microsoft.com/office/powerpoint/2010/main" val="2114050017"/>
+                <p14:modId xmlns:p14="http://schemas.microsoft.com/office/powerpoint/2010/main" val="1446979318"/>
               </p:ext>
             </p:extLst>
           </p:nvPr>
         </p:nvGraphicFramePr>
         <p:xfrm>
-          <a:off x="2863231" y="4456817"/>
-          <a:ext cx="1873740" cy="813096"/>
+          <a:off x="2817889" y="2759340"/>
+          <a:ext cx="2638129" cy="813096"/>
         </p:xfrm>
         <a:graphic>
           <a:graphicData uri="http://schemas.openxmlformats.org/drawingml/2006/table">
             <a:tbl>
               <a:tblPr firstRow="1" bandRow="1"/>
               <a:tblGrid>
-                <a:gridCol w="961612">
+                <a:gridCol w="1125959">
                   <a:extLst>
                     <a:ext uri="{9D8B030D-6E8A-4147-A177-3AD203B41FA5}">
                       <a16:colId xmlns:a16="http://schemas.microsoft.com/office/drawing/2014/main" val="20000"/>
                     </a:ext>
                   </a:extLst>
                 </a:gridCol>
-                <a:gridCol w="328306">
+                <a:gridCol w="690179">
                   <a:extLst>
                     <a:ext uri="{9D8B030D-6E8A-4147-A177-3AD203B41FA5}">
                       <a16:colId xmlns:a16="http://schemas.microsoft.com/office/drawing/2014/main" val="3440055658"/>
                     </a:ext>
                   </a:extLst>
                 </a:gridCol>
-                <a:gridCol w="583822">
+                <a:gridCol w="821991">
                   <a:extLst>
                     <a:ext uri="{9D8B030D-6E8A-4147-A177-3AD203B41FA5}">
                       <a16:colId xmlns:a16="http://schemas.microsoft.com/office/drawing/2014/main" val="808354863"/>
@@ -12997,6 +10988,17 @@
                         </a:rPr>
                         <a:t>하이잡임계치</a:t>
                       </a:r>
+                      <a:r>
+                        <a:rPr lang="en-US" altLang="ko-KR" sz="800" b="0" kern="1200">
+                          <a:solidFill>
+                            <a:schemeClr val="tx1"/>
+                          </a:solidFill>
+                          <a:latin typeface="맑은 고딕" pitchFamily="50" charset="-127"/>
+                          <a:ea typeface="맑은 고딕" pitchFamily="50" charset="-127"/>
+                          <a:cs typeface="+mn-cs"/>
+                        </a:rPr>
+                        <a:t>(H)</a:t>
+                      </a:r>
                       <a:endParaRPr lang="ko-KR" altLang="en-US" sz="800" b="0" kern="1200" dirty="0">
                         <a:solidFill>
                           <a:schemeClr val="tx1"/>
@@ -13072,7 +11074,7 @@
                     <a:bodyPr/>
                     <a:lstStyle/>
                     <a:p>
-                      <a:pPr marL="0" marR="0" indent="0" algn="ctr" defTabSz="1388882" rtl="0" eaLnBrk="1" fontAlgn="auto" latinLnBrk="1" hangingPunct="1">
+                      <a:pPr marL="0" marR="0" indent="0" algn="r" defTabSz="1388882" rtl="0" eaLnBrk="1" fontAlgn="auto" latinLnBrk="1" hangingPunct="1">
                         <a:lnSpc>
                           <a:spcPct val="90000"/>
                         </a:lnSpc>
@@ -13098,7 +11100,7 @@
                           <a:ea typeface="맑은 고딕" pitchFamily="50" charset="-127"/>
                           <a:cs typeface="+mn-cs"/>
                         </a:rPr>
-                        <a:t>4</a:t>
+                        <a:t>10,000</a:t>
                       </a:r>
                       <a:endParaRPr lang="ko-KR" altLang="en-US" sz="800" b="0" kern="1200" dirty="0">
                         <a:solidFill>
@@ -13171,7 +11173,7 @@
                     <a:bodyPr/>
                     <a:lstStyle/>
                     <a:p>
-                      <a:pPr marL="0" marR="0" indent="0" algn="ctr" defTabSz="1388882" rtl="0" eaLnBrk="1" fontAlgn="auto" latinLnBrk="1" hangingPunct="1">
+                      <a:pPr marL="0" marR="0" indent="0" algn="r" defTabSz="1388882" rtl="0" eaLnBrk="1" fontAlgn="auto" latinLnBrk="1" hangingPunct="1">
                         <a:lnSpc>
                           <a:spcPct val="90000"/>
                         </a:lnSpc>
@@ -13194,10 +11196,21 @@
                             <a:schemeClr val="tx1"/>
                           </a:solidFill>
                           <a:latin typeface="맑은 고딕" pitchFamily="50" charset="-127"/>
-                          <a:ea typeface="+mn-ea"/>
+                          <a:ea typeface="맑은 고딕" pitchFamily="50" charset="-127"/>
                           <a:cs typeface="+mn-cs"/>
                         </a:rPr>
-                        <a:t>4.0~5.0</a:t>
+                        <a:t>10,000 </a:t>
+                      </a:r>
+                      <a:r>
+                        <a:rPr lang="ko-KR" altLang="en-US" sz="800" b="0" kern="1200">
+                          <a:solidFill>
+                            <a:schemeClr val="tx1"/>
+                          </a:solidFill>
+                          <a:latin typeface="맑은 고딕" pitchFamily="50" charset="-127"/>
+                          <a:ea typeface="맑은 고딕" pitchFamily="50" charset="-127"/>
+                          <a:cs typeface="+mn-cs"/>
+                        </a:rPr>
+                        <a:t>이상</a:t>
                       </a:r>
                       <a:endParaRPr lang="ko-KR" altLang="en-US" sz="800" b="0" kern="1200" dirty="0">
                         <a:solidFill>
@@ -13309,6 +11322,17 @@
                         </a:rPr>
                         <a:t>미들잡임계치</a:t>
                       </a:r>
+                      <a:r>
+                        <a:rPr lang="en-US" altLang="ko-KR" sz="800" b="0" kern="1200">
+                          <a:solidFill>
+                            <a:schemeClr val="tx1"/>
+                          </a:solidFill>
+                          <a:latin typeface="맑은 고딕" pitchFamily="50" charset="-127"/>
+                          <a:ea typeface="+mn-ea"/>
+                          <a:cs typeface="+mn-cs"/>
+                        </a:rPr>
+                        <a:t>(M)</a:t>
+                      </a:r>
                       <a:endParaRPr lang="ko-KR" altLang="en-US" sz="800" b="0" kern="1200" dirty="0">
                         <a:solidFill>
                           <a:schemeClr val="tx1"/>
@@ -13384,7 +11408,7 @@
                     <a:bodyPr/>
                     <a:lstStyle/>
                     <a:p>
-                      <a:pPr marL="0" marR="0" indent="0" algn="ctr" defTabSz="1388882" rtl="0" eaLnBrk="1" fontAlgn="auto" latinLnBrk="1" hangingPunct="1">
+                      <a:pPr marL="0" marR="0" indent="0" algn="r" defTabSz="1388882" rtl="0" eaLnBrk="1" fontAlgn="auto" latinLnBrk="1" hangingPunct="1">
                         <a:lnSpc>
                           <a:spcPct val="90000"/>
                         </a:lnSpc>
@@ -13410,7 +11434,7 @@
                           <a:ea typeface="맑은 고딕" pitchFamily="50" charset="-127"/>
                           <a:cs typeface="+mn-cs"/>
                         </a:rPr>
-                        <a:t>3</a:t>
+                        <a:t>100</a:t>
                       </a:r>
                       <a:endParaRPr lang="ko-KR" altLang="en-US" sz="800" b="0" kern="1200" dirty="0">
                         <a:solidFill>
@@ -13483,7 +11507,7 @@
                     <a:bodyPr/>
                     <a:lstStyle/>
                     <a:p>
-                      <a:pPr marL="0" marR="0" indent="0" algn="ctr" defTabSz="1388882" rtl="0" eaLnBrk="1" fontAlgn="auto" latinLnBrk="1" hangingPunct="1">
+                      <a:pPr marL="0" marR="0" indent="0" algn="r" defTabSz="1388882" rtl="0" eaLnBrk="1" fontAlgn="auto" latinLnBrk="1" hangingPunct="1">
                         <a:lnSpc>
                           <a:spcPct val="90000"/>
                         </a:lnSpc>
@@ -13509,7 +11533,7 @@
                           <a:ea typeface="맑은 고딕" pitchFamily="50" charset="-127"/>
                           <a:cs typeface="+mn-cs"/>
                         </a:rPr>
-                        <a:t>3.0~3.9</a:t>
+                        <a:t>100~999</a:t>
                       </a:r>
                       <a:endParaRPr lang="ko-KR" altLang="en-US" sz="800" b="0" kern="1200" dirty="0">
                         <a:solidFill>
@@ -13621,6 +11645,17 @@
                         </a:rPr>
                         <a:t>로우잡임계치</a:t>
                       </a:r>
+                      <a:r>
+                        <a:rPr lang="en-US" altLang="ko-KR" sz="800" b="0" kern="1200">
+                          <a:solidFill>
+                            <a:schemeClr val="tx1"/>
+                          </a:solidFill>
+                          <a:latin typeface="맑은 고딕" pitchFamily="50" charset="-127"/>
+                          <a:ea typeface="+mn-ea"/>
+                          <a:cs typeface="+mn-cs"/>
+                        </a:rPr>
+                        <a:t>(L)</a:t>
+                      </a:r>
                       <a:endParaRPr lang="ko-KR" altLang="en-US" sz="800" b="0" kern="1200" dirty="0">
                         <a:solidFill>
                           <a:schemeClr val="tx1"/>
@@ -13696,7 +11731,7 @@
                     <a:bodyPr/>
                     <a:lstStyle/>
                     <a:p>
-                      <a:pPr marL="0" marR="0" indent="0" algn="ctr" defTabSz="1388882" rtl="0" eaLnBrk="1" fontAlgn="auto" latinLnBrk="1" hangingPunct="1">
+                      <a:pPr marL="0" marR="0" indent="0" algn="r" defTabSz="1388882" rtl="0" eaLnBrk="1" fontAlgn="auto" latinLnBrk="1" hangingPunct="1">
                         <a:lnSpc>
                           <a:spcPct val="90000"/>
                         </a:lnSpc>
@@ -13795,7 +11830,7 @@
                     <a:bodyPr/>
                     <a:lstStyle/>
                     <a:p>
-                      <a:pPr marL="0" marR="0" indent="0" algn="ctr" defTabSz="1388882" rtl="0" eaLnBrk="1" fontAlgn="auto" latinLnBrk="1" hangingPunct="1">
+                      <a:pPr marL="0" marR="0" indent="0" algn="r" defTabSz="1388882" rtl="0" eaLnBrk="1" fontAlgn="auto" latinLnBrk="1" hangingPunct="1">
                         <a:lnSpc>
                           <a:spcPct val="90000"/>
                         </a:lnSpc>
@@ -13821,7 +11856,18 @@
                           <a:ea typeface="맑은 고딕" pitchFamily="50" charset="-127"/>
                           <a:cs typeface="+mn-cs"/>
                         </a:rPr>
-                        <a:t>1.0~2.9</a:t>
+                        <a:t>99 </a:t>
+                      </a:r>
+                      <a:r>
+                        <a:rPr lang="ko-KR" altLang="en-US" sz="800" b="0" kern="1200">
+                          <a:solidFill>
+                            <a:schemeClr val="tx1"/>
+                          </a:solidFill>
+                          <a:latin typeface="맑은 고딕" pitchFamily="50" charset="-127"/>
+                          <a:ea typeface="맑은 고딕" pitchFamily="50" charset="-127"/>
+                          <a:cs typeface="+mn-cs"/>
+                        </a:rPr>
+                        <a:t>이하</a:t>
                       </a:r>
                       <a:endParaRPr lang="ko-KR" altLang="en-US" sz="800" b="0" kern="1200" dirty="0">
                         <a:solidFill>
@@ -13918,13 +11964,13 @@
           <p:nvPr>
             <p:extLst>
               <p:ext uri="{D42A27DB-BD31-4B8C-83A1-F6EECF244321}">
-                <p14:modId xmlns:p14="http://schemas.microsoft.com/office/powerpoint/2010/main" val="1275983255"/>
+                <p14:modId xmlns:p14="http://schemas.microsoft.com/office/powerpoint/2010/main" val="2311966922"/>
               </p:ext>
             </p:extLst>
           </p:nvPr>
         </p:nvGraphicFramePr>
         <p:xfrm>
-          <a:off x="4808984" y="4456817"/>
+          <a:off x="2792760" y="4005064"/>
           <a:ext cx="1728192" cy="813096"/>
         </p:xfrm>
         <a:graphic>
@@ -14895,7 +12941,7 @@
         </p:nvSpPr>
         <p:spPr>
           <a:xfrm>
-            <a:off x="2850838" y="3450126"/>
+            <a:off x="2850838" y="1775266"/>
             <a:ext cx="3686329" cy="203133"/>
           </a:xfrm>
           <a:prstGeom prst="rect">
@@ -14964,7 +13010,7 @@
         </p:nvSpPr>
         <p:spPr>
           <a:xfrm>
-            <a:off x="2766094" y="1628800"/>
+            <a:off x="2722824" y="3785625"/>
             <a:ext cx="1366080" cy="215444"/>
           </a:xfrm>
           <a:prstGeom prst="rect">
@@ -15007,7 +13053,7 @@
         </p:nvSpPr>
         <p:spPr>
           <a:xfrm>
-            <a:off x="2766094" y="4190373"/>
+            <a:off x="2720752" y="2492896"/>
             <a:ext cx="1813317" cy="215444"/>
           </a:xfrm>
           <a:prstGeom prst="rect">
@@ -15587,7 +13633,7 @@
         </p:nvSpPr>
         <p:spPr>
           <a:xfrm>
-            <a:off x="2849654" y="3738158"/>
+            <a:off x="2849654" y="2063298"/>
             <a:ext cx="3686329" cy="203133"/>
           </a:xfrm>
           <a:prstGeom prst="rect">
@@ -15710,7 +13756,7 @@
         </p:nvSpPr>
         <p:spPr>
           <a:xfrm>
-            <a:off x="2766094" y="3212976"/>
+            <a:off x="2766094" y="1538116"/>
             <a:ext cx="1571264" cy="215444"/>
           </a:xfrm>
           <a:prstGeom prst="rect">

--- a/eos/02.설계/TEOSPI-스케줄화면정의서_v0.7.pptx
+++ b/eos/02.설계/TEOSPI-스케줄화면정의서_v0.7.pptx
@@ -9396,7 +9396,7 @@
           <p:nvPr>
             <p:extLst>
               <p:ext uri="{D42A27DB-BD31-4B8C-83A1-F6EECF244321}">
-                <p14:modId xmlns:p14="http://schemas.microsoft.com/office/powerpoint/2010/main" val="984722363"/>
+                <p14:modId xmlns:p14="http://schemas.microsoft.com/office/powerpoint/2010/main" val="1174610973"/>
               </p:ext>
             </p:extLst>
           </p:nvPr>
@@ -10626,35 +10626,35 @@
           <p:nvPr>
             <p:extLst>
               <p:ext uri="{D42A27DB-BD31-4B8C-83A1-F6EECF244321}">
-                <p14:modId xmlns:p14="http://schemas.microsoft.com/office/powerpoint/2010/main" val="1446979318"/>
+                <p14:modId xmlns:p14="http://schemas.microsoft.com/office/powerpoint/2010/main" val="76670371"/>
               </p:ext>
             </p:extLst>
           </p:nvPr>
         </p:nvGraphicFramePr>
         <p:xfrm>
           <a:off x="2817889" y="2759340"/>
-          <a:ext cx="2638129" cy="813096"/>
+          <a:ext cx="3431253" cy="813096"/>
         </p:xfrm>
         <a:graphic>
           <a:graphicData uri="http://schemas.openxmlformats.org/drawingml/2006/table">
             <a:tbl>
               <a:tblPr firstRow="1" bandRow="1"/>
               <a:tblGrid>
-                <a:gridCol w="1125959">
+                <a:gridCol w="1199007">
                   <a:extLst>
                     <a:ext uri="{9D8B030D-6E8A-4147-A177-3AD203B41FA5}">
                       <a16:colId xmlns:a16="http://schemas.microsoft.com/office/drawing/2014/main" val="20000"/>
                     </a:ext>
                   </a:extLst>
                 </a:gridCol>
-                <a:gridCol w="690179">
+                <a:gridCol w="792088">
                   <a:extLst>
                     <a:ext uri="{9D8B030D-6E8A-4147-A177-3AD203B41FA5}">
                       <a16:colId xmlns:a16="http://schemas.microsoft.com/office/drawing/2014/main" val="3440055658"/>
                     </a:ext>
                   </a:extLst>
                 </a:gridCol>
-                <a:gridCol w="821991">
+                <a:gridCol w="1440158">
                   <a:extLst>
                     <a:ext uri="{9D8B030D-6E8A-4147-A177-3AD203B41FA5}">
                       <a16:colId xmlns:a16="http://schemas.microsoft.com/office/drawing/2014/main" val="808354863"/>
@@ -11100,7 +11100,7 @@
                           <a:ea typeface="맑은 고딕" pitchFamily="50" charset="-127"/>
                           <a:cs typeface="+mn-cs"/>
                         </a:rPr>
-                        <a:t>10,000</a:t>
+                        <a:t>5,000,000</a:t>
                       </a:r>
                       <a:endParaRPr lang="ko-KR" altLang="en-US" sz="800" b="0" kern="1200" dirty="0">
                         <a:solidFill>
@@ -11173,7 +11173,7 @@
                     <a:bodyPr/>
                     <a:lstStyle/>
                     <a:p>
-                      <a:pPr marL="0" marR="0" indent="0" algn="r" defTabSz="1388882" rtl="0" eaLnBrk="1" fontAlgn="auto" latinLnBrk="1" hangingPunct="1">
+                      <a:pPr marL="0" marR="0" indent="0" algn="ctr" defTabSz="1388882" rtl="0" eaLnBrk="1" fontAlgn="auto" latinLnBrk="1" hangingPunct="1">
                         <a:lnSpc>
                           <a:spcPct val="90000"/>
                         </a:lnSpc>
@@ -11199,7 +11199,7 @@
                           <a:ea typeface="맑은 고딕" pitchFamily="50" charset="-127"/>
                           <a:cs typeface="+mn-cs"/>
                         </a:rPr>
-                        <a:t>10,000 </a:t>
+                        <a:t>5,000,000 </a:t>
                       </a:r>
                       <a:r>
                         <a:rPr lang="ko-KR" altLang="en-US" sz="800" b="0" kern="1200">
@@ -11434,7 +11434,7 @@
                           <a:ea typeface="맑은 고딕" pitchFamily="50" charset="-127"/>
                           <a:cs typeface="+mn-cs"/>
                         </a:rPr>
-                        <a:t>100</a:t>
+                        <a:t>1,000,000</a:t>
                       </a:r>
                       <a:endParaRPr lang="ko-KR" altLang="en-US" sz="800" b="0" kern="1200" dirty="0">
                         <a:solidFill>
@@ -11507,7 +11507,7 @@
                     <a:bodyPr/>
                     <a:lstStyle/>
                     <a:p>
-                      <a:pPr marL="0" marR="0" indent="0" algn="r" defTabSz="1388882" rtl="0" eaLnBrk="1" fontAlgn="auto" latinLnBrk="1" hangingPunct="1">
+                      <a:pPr marL="0" marR="0" indent="0" algn="ctr" defTabSz="1388882" rtl="0" eaLnBrk="1" fontAlgn="auto" latinLnBrk="1" hangingPunct="1">
                         <a:lnSpc>
                           <a:spcPct val="90000"/>
                         </a:lnSpc>
@@ -11533,7 +11533,7 @@
                           <a:ea typeface="맑은 고딕" pitchFamily="50" charset="-127"/>
                           <a:cs typeface="+mn-cs"/>
                         </a:rPr>
-                        <a:t>100~999</a:t>
+                        <a:t>1,000,000 ~ 4,999,999</a:t>
                       </a:r>
                       <a:endParaRPr lang="ko-KR" altLang="en-US" sz="800" b="0" kern="1200" dirty="0">
                         <a:solidFill>
@@ -11830,7 +11830,7 @@
                     <a:bodyPr/>
                     <a:lstStyle/>
                     <a:p>
-                      <a:pPr marL="0" marR="0" indent="0" algn="r" defTabSz="1388882" rtl="0" eaLnBrk="1" fontAlgn="auto" latinLnBrk="1" hangingPunct="1">
+                      <a:pPr marL="0" marR="0" indent="0" algn="ctr" defTabSz="1388882" rtl="0" eaLnBrk="1" fontAlgn="auto" latinLnBrk="1" hangingPunct="1">
                         <a:lnSpc>
                           <a:spcPct val="90000"/>
                         </a:lnSpc>
@@ -11853,10 +11853,10 @@
                             <a:schemeClr val="tx1"/>
                           </a:solidFill>
                           <a:latin typeface="맑은 고딕" pitchFamily="50" charset="-127"/>
-                          <a:ea typeface="맑은 고딕" pitchFamily="50" charset="-127"/>
+                          <a:ea typeface="+mn-ea"/>
                           <a:cs typeface="+mn-cs"/>
                         </a:rPr>
-                        <a:t>99 </a:t>
+                        <a:t>1,000,000 </a:t>
                       </a:r>
                       <a:r>
                         <a:rPr lang="ko-KR" altLang="en-US" sz="800" b="0" kern="1200">
@@ -11864,17 +11864,17 @@
                             <a:schemeClr val="tx1"/>
                           </a:solidFill>
                           <a:latin typeface="맑은 고딕" pitchFamily="50" charset="-127"/>
-                          <a:ea typeface="맑은 고딕" pitchFamily="50" charset="-127"/>
+                          <a:ea typeface="+mn-ea"/>
                           <a:cs typeface="+mn-cs"/>
                         </a:rPr>
-                        <a:t>이하</a:t>
+                        <a:t>미만</a:t>
                       </a:r>
                       <a:endParaRPr lang="ko-KR" altLang="en-US" sz="800" b="0" kern="1200" dirty="0">
                         <a:solidFill>
                           <a:schemeClr val="tx1"/>
                         </a:solidFill>
                         <a:latin typeface="맑은 고딕" pitchFamily="50" charset="-127"/>
-                        <a:ea typeface="맑은 고딕" pitchFamily="50" charset="-127"/>
+                        <a:ea typeface="+mn-ea"/>
                         <a:cs typeface="+mn-cs"/>
                       </a:endParaRPr>
                     </a:p>
@@ -13139,7 +13139,7 @@
         </p:nvSpPr>
         <p:spPr>
           <a:xfrm>
-            <a:off x="4381828" y="5422553"/>
+            <a:off x="4381828" y="5030360"/>
             <a:ext cx="760530" cy="198840"/>
           </a:xfrm>
           <a:prstGeom prst="rect">
@@ -13440,92 +13440,8 @@
             </a:r>
             <a:r>
               <a:rPr lang="en-US" altLang="ko-KR" sz="800"/>
-              <a:t>1&gt; </a:t>
+              <a:t>1&gt;</a:t>
             </a:r>
-          </a:p>
-          <a:p>
-            <a:r>
-              <a:rPr lang="en-US" altLang="ko-KR" sz="800"/>
-              <a:t> - resolution : 10</a:t>
-            </a:r>
-          </a:p>
-          <a:p>
-            <a:r>
-              <a:rPr lang="en-US" altLang="ko-KR" sz="800"/>
-              <a:t> - bin</a:t>
-            </a:r>
-            <a:r>
-              <a:rPr lang="ko-KR" altLang="en-US" sz="800"/>
-              <a:t>갯수 </a:t>
-            </a:r>
-            <a:r>
-              <a:rPr lang="en-US" altLang="ko-KR" sz="800"/>
-              <a:t>: 8,800</a:t>
-            </a:r>
-          </a:p>
-          <a:p>
-            <a:r>
-              <a:rPr lang="en-US" altLang="ko-KR" sz="800"/>
-              <a:t> - ru</a:t>
-            </a:r>
-            <a:r>
-              <a:rPr lang="ko-KR" altLang="en-US" sz="800"/>
-              <a:t>갯수 </a:t>
-            </a:r>
-            <a:r>
-              <a:rPr lang="en-US" altLang="ko-KR" sz="800"/>
-              <a:t>: 60</a:t>
-            </a:r>
-          </a:p>
-          <a:p>
-            <a:endParaRPr lang="en-US" altLang="ko-KR" sz="800"/>
-          </a:p>
-          <a:p>
-            <a:r>
-              <a:rPr lang="en-US" altLang="ko-KR" sz="800"/>
-              <a:t> </a:t>
-            </a:r>
-            <a:r>
-              <a:rPr lang="en-US" altLang="ko-KR" sz="800">
-                <a:sym typeface="Wingdings" panose="05000000000000000000" pitchFamily="2" charset="2"/>
-              </a:rPr>
-              <a:t> </a:t>
-            </a:r>
-            <a:r>
-              <a:rPr lang="en-US" altLang="ko-KR" sz="800"/>
-              <a:t>ru</a:t>
-            </a:r>
-            <a:r>
-              <a:rPr lang="ko-KR" altLang="en-US" sz="800"/>
-              <a:t>갯수 </a:t>
-            </a:r>
-            <a:r>
-              <a:rPr lang="en-US" altLang="ko-KR" sz="800"/>
-              <a:t>: 60</a:t>
-            </a:r>
-            <a:r>
-              <a:rPr lang="en-US" altLang="ko-KR" sz="800">
-                <a:sym typeface="Wingdings" panose="05000000000000000000" pitchFamily="2" charset="2"/>
-              </a:rPr>
-              <a:t> * </a:t>
-            </a:r>
-            <a:r>
-              <a:rPr lang="en-US" altLang="ko-KR" sz="800"/>
-              <a:t>bin</a:t>
-            </a:r>
-            <a:r>
-              <a:rPr lang="ko-KR" altLang="en-US" sz="800"/>
-              <a:t>갯수 </a:t>
-            </a:r>
-            <a:r>
-              <a:rPr lang="en-US" altLang="ko-KR" sz="800"/>
-              <a:t>: 8,800</a:t>
-            </a:r>
-            <a:endParaRPr lang="en-US" altLang="ko-KR" sz="800">
-              <a:sym typeface="Wingdings" panose="05000000000000000000" pitchFamily="2" charset="2"/>
-            </a:endParaRPr>
-          </a:p>
-          <a:p>
             <a:endParaRPr lang="en-US" altLang="ko-KR" sz="800">
               <a:sym typeface="Wingdings" panose="05000000000000000000" pitchFamily="2" charset="2"/>
             </a:endParaRPr>
@@ -13785,6 +13701,3582 @@
           </a:p>
         </p:txBody>
       </p:sp>
+      <p:sp>
+        <p:nvSpPr>
+          <p:cNvPr id="4" name="직사각형 3">
+            <a:extLst>
+              <a:ext uri="{FF2B5EF4-FFF2-40B4-BE49-F238E27FC236}">
+                <a16:creationId xmlns:a16="http://schemas.microsoft.com/office/drawing/2014/main" id="{A4C8C264-8830-44EA-8E09-2D75BB167695}"/>
+              </a:ext>
+            </a:extLst>
+          </p:cNvPr>
+          <p:cNvSpPr/>
+          <p:nvPr/>
+        </p:nvSpPr>
+        <p:spPr>
+          <a:xfrm>
+            <a:off x="200471" y="5301208"/>
+            <a:ext cx="9361006" cy="940099"/>
+          </a:xfrm>
+          <a:prstGeom prst="rect">
+            <a:avLst/>
+          </a:prstGeom>
+          <a:solidFill>
+            <a:schemeClr val="bg1"/>
+          </a:solidFill>
+          <a:ln w="3175">
+            <a:solidFill>
+              <a:schemeClr val="bg1">
+                <a:lumMod val="65000"/>
+              </a:schemeClr>
+            </a:solidFill>
+          </a:ln>
+        </p:spPr>
+        <p:style>
+          <a:lnRef idx="2">
+            <a:schemeClr val="accent1">
+              <a:shade val="50000"/>
+            </a:schemeClr>
+          </a:lnRef>
+          <a:fillRef idx="1">
+            <a:schemeClr val="accent1"/>
+          </a:fillRef>
+          <a:effectRef idx="0">
+            <a:schemeClr val="accent1"/>
+          </a:effectRef>
+          <a:fontRef idx="minor">
+            <a:schemeClr val="lt1"/>
+          </a:fontRef>
+        </p:style>
+        <p:txBody>
+          <a:bodyPr lIns="54000" tIns="0" rIns="54000" bIns="0" rtlCol="0" anchor="ctr"/>
+          <a:lstStyle/>
+          <a:p>
+            <a:pPr algn="r"/>
+            <a:endParaRPr lang="ko-KR" altLang="en-US" sz="900">
+              <a:solidFill>
+                <a:prstClr val="black"/>
+              </a:solidFill>
+              <a:cs typeface="Times New Roman" panose="02020603050405020304" pitchFamily="18" charset="0"/>
+            </a:endParaRPr>
+          </a:p>
+        </p:txBody>
+      </p:sp>
+      <p:graphicFrame>
+        <p:nvGraphicFramePr>
+          <p:cNvPr id="25" name="표 24">
+            <a:extLst>
+              <a:ext uri="{FF2B5EF4-FFF2-40B4-BE49-F238E27FC236}">
+                <a16:creationId xmlns:a16="http://schemas.microsoft.com/office/drawing/2014/main" id="{4F2FFCE2-DF90-46A2-AA25-8A6249A05471}"/>
+              </a:ext>
+            </a:extLst>
+          </p:cNvPr>
+          <p:cNvGraphicFramePr>
+            <a:graphicFrameLocks noGrp="1"/>
+          </p:cNvGraphicFramePr>
+          <p:nvPr>
+            <p:extLst>
+              <p:ext uri="{D42A27DB-BD31-4B8C-83A1-F6EECF244321}">
+                <p14:modId xmlns:p14="http://schemas.microsoft.com/office/powerpoint/2010/main" val="3783629332"/>
+              </p:ext>
+            </p:extLst>
+          </p:nvPr>
+        </p:nvGraphicFramePr>
+        <p:xfrm>
+          <a:off x="657546" y="5463944"/>
+          <a:ext cx="8543926" cy="629352"/>
+        </p:xfrm>
+        <a:graphic>
+          <a:graphicData uri="http://schemas.openxmlformats.org/drawingml/2006/table">
+            <a:tbl>
+              <a:tblPr/>
+              <a:tblGrid>
+                <a:gridCol w="790795">
+                  <a:extLst>
+                    <a:ext uri="{9D8B030D-6E8A-4147-A177-3AD203B41FA5}">
+                      <a16:colId xmlns:a16="http://schemas.microsoft.com/office/drawing/2014/main" val="1375784862"/>
+                    </a:ext>
+                  </a:extLst>
+                </a:gridCol>
+                <a:gridCol w="514493">
+                  <a:extLst>
+                    <a:ext uri="{9D8B030D-6E8A-4147-A177-3AD203B41FA5}">
+                      <a16:colId xmlns:a16="http://schemas.microsoft.com/office/drawing/2014/main" val="2852861507"/>
+                    </a:ext>
+                  </a:extLst>
+                </a:gridCol>
+                <a:gridCol w="628825">
+                  <a:extLst>
+                    <a:ext uri="{9D8B030D-6E8A-4147-A177-3AD203B41FA5}">
+                      <a16:colId xmlns:a16="http://schemas.microsoft.com/office/drawing/2014/main" val="3598857488"/>
+                    </a:ext>
+                  </a:extLst>
+                </a:gridCol>
+                <a:gridCol w="564514">
+                  <a:extLst>
+                    <a:ext uri="{9D8B030D-6E8A-4147-A177-3AD203B41FA5}">
+                      <a16:colId xmlns:a16="http://schemas.microsoft.com/office/drawing/2014/main" val="1896412507"/>
+                    </a:ext>
+                  </a:extLst>
+                </a:gridCol>
+                <a:gridCol w="466856">
+                  <a:extLst>
+                    <a:ext uri="{9D8B030D-6E8A-4147-A177-3AD203B41FA5}">
+                      <a16:colId xmlns:a16="http://schemas.microsoft.com/office/drawing/2014/main" val="1093597328"/>
+                    </a:ext>
+                  </a:extLst>
+                </a:gridCol>
+                <a:gridCol w="485910">
+                  <a:extLst>
+                    <a:ext uri="{9D8B030D-6E8A-4147-A177-3AD203B41FA5}">
+                      <a16:colId xmlns:a16="http://schemas.microsoft.com/office/drawing/2014/main" val="3425179803"/>
+                    </a:ext>
+                  </a:extLst>
+                </a:gridCol>
+                <a:gridCol w="621680">
+                  <a:extLst>
+                    <a:ext uri="{9D8B030D-6E8A-4147-A177-3AD203B41FA5}">
+                      <a16:colId xmlns:a16="http://schemas.microsoft.com/office/drawing/2014/main" val="450979819"/>
+                    </a:ext>
+                  </a:extLst>
+                </a:gridCol>
+                <a:gridCol w="609770">
+                  <a:extLst>
+                    <a:ext uri="{9D8B030D-6E8A-4147-A177-3AD203B41FA5}">
+                      <a16:colId xmlns:a16="http://schemas.microsoft.com/office/drawing/2014/main" val="257762324"/>
+                    </a:ext>
+                  </a:extLst>
+                </a:gridCol>
+                <a:gridCol w="478765">
+                  <a:extLst>
+                    <a:ext uri="{9D8B030D-6E8A-4147-A177-3AD203B41FA5}">
+                      <a16:colId xmlns:a16="http://schemas.microsoft.com/office/drawing/2014/main" val="838353224"/>
+                    </a:ext>
+                  </a:extLst>
+                </a:gridCol>
+                <a:gridCol w="743158">
+                  <a:extLst>
+                    <a:ext uri="{9D8B030D-6E8A-4147-A177-3AD203B41FA5}">
+                      <a16:colId xmlns:a16="http://schemas.microsoft.com/office/drawing/2014/main" val="400426509"/>
+                    </a:ext>
+                  </a:extLst>
+                </a:gridCol>
+                <a:gridCol w="943238">
+                  <a:extLst>
+                    <a:ext uri="{9D8B030D-6E8A-4147-A177-3AD203B41FA5}">
+                      <a16:colId xmlns:a16="http://schemas.microsoft.com/office/drawing/2014/main" val="877606602"/>
+                    </a:ext>
+                  </a:extLst>
+                </a:gridCol>
+                <a:gridCol w="733629">
+                  <a:extLst>
+                    <a:ext uri="{9D8B030D-6E8A-4147-A177-3AD203B41FA5}">
+                      <a16:colId xmlns:a16="http://schemas.microsoft.com/office/drawing/2014/main" val="1232322345"/>
+                    </a:ext>
+                  </a:extLst>
+                </a:gridCol>
+                <a:gridCol w="962293">
+                  <a:extLst>
+                    <a:ext uri="{9D8B030D-6E8A-4147-A177-3AD203B41FA5}">
+                      <a16:colId xmlns:a16="http://schemas.microsoft.com/office/drawing/2014/main" val="837332558"/>
+                    </a:ext>
+                  </a:extLst>
+                </a:gridCol>
+              </a:tblGrid>
+              <a:tr h="157338">
+                <a:tc>
+                  <a:txBody>
+                    <a:bodyPr/>
+                    <a:lstStyle/>
+                    <a:p>
+                      <a:pPr marL="0" marR="0" indent="0" algn="ctr" defTabSz="1388882" rtl="0" eaLnBrk="1" fontAlgn="auto" latinLnBrk="1" hangingPunct="1">
+                        <a:lnSpc>
+                          <a:spcPct val="90000"/>
+                        </a:lnSpc>
+                        <a:spcBef>
+                          <a:spcPts val="0"/>
+                        </a:spcBef>
+                        <a:spcAft>
+                          <a:spcPts val="0"/>
+                        </a:spcAft>
+                        <a:buClrTx/>
+                        <a:buSzTx/>
+                        <a:buFontTx/>
+                        <a:buNone/>
+                        <a:tabLst/>
+                        <a:defRPr/>
+                      </a:pPr>
+                      <a:r>
+                        <a:rPr lang="en-US" sz="800" b="0" kern="1200">
+                          <a:solidFill>
+                            <a:schemeClr val="tx1"/>
+                          </a:solidFill>
+                          <a:latin typeface="맑은 고딕" pitchFamily="50" charset="-127"/>
+                          <a:ea typeface="맑은 고딕" pitchFamily="50" charset="-127"/>
+                          <a:cs typeface="+mn-cs"/>
+                        </a:rPr>
+                        <a:t>SCHEDULE_ID</a:t>
+                      </a:r>
+                    </a:p>
+                  </a:txBody>
+                  <a:tcPr marL="7152" marR="7152" marT="7152" marB="0" anchor="ctr">
+                    <a:lnL w="3175" cap="flat" cmpd="sng" algn="ctr">
+                      <a:solidFill>
+                        <a:schemeClr val="tx1"/>
+                      </a:solidFill>
+                      <a:prstDash val="solid"/>
+                      <a:round/>
+                      <a:headEnd type="none" w="med" len="med"/>
+                      <a:tailEnd type="none" w="med" len="med"/>
+                    </a:lnL>
+                    <a:lnR w="3175" cap="flat" cmpd="sng" algn="ctr">
+                      <a:solidFill>
+                        <a:schemeClr val="tx1"/>
+                      </a:solidFill>
+                      <a:prstDash val="solid"/>
+                      <a:round/>
+                      <a:headEnd type="none" w="med" len="med"/>
+                      <a:tailEnd type="none" w="med" len="med"/>
+                    </a:lnR>
+                    <a:lnT w="3175" cap="flat" cmpd="sng" algn="ctr">
+                      <a:solidFill>
+                        <a:schemeClr val="tx1"/>
+                      </a:solidFill>
+                      <a:prstDash val="solid"/>
+                      <a:round/>
+                      <a:headEnd type="none" w="med" len="med"/>
+                      <a:tailEnd type="none" w="med" len="med"/>
+                    </a:lnT>
+                    <a:lnB w="3175" cap="flat" cmpd="sng" algn="ctr">
+                      <a:solidFill>
+                        <a:schemeClr val="tx1"/>
+                      </a:solidFill>
+                      <a:prstDash val="solid"/>
+                      <a:round/>
+                      <a:headEnd type="none" w="med" len="med"/>
+                      <a:tailEnd type="none" w="med" len="med"/>
+                    </a:lnB>
+                    <a:solidFill>
+                      <a:schemeClr val="accent6">
+                        <a:lumMod val="40000"/>
+                        <a:lumOff val="60000"/>
+                      </a:schemeClr>
+                    </a:solidFill>
+                  </a:tcPr>
+                </a:tc>
+                <a:tc>
+                  <a:txBody>
+                    <a:bodyPr/>
+                    <a:lstStyle/>
+                    <a:p>
+                      <a:pPr marL="0" marR="0" indent="0" algn="ctr" defTabSz="1388882" rtl="0" eaLnBrk="1" fontAlgn="auto" latinLnBrk="1" hangingPunct="1">
+                        <a:lnSpc>
+                          <a:spcPct val="90000"/>
+                        </a:lnSpc>
+                        <a:spcBef>
+                          <a:spcPts val="0"/>
+                        </a:spcBef>
+                        <a:spcAft>
+                          <a:spcPts val="0"/>
+                        </a:spcAft>
+                        <a:buClrTx/>
+                        <a:buSzTx/>
+                        <a:buFontTx/>
+                        <a:buNone/>
+                        <a:tabLst/>
+                        <a:defRPr/>
+                      </a:pPr>
+                      <a:r>
+                        <a:rPr lang="en-US" sz="800" b="0" kern="1200">
+                          <a:solidFill>
+                            <a:schemeClr val="tx1"/>
+                          </a:solidFill>
+                          <a:latin typeface="맑은 고딕" pitchFamily="50" charset="-127"/>
+                          <a:ea typeface="맑은 고딕" pitchFamily="50" charset="-127"/>
+                          <a:cs typeface="+mn-cs"/>
+                        </a:rPr>
+                        <a:t>TYPE_CD</a:t>
+                      </a:r>
+                    </a:p>
+                  </a:txBody>
+                  <a:tcPr marL="7152" marR="7152" marT="7152" marB="0" anchor="ctr">
+                    <a:lnL w="3175" cap="flat" cmpd="sng" algn="ctr">
+                      <a:solidFill>
+                        <a:schemeClr val="tx1"/>
+                      </a:solidFill>
+                      <a:prstDash val="solid"/>
+                      <a:round/>
+                      <a:headEnd type="none" w="med" len="med"/>
+                      <a:tailEnd type="none" w="med" len="med"/>
+                    </a:lnL>
+                    <a:lnR w="3175" cap="flat" cmpd="sng" algn="ctr">
+                      <a:solidFill>
+                        <a:schemeClr val="tx1"/>
+                      </a:solidFill>
+                      <a:prstDash val="solid"/>
+                      <a:round/>
+                      <a:headEnd type="none" w="med" len="med"/>
+                      <a:tailEnd type="none" w="med" len="med"/>
+                    </a:lnR>
+                    <a:lnT w="3175" cap="flat" cmpd="sng" algn="ctr">
+                      <a:solidFill>
+                        <a:schemeClr val="tx1"/>
+                      </a:solidFill>
+                      <a:prstDash val="solid"/>
+                      <a:round/>
+                      <a:headEnd type="none" w="med" len="med"/>
+                      <a:tailEnd type="none" w="med" len="med"/>
+                    </a:lnT>
+                    <a:lnB w="3175" cap="flat" cmpd="sng" algn="ctr">
+                      <a:solidFill>
+                        <a:schemeClr val="tx1"/>
+                      </a:solidFill>
+                      <a:prstDash val="solid"/>
+                      <a:round/>
+                      <a:headEnd type="none" w="med" len="med"/>
+                      <a:tailEnd type="none" w="med" len="med"/>
+                    </a:lnB>
+                    <a:solidFill>
+                      <a:schemeClr val="accent6">
+                        <a:lumMod val="40000"/>
+                        <a:lumOff val="60000"/>
+                      </a:schemeClr>
+                    </a:solidFill>
+                  </a:tcPr>
+                </a:tc>
+                <a:tc>
+                  <a:txBody>
+                    <a:bodyPr/>
+                    <a:lstStyle/>
+                    <a:p>
+                      <a:pPr marL="0" marR="0" indent="0" algn="ctr" defTabSz="1388882" rtl="0" eaLnBrk="1" fontAlgn="auto" latinLnBrk="1" hangingPunct="1">
+                        <a:lnSpc>
+                          <a:spcPct val="90000"/>
+                        </a:lnSpc>
+                        <a:spcBef>
+                          <a:spcPts val="0"/>
+                        </a:spcBef>
+                        <a:spcAft>
+                          <a:spcPts val="0"/>
+                        </a:spcAft>
+                        <a:buClrTx/>
+                        <a:buSzTx/>
+                        <a:buFontTx/>
+                        <a:buNone/>
+                        <a:tabLst/>
+                        <a:defRPr/>
+                      </a:pPr>
+                      <a:r>
+                        <a:rPr lang="en-US" sz="800" b="0" kern="1200">
+                          <a:solidFill>
+                            <a:schemeClr val="tx1"/>
+                          </a:solidFill>
+                          <a:latin typeface="맑은 고딕" pitchFamily="50" charset="-127"/>
+                          <a:ea typeface="맑은 고딕" pitchFamily="50" charset="-127"/>
+                          <a:cs typeface="+mn-cs"/>
+                        </a:rPr>
+                        <a:t>SIDO</a:t>
+                      </a:r>
+                    </a:p>
+                  </a:txBody>
+                  <a:tcPr marL="7152" marR="7152" marT="7152" marB="0" anchor="ctr">
+                    <a:lnL w="3175" cap="flat" cmpd="sng" algn="ctr">
+                      <a:solidFill>
+                        <a:schemeClr val="tx1"/>
+                      </a:solidFill>
+                      <a:prstDash val="solid"/>
+                      <a:round/>
+                      <a:headEnd type="none" w="med" len="med"/>
+                      <a:tailEnd type="none" w="med" len="med"/>
+                    </a:lnL>
+                    <a:lnR w="3175" cap="flat" cmpd="sng" algn="ctr">
+                      <a:solidFill>
+                        <a:schemeClr val="tx1"/>
+                      </a:solidFill>
+                      <a:prstDash val="solid"/>
+                      <a:round/>
+                      <a:headEnd type="none" w="med" len="med"/>
+                      <a:tailEnd type="none" w="med" len="med"/>
+                    </a:lnR>
+                    <a:lnT w="3175" cap="flat" cmpd="sng" algn="ctr">
+                      <a:solidFill>
+                        <a:schemeClr val="tx1"/>
+                      </a:solidFill>
+                      <a:prstDash val="solid"/>
+                      <a:round/>
+                      <a:headEnd type="none" w="med" len="med"/>
+                      <a:tailEnd type="none" w="med" len="med"/>
+                    </a:lnT>
+                    <a:lnB w="3175" cap="flat" cmpd="sng" algn="ctr">
+                      <a:solidFill>
+                        <a:schemeClr val="tx1"/>
+                      </a:solidFill>
+                      <a:prstDash val="solid"/>
+                      <a:round/>
+                      <a:headEnd type="none" w="med" len="med"/>
+                      <a:tailEnd type="none" w="med" len="med"/>
+                    </a:lnB>
+                    <a:solidFill>
+                      <a:schemeClr val="accent6">
+                        <a:lumMod val="40000"/>
+                        <a:lumOff val="60000"/>
+                      </a:schemeClr>
+                    </a:solidFill>
+                  </a:tcPr>
+                </a:tc>
+                <a:tc>
+                  <a:txBody>
+                    <a:bodyPr/>
+                    <a:lstStyle/>
+                    <a:p>
+                      <a:pPr marL="0" marR="0" indent="0" algn="ctr" defTabSz="1388882" rtl="0" eaLnBrk="1" fontAlgn="auto" latinLnBrk="1" hangingPunct="1">
+                        <a:lnSpc>
+                          <a:spcPct val="90000"/>
+                        </a:lnSpc>
+                        <a:spcBef>
+                          <a:spcPts val="0"/>
+                        </a:spcBef>
+                        <a:spcAft>
+                          <a:spcPts val="0"/>
+                        </a:spcAft>
+                        <a:buClrTx/>
+                        <a:buSzTx/>
+                        <a:buFontTx/>
+                        <a:buNone/>
+                        <a:tabLst/>
+                        <a:defRPr/>
+                      </a:pPr>
+                      <a:r>
+                        <a:rPr lang="en-US" sz="800" b="0" kern="1200">
+                          <a:solidFill>
+                            <a:schemeClr val="tx1"/>
+                          </a:solidFill>
+                          <a:latin typeface="맑은 고딕" pitchFamily="50" charset="-127"/>
+                          <a:ea typeface="맑은 고딕" pitchFamily="50" charset="-127"/>
+                          <a:cs typeface="+mn-cs"/>
+                        </a:rPr>
+                        <a:t>SIGUGUN</a:t>
+                      </a:r>
+                    </a:p>
+                  </a:txBody>
+                  <a:tcPr marL="7152" marR="7152" marT="7152" marB="0" anchor="ctr">
+                    <a:lnL w="3175" cap="flat" cmpd="sng" algn="ctr">
+                      <a:solidFill>
+                        <a:schemeClr val="tx1"/>
+                      </a:solidFill>
+                      <a:prstDash val="solid"/>
+                      <a:round/>
+                      <a:headEnd type="none" w="med" len="med"/>
+                      <a:tailEnd type="none" w="med" len="med"/>
+                    </a:lnL>
+                    <a:lnR w="3175" cap="flat" cmpd="sng" algn="ctr">
+                      <a:solidFill>
+                        <a:schemeClr val="tx1"/>
+                      </a:solidFill>
+                      <a:prstDash val="solid"/>
+                      <a:round/>
+                      <a:headEnd type="none" w="med" len="med"/>
+                      <a:tailEnd type="none" w="med" len="med"/>
+                    </a:lnR>
+                    <a:lnT w="3175" cap="flat" cmpd="sng" algn="ctr">
+                      <a:solidFill>
+                        <a:schemeClr val="tx1"/>
+                      </a:solidFill>
+                      <a:prstDash val="solid"/>
+                      <a:round/>
+                      <a:headEnd type="none" w="med" len="med"/>
+                      <a:tailEnd type="none" w="med" len="med"/>
+                    </a:lnT>
+                    <a:lnB w="3175" cap="flat" cmpd="sng" algn="ctr">
+                      <a:solidFill>
+                        <a:schemeClr val="tx1"/>
+                      </a:solidFill>
+                      <a:prstDash val="solid"/>
+                      <a:round/>
+                      <a:headEnd type="none" w="med" len="med"/>
+                      <a:tailEnd type="none" w="med" len="med"/>
+                    </a:lnB>
+                    <a:solidFill>
+                      <a:schemeClr val="accent6">
+                        <a:lumMod val="40000"/>
+                        <a:lumOff val="60000"/>
+                      </a:schemeClr>
+                    </a:solidFill>
+                  </a:tcPr>
+                </a:tc>
+                <a:tc>
+                  <a:txBody>
+                    <a:bodyPr/>
+                    <a:lstStyle/>
+                    <a:p>
+                      <a:pPr marL="0" marR="0" indent="0" algn="ctr" defTabSz="1388882" rtl="0" eaLnBrk="1" fontAlgn="auto" latinLnBrk="1" hangingPunct="1">
+                        <a:lnSpc>
+                          <a:spcPct val="90000"/>
+                        </a:lnSpc>
+                        <a:spcBef>
+                          <a:spcPts val="0"/>
+                        </a:spcBef>
+                        <a:spcAft>
+                          <a:spcPts val="0"/>
+                        </a:spcAft>
+                        <a:buClrTx/>
+                        <a:buSzTx/>
+                        <a:buFontTx/>
+                        <a:buNone/>
+                        <a:tabLst/>
+                        <a:defRPr/>
+                      </a:pPr>
+                      <a:r>
+                        <a:rPr lang="en-US" sz="800" b="0" kern="1200">
+                          <a:solidFill>
+                            <a:schemeClr val="tx1"/>
+                          </a:solidFill>
+                          <a:latin typeface="맑은 고딕" pitchFamily="50" charset="-127"/>
+                          <a:ea typeface="맑은 고딕" pitchFamily="50" charset="-127"/>
+                          <a:cs typeface="+mn-cs"/>
+                        </a:rPr>
+                        <a:t>DONG</a:t>
+                      </a:r>
+                    </a:p>
+                  </a:txBody>
+                  <a:tcPr marL="7152" marR="7152" marT="7152" marB="0" anchor="ctr">
+                    <a:lnL w="3175" cap="flat" cmpd="sng" algn="ctr">
+                      <a:solidFill>
+                        <a:schemeClr val="tx1"/>
+                      </a:solidFill>
+                      <a:prstDash val="solid"/>
+                      <a:round/>
+                      <a:headEnd type="none" w="med" len="med"/>
+                      <a:tailEnd type="none" w="med" len="med"/>
+                    </a:lnL>
+                    <a:lnR w="3175" cap="flat" cmpd="sng" algn="ctr">
+                      <a:solidFill>
+                        <a:schemeClr val="tx1"/>
+                      </a:solidFill>
+                      <a:prstDash val="solid"/>
+                      <a:round/>
+                      <a:headEnd type="none" w="med" len="med"/>
+                      <a:tailEnd type="none" w="med" len="med"/>
+                    </a:lnR>
+                    <a:lnT w="3175" cap="flat" cmpd="sng" algn="ctr">
+                      <a:solidFill>
+                        <a:schemeClr val="tx1"/>
+                      </a:solidFill>
+                      <a:prstDash val="solid"/>
+                      <a:round/>
+                      <a:headEnd type="none" w="med" len="med"/>
+                      <a:tailEnd type="none" w="med" len="med"/>
+                    </a:lnT>
+                    <a:lnB w="3175" cap="flat" cmpd="sng" algn="ctr">
+                      <a:solidFill>
+                        <a:schemeClr val="tx1"/>
+                      </a:solidFill>
+                      <a:prstDash val="solid"/>
+                      <a:round/>
+                      <a:headEnd type="none" w="med" len="med"/>
+                      <a:tailEnd type="none" w="med" len="med"/>
+                    </a:lnB>
+                    <a:solidFill>
+                      <a:schemeClr val="accent6">
+                        <a:lumMod val="40000"/>
+                        <a:lumOff val="60000"/>
+                      </a:schemeClr>
+                    </a:solidFill>
+                  </a:tcPr>
+                </a:tc>
+                <a:tc>
+                  <a:txBody>
+                    <a:bodyPr/>
+                    <a:lstStyle/>
+                    <a:p>
+                      <a:pPr marL="0" marR="0" indent="0" algn="ctr" defTabSz="1388882" rtl="0" eaLnBrk="1" fontAlgn="auto" latinLnBrk="1" hangingPunct="1">
+                        <a:lnSpc>
+                          <a:spcPct val="90000"/>
+                        </a:lnSpc>
+                        <a:spcBef>
+                          <a:spcPts val="0"/>
+                        </a:spcBef>
+                        <a:spcAft>
+                          <a:spcPts val="0"/>
+                        </a:spcAft>
+                        <a:buClrTx/>
+                        <a:buSzTx/>
+                        <a:buFontTx/>
+                        <a:buNone/>
+                        <a:tabLst/>
+                        <a:defRPr/>
+                      </a:pPr>
+                      <a:r>
+                        <a:rPr lang="en-US" sz="800" b="0" kern="1200">
+                          <a:solidFill>
+                            <a:schemeClr val="tx1"/>
+                          </a:solidFill>
+                          <a:latin typeface="맑은 고딕" pitchFamily="50" charset="-127"/>
+                          <a:ea typeface="맑은 고딕" pitchFamily="50" charset="-127"/>
+                          <a:cs typeface="+mn-cs"/>
+                        </a:rPr>
+                        <a:t>AREA</a:t>
+                      </a:r>
+                    </a:p>
+                  </a:txBody>
+                  <a:tcPr marL="7152" marR="7152" marT="7152" marB="0" anchor="ctr">
+                    <a:lnL w="3175" cap="flat" cmpd="sng" algn="ctr">
+                      <a:solidFill>
+                        <a:schemeClr val="tx1"/>
+                      </a:solidFill>
+                      <a:prstDash val="solid"/>
+                      <a:round/>
+                      <a:headEnd type="none" w="med" len="med"/>
+                      <a:tailEnd type="none" w="med" len="med"/>
+                    </a:lnL>
+                    <a:lnR w="3175" cap="flat" cmpd="sng" algn="ctr">
+                      <a:solidFill>
+                        <a:schemeClr val="tx1"/>
+                      </a:solidFill>
+                      <a:prstDash val="solid"/>
+                      <a:round/>
+                      <a:headEnd type="none" w="med" len="med"/>
+                      <a:tailEnd type="none" w="med" len="med"/>
+                    </a:lnR>
+                    <a:lnT w="3175" cap="flat" cmpd="sng" algn="ctr">
+                      <a:solidFill>
+                        <a:schemeClr val="tx1"/>
+                      </a:solidFill>
+                      <a:prstDash val="solid"/>
+                      <a:round/>
+                      <a:headEnd type="none" w="med" len="med"/>
+                      <a:tailEnd type="none" w="med" len="med"/>
+                    </a:lnT>
+                    <a:lnB w="3175" cap="flat" cmpd="sng" algn="ctr">
+                      <a:solidFill>
+                        <a:schemeClr val="tx1"/>
+                      </a:solidFill>
+                      <a:prstDash val="solid"/>
+                      <a:round/>
+                      <a:headEnd type="none" w="med" len="med"/>
+                      <a:tailEnd type="none" w="med" len="med"/>
+                    </a:lnB>
+                    <a:solidFill>
+                      <a:schemeClr val="accent6">
+                        <a:lumMod val="40000"/>
+                        <a:lumOff val="60000"/>
+                      </a:schemeClr>
+                    </a:solidFill>
+                  </a:tcPr>
+                </a:tc>
+                <a:tc>
+                  <a:txBody>
+                    <a:bodyPr/>
+                    <a:lstStyle/>
+                    <a:p>
+                      <a:pPr marL="0" marR="0" indent="0" algn="ctr" defTabSz="1388882" rtl="0" eaLnBrk="1" fontAlgn="auto" latinLnBrk="1" hangingPunct="1">
+                        <a:lnSpc>
+                          <a:spcPct val="90000"/>
+                        </a:lnSpc>
+                        <a:spcBef>
+                          <a:spcPts val="0"/>
+                        </a:spcBef>
+                        <a:spcAft>
+                          <a:spcPts val="0"/>
+                        </a:spcAft>
+                        <a:buClrTx/>
+                        <a:buSzTx/>
+                        <a:buFontTx/>
+                        <a:buNone/>
+                        <a:tabLst/>
+                        <a:defRPr/>
+                      </a:pPr>
+                      <a:r>
+                        <a:rPr lang="en-US" sz="800" b="0" kern="1200">
+                          <a:solidFill>
+                            <a:schemeClr val="tx1"/>
+                          </a:solidFill>
+                          <a:latin typeface="맑은 고딕" pitchFamily="50" charset="-127"/>
+                          <a:ea typeface="맑은 고딕" pitchFamily="50" charset="-127"/>
+                          <a:cs typeface="+mn-cs"/>
+                        </a:rPr>
+                        <a:t>BIN_X_CNT</a:t>
+                      </a:r>
+                    </a:p>
+                  </a:txBody>
+                  <a:tcPr marL="7152" marR="7152" marT="7152" marB="0" anchor="ctr">
+                    <a:lnL w="3175" cap="flat" cmpd="sng" algn="ctr">
+                      <a:solidFill>
+                        <a:schemeClr val="tx1"/>
+                      </a:solidFill>
+                      <a:prstDash val="solid"/>
+                      <a:round/>
+                      <a:headEnd type="none" w="med" len="med"/>
+                      <a:tailEnd type="none" w="med" len="med"/>
+                    </a:lnL>
+                    <a:lnR w="3175" cap="flat" cmpd="sng" algn="ctr">
+                      <a:solidFill>
+                        <a:schemeClr val="tx1"/>
+                      </a:solidFill>
+                      <a:prstDash val="solid"/>
+                      <a:round/>
+                      <a:headEnd type="none" w="med" len="med"/>
+                      <a:tailEnd type="none" w="med" len="med"/>
+                    </a:lnR>
+                    <a:lnT w="3175" cap="flat" cmpd="sng" algn="ctr">
+                      <a:solidFill>
+                        <a:schemeClr val="tx1"/>
+                      </a:solidFill>
+                      <a:prstDash val="solid"/>
+                      <a:round/>
+                      <a:headEnd type="none" w="med" len="med"/>
+                      <a:tailEnd type="none" w="med" len="med"/>
+                    </a:lnT>
+                    <a:lnB w="3175" cap="flat" cmpd="sng" algn="ctr">
+                      <a:solidFill>
+                        <a:schemeClr val="tx1"/>
+                      </a:solidFill>
+                      <a:prstDash val="solid"/>
+                      <a:round/>
+                      <a:headEnd type="none" w="med" len="med"/>
+                      <a:tailEnd type="none" w="med" len="med"/>
+                    </a:lnB>
+                    <a:solidFill>
+                      <a:schemeClr val="accent6">
+                        <a:lumMod val="40000"/>
+                        <a:lumOff val="60000"/>
+                      </a:schemeClr>
+                    </a:solidFill>
+                  </a:tcPr>
+                </a:tc>
+                <a:tc>
+                  <a:txBody>
+                    <a:bodyPr/>
+                    <a:lstStyle/>
+                    <a:p>
+                      <a:pPr marL="0" marR="0" indent="0" algn="ctr" defTabSz="1388882" rtl="0" eaLnBrk="1" fontAlgn="auto" latinLnBrk="1" hangingPunct="1">
+                        <a:lnSpc>
+                          <a:spcPct val="90000"/>
+                        </a:lnSpc>
+                        <a:spcBef>
+                          <a:spcPts val="0"/>
+                        </a:spcBef>
+                        <a:spcAft>
+                          <a:spcPts val="0"/>
+                        </a:spcAft>
+                        <a:buClrTx/>
+                        <a:buSzTx/>
+                        <a:buFontTx/>
+                        <a:buNone/>
+                        <a:tabLst/>
+                        <a:defRPr/>
+                      </a:pPr>
+                      <a:r>
+                        <a:rPr lang="en-US" sz="800" b="0" kern="1200">
+                          <a:solidFill>
+                            <a:schemeClr val="tx1"/>
+                          </a:solidFill>
+                          <a:latin typeface="맑은 고딕" pitchFamily="50" charset="-127"/>
+                          <a:ea typeface="맑은 고딕" pitchFamily="50" charset="-127"/>
+                          <a:cs typeface="+mn-cs"/>
+                        </a:rPr>
+                        <a:t>BIN_Y_CNT</a:t>
+                      </a:r>
+                    </a:p>
+                  </a:txBody>
+                  <a:tcPr marL="7152" marR="7152" marT="7152" marB="0" anchor="ctr">
+                    <a:lnL w="3175" cap="flat" cmpd="sng" algn="ctr">
+                      <a:solidFill>
+                        <a:schemeClr val="tx1"/>
+                      </a:solidFill>
+                      <a:prstDash val="solid"/>
+                      <a:round/>
+                      <a:headEnd type="none" w="med" len="med"/>
+                      <a:tailEnd type="none" w="med" len="med"/>
+                    </a:lnL>
+                    <a:lnR w="3175" cap="flat" cmpd="sng" algn="ctr">
+                      <a:solidFill>
+                        <a:schemeClr val="tx1"/>
+                      </a:solidFill>
+                      <a:prstDash val="solid"/>
+                      <a:round/>
+                      <a:headEnd type="none" w="med" len="med"/>
+                      <a:tailEnd type="none" w="med" len="med"/>
+                    </a:lnR>
+                    <a:lnT w="3175" cap="flat" cmpd="sng" algn="ctr">
+                      <a:solidFill>
+                        <a:schemeClr val="tx1"/>
+                      </a:solidFill>
+                      <a:prstDash val="solid"/>
+                      <a:round/>
+                      <a:headEnd type="none" w="med" len="med"/>
+                      <a:tailEnd type="none" w="med" len="med"/>
+                    </a:lnT>
+                    <a:lnB w="3175" cap="flat" cmpd="sng" algn="ctr">
+                      <a:solidFill>
+                        <a:schemeClr val="tx1"/>
+                      </a:solidFill>
+                      <a:prstDash val="solid"/>
+                      <a:round/>
+                      <a:headEnd type="none" w="med" len="med"/>
+                      <a:tailEnd type="none" w="med" len="med"/>
+                    </a:lnB>
+                    <a:solidFill>
+                      <a:schemeClr val="accent6">
+                        <a:lumMod val="40000"/>
+                        <a:lumOff val="60000"/>
+                      </a:schemeClr>
+                    </a:solidFill>
+                  </a:tcPr>
+                </a:tc>
+                <a:tc>
+                  <a:txBody>
+                    <a:bodyPr/>
+                    <a:lstStyle/>
+                    <a:p>
+                      <a:pPr marL="0" marR="0" indent="0" algn="ctr" defTabSz="1388882" rtl="0" eaLnBrk="1" fontAlgn="auto" latinLnBrk="1" hangingPunct="1">
+                        <a:lnSpc>
+                          <a:spcPct val="90000"/>
+                        </a:lnSpc>
+                        <a:spcBef>
+                          <a:spcPts val="0"/>
+                        </a:spcBef>
+                        <a:spcAft>
+                          <a:spcPts val="0"/>
+                        </a:spcAft>
+                        <a:buClrTx/>
+                        <a:buSzTx/>
+                        <a:buFontTx/>
+                        <a:buNone/>
+                        <a:tabLst/>
+                        <a:defRPr/>
+                      </a:pPr>
+                      <a:r>
+                        <a:rPr lang="en-US" sz="800" b="0" kern="1200">
+                          <a:solidFill>
+                            <a:schemeClr val="tx1"/>
+                          </a:solidFill>
+                          <a:latin typeface="맑은 고딕" pitchFamily="50" charset="-127"/>
+                          <a:ea typeface="맑은 고딕" pitchFamily="50" charset="-127"/>
+                          <a:cs typeface="+mn-cs"/>
+                        </a:rPr>
+                        <a:t>RU_CNT</a:t>
+                      </a:r>
+                    </a:p>
+                  </a:txBody>
+                  <a:tcPr marL="7152" marR="7152" marT="7152" marB="0" anchor="ctr">
+                    <a:lnL w="3175" cap="flat" cmpd="sng" algn="ctr">
+                      <a:solidFill>
+                        <a:schemeClr val="tx1"/>
+                      </a:solidFill>
+                      <a:prstDash val="solid"/>
+                      <a:round/>
+                      <a:headEnd type="none" w="med" len="med"/>
+                      <a:tailEnd type="none" w="med" len="med"/>
+                    </a:lnL>
+                    <a:lnR w="3175" cap="flat" cmpd="sng" algn="ctr">
+                      <a:solidFill>
+                        <a:schemeClr val="tx1"/>
+                      </a:solidFill>
+                      <a:prstDash val="solid"/>
+                      <a:round/>
+                      <a:headEnd type="none" w="med" len="med"/>
+                      <a:tailEnd type="none" w="med" len="med"/>
+                    </a:lnR>
+                    <a:lnT w="3175" cap="flat" cmpd="sng" algn="ctr">
+                      <a:solidFill>
+                        <a:schemeClr val="tx1"/>
+                      </a:solidFill>
+                      <a:prstDash val="solid"/>
+                      <a:round/>
+                      <a:headEnd type="none" w="med" len="med"/>
+                      <a:tailEnd type="none" w="med" len="med"/>
+                    </a:lnT>
+                    <a:lnB w="3175" cap="flat" cmpd="sng" algn="ctr">
+                      <a:solidFill>
+                        <a:schemeClr val="tx1"/>
+                      </a:solidFill>
+                      <a:prstDash val="solid"/>
+                      <a:round/>
+                      <a:headEnd type="none" w="med" len="med"/>
+                      <a:tailEnd type="none" w="med" len="med"/>
+                    </a:lnB>
+                    <a:solidFill>
+                      <a:schemeClr val="accent6">
+                        <a:lumMod val="40000"/>
+                        <a:lumOff val="60000"/>
+                      </a:schemeClr>
+                    </a:solidFill>
+                  </a:tcPr>
+                </a:tc>
+                <a:tc>
+                  <a:txBody>
+                    <a:bodyPr/>
+                    <a:lstStyle/>
+                    <a:p>
+                      <a:pPr marL="0" marR="0" indent="0" algn="ctr" defTabSz="1388882" rtl="0" eaLnBrk="1" fontAlgn="auto" latinLnBrk="1" hangingPunct="1">
+                        <a:lnSpc>
+                          <a:spcPct val="90000"/>
+                        </a:lnSpc>
+                        <a:spcBef>
+                          <a:spcPts val="0"/>
+                        </a:spcBef>
+                        <a:spcAft>
+                          <a:spcPts val="0"/>
+                        </a:spcAft>
+                        <a:buClrTx/>
+                        <a:buSzTx/>
+                        <a:buFontTx/>
+                        <a:buNone/>
+                        <a:tabLst/>
+                        <a:defRPr/>
+                      </a:pPr>
+                      <a:r>
+                        <a:rPr lang="en-US" sz="800" b="0" kern="1200">
+                          <a:solidFill>
+                            <a:schemeClr val="tx1"/>
+                          </a:solidFill>
+                          <a:latin typeface="맑은 고딕" pitchFamily="50" charset="-127"/>
+                          <a:ea typeface="맑은 고딕" pitchFamily="50" charset="-127"/>
+                          <a:cs typeface="+mn-cs"/>
+                        </a:rPr>
+                        <a:t>RESOLUTION</a:t>
+                      </a:r>
+                    </a:p>
+                  </a:txBody>
+                  <a:tcPr marL="7152" marR="7152" marT="7152" marB="0" anchor="ctr">
+                    <a:lnL w="3175" cap="flat" cmpd="sng" algn="ctr">
+                      <a:solidFill>
+                        <a:schemeClr val="tx1"/>
+                      </a:solidFill>
+                      <a:prstDash val="solid"/>
+                      <a:round/>
+                      <a:headEnd type="none" w="med" len="med"/>
+                      <a:tailEnd type="none" w="med" len="med"/>
+                    </a:lnL>
+                    <a:lnR w="3175" cap="flat" cmpd="sng" algn="ctr">
+                      <a:solidFill>
+                        <a:schemeClr val="tx1"/>
+                      </a:solidFill>
+                      <a:prstDash val="solid"/>
+                      <a:round/>
+                      <a:headEnd type="none" w="med" len="med"/>
+                      <a:tailEnd type="none" w="med" len="med"/>
+                    </a:lnR>
+                    <a:lnT w="3175" cap="flat" cmpd="sng" algn="ctr">
+                      <a:solidFill>
+                        <a:schemeClr val="tx1"/>
+                      </a:solidFill>
+                      <a:prstDash val="solid"/>
+                      <a:round/>
+                      <a:headEnd type="none" w="med" len="med"/>
+                      <a:tailEnd type="none" w="med" len="med"/>
+                    </a:lnT>
+                    <a:lnB w="3175" cap="flat" cmpd="sng" algn="ctr">
+                      <a:solidFill>
+                        <a:schemeClr val="tx1"/>
+                      </a:solidFill>
+                      <a:prstDash val="solid"/>
+                      <a:round/>
+                      <a:headEnd type="none" w="med" len="med"/>
+                      <a:tailEnd type="none" w="med" len="med"/>
+                    </a:lnB>
+                    <a:solidFill>
+                      <a:schemeClr val="accent6">
+                        <a:lumMod val="40000"/>
+                        <a:lumOff val="60000"/>
+                      </a:schemeClr>
+                    </a:solidFill>
+                  </a:tcPr>
+                </a:tc>
+                <a:tc>
+                  <a:txBody>
+                    <a:bodyPr/>
+                    <a:lstStyle/>
+                    <a:p>
+                      <a:pPr marL="0" marR="0" indent="0" algn="ctr" defTabSz="1388882" rtl="0" eaLnBrk="1" fontAlgn="auto" latinLnBrk="1" hangingPunct="1">
+                        <a:lnSpc>
+                          <a:spcPct val="90000"/>
+                        </a:lnSpc>
+                        <a:spcBef>
+                          <a:spcPts val="0"/>
+                        </a:spcBef>
+                        <a:spcAft>
+                          <a:spcPts val="0"/>
+                        </a:spcAft>
+                        <a:buClrTx/>
+                        <a:buSzTx/>
+                        <a:buFontTx/>
+                        <a:buNone/>
+                        <a:tabLst/>
+                        <a:defRPr/>
+                      </a:pPr>
+                      <a:r>
+                        <a:rPr lang="en-US" sz="800" b="0" kern="1200">
+                          <a:solidFill>
+                            <a:schemeClr val="tx1"/>
+                          </a:solidFill>
+                          <a:latin typeface="맑은 고딕" pitchFamily="50" charset="-127"/>
+                          <a:ea typeface="맑은 고딕" pitchFamily="50" charset="-127"/>
+                          <a:cs typeface="+mn-cs"/>
+                        </a:rPr>
+                        <a:t>3D_RESOLUTION</a:t>
+                      </a:r>
+                    </a:p>
+                  </a:txBody>
+                  <a:tcPr marL="7152" marR="7152" marT="7152" marB="0" anchor="ctr">
+                    <a:lnL w="3175" cap="flat" cmpd="sng" algn="ctr">
+                      <a:solidFill>
+                        <a:schemeClr val="tx1"/>
+                      </a:solidFill>
+                      <a:prstDash val="solid"/>
+                      <a:round/>
+                      <a:headEnd type="none" w="med" len="med"/>
+                      <a:tailEnd type="none" w="med" len="med"/>
+                    </a:lnL>
+                    <a:lnR w="3175" cap="flat" cmpd="sng" algn="ctr">
+                      <a:solidFill>
+                        <a:schemeClr val="tx1"/>
+                      </a:solidFill>
+                      <a:prstDash val="solid"/>
+                      <a:round/>
+                      <a:headEnd type="none" w="med" len="med"/>
+                      <a:tailEnd type="none" w="med" len="med"/>
+                    </a:lnR>
+                    <a:lnT w="3175" cap="flat" cmpd="sng" algn="ctr">
+                      <a:solidFill>
+                        <a:schemeClr val="tx1"/>
+                      </a:solidFill>
+                      <a:prstDash val="solid"/>
+                      <a:round/>
+                      <a:headEnd type="none" w="med" len="med"/>
+                      <a:tailEnd type="none" w="med" len="med"/>
+                    </a:lnT>
+                    <a:lnB w="3175" cap="flat" cmpd="sng" algn="ctr">
+                      <a:solidFill>
+                        <a:schemeClr val="tx1"/>
+                      </a:solidFill>
+                      <a:prstDash val="solid"/>
+                      <a:round/>
+                      <a:headEnd type="none" w="med" len="med"/>
+                      <a:tailEnd type="none" w="med" len="med"/>
+                    </a:lnB>
+                    <a:solidFill>
+                      <a:schemeClr val="accent6">
+                        <a:lumMod val="40000"/>
+                        <a:lumOff val="60000"/>
+                      </a:schemeClr>
+                    </a:solidFill>
+                  </a:tcPr>
+                </a:tc>
+                <a:tc>
+                  <a:txBody>
+                    <a:bodyPr/>
+                    <a:lstStyle/>
+                    <a:p>
+                      <a:pPr marL="0" marR="0" indent="0" algn="ctr" defTabSz="1388882" rtl="0" eaLnBrk="1" fontAlgn="auto" latinLnBrk="1" hangingPunct="1">
+                        <a:lnSpc>
+                          <a:spcPct val="90000"/>
+                        </a:lnSpc>
+                        <a:spcBef>
+                          <a:spcPts val="0"/>
+                        </a:spcBef>
+                        <a:spcAft>
+                          <a:spcPts val="0"/>
+                        </a:spcAft>
+                        <a:buClrTx/>
+                        <a:buSzTx/>
+                        <a:buFontTx/>
+                        <a:buNone/>
+                        <a:tabLst/>
+                        <a:defRPr/>
+                      </a:pPr>
+                      <a:r>
+                        <a:rPr lang="en-US" sz="800" b="0" kern="1200">
+                          <a:solidFill>
+                            <a:schemeClr val="tx1"/>
+                          </a:solidFill>
+                          <a:latin typeface="맑은 고딕" pitchFamily="50" charset="-127"/>
+                          <a:ea typeface="맑은 고딕" pitchFamily="50" charset="-127"/>
+                          <a:cs typeface="+mn-cs"/>
+                        </a:rPr>
+                        <a:t>JOB_WEIGHT</a:t>
+                      </a:r>
+                    </a:p>
+                  </a:txBody>
+                  <a:tcPr marL="7152" marR="7152" marT="7152" marB="0" anchor="ctr">
+                    <a:lnL w="3175" cap="flat" cmpd="sng" algn="ctr">
+                      <a:solidFill>
+                        <a:schemeClr val="tx1"/>
+                      </a:solidFill>
+                      <a:prstDash val="solid"/>
+                      <a:round/>
+                      <a:headEnd type="none" w="med" len="med"/>
+                      <a:tailEnd type="none" w="med" len="med"/>
+                    </a:lnL>
+                    <a:lnR w="3175" cap="flat" cmpd="sng" algn="ctr">
+                      <a:solidFill>
+                        <a:schemeClr val="tx1"/>
+                      </a:solidFill>
+                      <a:prstDash val="solid"/>
+                      <a:round/>
+                      <a:headEnd type="none" w="med" len="med"/>
+                      <a:tailEnd type="none" w="med" len="med"/>
+                    </a:lnR>
+                    <a:lnT w="3175" cap="flat" cmpd="sng" algn="ctr">
+                      <a:solidFill>
+                        <a:schemeClr val="tx1"/>
+                      </a:solidFill>
+                      <a:prstDash val="solid"/>
+                      <a:round/>
+                      <a:headEnd type="none" w="med" len="med"/>
+                      <a:tailEnd type="none" w="med" len="med"/>
+                    </a:lnT>
+                    <a:lnB w="3175" cap="flat" cmpd="sng" algn="ctr">
+                      <a:solidFill>
+                        <a:schemeClr val="tx1"/>
+                      </a:solidFill>
+                      <a:prstDash val="solid"/>
+                      <a:round/>
+                      <a:headEnd type="none" w="med" len="med"/>
+                      <a:tailEnd type="none" w="med" len="med"/>
+                    </a:lnB>
+                    <a:solidFill>
+                      <a:schemeClr val="accent6">
+                        <a:lumMod val="40000"/>
+                        <a:lumOff val="60000"/>
+                      </a:schemeClr>
+                    </a:solidFill>
+                  </a:tcPr>
+                </a:tc>
+                <a:tc>
+                  <a:txBody>
+                    <a:bodyPr/>
+                    <a:lstStyle/>
+                    <a:p>
+                      <a:pPr marL="0" marR="0" indent="0" algn="ctr" defTabSz="1388882" rtl="0" eaLnBrk="1" fontAlgn="auto" latinLnBrk="1" hangingPunct="1">
+                        <a:lnSpc>
+                          <a:spcPct val="90000"/>
+                        </a:lnSpc>
+                        <a:spcBef>
+                          <a:spcPts val="0"/>
+                        </a:spcBef>
+                        <a:spcAft>
+                          <a:spcPts val="0"/>
+                        </a:spcAft>
+                        <a:buClrTx/>
+                        <a:buSzTx/>
+                        <a:buFontTx/>
+                        <a:buNone/>
+                        <a:tabLst/>
+                        <a:defRPr/>
+                      </a:pPr>
+                      <a:r>
+                        <a:rPr lang="en-US" sz="800" b="0" kern="1200">
+                          <a:solidFill>
+                            <a:schemeClr val="tx1"/>
+                          </a:solidFill>
+                          <a:latin typeface="맑은 고딕" pitchFamily="50" charset="-127"/>
+                          <a:ea typeface="맑은 고딕" pitchFamily="50" charset="-127"/>
+                          <a:cs typeface="+mn-cs"/>
+                        </a:rPr>
+                        <a:t>JOB_THRESHOLD</a:t>
+                      </a:r>
+                    </a:p>
+                  </a:txBody>
+                  <a:tcPr marL="7152" marR="7152" marT="7152" marB="0" anchor="ctr">
+                    <a:lnL w="3175" cap="flat" cmpd="sng" algn="ctr">
+                      <a:solidFill>
+                        <a:schemeClr val="tx1"/>
+                      </a:solidFill>
+                      <a:prstDash val="solid"/>
+                      <a:round/>
+                      <a:headEnd type="none" w="med" len="med"/>
+                      <a:tailEnd type="none" w="med" len="med"/>
+                    </a:lnL>
+                    <a:lnR w="3175" cap="flat" cmpd="sng" algn="ctr">
+                      <a:solidFill>
+                        <a:schemeClr val="tx1"/>
+                      </a:solidFill>
+                      <a:prstDash val="solid"/>
+                      <a:round/>
+                      <a:headEnd type="none" w="med" len="med"/>
+                      <a:tailEnd type="none" w="med" len="med"/>
+                    </a:lnR>
+                    <a:lnT w="3175" cap="flat" cmpd="sng" algn="ctr">
+                      <a:solidFill>
+                        <a:schemeClr val="tx1"/>
+                      </a:solidFill>
+                      <a:prstDash val="solid"/>
+                      <a:round/>
+                      <a:headEnd type="none" w="med" len="med"/>
+                      <a:tailEnd type="none" w="med" len="med"/>
+                    </a:lnT>
+                    <a:lnB w="3175" cap="flat" cmpd="sng" algn="ctr">
+                      <a:solidFill>
+                        <a:schemeClr val="tx1"/>
+                      </a:solidFill>
+                      <a:prstDash val="solid"/>
+                      <a:round/>
+                      <a:headEnd type="none" w="med" len="med"/>
+                      <a:tailEnd type="none" w="med" len="med"/>
+                    </a:lnB>
+                    <a:solidFill>
+                      <a:schemeClr val="accent6">
+                        <a:lumMod val="40000"/>
+                        <a:lumOff val="60000"/>
+                      </a:schemeClr>
+                    </a:solidFill>
+                  </a:tcPr>
+                </a:tc>
+                <a:extLst>
+                  <a:ext uri="{0D108BD9-81ED-4DB2-BD59-A6C34878D82A}">
+                    <a16:rowId xmlns:a16="http://schemas.microsoft.com/office/drawing/2014/main" val="4080002368"/>
+                  </a:ext>
+                </a:extLst>
+              </a:tr>
+              <a:tr h="157338">
+                <a:tc>
+                  <a:txBody>
+                    <a:bodyPr/>
+                    <a:lstStyle/>
+                    <a:p>
+                      <a:pPr algn="ctr" fontAlgn="ctr"/>
+                      <a:r>
+                        <a:rPr lang="en-US" altLang="ko-KR" sz="800" b="0" i="0" u="none" strike="noStrike">
+                          <a:solidFill>
+                            <a:srgbClr val="000000"/>
+                          </a:solidFill>
+                          <a:effectLst/>
+                          <a:latin typeface="맑은 고딕" panose="020B0503020000020004" pitchFamily="50" charset="-127"/>
+                          <a:ea typeface="맑은 고딕" panose="020B0503020000020004" pitchFamily="50" charset="-127"/>
+                        </a:rPr>
+                        <a:t>8462895</a:t>
+                      </a:r>
+                    </a:p>
+                  </a:txBody>
+                  <a:tcPr marL="7152" marR="7152" marT="7152" marB="0" anchor="ctr">
+                    <a:lnL w="3175" cap="flat" cmpd="sng" algn="ctr">
+                      <a:solidFill>
+                        <a:schemeClr val="tx1"/>
+                      </a:solidFill>
+                      <a:prstDash val="solid"/>
+                      <a:round/>
+                      <a:headEnd type="none" w="med" len="med"/>
+                      <a:tailEnd type="none" w="med" len="med"/>
+                    </a:lnL>
+                    <a:lnR w="3175" cap="flat" cmpd="sng" algn="ctr">
+                      <a:solidFill>
+                        <a:schemeClr val="tx1"/>
+                      </a:solidFill>
+                      <a:prstDash val="solid"/>
+                      <a:round/>
+                      <a:headEnd type="none" w="med" len="med"/>
+                      <a:tailEnd type="none" w="med" len="med"/>
+                    </a:lnR>
+                    <a:lnT w="3175" cap="flat" cmpd="sng" algn="ctr">
+                      <a:solidFill>
+                        <a:schemeClr val="tx1"/>
+                      </a:solidFill>
+                      <a:prstDash val="solid"/>
+                      <a:round/>
+                      <a:headEnd type="none" w="med" len="med"/>
+                      <a:tailEnd type="none" w="med" len="med"/>
+                    </a:lnT>
+                    <a:lnB w="3175" cap="flat" cmpd="sng" algn="ctr">
+                      <a:solidFill>
+                        <a:schemeClr val="tx1"/>
+                      </a:solidFill>
+                      <a:prstDash val="solid"/>
+                      <a:round/>
+                      <a:headEnd type="none" w="med" len="med"/>
+                      <a:tailEnd type="none" w="med" len="med"/>
+                    </a:lnB>
+                  </a:tcPr>
+                </a:tc>
+                <a:tc>
+                  <a:txBody>
+                    <a:bodyPr/>
+                    <a:lstStyle/>
+                    <a:p>
+                      <a:pPr algn="ctr" fontAlgn="ctr"/>
+                      <a:r>
+                        <a:rPr lang="en-US" sz="800" b="0" i="0" u="none" strike="noStrike">
+                          <a:solidFill>
+                            <a:srgbClr val="000000"/>
+                          </a:solidFill>
+                          <a:effectLst/>
+                          <a:latin typeface="맑은 고딕" panose="020B0503020000020004" pitchFamily="50" charset="-127"/>
+                          <a:ea typeface="맑은 고딕" panose="020B0503020000020004" pitchFamily="50" charset="-127"/>
+                        </a:rPr>
+                        <a:t>SC001</a:t>
+                      </a:r>
+                    </a:p>
+                  </a:txBody>
+                  <a:tcPr marL="7152" marR="7152" marT="7152" marB="0" anchor="ctr">
+                    <a:lnL w="3175" cap="flat" cmpd="sng" algn="ctr">
+                      <a:solidFill>
+                        <a:schemeClr val="tx1"/>
+                      </a:solidFill>
+                      <a:prstDash val="solid"/>
+                      <a:round/>
+                      <a:headEnd type="none" w="med" len="med"/>
+                      <a:tailEnd type="none" w="med" len="med"/>
+                    </a:lnL>
+                    <a:lnR w="3175" cap="flat" cmpd="sng" algn="ctr">
+                      <a:solidFill>
+                        <a:schemeClr val="tx1"/>
+                      </a:solidFill>
+                      <a:prstDash val="solid"/>
+                      <a:round/>
+                      <a:headEnd type="none" w="med" len="med"/>
+                      <a:tailEnd type="none" w="med" len="med"/>
+                    </a:lnR>
+                    <a:lnT w="3175" cap="flat" cmpd="sng" algn="ctr">
+                      <a:solidFill>
+                        <a:schemeClr val="tx1"/>
+                      </a:solidFill>
+                      <a:prstDash val="solid"/>
+                      <a:round/>
+                      <a:headEnd type="none" w="med" len="med"/>
+                      <a:tailEnd type="none" w="med" len="med"/>
+                    </a:lnT>
+                    <a:lnB w="3175" cap="flat" cmpd="sng" algn="ctr">
+                      <a:solidFill>
+                        <a:schemeClr val="tx1"/>
+                      </a:solidFill>
+                      <a:prstDash val="solid"/>
+                      <a:round/>
+                      <a:headEnd type="none" w="med" len="med"/>
+                      <a:tailEnd type="none" w="med" len="med"/>
+                    </a:lnB>
+                  </a:tcPr>
+                </a:tc>
+                <a:tc>
+                  <a:txBody>
+                    <a:bodyPr/>
+                    <a:lstStyle/>
+                    <a:p>
+                      <a:pPr algn="ctr" fontAlgn="ctr"/>
+                      <a:r>
+                        <a:rPr lang="ko-KR" altLang="en-US" sz="800" b="0" i="0" u="none" strike="noStrike">
+                          <a:solidFill>
+                            <a:srgbClr val="000000"/>
+                          </a:solidFill>
+                          <a:effectLst/>
+                          <a:latin typeface="맑은 고딕" panose="020B0503020000020004" pitchFamily="50" charset="-127"/>
+                          <a:ea typeface="맑은 고딕" panose="020B0503020000020004" pitchFamily="50" charset="-127"/>
+                        </a:rPr>
+                        <a:t>서울특별시</a:t>
+                      </a:r>
+                    </a:p>
+                  </a:txBody>
+                  <a:tcPr marL="7152" marR="7152" marT="7152" marB="0" anchor="ctr">
+                    <a:lnL w="3175" cap="flat" cmpd="sng" algn="ctr">
+                      <a:solidFill>
+                        <a:schemeClr val="tx1"/>
+                      </a:solidFill>
+                      <a:prstDash val="solid"/>
+                      <a:round/>
+                      <a:headEnd type="none" w="med" len="med"/>
+                      <a:tailEnd type="none" w="med" len="med"/>
+                    </a:lnL>
+                    <a:lnR w="3175" cap="flat" cmpd="sng" algn="ctr">
+                      <a:solidFill>
+                        <a:schemeClr val="tx1"/>
+                      </a:solidFill>
+                      <a:prstDash val="solid"/>
+                      <a:round/>
+                      <a:headEnd type="none" w="med" len="med"/>
+                      <a:tailEnd type="none" w="med" len="med"/>
+                    </a:lnR>
+                    <a:lnT w="3175" cap="flat" cmpd="sng" algn="ctr">
+                      <a:solidFill>
+                        <a:schemeClr val="tx1"/>
+                      </a:solidFill>
+                      <a:prstDash val="solid"/>
+                      <a:round/>
+                      <a:headEnd type="none" w="med" len="med"/>
+                      <a:tailEnd type="none" w="med" len="med"/>
+                    </a:lnT>
+                    <a:lnB w="3175" cap="flat" cmpd="sng" algn="ctr">
+                      <a:solidFill>
+                        <a:schemeClr val="tx1"/>
+                      </a:solidFill>
+                      <a:prstDash val="solid"/>
+                      <a:round/>
+                      <a:headEnd type="none" w="med" len="med"/>
+                      <a:tailEnd type="none" w="med" len="med"/>
+                    </a:lnB>
+                  </a:tcPr>
+                </a:tc>
+                <a:tc>
+                  <a:txBody>
+                    <a:bodyPr/>
+                    <a:lstStyle/>
+                    <a:p>
+                      <a:pPr algn="ctr" fontAlgn="ctr"/>
+                      <a:r>
+                        <a:rPr lang="ko-KR" altLang="en-US" sz="800" b="0" i="0" u="none" strike="noStrike">
+                          <a:solidFill>
+                            <a:srgbClr val="000000"/>
+                          </a:solidFill>
+                          <a:effectLst/>
+                          <a:latin typeface="맑은 고딕" panose="020B0503020000020004" pitchFamily="50" charset="-127"/>
+                          <a:ea typeface="맑은 고딕" panose="020B0503020000020004" pitchFamily="50" charset="-127"/>
+                        </a:rPr>
+                        <a:t>강남구</a:t>
+                      </a:r>
+                    </a:p>
+                  </a:txBody>
+                  <a:tcPr marL="7152" marR="7152" marT="7152" marB="0" anchor="ctr">
+                    <a:lnL w="3175" cap="flat" cmpd="sng" algn="ctr">
+                      <a:solidFill>
+                        <a:schemeClr val="tx1"/>
+                      </a:solidFill>
+                      <a:prstDash val="solid"/>
+                      <a:round/>
+                      <a:headEnd type="none" w="med" len="med"/>
+                      <a:tailEnd type="none" w="med" len="med"/>
+                    </a:lnL>
+                    <a:lnR w="3175" cap="flat" cmpd="sng" algn="ctr">
+                      <a:solidFill>
+                        <a:schemeClr val="tx1"/>
+                      </a:solidFill>
+                      <a:prstDash val="solid"/>
+                      <a:round/>
+                      <a:headEnd type="none" w="med" len="med"/>
+                      <a:tailEnd type="none" w="med" len="med"/>
+                    </a:lnR>
+                    <a:lnT w="3175" cap="flat" cmpd="sng" algn="ctr">
+                      <a:solidFill>
+                        <a:schemeClr val="tx1"/>
+                      </a:solidFill>
+                      <a:prstDash val="solid"/>
+                      <a:round/>
+                      <a:headEnd type="none" w="med" len="med"/>
+                      <a:tailEnd type="none" w="med" len="med"/>
+                    </a:lnT>
+                    <a:lnB w="3175" cap="flat" cmpd="sng" algn="ctr">
+                      <a:solidFill>
+                        <a:schemeClr val="tx1"/>
+                      </a:solidFill>
+                      <a:prstDash val="solid"/>
+                      <a:round/>
+                      <a:headEnd type="none" w="med" len="med"/>
+                      <a:tailEnd type="none" w="med" len="med"/>
+                    </a:lnB>
+                  </a:tcPr>
+                </a:tc>
+                <a:tc>
+                  <a:txBody>
+                    <a:bodyPr/>
+                    <a:lstStyle/>
+                    <a:p>
+                      <a:pPr algn="ctr" fontAlgn="ctr"/>
+                      <a:r>
+                        <a:rPr lang="ko-KR" altLang="en-US" sz="800" b="0" i="0" u="none" strike="noStrike">
+                          <a:solidFill>
+                            <a:srgbClr val="000000"/>
+                          </a:solidFill>
+                          <a:effectLst/>
+                          <a:latin typeface="맑은 고딕" panose="020B0503020000020004" pitchFamily="50" charset="-127"/>
+                          <a:ea typeface="맑은 고딕" panose="020B0503020000020004" pitchFamily="50" charset="-127"/>
+                        </a:rPr>
+                        <a:t>일원</a:t>
+                      </a:r>
+                      <a:r>
+                        <a:rPr lang="en-US" altLang="ko-KR" sz="800" b="0" i="0" u="none" strike="noStrike">
+                          <a:solidFill>
+                            <a:srgbClr val="000000"/>
+                          </a:solidFill>
+                          <a:effectLst/>
+                          <a:latin typeface="맑은 고딕" panose="020B0503020000020004" pitchFamily="50" charset="-127"/>
+                          <a:ea typeface="맑은 고딕" panose="020B0503020000020004" pitchFamily="50" charset="-127"/>
+                        </a:rPr>
+                        <a:t>2</a:t>
+                      </a:r>
+                      <a:r>
+                        <a:rPr lang="ko-KR" altLang="en-US" sz="800" b="0" i="0" u="none" strike="noStrike">
+                          <a:solidFill>
+                            <a:srgbClr val="000000"/>
+                          </a:solidFill>
+                          <a:effectLst/>
+                          <a:latin typeface="맑은 고딕" panose="020B0503020000020004" pitchFamily="50" charset="-127"/>
+                          <a:ea typeface="맑은 고딕" panose="020B0503020000020004" pitchFamily="50" charset="-127"/>
+                        </a:rPr>
+                        <a:t>동</a:t>
+                      </a:r>
+                    </a:p>
+                  </a:txBody>
+                  <a:tcPr marL="7152" marR="7152" marT="7152" marB="0" anchor="ctr">
+                    <a:lnL w="3175" cap="flat" cmpd="sng" algn="ctr">
+                      <a:solidFill>
+                        <a:schemeClr val="tx1"/>
+                      </a:solidFill>
+                      <a:prstDash val="solid"/>
+                      <a:round/>
+                      <a:headEnd type="none" w="med" len="med"/>
+                      <a:tailEnd type="none" w="med" len="med"/>
+                    </a:lnL>
+                    <a:lnR w="3175" cap="flat" cmpd="sng" algn="ctr">
+                      <a:solidFill>
+                        <a:schemeClr val="tx1"/>
+                      </a:solidFill>
+                      <a:prstDash val="solid"/>
+                      <a:round/>
+                      <a:headEnd type="none" w="med" len="med"/>
+                      <a:tailEnd type="none" w="med" len="med"/>
+                    </a:lnR>
+                    <a:lnT w="3175" cap="flat" cmpd="sng" algn="ctr">
+                      <a:solidFill>
+                        <a:schemeClr val="tx1"/>
+                      </a:solidFill>
+                      <a:prstDash val="solid"/>
+                      <a:round/>
+                      <a:headEnd type="none" w="med" len="med"/>
+                      <a:tailEnd type="none" w="med" len="med"/>
+                    </a:lnT>
+                    <a:lnB w="3175" cap="flat" cmpd="sng" algn="ctr">
+                      <a:solidFill>
+                        <a:schemeClr val="tx1"/>
+                      </a:solidFill>
+                      <a:prstDash val="solid"/>
+                      <a:round/>
+                      <a:headEnd type="none" w="med" len="med"/>
+                      <a:tailEnd type="none" w="med" len="med"/>
+                    </a:lnB>
+                  </a:tcPr>
+                </a:tc>
+                <a:tc>
+                  <a:txBody>
+                    <a:bodyPr/>
+                    <a:lstStyle/>
+                    <a:p>
+                      <a:pPr algn="ctr" fontAlgn="ctr"/>
+                      <a:r>
+                        <a:rPr lang="en-US" altLang="ko-KR" sz="800" b="0" i="0" u="none" strike="noStrike">
+                          <a:solidFill>
+                            <a:srgbClr val="000000"/>
+                          </a:solidFill>
+                          <a:effectLst/>
+                          <a:latin typeface="맑은 고딕" panose="020B0503020000020004" pitchFamily="50" charset="-127"/>
+                          <a:ea typeface="맑은 고딕" panose="020B0503020000020004" pitchFamily="50" charset="-127"/>
+                        </a:rPr>
+                        <a:t>78000</a:t>
+                      </a:r>
+                    </a:p>
+                  </a:txBody>
+                  <a:tcPr marL="7152" marR="7152" marT="7152" marB="0" anchor="ctr">
+                    <a:lnL w="3175" cap="flat" cmpd="sng" algn="ctr">
+                      <a:solidFill>
+                        <a:schemeClr val="tx1"/>
+                      </a:solidFill>
+                      <a:prstDash val="solid"/>
+                      <a:round/>
+                      <a:headEnd type="none" w="med" len="med"/>
+                      <a:tailEnd type="none" w="med" len="med"/>
+                    </a:lnL>
+                    <a:lnR w="3175" cap="flat" cmpd="sng" algn="ctr">
+                      <a:solidFill>
+                        <a:schemeClr val="tx1"/>
+                      </a:solidFill>
+                      <a:prstDash val="solid"/>
+                      <a:round/>
+                      <a:headEnd type="none" w="med" len="med"/>
+                      <a:tailEnd type="none" w="med" len="med"/>
+                    </a:lnR>
+                    <a:lnT w="3175" cap="flat" cmpd="sng" algn="ctr">
+                      <a:solidFill>
+                        <a:schemeClr val="tx1"/>
+                      </a:solidFill>
+                      <a:prstDash val="solid"/>
+                      <a:round/>
+                      <a:headEnd type="none" w="med" len="med"/>
+                      <a:tailEnd type="none" w="med" len="med"/>
+                    </a:lnT>
+                    <a:lnB w="3175" cap="flat" cmpd="sng" algn="ctr">
+                      <a:solidFill>
+                        <a:schemeClr val="tx1"/>
+                      </a:solidFill>
+                      <a:prstDash val="solid"/>
+                      <a:round/>
+                      <a:headEnd type="none" w="med" len="med"/>
+                      <a:tailEnd type="none" w="med" len="med"/>
+                    </a:lnB>
+                  </a:tcPr>
+                </a:tc>
+                <a:tc>
+                  <a:txBody>
+                    <a:bodyPr/>
+                    <a:lstStyle/>
+                    <a:p>
+                      <a:pPr algn="ctr" fontAlgn="ctr"/>
+                      <a:r>
+                        <a:rPr lang="en-US" altLang="ko-KR" sz="800" b="0" i="0" u="none" strike="noStrike">
+                          <a:solidFill>
+                            <a:srgbClr val="000000"/>
+                          </a:solidFill>
+                          <a:effectLst/>
+                          <a:latin typeface="맑은 고딕" panose="020B0503020000020004" pitchFamily="50" charset="-127"/>
+                          <a:ea typeface="맑은 고딕" panose="020B0503020000020004" pitchFamily="50" charset="-127"/>
+                        </a:rPr>
+                        <a:t>26</a:t>
+                      </a:r>
+                    </a:p>
+                  </a:txBody>
+                  <a:tcPr marL="7152" marR="7152" marT="7152" marB="0" anchor="ctr">
+                    <a:lnL w="3175" cap="flat" cmpd="sng" algn="ctr">
+                      <a:solidFill>
+                        <a:schemeClr val="tx1"/>
+                      </a:solidFill>
+                      <a:prstDash val="solid"/>
+                      <a:round/>
+                      <a:headEnd type="none" w="med" len="med"/>
+                      <a:tailEnd type="none" w="med" len="med"/>
+                    </a:lnL>
+                    <a:lnR w="3175" cap="flat" cmpd="sng" algn="ctr">
+                      <a:solidFill>
+                        <a:schemeClr val="tx1"/>
+                      </a:solidFill>
+                      <a:prstDash val="solid"/>
+                      <a:round/>
+                      <a:headEnd type="none" w="med" len="med"/>
+                      <a:tailEnd type="none" w="med" len="med"/>
+                    </a:lnR>
+                    <a:lnT w="3175" cap="flat" cmpd="sng" algn="ctr">
+                      <a:solidFill>
+                        <a:schemeClr val="tx1"/>
+                      </a:solidFill>
+                      <a:prstDash val="solid"/>
+                      <a:round/>
+                      <a:headEnd type="none" w="med" len="med"/>
+                      <a:tailEnd type="none" w="med" len="med"/>
+                    </a:lnT>
+                    <a:lnB w="3175" cap="flat" cmpd="sng" algn="ctr">
+                      <a:solidFill>
+                        <a:schemeClr val="tx1"/>
+                      </a:solidFill>
+                      <a:prstDash val="solid"/>
+                      <a:round/>
+                      <a:headEnd type="none" w="med" len="med"/>
+                      <a:tailEnd type="none" w="med" len="med"/>
+                    </a:lnB>
+                  </a:tcPr>
+                </a:tc>
+                <a:tc>
+                  <a:txBody>
+                    <a:bodyPr/>
+                    <a:lstStyle/>
+                    <a:p>
+                      <a:pPr algn="ctr" fontAlgn="ctr"/>
+                      <a:r>
+                        <a:rPr lang="en-US" altLang="ko-KR" sz="800" b="0" i="0" u="none" strike="noStrike">
+                          <a:solidFill>
+                            <a:srgbClr val="000000"/>
+                          </a:solidFill>
+                          <a:effectLst/>
+                          <a:latin typeface="맑은 고딕" panose="020B0503020000020004" pitchFamily="50" charset="-127"/>
+                          <a:ea typeface="맑은 고딕" panose="020B0503020000020004" pitchFamily="50" charset="-127"/>
+                        </a:rPr>
+                        <a:t>30</a:t>
+                      </a:r>
+                    </a:p>
+                  </a:txBody>
+                  <a:tcPr marL="7152" marR="7152" marT="7152" marB="0" anchor="ctr">
+                    <a:lnL w="3175" cap="flat" cmpd="sng" algn="ctr">
+                      <a:solidFill>
+                        <a:schemeClr val="tx1"/>
+                      </a:solidFill>
+                      <a:prstDash val="solid"/>
+                      <a:round/>
+                      <a:headEnd type="none" w="med" len="med"/>
+                      <a:tailEnd type="none" w="med" len="med"/>
+                    </a:lnL>
+                    <a:lnR w="3175" cap="flat" cmpd="sng" algn="ctr">
+                      <a:solidFill>
+                        <a:schemeClr val="tx1"/>
+                      </a:solidFill>
+                      <a:prstDash val="solid"/>
+                      <a:round/>
+                      <a:headEnd type="none" w="med" len="med"/>
+                      <a:tailEnd type="none" w="med" len="med"/>
+                    </a:lnR>
+                    <a:lnT w="3175" cap="flat" cmpd="sng" algn="ctr">
+                      <a:solidFill>
+                        <a:schemeClr val="tx1"/>
+                      </a:solidFill>
+                      <a:prstDash val="solid"/>
+                      <a:round/>
+                      <a:headEnd type="none" w="med" len="med"/>
+                      <a:tailEnd type="none" w="med" len="med"/>
+                    </a:lnT>
+                    <a:lnB w="3175" cap="flat" cmpd="sng" algn="ctr">
+                      <a:solidFill>
+                        <a:schemeClr val="tx1"/>
+                      </a:solidFill>
+                      <a:prstDash val="solid"/>
+                      <a:round/>
+                      <a:headEnd type="none" w="med" len="med"/>
+                      <a:tailEnd type="none" w="med" len="med"/>
+                    </a:lnB>
+                  </a:tcPr>
+                </a:tc>
+                <a:tc>
+                  <a:txBody>
+                    <a:bodyPr/>
+                    <a:lstStyle/>
+                    <a:p>
+                      <a:pPr algn="ctr" fontAlgn="ctr"/>
+                      <a:r>
+                        <a:rPr lang="en-US" altLang="ko-KR" sz="800" b="0" i="0" u="none" strike="noStrike">
+                          <a:solidFill>
+                            <a:srgbClr val="000000"/>
+                          </a:solidFill>
+                          <a:effectLst/>
+                          <a:latin typeface="맑은 고딕" panose="020B0503020000020004" pitchFamily="50" charset="-127"/>
+                          <a:ea typeface="맑은 고딕" panose="020B0503020000020004" pitchFamily="50" charset="-127"/>
+                        </a:rPr>
+                        <a:t>3</a:t>
+                      </a:r>
+                    </a:p>
+                  </a:txBody>
+                  <a:tcPr marL="7152" marR="7152" marT="7152" marB="0" anchor="ctr">
+                    <a:lnL w="3175" cap="flat" cmpd="sng" algn="ctr">
+                      <a:solidFill>
+                        <a:schemeClr val="tx1"/>
+                      </a:solidFill>
+                      <a:prstDash val="solid"/>
+                      <a:round/>
+                      <a:headEnd type="none" w="med" len="med"/>
+                      <a:tailEnd type="none" w="med" len="med"/>
+                    </a:lnL>
+                    <a:lnR w="3175" cap="flat" cmpd="sng" algn="ctr">
+                      <a:solidFill>
+                        <a:schemeClr val="tx1"/>
+                      </a:solidFill>
+                      <a:prstDash val="solid"/>
+                      <a:round/>
+                      <a:headEnd type="none" w="med" len="med"/>
+                      <a:tailEnd type="none" w="med" len="med"/>
+                    </a:lnR>
+                    <a:lnT w="3175" cap="flat" cmpd="sng" algn="ctr">
+                      <a:solidFill>
+                        <a:schemeClr val="tx1"/>
+                      </a:solidFill>
+                      <a:prstDash val="solid"/>
+                      <a:round/>
+                      <a:headEnd type="none" w="med" len="med"/>
+                      <a:tailEnd type="none" w="med" len="med"/>
+                    </a:lnT>
+                    <a:lnB w="3175" cap="flat" cmpd="sng" algn="ctr">
+                      <a:solidFill>
+                        <a:schemeClr val="tx1"/>
+                      </a:solidFill>
+                      <a:prstDash val="solid"/>
+                      <a:round/>
+                      <a:headEnd type="none" w="med" len="med"/>
+                      <a:tailEnd type="none" w="med" len="med"/>
+                    </a:lnB>
+                  </a:tcPr>
+                </a:tc>
+                <a:tc>
+                  <a:txBody>
+                    <a:bodyPr/>
+                    <a:lstStyle/>
+                    <a:p>
+                      <a:pPr algn="ctr" fontAlgn="ctr"/>
+                      <a:r>
+                        <a:rPr lang="en-US" altLang="ko-KR" sz="800" b="0" i="0" u="none" strike="noStrike">
+                          <a:solidFill>
+                            <a:srgbClr val="000000"/>
+                          </a:solidFill>
+                          <a:effectLst/>
+                          <a:latin typeface="맑은 고딕" panose="020B0503020000020004" pitchFamily="50" charset="-127"/>
+                          <a:ea typeface="맑은 고딕" panose="020B0503020000020004" pitchFamily="50" charset="-127"/>
+                        </a:rPr>
+                        <a:t>10</a:t>
+                      </a:r>
+                    </a:p>
+                  </a:txBody>
+                  <a:tcPr marL="7152" marR="7152" marT="7152" marB="0" anchor="ctr">
+                    <a:lnL w="3175" cap="flat" cmpd="sng" algn="ctr">
+                      <a:solidFill>
+                        <a:schemeClr val="tx1"/>
+                      </a:solidFill>
+                      <a:prstDash val="solid"/>
+                      <a:round/>
+                      <a:headEnd type="none" w="med" len="med"/>
+                      <a:tailEnd type="none" w="med" len="med"/>
+                    </a:lnL>
+                    <a:lnR w="3175" cap="flat" cmpd="sng" algn="ctr">
+                      <a:solidFill>
+                        <a:schemeClr val="tx1"/>
+                      </a:solidFill>
+                      <a:prstDash val="solid"/>
+                      <a:round/>
+                      <a:headEnd type="none" w="med" len="med"/>
+                      <a:tailEnd type="none" w="med" len="med"/>
+                    </a:lnR>
+                    <a:lnT w="3175" cap="flat" cmpd="sng" algn="ctr">
+                      <a:solidFill>
+                        <a:schemeClr val="tx1"/>
+                      </a:solidFill>
+                      <a:prstDash val="solid"/>
+                      <a:round/>
+                      <a:headEnd type="none" w="med" len="med"/>
+                      <a:tailEnd type="none" w="med" len="med"/>
+                    </a:lnT>
+                    <a:lnB w="3175" cap="flat" cmpd="sng" algn="ctr">
+                      <a:solidFill>
+                        <a:schemeClr val="tx1"/>
+                      </a:solidFill>
+                      <a:prstDash val="solid"/>
+                      <a:round/>
+                      <a:headEnd type="none" w="med" len="med"/>
+                      <a:tailEnd type="none" w="med" len="med"/>
+                    </a:lnB>
+                  </a:tcPr>
+                </a:tc>
+                <a:tc>
+                  <a:txBody>
+                    <a:bodyPr/>
+                    <a:lstStyle/>
+                    <a:p>
+                      <a:pPr algn="ctr" fontAlgn="ctr"/>
+                      <a:endParaRPr lang="en-US" altLang="ko-KR" sz="800" b="0" i="0" u="none" strike="noStrike">
+                        <a:solidFill>
+                          <a:srgbClr val="000000"/>
+                        </a:solidFill>
+                        <a:effectLst/>
+                        <a:latin typeface="맑은 고딕" panose="020B0503020000020004" pitchFamily="50" charset="-127"/>
+                        <a:ea typeface="맑은 고딕" panose="020B0503020000020004" pitchFamily="50" charset="-127"/>
+                      </a:endParaRPr>
+                    </a:p>
+                  </a:txBody>
+                  <a:tcPr marL="7152" marR="7152" marT="7152" marB="0" anchor="ctr">
+                    <a:lnL w="3175" cap="flat" cmpd="sng" algn="ctr">
+                      <a:solidFill>
+                        <a:schemeClr val="tx1"/>
+                      </a:solidFill>
+                      <a:prstDash val="solid"/>
+                      <a:round/>
+                      <a:headEnd type="none" w="med" len="med"/>
+                      <a:tailEnd type="none" w="med" len="med"/>
+                    </a:lnL>
+                    <a:lnR w="3175" cap="flat" cmpd="sng" algn="ctr">
+                      <a:solidFill>
+                        <a:schemeClr val="tx1"/>
+                      </a:solidFill>
+                      <a:prstDash val="solid"/>
+                      <a:round/>
+                      <a:headEnd type="none" w="med" len="med"/>
+                      <a:tailEnd type="none" w="med" len="med"/>
+                    </a:lnR>
+                    <a:lnT w="3175" cap="flat" cmpd="sng" algn="ctr">
+                      <a:solidFill>
+                        <a:schemeClr val="tx1"/>
+                      </a:solidFill>
+                      <a:prstDash val="solid"/>
+                      <a:round/>
+                      <a:headEnd type="none" w="med" len="med"/>
+                      <a:tailEnd type="none" w="med" len="med"/>
+                    </a:lnT>
+                    <a:lnB w="3175" cap="flat" cmpd="sng" algn="ctr">
+                      <a:solidFill>
+                        <a:schemeClr val="tx1"/>
+                      </a:solidFill>
+                      <a:prstDash val="solid"/>
+                      <a:round/>
+                      <a:headEnd type="none" w="med" len="med"/>
+                      <a:tailEnd type="none" w="med" len="med"/>
+                    </a:lnB>
+                  </a:tcPr>
+                </a:tc>
+                <a:tc>
+                  <a:txBody>
+                    <a:bodyPr/>
+                    <a:lstStyle/>
+                    <a:p>
+                      <a:pPr algn="ctr" fontAlgn="ctr"/>
+                      <a:r>
+                        <a:rPr lang="en-US" altLang="ko-KR" sz="800" b="0" i="0" u="none" strike="noStrike">
+                          <a:solidFill>
+                            <a:srgbClr val="000000"/>
+                          </a:solidFill>
+                          <a:effectLst/>
+                          <a:latin typeface="맑은 고딕" panose="020B0503020000020004" pitchFamily="50" charset="-127"/>
+                          <a:ea typeface="맑은 고딕" panose="020B0503020000020004" pitchFamily="50" charset="-127"/>
+                        </a:rPr>
+                        <a:t>2</a:t>
+                      </a:r>
+                    </a:p>
+                  </a:txBody>
+                  <a:tcPr marL="7152" marR="7152" marT="7152" marB="0" anchor="ctr">
+                    <a:lnL w="3175" cap="flat" cmpd="sng" algn="ctr">
+                      <a:solidFill>
+                        <a:schemeClr val="tx1"/>
+                      </a:solidFill>
+                      <a:prstDash val="solid"/>
+                      <a:round/>
+                      <a:headEnd type="none" w="med" len="med"/>
+                      <a:tailEnd type="none" w="med" len="med"/>
+                    </a:lnL>
+                    <a:lnR w="3175" cap="flat" cmpd="sng" algn="ctr">
+                      <a:solidFill>
+                        <a:schemeClr val="tx1"/>
+                      </a:solidFill>
+                      <a:prstDash val="solid"/>
+                      <a:round/>
+                      <a:headEnd type="none" w="med" len="med"/>
+                      <a:tailEnd type="none" w="med" len="med"/>
+                    </a:lnR>
+                    <a:lnT w="3175" cap="flat" cmpd="sng" algn="ctr">
+                      <a:solidFill>
+                        <a:schemeClr val="tx1"/>
+                      </a:solidFill>
+                      <a:prstDash val="solid"/>
+                      <a:round/>
+                      <a:headEnd type="none" w="med" len="med"/>
+                      <a:tailEnd type="none" w="med" len="med"/>
+                    </a:lnT>
+                    <a:lnB w="3175" cap="flat" cmpd="sng" algn="ctr">
+                      <a:solidFill>
+                        <a:schemeClr val="tx1"/>
+                      </a:solidFill>
+                      <a:prstDash val="solid"/>
+                      <a:round/>
+                      <a:headEnd type="none" w="med" len="med"/>
+                      <a:tailEnd type="none" w="med" len="med"/>
+                    </a:lnB>
+                  </a:tcPr>
+                </a:tc>
+                <a:tc>
+                  <a:txBody>
+                    <a:bodyPr/>
+                    <a:lstStyle/>
+                    <a:p>
+                      <a:pPr algn="ctr" fontAlgn="ctr"/>
+                      <a:r>
+                        <a:rPr lang="en-US" altLang="ko-KR" sz="800" b="0" i="0" u="none" strike="noStrike">
+                          <a:solidFill>
+                            <a:srgbClr val="000000"/>
+                          </a:solidFill>
+                          <a:effectLst/>
+                          <a:latin typeface="맑은 고딕" panose="020B0503020000020004" pitchFamily="50" charset="-127"/>
+                          <a:ea typeface="맑은 고딕" panose="020B0503020000020004" pitchFamily="50" charset="-127"/>
+                        </a:rPr>
+                        <a:t>2,340</a:t>
+                      </a:r>
+                    </a:p>
+                  </a:txBody>
+                  <a:tcPr marL="7152" marR="7152" marT="7152" marB="0" anchor="ctr">
+                    <a:lnL w="3175" cap="flat" cmpd="sng" algn="ctr">
+                      <a:solidFill>
+                        <a:schemeClr val="tx1"/>
+                      </a:solidFill>
+                      <a:prstDash val="solid"/>
+                      <a:round/>
+                      <a:headEnd type="none" w="med" len="med"/>
+                      <a:tailEnd type="none" w="med" len="med"/>
+                    </a:lnL>
+                    <a:lnR w="3175" cap="flat" cmpd="sng" algn="ctr">
+                      <a:solidFill>
+                        <a:schemeClr val="tx1"/>
+                      </a:solidFill>
+                      <a:prstDash val="solid"/>
+                      <a:round/>
+                      <a:headEnd type="none" w="med" len="med"/>
+                      <a:tailEnd type="none" w="med" len="med"/>
+                    </a:lnR>
+                    <a:lnT w="3175" cap="flat" cmpd="sng" algn="ctr">
+                      <a:solidFill>
+                        <a:schemeClr val="tx1"/>
+                      </a:solidFill>
+                      <a:prstDash val="solid"/>
+                      <a:round/>
+                      <a:headEnd type="none" w="med" len="med"/>
+                      <a:tailEnd type="none" w="med" len="med"/>
+                    </a:lnT>
+                    <a:lnB w="3175" cap="flat" cmpd="sng" algn="ctr">
+                      <a:solidFill>
+                        <a:schemeClr val="tx1"/>
+                      </a:solidFill>
+                      <a:prstDash val="solid"/>
+                      <a:round/>
+                      <a:headEnd type="none" w="med" len="med"/>
+                      <a:tailEnd type="none" w="med" len="med"/>
+                    </a:lnB>
+                  </a:tcPr>
+                </a:tc>
+                <a:extLst>
+                  <a:ext uri="{0D108BD9-81ED-4DB2-BD59-A6C34878D82A}">
+                    <a16:rowId xmlns:a16="http://schemas.microsoft.com/office/drawing/2014/main" val="3918225003"/>
+                  </a:ext>
+                </a:extLst>
+              </a:tr>
+              <a:tr h="157338">
+                <a:tc>
+                  <a:txBody>
+                    <a:bodyPr/>
+                    <a:lstStyle/>
+                    <a:p>
+                      <a:pPr algn="ctr" fontAlgn="ctr"/>
+                      <a:r>
+                        <a:rPr lang="en-US" altLang="ko-KR" sz="800" b="0" i="0" u="none" strike="noStrike">
+                          <a:solidFill>
+                            <a:srgbClr val="000000"/>
+                          </a:solidFill>
+                          <a:effectLst/>
+                          <a:latin typeface="맑은 고딕" panose="020B0503020000020004" pitchFamily="50" charset="-127"/>
+                          <a:ea typeface="맑은 고딕" panose="020B0503020000020004" pitchFamily="50" charset="-127"/>
+                        </a:rPr>
+                        <a:t>8462896</a:t>
+                      </a:r>
+                    </a:p>
+                  </a:txBody>
+                  <a:tcPr marL="7152" marR="7152" marT="7152" marB="0" anchor="ctr">
+                    <a:lnL w="3175" cap="flat" cmpd="sng" algn="ctr">
+                      <a:solidFill>
+                        <a:schemeClr val="tx1"/>
+                      </a:solidFill>
+                      <a:prstDash val="solid"/>
+                      <a:round/>
+                      <a:headEnd type="none" w="med" len="med"/>
+                      <a:tailEnd type="none" w="med" len="med"/>
+                    </a:lnL>
+                    <a:lnR w="3175" cap="flat" cmpd="sng" algn="ctr">
+                      <a:solidFill>
+                        <a:schemeClr val="tx1"/>
+                      </a:solidFill>
+                      <a:prstDash val="solid"/>
+                      <a:round/>
+                      <a:headEnd type="none" w="med" len="med"/>
+                      <a:tailEnd type="none" w="med" len="med"/>
+                    </a:lnR>
+                    <a:lnT w="3175" cap="flat" cmpd="sng" algn="ctr">
+                      <a:solidFill>
+                        <a:schemeClr val="tx1"/>
+                      </a:solidFill>
+                      <a:prstDash val="solid"/>
+                      <a:round/>
+                      <a:headEnd type="none" w="med" len="med"/>
+                      <a:tailEnd type="none" w="med" len="med"/>
+                    </a:lnT>
+                    <a:lnB w="3175" cap="flat" cmpd="sng" algn="ctr">
+                      <a:solidFill>
+                        <a:schemeClr val="tx1"/>
+                      </a:solidFill>
+                      <a:prstDash val="solid"/>
+                      <a:round/>
+                      <a:headEnd type="none" w="med" len="med"/>
+                      <a:tailEnd type="none" w="med" len="med"/>
+                    </a:lnB>
+                  </a:tcPr>
+                </a:tc>
+                <a:tc>
+                  <a:txBody>
+                    <a:bodyPr/>
+                    <a:lstStyle/>
+                    <a:p>
+                      <a:pPr algn="ctr" fontAlgn="ctr"/>
+                      <a:r>
+                        <a:rPr lang="en-US" sz="800" b="0" i="0" u="none" strike="noStrike">
+                          <a:solidFill>
+                            <a:srgbClr val="000000"/>
+                          </a:solidFill>
+                          <a:effectLst/>
+                          <a:latin typeface="맑은 고딕" panose="020B0503020000020004" pitchFamily="50" charset="-127"/>
+                          <a:ea typeface="맑은 고딕" panose="020B0503020000020004" pitchFamily="50" charset="-127"/>
+                        </a:rPr>
+                        <a:t>SC051</a:t>
+                      </a:r>
+                    </a:p>
+                  </a:txBody>
+                  <a:tcPr marL="7152" marR="7152" marT="7152" marB="0" anchor="ctr">
+                    <a:lnL w="3175" cap="flat" cmpd="sng" algn="ctr">
+                      <a:solidFill>
+                        <a:schemeClr val="tx1"/>
+                      </a:solidFill>
+                      <a:prstDash val="solid"/>
+                      <a:round/>
+                      <a:headEnd type="none" w="med" len="med"/>
+                      <a:tailEnd type="none" w="med" len="med"/>
+                    </a:lnL>
+                    <a:lnR w="3175" cap="flat" cmpd="sng" algn="ctr">
+                      <a:solidFill>
+                        <a:schemeClr val="tx1"/>
+                      </a:solidFill>
+                      <a:prstDash val="solid"/>
+                      <a:round/>
+                      <a:headEnd type="none" w="med" len="med"/>
+                      <a:tailEnd type="none" w="med" len="med"/>
+                    </a:lnR>
+                    <a:lnT w="3175" cap="flat" cmpd="sng" algn="ctr">
+                      <a:solidFill>
+                        <a:schemeClr val="tx1"/>
+                      </a:solidFill>
+                      <a:prstDash val="solid"/>
+                      <a:round/>
+                      <a:headEnd type="none" w="med" len="med"/>
+                      <a:tailEnd type="none" w="med" len="med"/>
+                    </a:lnT>
+                    <a:lnB w="3175" cap="flat" cmpd="sng" algn="ctr">
+                      <a:solidFill>
+                        <a:schemeClr val="tx1"/>
+                      </a:solidFill>
+                      <a:prstDash val="solid"/>
+                      <a:round/>
+                      <a:headEnd type="none" w="med" len="med"/>
+                      <a:tailEnd type="none" w="med" len="med"/>
+                    </a:lnB>
+                  </a:tcPr>
+                </a:tc>
+                <a:tc>
+                  <a:txBody>
+                    <a:bodyPr/>
+                    <a:lstStyle/>
+                    <a:p>
+                      <a:pPr algn="ctr" fontAlgn="ctr"/>
+                      <a:r>
+                        <a:rPr lang="ko-KR" altLang="en-US" sz="800" b="0" i="0" u="none" strike="noStrike">
+                          <a:solidFill>
+                            <a:srgbClr val="000000"/>
+                          </a:solidFill>
+                          <a:effectLst/>
+                          <a:latin typeface="맑은 고딕" panose="020B0503020000020004" pitchFamily="50" charset="-127"/>
+                          <a:ea typeface="맑은 고딕" panose="020B0503020000020004" pitchFamily="50" charset="-127"/>
+                        </a:rPr>
+                        <a:t>서울특별시</a:t>
+                      </a:r>
+                    </a:p>
+                  </a:txBody>
+                  <a:tcPr marL="7152" marR="7152" marT="7152" marB="0" anchor="ctr">
+                    <a:lnL w="3175" cap="flat" cmpd="sng" algn="ctr">
+                      <a:solidFill>
+                        <a:schemeClr val="tx1"/>
+                      </a:solidFill>
+                      <a:prstDash val="solid"/>
+                      <a:round/>
+                      <a:headEnd type="none" w="med" len="med"/>
+                      <a:tailEnd type="none" w="med" len="med"/>
+                    </a:lnL>
+                    <a:lnR w="3175" cap="flat" cmpd="sng" algn="ctr">
+                      <a:solidFill>
+                        <a:schemeClr val="tx1"/>
+                      </a:solidFill>
+                      <a:prstDash val="solid"/>
+                      <a:round/>
+                      <a:headEnd type="none" w="med" len="med"/>
+                      <a:tailEnd type="none" w="med" len="med"/>
+                    </a:lnR>
+                    <a:lnT w="3175" cap="flat" cmpd="sng" algn="ctr">
+                      <a:solidFill>
+                        <a:schemeClr val="tx1"/>
+                      </a:solidFill>
+                      <a:prstDash val="solid"/>
+                      <a:round/>
+                      <a:headEnd type="none" w="med" len="med"/>
+                      <a:tailEnd type="none" w="med" len="med"/>
+                    </a:lnT>
+                    <a:lnB w="3175" cap="flat" cmpd="sng" algn="ctr">
+                      <a:solidFill>
+                        <a:schemeClr val="tx1"/>
+                      </a:solidFill>
+                      <a:prstDash val="solid"/>
+                      <a:round/>
+                      <a:headEnd type="none" w="med" len="med"/>
+                      <a:tailEnd type="none" w="med" len="med"/>
+                    </a:lnB>
+                  </a:tcPr>
+                </a:tc>
+                <a:tc>
+                  <a:txBody>
+                    <a:bodyPr/>
+                    <a:lstStyle/>
+                    <a:p>
+                      <a:pPr algn="ctr" fontAlgn="ctr"/>
+                      <a:r>
+                        <a:rPr lang="ko-KR" altLang="en-US" sz="800" b="0" i="0" u="none" strike="noStrike">
+                          <a:solidFill>
+                            <a:srgbClr val="000000"/>
+                          </a:solidFill>
+                          <a:effectLst/>
+                          <a:latin typeface="맑은 고딕" panose="020B0503020000020004" pitchFamily="50" charset="-127"/>
+                          <a:ea typeface="맑은 고딕" panose="020B0503020000020004" pitchFamily="50" charset="-127"/>
+                        </a:rPr>
+                        <a:t>강남구</a:t>
+                      </a:r>
+                    </a:p>
+                  </a:txBody>
+                  <a:tcPr marL="7152" marR="7152" marT="7152" marB="0" anchor="ctr">
+                    <a:lnL w="3175" cap="flat" cmpd="sng" algn="ctr">
+                      <a:solidFill>
+                        <a:schemeClr val="tx1"/>
+                      </a:solidFill>
+                      <a:prstDash val="solid"/>
+                      <a:round/>
+                      <a:headEnd type="none" w="med" len="med"/>
+                      <a:tailEnd type="none" w="med" len="med"/>
+                    </a:lnL>
+                    <a:lnR w="3175" cap="flat" cmpd="sng" algn="ctr">
+                      <a:solidFill>
+                        <a:schemeClr val="tx1"/>
+                      </a:solidFill>
+                      <a:prstDash val="solid"/>
+                      <a:round/>
+                      <a:headEnd type="none" w="med" len="med"/>
+                      <a:tailEnd type="none" w="med" len="med"/>
+                    </a:lnR>
+                    <a:lnT w="3175" cap="flat" cmpd="sng" algn="ctr">
+                      <a:solidFill>
+                        <a:schemeClr val="tx1"/>
+                      </a:solidFill>
+                      <a:prstDash val="solid"/>
+                      <a:round/>
+                      <a:headEnd type="none" w="med" len="med"/>
+                      <a:tailEnd type="none" w="med" len="med"/>
+                    </a:lnT>
+                    <a:lnB w="3175" cap="flat" cmpd="sng" algn="ctr">
+                      <a:solidFill>
+                        <a:schemeClr val="tx1"/>
+                      </a:solidFill>
+                      <a:prstDash val="solid"/>
+                      <a:round/>
+                      <a:headEnd type="none" w="med" len="med"/>
+                      <a:tailEnd type="none" w="med" len="med"/>
+                    </a:lnB>
+                  </a:tcPr>
+                </a:tc>
+                <a:tc>
+                  <a:txBody>
+                    <a:bodyPr/>
+                    <a:lstStyle/>
+                    <a:p>
+                      <a:pPr algn="ctr" fontAlgn="ctr"/>
+                      <a:r>
+                        <a:rPr lang="ko-KR" altLang="en-US" sz="800" b="0" i="0" u="none" strike="noStrike">
+                          <a:solidFill>
+                            <a:srgbClr val="000000"/>
+                          </a:solidFill>
+                          <a:effectLst/>
+                          <a:latin typeface="맑은 고딕" panose="020B0503020000020004" pitchFamily="50" charset="-127"/>
+                          <a:ea typeface="맑은 고딕" panose="020B0503020000020004" pitchFamily="50" charset="-127"/>
+                        </a:rPr>
+                        <a:t>일원</a:t>
+                      </a:r>
+                      <a:r>
+                        <a:rPr lang="en-US" altLang="ko-KR" sz="800" b="0" i="0" u="none" strike="noStrike">
+                          <a:solidFill>
+                            <a:srgbClr val="000000"/>
+                          </a:solidFill>
+                          <a:effectLst/>
+                          <a:latin typeface="맑은 고딕" panose="020B0503020000020004" pitchFamily="50" charset="-127"/>
+                          <a:ea typeface="맑은 고딕" panose="020B0503020000020004" pitchFamily="50" charset="-127"/>
+                        </a:rPr>
+                        <a:t>2</a:t>
+                      </a:r>
+                      <a:r>
+                        <a:rPr lang="ko-KR" altLang="en-US" sz="800" b="0" i="0" u="none" strike="noStrike">
+                          <a:solidFill>
+                            <a:srgbClr val="000000"/>
+                          </a:solidFill>
+                          <a:effectLst/>
+                          <a:latin typeface="맑은 고딕" panose="020B0503020000020004" pitchFamily="50" charset="-127"/>
+                          <a:ea typeface="맑은 고딕" panose="020B0503020000020004" pitchFamily="50" charset="-127"/>
+                        </a:rPr>
+                        <a:t>동</a:t>
+                      </a:r>
+                    </a:p>
+                  </a:txBody>
+                  <a:tcPr marL="7152" marR="7152" marT="7152" marB="0" anchor="ctr">
+                    <a:lnL w="3175" cap="flat" cmpd="sng" algn="ctr">
+                      <a:solidFill>
+                        <a:schemeClr val="tx1"/>
+                      </a:solidFill>
+                      <a:prstDash val="solid"/>
+                      <a:round/>
+                      <a:headEnd type="none" w="med" len="med"/>
+                      <a:tailEnd type="none" w="med" len="med"/>
+                    </a:lnL>
+                    <a:lnR w="3175" cap="flat" cmpd="sng" algn="ctr">
+                      <a:solidFill>
+                        <a:schemeClr val="tx1"/>
+                      </a:solidFill>
+                      <a:prstDash val="solid"/>
+                      <a:round/>
+                      <a:headEnd type="none" w="med" len="med"/>
+                      <a:tailEnd type="none" w="med" len="med"/>
+                    </a:lnR>
+                    <a:lnT w="3175" cap="flat" cmpd="sng" algn="ctr">
+                      <a:solidFill>
+                        <a:schemeClr val="tx1"/>
+                      </a:solidFill>
+                      <a:prstDash val="solid"/>
+                      <a:round/>
+                      <a:headEnd type="none" w="med" len="med"/>
+                      <a:tailEnd type="none" w="med" len="med"/>
+                    </a:lnT>
+                    <a:lnB w="3175" cap="flat" cmpd="sng" algn="ctr">
+                      <a:solidFill>
+                        <a:schemeClr val="tx1"/>
+                      </a:solidFill>
+                      <a:prstDash val="solid"/>
+                      <a:round/>
+                      <a:headEnd type="none" w="med" len="med"/>
+                      <a:tailEnd type="none" w="med" len="med"/>
+                    </a:lnB>
+                  </a:tcPr>
+                </a:tc>
+                <a:tc>
+                  <a:txBody>
+                    <a:bodyPr/>
+                    <a:lstStyle/>
+                    <a:p>
+                      <a:pPr algn="ctr" fontAlgn="ctr"/>
+                      <a:r>
+                        <a:rPr lang="en-US" altLang="ko-KR" sz="800" b="0" i="0" u="none" strike="noStrike">
+                          <a:solidFill>
+                            <a:srgbClr val="000000"/>
+                          </a:solidFill>
+                          <a:effectLst/>
+                          <a:latin typeface="맑은 고딕" panose="020B0503020000020004" pitchFamily="50" charset="-127"/>
+                          <a:ea typeface="맑은 고딕" panose="020B0503020000020004" pitchFamily="50" charset="-127"/>
+                        </a:rPr>
+                        <a:t>78000</a:t>
+                      </a:r>
+                    </a:p>
+                  </a:txBody>
+                  <a:tcPr marL="7152" marR="7152" marT="7152" marB="0" anchor="ctr">
+                    <a:lnL w="3175" cap="flat" cmpd="sng" algn="ctr">
+                      <a:solidFill>
+                        <a:schemeClr val="tx1"/>
+                      </a:solidFill>
+                      <a:prstDash val="solid"/>
+                      <a:round/>
+                      <a:headEnd type="none" w="med" len="med"/>
+                      <a:tailEnd type="none" w="med" len="med"/>
+                    </a:lnL>
+                    <a:lnR w="3175" cap="flat" cmpd="sng" algn="ctr">
+                      <a:solidFill>
+                        <a:schemeClr val="tx1"/>
+                      </a:solidFill>
+                      <a:prstDash val="solid"/>
+                      <a:round/>
+                      <a:headEnd type="none" w="med" len="med"/>
+                      <a:tailEnd type="none" w="med" len="med"/>
+                    </a:lnR>
+                    <a:lnT w="3175" cap="flat" cmpd="sng" algn="ctr">
+                      <a:solidFill>
+                        <a:schemeClr val="tx1"/>
+                      </a:solidFill>
+                      <a:prstDash val="solid"/>
+                      <a:round/>
+                      <a:headEnd type="none" w="med" len="med"/>
+                      <a:tailEnd type="none" w="med" len="med"/>
+                    </a:lnT>
+                    <a:lnB w="3175" cap="flat" cmpd="sng" algn="ctr">
+                      <a:solidFill>
+                        <a:schemeClr val="tx1"/>
+                      </a:solidFill>
+                      <a:prstDash val="solid"/>
+                      <a:round/>
+                      <a:headEnd type="none" w="med" len="med"/>
+                      <a:tailEnd type="none" w="med" len="med"/>
+                    </a:lnB>
+                  </a:tcPr>
+                </a:tc>
+                <a:tc>
+                  <a:txBody>
+                    <a:bodyPr/>
+                    <a:lstStyle/>
+                    <a:p>
+                      <a:pPr algn="ctr" fontAlgn="ctr"/>
+                      <a:r>
+                        <a:rPr lang="en-US" altLang="ko-KR" sz="800" b="0" i="0" u="none" strike="noStrike">
+                          <a:solidFill>
+                            <a:srgbClr val="000000"/>
+                          </a:solidFill>
+                          <a:effectLst/>
+                          <a:latin typeface="맑은 고딕" panose="020B0503020000020004" pitchFamily="50" charset="-127"/>
+                          <a:ea typeface="맑은 고딕" panose="020B0503020000020004" pitchFamily="50" charset="-127"/>
+                        </a:rPr>
+                        <a:t>26</a:t>
+                      </a:r>
+                    </a:p>
+                  </a:txBody>
+                  <a:tcPr marL="7152" marR="7152" marT="7152" marB="0" anchor="ctr">
+                    <a:lnL w="3175" cap="flat" cmpd="sng" algn="ctr">
+                      <a:solidFill>
+                        <a:schemeClr val="tx1"/>
+                      </a:solidFill>
+                      <a:prstDash val="solid"/>
+                      <a:round/>
+                      <a:headEnd type="none" w="med" len="med"/>
+                      <a:tailEnd type="none" w="med" len="med"/>
+                    </a:lnL>
+                    <a:lnR w="3175" cap="flat" cmpd="sng" algn="ctr">
+                      <a:solidFill>
+                        <a:schemeClr val="tx1"/>
+                      </a:solidFill>
+                      <a:prstDash val="solid"/>
+                      <a:round/>
+                      <a:headEnd type="none" w="med" len="med"/>
+                      <a:tailEnd type="none" w="med" len="med"/>
+                    </a:lnR>
+                    <a:lnT w="3175" cap="flat" cmpd="sng" algn="ctr">
+                      <a:solidFill>
+                        <a:schemeClr val="tx1"/>
+                      </a:solidFill>
+                      <a:prstDash val="solid"/>
+                      <a:round/>
+                      <a:headEnd type="none" w="med" len="med"/>
+                      <a:tailEnd type="none" w="med" len="med"/>
+                    </a:lnT>
+                    <a:lnB w="3175" cap="flat" cmpd="sng" algn="ctr">
+                      <a:solidFill>
+                        <a:schemeClr val="tx1"/>
+                      </a:solidFill>
+                      <a:prstDash val="solid"/>
+                      <a:round/>
+                      <a:headEnd type="none" w="med" len="med"/>
+                      <a:tailEnd type="none" w="med" len="med"/>
+                    </a:lnB>
+                  </a:tcPr>
+                </a:tc>
+                <a:tc>
+                  <a:txBody>
+                    <a:bodyPr/>
+                    <a:lstStyle/>
+                    <a:p>
+                      <a:pPr algn="ctr" fontAlgn="ctr"/>
+                      <a:r>
+                        <a:rPr lang="en-US" altLang="ko-KR" sz="800" b="0" i="0" u="none" strike="noStrike">
+                          <a:solidFill>
+                            <a:srgbClr val="000000"/>
+                          </a:solidFill>
+                          <a:effectLst/>
+                          <a:latin typeface="맑은 고딕" panose="020B0503020000020004" pitchFamily="50" charset="-127"/>
+                          <a:ea typeface="맑은 고딕" panose="020B0503020000020004" pitchFamily="50" charset="-127"/>
+                        </a:rPr>
+                        <a:t>30</a:t>
+                      </a:r>
+                    </a:p>
+                  </a:txBody>
+                  <a:tcPr marL="7152" marR="7152" marT="7152" marB="0" anchor="ctr">
+                    <a:lnL w="3175" cap="flat" cmpd="sng" algn="ctr">
+                      <a:solidFill>
+                        <a:schemeClr val="tx1"/>
+                      </a:solidFill>
+                      <a:prstDash val="solid"/>
+                      <a:round/>
+                      <a:headEnd type="none" w="med" len="med"/>
+                      <a:tailEnd type="none" w="med" len="med"/>
+                    </a:lnL>
+                    <a:lnR w="3175" cap="flat" cmpd="sng" algn="ctr">
+                      <a:solidFill>
+                        <a:schemeClr val="tx1"/>
+                      </a:solidFill>
+                      <a:prstDash val="solid"/>
+                      <a:round/>
+                      <a:headEnd type="none" w="med" len="med"/>
+                      <a:tailEnd type="none" w="med" len="med"/>
+                    </a:lnR>
+                    <a:lnT w="3175" cap="flat" cmpd="sng" algn="ctr">
+                      <a:solidFill>
+                        <a:schemeClr val="tx1"/>
+                      </a:solidFill>
+                      <a:prstDash val="solid"/>
+                      <a:round/>
+                      <a:headEnd type="none" w="med" len="med"/>
+                      <a:tailEnd type="none" w="med" len="med"/>
+                    </a:lnT>
+                    <a:lnB w="3175" cap="flat" cmpd="sng" algn="ctr">
+                      <a:solidFill>
+                        <a:schemeClr val="tx1"/>
+                      </a:solidFill>
+                      <a:prstDash val="solid"/>
+                      <a:round/>
+                      <a:headEnd type="none" w="med" len="med"/>
+                      <a:tailEnd type="none" w="med" len="med"/>
+                    </a:lnB>
+                  </a:tcPr>
+                </a:tc>
+                <a:tc>
+                  <a:txBody>
+                    <a:bodyPr/>
+                    <a:lstStyle/>
+                    <a:p>
+                      <a:pPr algn="ctr" fontAlgn="ctr"/>
+                      <a:r>
+                        <a:rPr lang="en-US" altLang="ko-KR" sz="800" b="0" i="0" u="none" strike="noStrike">
+                          <a:solidFill>
+                            <a:srgbClr val="000000"/>
+                          </a:solidFill>
+                          <a:effectLst/>
+                          <a:latin typeface="맑은 고딕" panose="020B0503020000020004" pitchFamily="50" charset="-127"/>
+                          <a:ea typeface="맑은 고딕" panose="020B0503020000020004" pitchFamily="50" charset="-127"/>
+                        </a:rPr>
+                        <a:t>3</a:t>
+                      </a:r>
+                    </a:p>
+                  </a:txBody>
+                  <a:tcPr marL="7152" marR="7152" marT="7152" marB="0" anchor="ctr">
+                    <a:lnL w="3175" cap="flat" cmpd="sng" algn="ctr">
+                      <a:solidFill>
+                        <a:schemeClr val="tx1"/>
+                      </a:solidFill>
+                      <a:prstDash val="solid"/>
+                      <a:round/>
+                      <a:headEnd type="none" w="med" len="med"/>
+                      <a:tailEnd type="none" w="med" len="med"/>
+                    </a:lnL>
+                    <a:lnR w="3175" cap="flat" cmpd="sng" algn="ctr">
+                      <a:solidFill>
+                        <a:schemeClr val="tx1"/>
+                      </a:solidFill>
+                      <a:prstDash val="solid"/>
+                      <a:round/>
+                      <a:headEnd type="none" w="med" len="med"/>
+                      <a:tailEnd type="none" w="med" len="med"/>
+                    </a:lnR>
+                    <a:lnT w="3175" cap="flat" cmpd="sng" algn="ctr">
+                      <a:solidFill>
+                        <a:schemeClr val="tx1"/>
+                      </a:solidFill>
+                      <a:prstDash val="solid"/>
+                      <a:round/>
+                      <a:headEnd type="none" w="med" len="med"/>
+                      <a:tailEnd type="none" w="med" len="med"/>
+                    </a:lnT>
+                    <a:lnB w="3175" cap="flat" cmpd="sng" algn="ctr">
+                      <a:solidFill>
+                        <a:schemeClr val="tx1"/>
+                      </a:solidFill>
+                      <a:prstDash val="solid"/>
+                      <a:round/>
+                      <a:headEnd type="none" w="med" len="med"/>
+                      <a:tailEnd type="none" w="med" len="med"/>
+                    </a:lnB>
+                  </a:tcPr>
+                </a:tc>
+                <a:tc>
+                  <a:txBody>
+                    <a:bodyPr/>
+                    <a:lstStyle/>
+                    <a:p>
+                      <a:pPr algn="ctr" fontAlgn="ctr"/>
+                      <a:r>
+                        <a:rPr lang="en-US" altLang="ko-KR" sz="800" b="0" i="0" u="none" strike="noStrike">
+                          <a:solidFill>
+                            <a:srgbClr val="000000"/>
+                          </a:solidFill>
+                          <a:effectLst/>
+                          <a:latin typeface="맑은 고딕" panose="020B0503020000020004" pitchFamily="50" charset="-127"/>
+                          <a:ea typeface="맑은 고딕" panose="020B0503020000020004" pitchFamily="50" charset="-127"/>
+                        </a:rPr>
+                        <a:t>10</a:t>
+                      </a:r>
+                    </a:p>
+                  </a:txBody>
+                  <a:tcPr marL="7152" marR="7152" marT="7152" marB="0" anchor="ctr">
+                    <a:lnL w="3175" cap="flat" cmpd="sng" algn="ctr">
+                      <a:solidFill>
+                        <a:schemeClr val="tx1"/>
+                      </a:solidFill>
+                      <a:prstDash val="solid"/>
+                      <a:round/>
+                      <a:headEnd type="none" w="med" len="med"/>
+                      <a:tailEnd type="none" w="med" len="med"/>
+                    </a:lnL>
+                    <a:lnR w="3175" cap="flat" cmpd="sng" algn="ctr">
+                      <a:solidFill>
+                        <a:schemeClr val="tx1"/>
+                      </a:solidFill>
+                      <a:prstDash val="solid"/>
+                      <a:round/>
+                      <a:headEnd type="none" w="med" len="med"/>
+                      <a:tailEnd type="none" w="med" len="med"/>
+                    </a:lnR>
+                    <a:lnT w="3175" cap="flat" cmpd="sng" algn="ctr">
+                      <a:solidFill>
+                        <a:schemeClr val="tx1"/>
+                      </a:solidFill>
+                      <a:prstDash val="solid"/>
+                      <a:round/>
+                      <a:headEnd type="none" w="med" len="med"/>
+                      <a:tailEnd type="none" w="med" len="med"/>
+                    </a:lnT>
+                    <a:lnB w="3175" cap="flat" cmpd="sng" algn="ctr">
+                      <a:solidFill>
+                        <a:schemeClr val="tx1"/>
+                      </a:solidFill>
+                      <a:prstDash val="solid"/>
+                      <a:round/>
+                      <a:headEnd type="none" w="med" len="med"/>
+                      <a:tailEnd type="none" w="med" len="med"/>
+                    </a:lnB>
+                  </a:tcPr>
+                </a:tc>
+                <a:tc>
+                  <a:txBody>
+                    <a:bodyPr/>
+                    <a:lstStyle/>
+                    <a:p>
+                      <a:pPr algn="ctr" fontAlgn="ctr"/>
+                      <a:r>
+                        <a:rPr lang="en-US" altLang="ko-KR" sz="800" b="0" i="0" u="none" strike="noStrike">
+                          <a:solidFill>
+                            <a:srgbClr val="000000"/>
+                          </a:solidFill>
+                          <a:effectLst/>
+                          <a:latin typeface="맑은 고딕" panose="020B0503020000020004" pitchFamily="50" charset="-127"/>
+                          <a:ea typeface="맑은 고딕" panose="020B0503020000020004" pitchFamily="50" charset="-127"/>
+                        </a:rPr>
+                        <a:t>2</a:t>
+                      </a:r>
+                    </a:p>
+                  </a:txBody>
+                  <a:tcPr marL="7152" marR="7152" marT="7152" marB="0" anchor="ctr">
+                    <a:lnL w="3175" cap="flat" cmpd="sng" algn="ctr">
+                      <a:solidFill>
+                        <a:schemeClr val="tx1"/>
+                      </a:solidFill>
+                      <a:prstDash val="solid"/>
+                      <a:round/>
+                      <a:headEnd type="none" w="med" len="med"/>
+                      <a:tailEnd type="none" w="med" len="med"/>
+                    </a:lnL>
+                    <a:lnR w="3175" cap="flat" cmpd="sng" algn="ctr">
+                      <a:solidFill>
+                        <a:schemeClr val="tx1"/>
+                      </a:solidFill>
+                      <a:prstDash val="solid"/>
+                      <a:round/>
+                      <a:headEnd type="none" w="med" len="med"/>
+                      <a:tailEnd type="none" w="med" len="med"/>
+                    </a:lnR>
+                    <a:lnT w="3175" cap="flat" cmpd="sng" algn="ctr">
+                      <a:solidFill>
+                        <a:schemeClr val="tx1"/>
+                      </a:solidFill>
+                      <a:prstDash val="solid"/>
+                      <a:round/>
+                      <a:headEnd type="none" w="med" len="med"/>
+                      <a:tailEnd type="none" w="med" len="med"/>
+                    </a:lnT>
+                    <a:lnB w="3175" cap="flat" cmpd="sng" algn="ctr">
+                      <a:solidFill>
+                        <a:schemeClr val="tx1"/>
+                      </a:solidFill>
+                      <a:prstDash val="solid"/>
+                      <a:round/>
+                      <a:headEnd type="none" w="med" len="med"/>
+                      <a:tailEnd type="none" w="med" len="med"/>
+                    </a:lnB>
+                  </a:tcPr>
+                </a:tc>
+                <a:tc>
+                  <a:txBody>
+                    <a:bodyPr/>
+                    <a:lstStyle/>
+                    <a:p>
+                      <a:pPr algn="ctr" fontAlgn="ctr"/>
+                      <a:r>
+                        <a:rPr lang="en-US" altLang="ko-KR" sz="800" b="0" i="0" u="none" strike="noStrike">
+                          <a:solidFill>
+                            <a:srgbClr val="000000"/>
+                          </a:solidFill>
+                          <a:effectLst/>
+                          <a:latin typeface="맑은 고딕" panose="020B0503020000020004" pitchFamily="50" charset="-127"/>
+                          <a:ea typeface="맑은 고딕" panose="020B0503020000020004" pitchFamily="50" charset="-127"/>
+                        </a:rPr>
+                        <a:t>3</a:t>
+                      </a:r>
+                    </a:p>
+                  </a:txBody>
+                  <a:tcPr marL="7152" marR="7152" marT="7152" marB="0" anchor="ctr">
+                    <a:lnL w="3175" cap="flat" cmpd="sng" algn="ctr">
+                      <a:solidFill>
+                        <a:schemeClr val="tx1"/>
+                      </a:solidFill>
+                      <a:prstDash val="solid"/>
+                      <a:round/>
+                      <a:headEnd type="none" w="med" len="med"/>
+                      <a:tailEnd type="none" w="med" len="med"/>
+                    </a:lnL>
+                    <a:lnR w="3175" cap="flat" cmpd="sng" algn="ctr">
+                      <a:solidFill>
+                        <a:schemeClr val="tx1"/>
+                      </a:solidFill>
+                      <a:prstDash val="solid"/>
+                      <a:round/>
+                      <a:headEnd type="none" w="med" len="med"/>
+                      <a:tailEnd type="none" w="med" len="med"/>
+                    </a:lnR>
+                    <a:lnT w="3175" cap="flat" cmpd="sng" algn="ctr">
+                      <a:solidFill>
+                        <a:schemeClr val="tx1"/>
+                      </a:solidFill>
+                      <a:prstDash val="solid"/>
+                      <a:round/>
+                      <a:headEnd type="none" w="med" len="med"/>
+                      <a:tailEnd type="none" w="med" len="med"/>
+                    </a:lnT>
+                    <a:lnB w="3175" cap="flat" cmpd="sng" algn="ctr">
+                      <a:solidFill>
+                        <a:schemeClr val="tx1"/>
+                      </a:solidFill>
+                      <a:prstDash val="solid"/>
+                      <a:round/>
+                      <a:headEnd type="none" w="med" len="med"/>
+                      <a:tailEnd type="none" w="med" len="med"/>
+                    </a:lnB>
+                  </a:tcPr>
+                </a:tc>
+                <a:tc>
+                  <a:txBody>
+                    <a:bodyPr/>
+                    <a:lstStyle/>
+                    <a:p>
+                      <a:pPr algn="ctr" fontAlgn="ctr"/>
+                      <a:r>
+                        <a:rPr lang="en-US" altLang="ko-KR" sz="800" b="0" i="0" u="none" strike="noStrike">
+                          <a:solidFill>
+                            <a:srgbClr val="000000"/>
+                          </a:solidFill>
+                          <a:effectLst/>
+                          <a:latin typeface="맑은 고딕" panose="020B0503020000020004" pitchFamily="50" charset="-127"/>
+                          <a:ea typeface="맑은 고딕" panose="020B0503020000020004" pitchFamily="50" charset="-127"/>
+                        </a:rPr>
+                        <a:t>39,445,965</a:t>
+                      </a:r>
+                    </a:p>
+                  </a:txBody>
+                  <a:tcPr marL="7152" marR="7152" marT="7152" marB="0" anchor="ctr">
+                    <a:lnL w="3175" cap="flat" cmpd="sng" algn="ctr">
+                      <a:solidFill>
+                        <a:schemeClr val="tx1"/>
+                      </a:solidFill>
+                      <a:prstDash val="solid"/>
+                      <a:round/>
+                      <a:headEnd type="none" w="med" len="med"/>
+                      <a:tailEnd type="none" w="med" len="med"/>
+                    </a:lnL>
+                    <a:lnR w="3175" cap="flat" cmpd="sng" algn="ctr">
+                      <a:solidFill>
+                        <a:schemeClr val="tx1"/>
+                      </a:solidFill>
+                      <a:prstDash val="solid"/>
+                      <a:round/>
+                      <a:headEnd type="none" w="med" len="med"/>
+                      <a:tailEnd type="none" w="med" len="med"/>
+                    </a:lnR>
+                    <a:lnT w="3175" cap="flat" cmpd="sng" algn="ctr">
+                      <a:solidFill>
+                        <a:schemeClr val="tx1"/>
+                      </a:solidFill>
+                      <a:prstDash val="solid"/>
+                      <a:round/>
+                      <a:headEnd type="none" w="med" len="med"/>
+                      <a:tailEnd type="none" w="med" len="med"/>
+                    </a:lnT>
+                    <a:lnB w="3175" cap="flat" cmpd="sng" algn="ctr">
+                      <a:solidFill>
+                        <a:schemeClr val="tx1"/>
+                      </a:solidFill>
+                      <a:prstDash val="solid"/>
+                      <a:round/>
+                      <a:headEnd type="none" w="med" len="med"/>
+                      <a:tailEnd type="none" w="med" len="med"/>
+                    </a:lnB>
+                  </a:tcPr>
+                </a:tc>
+                <a:extLst>
+                  <a:ext uri="{0D108BD9-81ED-4DB2-BD59-A6C34878D82A}">
+                    <a16:rowId xmlns:a16="http://schemas.microsoft.com/office/drawing/2014/main" val="2041333238"/>
+                  </a:ext>
+                </a:extLst>
+              </a:tr>
+              <a:tr h="157338">
+                <a:tc>
+                  <a:txBody>
+                    <a:bodyPr/>
+                    <a:lstStyle/>
+                    <a:p>
+                      <a:pPr algn="ctr" fontAlgn="ctr"/>
+                      <a:r>
+                        <a:rPr lang="en-US" altLang="ko-KR" sz="800" b="0" i="0" u="none" strike="noStrike">
+                          <a:solidFill>
+                            <a:srgbClr val="000000"/>
+                          </a:solidFill>
+                          <a:effectLst/>
+                          <a:latin typeface="맑은 고딕" panose="020B0503020000020004" pitchFamily="50" charset="-127"/>
+                          <a:ea typeface="맑은 고딕" panose="020B0503020000020004" pitchFamily="50" charset="-127"/>
+                        </a:rPr>
+                        <a:t>8461422</a:t>
+                      </a:r>
+                    </a:p>
+                  </a:txBody>
+                  <a:tcPr marL="7152" marR="7152" marT="7152" marB="0" anchor="ctr">
+                    <a:lnL w="3175" cap="flat" cmpd="sng" algn="ctr">
+                      <a:solidFill>
+                        <a:schemeClr val="tx1"/>
+                      </a:solidFill>
+                      <a:prstDash val="solid"/>
+                      <a:round/>
+                      <a:headEnd type="none" w="med" len="med"/>
+                      <a:tailEnd type="none" w="med" len="med"/>
+                    </a:lnL>
+                    <a:lnR w="3175" cap="flat" cmpd="sng" algn="ctr">
+                      <a:solidFill>
+                        <a:schemeClr val="tx1"/>
+                      </a:solidFill>
+                      <a:prstDash val="solid"/>
+                      <a:round/>
+                      <a:headEnd type="none" w="med" len="med"/>
+                      <a:tailEnd type="none" w="med" len="med"/>
+                    </a:lnR>
+                    <a:lnT w="3175" cap="flat" cmpd="sng" algn="ctr">
+                      <a:solidFill>
+                        <a:schemeClr val="tx1"/>
+                      </a:solidFill>
+                      <a:prstDash val="solid"/>
+                      <a:round/>
+                      <a:headEnd type="none" w="med" len="med"/>
+                      <a:tailEnd type="none" w="med" len="med"/>
+                    </a:lnT>
+                    <a:lnB w="3175" cap="flat" cmpd="sng" algn="ctr">
+                      <a:solidFill>
+                        <a:schemeClr val="tx1"/>
+                      </a:solidFill>
+                      <a:prstDash val="solid"/>
+                      <a:round/>
+                      <a:headEnd type="none" w="med" len="med"/>
+                      <a:tailEnd type="none" w="med" len="med"/>
+                    </a:lnB>
+                  </a:tcPr>
+                </a:tc>
+                <a:tc>
+                  <a:txBody>
+                    <a:bodyPr/>
+                    <a:lstStyle/>
+                    <a:p>
+                      <a:pPr algn="ctr" fontAlgn="ctr"/>
+                      <a:r>
+                        <a:rPr lang="en-US" sz="800" b="0" i="0" u="none" strike="noStrike">
+                          <a:solidFill>
+                            <a:srgbClr val="000000"/>
+                          </a:solidFill>
+                          <a:effectLst/>
+                          <a:latin typeface="맑은 고딕" panose="020B0503020000020004" pitchFamily="50" charset="-127"/>
+                          <a:ea typeface="맑은 고딕" panose="020B0503020000020004" pitchFamily="50" charset="-127"/>
+                        </a:rPr>
+                        <a:t>SC001</a:t>
+                      </a:r>
+                    </a:p>
+                  </a:txBody>
+                  <a:tcPr marL="7152" marR="7152" marT="7152" marB="0" anchor="ctr">
+                    <a:lnL w="3175" cap="flat" cmpd="sng" algn="ctr">
+                      <a:solidFill>
+                        <a:schemeClr val="tx1"/>
+                      </a:solidFill>
+                      <a:prstDash val="solid"/>
+                      <a:round/>
+                      <a:headEnd type="none" w="med" len="med"/>
+                      <a:tailEnd type="none" w="med" len="med"/>
+                    </a:lnL>
+                    <a:lnR w="3175" cap="flat" cmpd="sng" algn="ctr">
+                      <a:solidFill>
+                        <a:schemeClr val="tx1"/>
+                      </a:solidFill>
+                      <a:prstDash val="solid"/>
+                      <a:round/>
+                      <a:headEnd type="none" w="med" len="med"/>
+                      <a:tailEnd type="none" w="med" len="med"/>
+                    </a:lnR>
+                    <a:lnT w="3175" cap="flat" cmpd="sng" algn="ctr">
+                      <a:solidFill>
+                        <a:schemeClr val="tx1"/>
+                      </a:solidFill>
+                      <a:prstDash val="solid"/>
+                      <a:round/>
+                      <a:headEnd type="none" w="med" len="med"/>
+                      <a:tailEnd type="none" w="med" len="med"/>
+                    </a:lnT>
+                    <a:lnB w="3175" cap="flat" cmpd="sng" algn="ctr">
+                      <a:solidFill>
+                        <a:schemeClr val="tx1"/>
+                      </a:solidFill>
+                      <a:prstDash val="solid"/>
+                      <a:round/>
+                      <a:headEnd type="none" w="med" len="med"/>
+                      <a:tailEnd type="none" w="med" len="med"/>
+                    </a:lnB>
+                  </a:tcPr>
+                </a:tc>
+                <a:tc>
+                  <a:txBody>
+                    <a:bodyPr/>
+                    <a:lstStyle/>
+                    <a:p>
+                      <a:pPr algn="ctr" fontAlgn="ctr"/>
+                      <a:r>
+                        <a:rPr lang="ko-KR" altLang="en-US" sz="800" b="0" i="0" u="none" strike="noStrike">
+                          <a:solidFill>
+                            <a:srgbClr val="000000"/>
+                          </a:solidFill>
+                          <a:effectLst/>
+                          <a:latin typeface="맑은 고딕" panose="020B0503020000020004" pitchFamily="50" charset="-127"/>
+                          <a:ea typeface="맑은 고딕" panose="020B0503020000020004" pitchFamily="50" charset="-127"/>
+                        </a:rPr>
+                        <a:t>서울특별시</a:t>
+                      </a:r>
+                    </a:p>
+                  </a:txBody>
+                  <a:tcPr marL="7152" marR="7152" marT="7152" marB="0" anchor="ctr">
+                    <a:lnL w="3175" cap="flat" cmpd="sng" algn="ctr">
+                      <a:solidFill>
+                        <a:schemeClr val="tx1"/>
+                      </a:solidFill>
+                      <a:prstDash val="solid"/>
+                      <a:round/>
+                      <a:headEnd type="none" w="med" len="med"/>
+                      <a:tailEnd type="none" w="med" len="med"/>
+                    </a:lnL>
+                    <a:lnR w="3175" cap="flat" cmpd="sng" algn="ctr">
+                      <a:solidFill>
+                        <a:schemeClr val="tx1"/>
+                      </a:solidFill>
+                      <a:prstDash val="solid"/>
+                      <a:round/>
+                      <a:headEnd type="none" w="med" len="med"/>
+                      <a:tailEnd type="none" w="med" len="med"/>
+                    </a:lnR>
+                    <a:lnT w="3175" cap="flat" cmpd="sng" algn="ctr">
+                      <a:solidFill>
+                        <a:schemeClr val="tx1"/>
+                      </a:solidFill>
+                      <a:prstDash val="solid"/>
+                      <a:round/>
+                      <a:headEnd type="none" w="med" len="med"/>
+                      <a:tailEnd type="none" w="med" len="med"/>
+                    </a:lnT>
+                    <a:lnB w="3175" cap="flat" cmpd="sng" algn="ctr">
+                      <a:solidFill>
+                        <a:schemeClr val="tx1"/>
+                      </a:solidFill>
+                      <a:prstDash val="solid"/>
+                      <a:round/>
+                      <a:headEnd type="none" w="med" len="med"/>
+                      <a:tailEnd type="none" w="med" len="med"/>
+                    </a:lnB>
+                  </a:tcPr>
+                </a:tc>
+                <a:tc>
+                  <a:txBody>
+                    <a:bodyPr/>
+                    <a:lstStyle/>
+                    <a:p>
+                      <a:pPr algn="ctr" fontAlgn="ctr"/>
+                      <a:r>
+                        <a:rPr lang="ko-KR" altLang="en-US" sz="800" b="0" i="0" u="none" strike="noStrike">
+                          <a:solidFill>
+                            <a:srgbClr val="000000"/>
+                          </a:solidFill>
+                          <a:effectLst/>
+                          <a:latin typeface="맑은 고딕" panose="020B0503020000020004" pitchFamily="50" charset="-127"/>
+                          <a:ea typeface="맑은 고딕" panose="020B0503020000020004" pitchFamily="50" charset="-127"/>
+                        </a:rPr>
+                        <a:t>강남구</a:t>
+                      </a:r>
+                    </a:p>
+                  </a:txBody>
+                  <a:tcPr marL="7152" marR="7152" marT="7152" marB="0" anchor="ctr">
+                    <a:lnL w="3175" cap="flat" cmpd="sng" algn="ctr">
+                      <a:solidFill>
+                        <a:schemeClr val="tx1"/>
+                      </a:solidFill>
+                      <a:prstDash val="solid"/>
+                      <a:round/>
+                      <a:headEnd type="none" w="med" len="med"/>
+                      <a:tailEnd type="none" w="med" len="med"/>
+                    </a:lnL>
+                    <a:lnR w="3175" cap="flat" cmpd="sng" algn="ctr">
+                      <a:solidFill>
+                        <a:schemeClr val="tx1"/>
+                      </a:solidFill>
+                      <a:prstDash val="solid"/>
+                      <a:round/>
+                      <a:headEnd type="none" w="med" len="med"/>
+                      <a:tailEnd type="none" w="med" len="med"/>
+                    </a:lnR>
+                    <a:lnT w="3175" cap="flat" cmpd="sng" algn="ctr">
+                      <a:solidFill>
+                        <a:schemeClr val="tx1"/>
+                      </a:solidFill>
+                      <a:prstDash val="solid"/>
+                      <a:round/>
+                      <a:headEnd type="none" w="med" len="med"/>
+                      <a:tailEnd type="none" w="med" len="med"/>
+                    </a:lnT>
+                    <a:lnB w="3175" cap="flat" cmpd="sng" algn="ctr">
+                      <a:solidFill>
+                        <a:schemeClr val="tx1"/>
+                      </a:solidFill>
+                      <a:prstDash val="solid"/>
+                      <a:round/>
+                      <a:headEnd type="none" w="med" len="med"/>
+                      <a:tailEnd type="none" w="med" len="med"/>
+                    </a:lnB>
+                  </a:tcPr>
+                </a:tc>
+                <a:tc>
+                  <a:txBody>
+                    <a:bodyPr/>
+                    <a:lstStyle/>
+                    <a:p>
+                      <a:pPr algn="ctr" fontAlgn="ctr"/>
+                      <a:r>
+                        <a:rPr lang="ko-KR" altLang="en-US" sz="800" b="0" i="0" u="none" strike="noStrike">
+                          <a:solidFill>
+                            <a:srgbClr val="000000"/>
+                          </a:solidFill>
+                          <a:effectLst/>
+                          <a:latin typeface="맑은 고딕" panose="020B0503020000020004" pitchFamily="50" charset="-127"/>
+                          <a:ea typeface="맑은 고딕" panose="020B0503020000020004" pitchFamily="50" charset="-127"/>
+                        </a:rPr>
+                        <a:t>역삼</a:t>
+                      </a:r>
+                      <a:r>
+                        <a:rPr lang="en-US" altLang="ko-KR" sz="800" b="0" i="0" u="none" strike="noStrike">
+                          <a:solidFill>
+                            <a:srgbClr val="000000"/>
+                          </a:solidFill>
+                          <a:effectLst/>
+                          <a:latin typeface="맑은 고딕" panose="020B0503020000020004" pitchFamily="50" charset="-127"/>
+                          <a:ea typeface="맑은 고딕" panose="020B0503020000020004" pitchFamily="50" charset="-127"/>
+                        </a:rPr>
+                        <a:t>1</a:t>
+                      </a:r>
+                      <a:r>
+                        <a:rPr lang="ko-KR" altLang="en-US" sz="800" b="0" i="0" u="none" strike="noStrike">
+                          <a:solidFill>
+                            <a:srgbClr val="000000"/>
+                          </a:solidFill>
+                          <a:effectLst/>
+                          <a:latin typeface="맑은 고딕" panose="020B0503020000020004" pitchFamily="50" charset="-127"/>
+                          <a:ea typeface="맑은 고딕" panose="020B0503020000020004" pitchFamily="50" charset="-127"/>
+                        </a:rPr>
+                        <a:t>동</a:t>
+                      </a:r>
+                    </a:p>
+                  </a:txBody>
+                  <a:tcPr marL="7152" marR="7152" marT="7152" marB="0" anchor="ctr">
+                    <a:lnL w="3175" cap="flat" cmpd="sng" algn="ctr">
+                      <a:solidFill>
+                        <a:schemeClr val="tx1"/>
+                      </a:solidFill>
+                      <a:prstDash val="solid"/>
+                      <a:round/>
+                      <a:headEnd type="none" w="med" len="med"/>
+                      <a:tailEnd type="none" w="med" len="med"/>
+                    </a:lnL>
+                    <a:lnR w="3175" cap="flat" cmpd="sng" algn="ctr">
+                      <a:solidFill>
+                        <a:schemeClr val="tx1"/>
+                      </a:solidFill>
+                      <a:prstDash val="solid"/>
+                      <a:round/>
+                      <a:headEnd type="none" w="med" len="med"/>
+                      <a:tailEnd type="none" w="med" len="med"/>
+                    </a:lnR>
+                    <a:lnT w="3175" cap="flat" cmpd="sng" algn="ctr">
+                      <a:solidFill>
+                        <a:schemeClr val="tx1"/>
+                      </a:solidFill>
+                      <a:prstDash val="solid"/>
+                      <a:round/>
+                      <a:headEnd type="none" w="med" len="med"/>
+                      <a:tailEnd type="none" w="med" len="med"/>
+                    </a:lnT>
+                    <a:lnB w="3175" cap="flat" cmpd="sng" algn="ctr">
+                      <a:solidFill>
+                        <a:schemeClr val="tx1"/>
+                      </a:solidFill>
+                      <a:prstDash val="solid"/>
+                      <a:round/>
+                      <a:headEnd type="none" w="med" len="med"/>
+                      <a:tailEnd type="none" w="med" len="med"/>
+                    </a:lnB>
+                  </a:tcPr>
+                </a:tc>
+                <a:tc>
+                  <a:txBody>
+                    <a:bodyPr/>
+                    <a:lstStyle/>
+                    <a:p>
+                      <a:pPr algn="ctr" fontAlgn="ctr"/>
+                      <a:r>
+                        <a:rPr lang="en-US" altLang="ko-KR" sz="800" b="0" i="0" u="none" strike="noStrike">
+                          <a:solidFill>
+                            <a:srgbClr val="000000"/>
+                          </a:solidFill>
+                          <a:effectLst/>
+                          <a:latin typeface="맑은 고딕" panose="020B0503020000020004" pitchFamily="50" charset="-127"/>
+                          <a:ea typeface="맑은 고딕" panose="020B0503020000020004" pitchFamily="50" charset="-127"/>
+                        </a:rPr>
+                        <a:t>3474400</a:t>
+                      </a:r>
+                    </a:p>
+                  </a:txBody>
+                  <a:tcPr marL="7152" marR="7152" marT="7152" marB="0" anchor="ctr">
+                    <a:lnL w="3175" cap="flat" cmpd="sng" algn="ctr">
+                      <a:solidFill>
+                        <a:schemeClr val="tx1"/>
+                      </a:solidFill>
+                      <a:prstDash val="solid"/>
+                      <a:round/>
+                      <a:headEnd type="none" w="med" len="med"/>
+                      <a:tailEnd type="none" w="med" len="med"/>
+                    </a:lnL>
+                    <a:lnR w="3175" cap="flat" cmpd="sng" algn="ctr">
+                      <a:solidFill>
+                        <a:schemeClr val="tx1"/>
+                      </a:solidFill>
+                      <a:prstDash val="solid"/>
+                      <a:round/>
+                      <a:headEnd type="none" w="med" len="med"/>
+                      <a:tailEnd type="none" w="med" len="med"/>
+                    </a:lnR>
+                    <a:lnT w="3175" cap="flat" cmpd="sng" algn="ctr">
+                      <a:solidFill>
+                        <a:schemeClr val="tx1"/>
+                      </a:solidFill>
+                      <a:prstDash val="solid"/>
+                      <a:round/>
+                      <a:headEnd type="none" w="med" len="med"/>
+                      <a:tailEnd type="none" w="med" len="med"/>
+                    </a:lnT>
+                    <a:lnB w="3175" cap="flat" cmpd="sng" algn="ctr">
+                      <a:solidFill>
+                        <a:schemeClr val="tx1"/>
+                      </a:solidFill>
+                      <a:prstDash val="solid"/>
+                      <a:round/>
+                      <a:headEnd type="none" w="med" len="med"/>
+                      <a:tailEnd type="none" w="med" len="med"/>
+                    </a:lnB>
+                  </a:tcPr>
+                </a:tc>
+                <a:tc>
+                  <a:txBody>
+                    <a:bodyPr/>
+                    <a:lstStyle/>
+                    <a:p>
+                      <a:pPr algn="ctr" fontAlgn="ctr"/>
+                      <a:r>
+                        <a:rPr lang="en-US" altLang="ko-KR" sz="800" b="0" i="0" u="none" strike="noStrike">
+                          <a:solidFill>
+                            <a:srgbClr val="000000"/>
+                          </a:solidFill>
+                          <a:effectLst/>
+                          <a:latin typeface="맑은 고딕" panose="020B0503020000020004" pitchFamily="50" charset="-127"/>
+                          <a:ea typeface="맑은 고딕" panose="020B0503020000020004" pitchFamily="50" charset="-127"/>
+                        </a:rPr>
+                        <a:t>172</a:t>
+                      </a:r>
+                    </a:p>
+                  </a:txBody>
+                  <a:tcPr marL="7152" marR="7152" marT="7152" marB="0" anchor="ctr">
+                    <a:lnL w="3175" cap="flat" cmpd="sng" algn="ctr">
+                      <a:solidFill>
+                        <a:schemeClr val="tx1"/>
+                      </a:solidFill>
+                      <a:prstDash val="solid"/>
+                      <a:round/>
+                      <a:headEnd type="none" w="med" len="med"/>
+                      <a:tailEnd type="none" w="med" len="med"/>
+                    </a:lnL>
+                    <a:lnR w="3175" cap="flat" cmpd="sng" algn="ctr">
+                      <a:solidFill>
+                        <a:schemeClr val="tx1"/>
+                      </a:solidFill>
+                      <a:prstDash val="solid"/>
+                      <a:round/>
+                      <a:headEnd type="none" w="med" len="med"/>
+                      <a:tailEnd type="none" w="med" len="med"/>
+                    </a:lnR>
+                    <a:lnT w="3175" cap="flat" cmpd="sng" algn="ctr">
+                      <a:solidFill>
+                        <a:schemeClr val="tx1"/>
+                      </a:solidFill>
+                      <a:prstDash val="solid"/>
+                      <a:round/>
+                      <a:headEnd type="none" w="med" len="med"/>
+                      <a:tailEnd type="none" w="med" len="med"/>
+                    </a:lnT>
+                    <a:lnB w="3175" cap="flat" cmpd="sng" algn="ctr">
+                      <a:solidFill>
+                        <a:schemeClr val="tx1"/>
+                      </a:solidFill>
+                      <a:prstDash val="solid"/>
+                      <a:round/>
+                      <a:headEnd type="none" w="med" len="med"/>
+                      <a:tailEnd type="none" w="med" len="med"/>
+                    </a:lnB>
+                  </a:tcPr>
+                </a:tc>
+                <a:tc>
+                  <a:txBody>
+                    <a:bodyPr/>
+                    <a:lstStyle/>
+                    <a:p>
+                      <a:pPr algn="ctr" fontAlgn="ctr"/>
+                      <a:r>
+                        <a:rPr lang="en-US" altLang="ko-KR" sz="800" b="0" i="0" u="none" strike="noStrike">
+                          <a:solidFill>
+                            <a:srgbClr val="000000"/>
+                          </a:solidFill>
+                          <a:effectLst/>
+                          <a:latin typeface="맑은 고딕" panose="020B0503020000020004" pitchFamily="50" charset="-127"/>
+                          <a:ea typeface="맑은 고딕" panose="020B0503020000020004" pitchFamily="50" charset="-127"/>
+                        </a:rPr>
+                        <a:t>202</a:t>
+                      </a:r>
+                    </a:p>
+                  </a:txBody>
+                  <a:tcPr marL="7152" marR="7152" marT="7152" marB="0" anchor="ctr">
+                    <a:lnL w="3175" cap="flat" cmpd="sng" algn="ctr">
+                      <a:solidFill>
+                        <a:schemeClr val="tx1"/>
+                      </a:solidFill>
+                      <a:prstDash val="solid"/>
+                      <a:round/>
+                      <a:headEnd type="none" w="med" len="med"/>
+                      <a:tailEnd type="none" w="med" len="med"/>
+                    </a:lnL>
+                    <a:lnR w="3175" cap="flat" cmpd="sng" algn="ctr">
+                      <a:solidFill>
+                        <a:schemeClr val="tx1"/>
+                      </a:solidFill>
+                      <a:prstDash val="solid"/>
+                      <a:round/>
+                      <a:headEnd type="none" w="med" len="med"/>
+                      <a:tailEnd type="none" w="med" len="med"/>
+                    </a:lnR>
+                    <a:lnT w="3175" cap="flat" cmpd="sng" algn="ctr">
+                      <a:solidFill>
+                        <a:schemeClr val="tx1"/>
+                      </a:solidFill>
+                      <a:prstDash val="solid"/>
+                      <a:round/>
+                      <a:headEnd type="none" w="med" len="med"/>
+                      <a:tailEnd type="none" w="med" len="med"/>
+                    </a:lnT>
+                    <a:lnB w="3175" cap="flat" cmpd="sng" algn="ctr">
+                      <a:solidFill>
+                        <a:schemeClr val="tx1"/>
+                      </a:solidFill>
+                      <a:prstDash val="solid"/>
+                      <a:round/>
+                      <a:headEnd type="none" w="med" len="med"/>
+                      <a:tailEnd type="none" w="med" len="med"/>
+                    </a:lnB>
+                  </a:tcPr>
+                </a:tc>
+                <a:tc>
+                  <a:txBody>
+                    <a:bodyPr/>
+                    <a:lstStyle/>
+                    <a:p>
+                      <a:pPr algn="ctr" fontAlgn="ctr"/>
+                      <a:r>
+                        <a:rPr lang="en-US" altLang="ko-KR" sz="800" b="0" i="0" u="none" strike="noStrike">
+                          <a:solidFill>
+                            <a:srgbClr val="000000"/>
+                          </a:solidFill>
+                          <a:effectLst/>
+                          <a:latin typeface="맑은 고딕" panose="020B0503020000020004" pitchFamily="50" charset="-127"/>
+                          <a:ea typeface="맑은 고딕" panose="020B0503020000020004" pitchFamily="50" charset="-127"/>
+                        </a:rPr>
+                        <a:t>320</a:t>
+                      </a:r>
+                    </a:p>
+                  </a:txBody>
+                  <a:tcPr marL="7152" marR="7152" marT="7152" marB="0" anchor="ctr">
+                    <a:lnL w="3175" cap="flat" cmpd="sng" algn="ctr">
+                      <a:solidFill>
+                        <a:schemeClr val="tx1"/>
+                      </a:solidFill>
+                      <a:prstDash val="solid"/>
+                      <a:round/>
+                      <a:headEnd type="none" w="med" len="med"/>
+                      <a:tailEnd type="none" w="med" len="med"/>
+                    </a:lnL>
+                    <a:lnR w="3175" cap="flat" cmpd="sng" algn="ctr">
+                      <a:solidFill>
+                        <a:schemeClr val="tx1"/>
+                      </a:solidFill>
+                      <a:prstDash val="solid"/>
+                      <a:round/>
+                      <a:headEnd type="none" w="med" len="med"/>
+                      <a:tailEnd type="none" w="med" len="med"/>
+                    </a:lnR>
+                    <a:lnT w="3175" cap="flat" cmpd="sng" algn="ctr">
+                      <a:solidFill>
+                        <a:schemeClr val="tx1"/>
+                      </a:solidFill>
+                      <a:prstDash val="solid"/>
+                      <a:round/>
+                      <a:headEnd type="none" w="med" len="med"/>
+                      <a:tailEnd type="none" w="med" len="med"/>
+                    </a:lnT>
+                    <a:lnB w="3175" cap="flat" cmpd="sng" algn="ctr">
+                      <a:solidFill>
+                        <a:schemeClr val="tx1"/>
+                      </a:solidFill>
+                      <a:prstDash val="solid"/>
+                      <a:round/>
+                      <a:headEnd type="none" w="med" len="med"/>
+                      <a:tailEnd type="none" w="med" len="med"/>
+                    </a:lnB>
+                  </a:tcPr>
+                </a:tc>
+                <a:tc>
+                  <a:txBody>
+                    <a:bodyPr/>
+                    <a:lstStyle/>
+                    <a:p>
+                      <a:pPr algn="ctr" fontAlgn="ctr"/>
+                      <a:r>
+                        <a:rPr lang="en-US" altLang="ko-KR" sz="800" b="0" i="0" u="none" strike="noStrike">
+                          <a:solidFill>
+                            <a:srgbClr val="000000"/>
+                          </a:solidFill>
+                          <a:effectLst/>
+                          <a:latin typeface="맑은 고딕" panose="020B0503020000020004" pitchFamily="50" charset="-127"/>
+                          <a:ea typeface="맑은 고딕" panose="020B0503020000020004" pitchFamily="50" charset="-127"/>
+                        </a:rPr>
+                        <a:t>10</a:t>
+                      </a:r>
+                    </a:p>
+                  </a:txBody>
+                  <a:tcPr marL="7152" marR="7152" marT="7152" marB="0" anchor="ctr">
+                    <a:lnL w="3175" cap="flat" cmpd="sng" algn="ctr">
+                      <a:solidFill>
+                        <a:schemeClr val="tx1"/>
+                      </a:solidFill>
+                      <a:prstDash val="solid"/>
+                      <a:round/>
+                      <a:headEnd type="none" w="med" len="med"/>
+                      <a:tailEnd type="none" w="med" len="med"/>
+                    </a:lnL>
+                    <a:lnR w="3175" cap="flat" cmpd="sng" algn="ctr">
+                      <a:solidFill>
+                        <a:schemeClr val="tx1"/>
+                      </a:solidFill>
+                      <a:prstDash val="solid"/>
+                      <a:round/>
+                      <a:headEnd type="none" w="med" len="med"/>
+                      <a:tailEnd type="none" w="med" len="med"/>
+                    </a:lnR>
+                    <a:lnT w="3175" cap="flat" cmpd="sng" algn="ctr">
+                      <a:solidFill>
+                        <a:schemeClr val="tx1"/>
+                      </a:solidFill>
+                      <a:prstDash val="solid"/>
+                      <a:round/>
+                      <a:headEnd type="none" w="med" len="med"/>
+                      <a:tailEnd type="none" w="med" len="med"/>
+                    </a:lnT>
+                    <a:lnB w="3175" cap="flat" cmpd="sng" algn="ctr">
+                      <a:solidFill>
+                        <a:schemeClr val="tx1"/>
+                      </a:solidFill>
+                      <a:prstDash val="solid"/>
+                      <a:round/>
+                      <a:headEnd type="none" w="med" len="med"/>
+                      <a:tailEnd type="none" w="med" len="med"/>
+                    </a:lnB>
+                  </a:tcPr>
+                </a:tc>
+                <a:tc>
+                  <a:txBody>
+                    <a:bodyPr/>
+                    <a:lstStyle/>
+                    <a:p>
+                      <a:pPr algn="ctr" fontAlgn="ctr"/>
+                      <a:endParaRPr lang="en-US" altLang="ko-KR" sz="800" b="0" i="0" u="none" strike="noStrike">
+                        <a:solidFill>
+                          <a:srgbClr val="000000"/>
+                        </a:solidFill>
+                        <a:effectLst/>
+                        <a:latin typeface="맑은 고딕" panose="020B0503020000020004" pitchFamily="50" charset="-127"/>
+                        <a:ea typeface="맑은 고딕" panose="020B0503020000020004" pitchFamily="50" charset="-127"/>
+                      </a:endParaRPr>
+                    </a:p>
+                  </a:txBody>
+                  <a:tcPr marL="7152" marR="7152" marT="7152" marB="0" anchor="ctr">
+                    <a:lnL w="3175" cap="flat" cmpd="sng" algn="ctr">
+                      <a:solidFill>
+                        <a:schemeClr val="tx1"/>
+                      </a:solidFill>
+                      <a:prstDash val="solid"/>
+                      <a:round/>
+                      <a:headEnd type="none" w="med" len="med"/>
+                      <a:tailEnd type="none" w="med" len="med"/>
+                    </a:lnL>
+                    <a:lnR w="3175" cap="flat" cmpd="sng" algn="ctr">
+                      <a:solidFill>
+                        <a:schemeClr val="tx1"/>
+                      </a:solidFill>
+                      <a:prstDash val="solid"/>
+                      <a:round/>
+                      <a:headEnd type="none" w="med" len="med"/>
+                      <a:tailEnd type="none" w="med" len="med"/>
+                    </a:lnR>
+                    <a:lnT w="3175" cap="flat" cmpd="sng" algn="ctr">
+                      <a:solidFill>
+                        <a:schemeClr val="tx1"/>
+                      </a:solidFill>
+                      <a:prstDash val="solid"/>
+                      <a:round/>
+                      <a:headEnd type="none" w="med" len="med"/>
+                      <a:tailEnd type="none" w="med" len="med"/>
+                    </a:lnT>
+                    <a:lnB w="3175" cap="flat" cmpd="sng" algn="ctr">
+                      <a:solidFill>
+                        <a:schemeClr val="tx1"/>
+                      </a:solidFill>
+                      <a:prstDash val="solid"/>
+                      <a:round/>
+                      <a:headEnd type="none" w="med" len="med"/>
+                      <a:tailEnd type="none" w="med" len="med"/>
+                    </a:lnB>
+                  </a:tcPr>
+                </a:tc>
+                <a:tc>
+                  <a:txBody>
+                    <a:bodyPr/>
+                    <a:lstStyle/>
+                    <a:p>
+                      <a:pPr algn="ctr" fontAlgn="ctr"/>
+                      <a:r>
+                        <a:rPr lang="en-US" altLang="ko-KR" sz="800" b="0" i="0" u="none" strike="noStrike">
+                          <a:solidFill>
+                            <a:srgbClr val="000000"/>
+                          </a:solidFill>
+                          <a:effectLst/>
+                          <a:latin typeface="맑은 고딕" panose="020B0503020000020004" pitchFamily="50" charset="-127"/>
+                          <a:ea typeface="맑은 고딕" panose="020B0503020000020004" pitchFamily="50" charset="-127"/>
+                        </a:rPr>
+                        <a:t>3</a:t>
+                      </a:r>
+                    </a:p>
+                  </a:txBody>
+                  <a:tcPr marL="7152" marR="7152" marT="7152" marB="0" anchor="ctr">
+                    <a:lnL w="3175" cap="flat" cmpd="sng" algn="ctr">
+                      <a:solidFill>
+                        <a:schemeClr val="tx1"/>
+                      </a:solidFill>
+                      <a:prstDash val="solid"/>
+                      <a:round/>
+                      <a:headEnd type="none" w="med" len="med"/>
+                      <a:tailEnd type="none" w="med" len="med"/>
+                    </a:lnL>
+                    <a:lnR w="3175" cap="flat" cmpd="sng" algn="ctr">
+                      <a:solidFill>
+                        <a:schemeClr val="tx1"/>
+                      </a:solidFill>
+                      <a:prstDash val="solid"/>
+                      <a:round/>
+                      <a:headEnd type="none" w="med" len="med"/>
+                      <a:tailEnd type="none" w="med" len="med"/>
+                    </a:lnR>
+                    <a:lnT w="3175" cap="flat" cmpd="sng" algn="ctr">
+                      <a:solidFill>
+                        <a:schemeClr val="tx1"/>
+                      </a:solidFill>
+                      <a:prstDash val="solid"/>
+                      <a:round/>
+                      <a:headEnd type="none" w="med" len="med"/>
+                      <a:tailEnd type="none" w="med" len="med"/>
+                    </a:lnT>
+                    <a:lnB w="3175" cap="flat" cmpd="sng" algn="ctr">
+                      <a:solidFill>
+                        <a:schemeClr val="tx1"/>
+                      </a:solidFill>
+                      <a:prstDash val="solid"/>
+                      <a:round/>
+                      <a:headEnd type="none" w="med" len="med"/>
+                      <a:tailEnd type="none" w="med" len="med"/>
+                    </a:lnB>
+                  </a:tcPr>
+                </a:tc>
+                <a:tc>
+                  <a:txBody>
+                    <a:bodyPr/>
+                    <a:lstStyle/>
+                    <a:p>
+                      <a:pPr algn="ctr" fontAlgn="ctr"/>
+                      <a:r>
+                        <a:rPr lang="en-US" altLang="ko-KR" sz="800" b="0" i="0" u="none" strike="noStrike">
+                          <a:solidFill>
+                            <a:srgbClr val="000000"/>
+                          </a:solidFill>
+                          <a:effectLst/>
+                          <a:latin typeface="맑은 고딕" panose="020B0503020000020004" pitchFamily="50" charset="-127"/>
+                          <a:ea typeface="맑은 고딕" panose="020B0503020000020004" pitchFamily="50" charset="-127"/>
+                        </a:rPr>
+                        <a:t>11,118,080</a:t>
+                      </a:r>
+                    </a:p>
+                  </a:txBody>
+                  <a:tcPr marL="7152" marR="7152" marT="7152" marB="0" anchor="ctr">
+                    <a:lnL w="3175" cap="flat" cmpd="sng" algn="ctr">
+                      <a:solidFill>
+                        <a:schemeClr val="tx1"/>
+                      </a:solidFill>
+                      <a:prstDash val="solid"/>
+                      <a:round/>
+                      <a:headEnd type="none" w="med" len="med"/>
+                      <a:tailEnd type="none" w="med" len="med"/>
+                    </a:lnL>
+                    <a:lnR w="3175" cap="flat" cmpd="sng" algn="ctr">
+                      <a:solidFill>
+                        <a:schemeClr val="tx1"/>
+                      </a:solidFill>
+                      <a:prstDash val="solid"/>
+                      <a:round/>
+                      <a:headEnd type="none" w="med" len="med"/>
+                      <a:tailEnd type="none" w="med" len="med"/>
+                    </a:lnR>
+                    <a:lnT w="3175" cap="flat" cmpd="sng" algn="ctr">
+                      <a:solidFill>
+                        <a:schemeClr val="tx1"/>
+                      </a:solidFill>
+                      <a:prstDash val="solid"/>
+                      <a:round/>
+                      <a:headEnd type="none" w="med" len="med"/>
+                      <a:tailEnd type="none" w="med" len="med"/>
+                    </a:lnT>
+                    <a:lnB w="3175" cap="flat" cmpd="sng" algn="ctr">
+                      <a:solidFill>
+                        <a:schemeClr val="tx1"/>
+                      </a:solidFill>
+                      <a:prstDash val="solid"/>
+                      <a:round/>
+                      <a:headEnd type="none" w="med" len="med"/>
+                      <a:tailEnd type="none" w="med" len="med"/>
+                    </a:lnB>
+                  </a:tcPr>
+                </a:tc>
+                <a:extLst>
+                  <a:ext uri="{0D108BD9-81ED-4DB2-BD59-A6C34878D82A}">
+                    <a16:rowId xmlns:a16="http://schemas.microsoft.com/office/drawing/2014/main" val="2251350355"/>
+                  </a:ext>
+                </a:extLst>
+              </a:tr>
+            </a:tbl>
+          </a:graphicData>
+        </a:graphic>
+      </p:graphicFrame>
     </p:spTree>
     <p:extLst>
       <p:ext uri="{BB962C8B-B14F-4D97-AF65-F5344CB8AC3E}">
